--- a/misc/logos_for_README.pptx
+++ b/misc/logos_for_README.pptx
@@ -8,6 +8,7 @@
     <p:sldId id="257" r:id="rId2"/>
     <p:sldId id="256" r:id="rId3"/>
     <p:sldId id="258" r:id="rId4"/>
+    <p:sldId id="259" r:id="rId5"/>
   </p:sldIdLst>
   <p:sldSz cx="12192000" cy="6858000"/>
   <p:notesSz cx="6858000" cy="9144000"/>
@@ -261,7 +262,7 @@
           <a:p>
             <a:fld id="{007BE7B7-3F63-4B47-9009-6AAB15A2BEBB}" type="datetimeFigureOut">
               <a:rPr lang="en-US" smtClean="0"/>
-              <a:t>6/24/20</a:t>
+              <a:t>7/6/20</a:t>
             </a:fld>
             <a:endParaRPr lang="en-US"/>
           </a:p>
@@ -459,7 +460,7 @@
           <a:p>
             <a:fld id="{007BE7B7-3F63-4B47-9009-6AAB15A2BEBB}" type="datetimeFigureOut">
               <a:rPr lang="en-US" smtClean="0"/>
-              <a:t>6/24/20</a:t>
+              <a:t>7/6/20</a:t>
             </a:fld>
             <a:endParaRPr lang="en-US"/>
           </a:p>
@@ -667,7 +668,7 @@
           <a:p>
             <a:fld id="{007BE7B7-3F63-4B47-9009-6AAB15A2BEBB}" type="datetimeFigureOut">
               <a:rPr lang="en-US" smtClean="0"/>
-              <a:t>6/24/20</a:t>
+              <a:t>7/6/20</a:t>
             </a:fld>
             <a:endParaRPr lang="en-US"/>
           </a:p>
@@ -865,7 +866,7 @@
           <a:p>
             <a:fld id="{007BE7B7-3F63-4B47-9009-6AAB15A2BEBB}" type="datetimeFigureOut">
               <a:rPr lang="en-US" smtClean="0"/>
-              <a:t>6/24/20</a:t>
+              <a:t>7/6/20</a:t>
             </a:fld>
             <a:endParaRPr lang="en-US"/>
           </a:p>
@@ -1140,7 +1141,7 @@
           <a:p>
             <a:fld id="{007BE7B7-3F63-4B47-9009-6AAB15A2BEBB}" type="datetimeFigureOut">
               <a:rPr lang="en-US" smtClean="0"/>
-              <a:t>6/24/20</a:t>
+              <a:t>7/6/20</a:t>
             </a:fld>
             <a:endParaRPr lang="en-US"/>
           </a:p>
@@ -1405,7 +1406,7 @@
           <a:p>
             <a:fld id="{007BE7B7-3F63-4B47-9009-6AAB15A2BEBB}" type="datetimeFigureOut">
               <a:rPr lang="en-US" smtClean="0"/>
-              <a:t>6/24/20</a:t>
+              <a:t>7/6/20</a:t>
             </a:fld>
             <a:endParaRPr lang="en-US"/>
           </a:p>
@@ -1817,7 +1818,7 @@
           <a:p>
             <a:fld id="{007BE7B7-3F63-4B47-9009-6AAB15A2BEBB}" type="datetimeFigureOut">
               <a:rPr lang="en-US" smtClean="0"/>
-              <a:t>6/24/20</a:t>
+              <a:t>7/6/20</a:t>
             </a:fld>
             <a:endParaRPr lang="en-US"/>
           </a:p>
@@ -1958,7 +1959,7 @@
           <a:p>
             <a:fld id="{007BE7B7-3F63-4B47-9009-6AAB15A2BEBB}" type="datetimeFigureOut">
               <a:rPr lang="en-US" smtClean="0"/>
-              <a:t>6/24/20</a:t>
+              <a:t>7/6/20</a:t>
             </a:fld>
             <a:endParaRPr lang="en-US"/>
           </a:p>
@@ -2071,7 +2072,7 @@
           <a:p>
             <a:fld id="{007BE7B7-3F63-4B47-9009-6AAB15A2BEBB}" type="datetimeFigureOut">
               <a:rPr lang="en-US" smtClean="0"/>
-              <a:t>6/24/20</a:t>
+              <a:t>7/6/20</a:t>
             </a:fld>
             <a:endParaRPr lang="en-US"/>
           </a:p>
@@ -2382,7 +2383,7 @@
           <a:p>
             <a:fld id="{007BE7B7-3F63-4B47-9009-6AAB15A2BEBB}" type="datetimeFigureOut">
               <a:rPr lang="en-US" smtClean="0"/>
-              <a:t>6/24/20</a:t>
+              <a:t>7/6/20</a:t>
             </a:fld>
             <a:endParaRPr lang="en-US"/>
           </a:p>
@@ -2670,7 +2671,7 @@
           <a:p>
             <a:fld id="{007BE7B7-3F63-4B47-9009-6AAB15A2BEBB}" type="datetimeFigureOut">
               <a:rPr lang="en-US" smtClean="0"/>
-              <a:t>6/24/20</a:t>
+              <a:t>7/6/20</a:t>
             </a:fld>
             <a:endParaRPr lang="en-US"/>
           </a:p>
@@ -2911,7 +2912,7 @@
           <a:p>
             <a:fld id="{007BE7B7-3F63-4B47-9009-6AAB15A2BEBB}" type="datetimeFigureOut">
               <a:rPr lang="en-US" smtClean="0"/>
-              <a:t>6/24/20</a:t>
+              <a:t>7/6/20</a:t>
             </a:fld>
             <a:endParaRPr lang="en-US"/>
           </a:p>
@@ -7413,6 +7414,619 @@
 </p:sld>
 </file>
 
+<file path=ppt/slides/slide4.xml><?xml version="1.0" encoding="utf-8"?>
+<p:sld xmlns:a="http://schemas.openxmlformats.org/drawingml/2006/main" xmlns:r="http://schemas.openxmlformats.org/officeDocument/2006/relationships" xmlns:p="http://schemas.openxmlformats.org/presentationml/2006/main">
+  <p:cSld>
+    <p:spTree>
+      <p:nvGrpSpPr>
+        <p:cNvPr id="1" name=""/>
+        <p:cNvGrpSpPr/>
+        <p:nvPr/>
+      </p:nvGrpSpPr>
+      <p:grpSpPr>
+        <a:xfrm>
+          <a:off x="0" y="0"/>
+          <a:ext cx="0" cy="0"/>
+          <a:chOff x="0" y="0"/>
+          <a:chExt cx="0" cy="0"/>
+        </a:xfrm>
+      </p:grpSpPr>
+      <p:grpSp>
+        <p:nvGrpSpPr>
+          <p:cNvPr id="21" name="Group 20">
+            <a:extLst>
+              <a:ext uri="{FF2B5EF4-FFF2-40B4-BE49-F238E27FC236}">
+                <a16:creationId xmlns:a16="http://schemas.microsoft.com/office/drawing/2014/main" id="{396B5423-259C-7441-A90F-F866AD9B27C3}"/>
+              </a:ext>
+            </a:extLst>
+          </p:cNvPr>
+          <p:cNvGrpSpPr/>
+          <p:nvPr/>
+        </p:nvGrpSpPr>
+        <p:grpSpPr>
+          <a:xfrm>
+            <a:off x="2177143" y="998653"/>
+            <a:ext cx="5146634" cy="2696609"/>
+            <a:chOff x="2177143" y="998653"/>
+            <a:chExt cx="5146634" cy="2696609"/>
+          </a:xfrm>
+        </p:grpSpPr>
+        <p:sp>
+          <p:nvSpPr>
+            <p:cNvPr id="4" name="TextBox 3">
+              <a:extLst>
+                <a:ext uri="{FF2B5EF4-FFF2-40B4-BE49-F238E27FC236}">
+                  <a16:creationId xmlns:a16="http://schemas.microsoft.com/office/drawing/2014/main" id="{016975A8-68DC-5249-874A-938A737E9C7A}"/>
+                </a:ext>
+              </a:extLst>
+            </p:cNvPr>
+            <p:cNvSpPr txBox="1"/>
+            <p:nvPr/>
+          </p:nvSpPr>
+          <p:spPr>
+            <a:xfrm>
+              <a:off x="2934789" y="1672045"/>
+              <a:ext cx="3836307" cy="523220"/>
+            </a:xfrm>
+            <a:prstGeom prst="rect">
+              <a:avLst/>
+            </a:prstGeom>
+            <a:noFill/>
+          </p:spPr>
+          <p:txBody>
+            <a:bodyPr wrap="none" rtlCol="0">
+              <a:spAutoFit/>
+            </a:bodyPr>
+            <a:lstStyle/>
+            <a:p>
+              <a:r>
+                <a:rPr lang="en-US" sz="2800" dirty="0">
+                  <a:latin typeface="Andale Mono" panose="020B0509000000000004" pitchFamily="49" charset="0"/>
+                  <a:cs typeface="Al Bayan Plain" pitchFamily="2" charset="-78"/>
+                </a:rPr>
+                <a:t>SSSS-FFFF-LLL-UOI</a:t>
+              </a:r>
+            </a:p>
+          </p:txBody>
+        </p:sp>
+        <p:sp>
+          <p:nvSpPr>
+            <p:cNvPr id="5" name="TextBox 4">
+              <a:extLst>
+                <a:ext uri="{FF2B5EF4-FFF2-40B4-BE49-F238E27FC236}">
+                  <a16:creationId xmlns:a16="http://schemas.microsoft.com/office/drawing/2014/main" id="{29B0E56A-6C9D-1141-B28E-5169067EB66A}"/>
+                </a:ext>
+              </a:extLst>
+            </p:cNvPr>
+            <p:cNvSpPr txBox="1"/>
+            <p:nvPr/>
+          </p:nvSpPr>
+          <p:spPr>
+            <a:xfrm>
+              <a:off x="2705286" y="2895601"/>
+              <a:ext cx="4031873" cy="400110"/>
+            </a:xfrm>
+            <a:prstGeom prst="rect">
+              <a:avLst/>
+            </a:prstGeom>
+            <a:noFill/>
+          </p:spPr>
+          <p:txBody>
+            <a:bodyPr wrap="none" rtlCol="0">
+              <a:spAutoFit/>
+            </a:bodyPr>
+            <a:lstStyle/>
+            <a:p>
+              <a:r>
+                <a:rPr lang="en-US" sz="2000" dirty="0">
+                  <a:latin typeface="Courier New" panose="02070309020205020404" pitchFamily="49" charset="0"/>
+                  <a:cs typeface="Courier New" panose="02070309020205020404" pitchFamily="49" charset="0"/>
+                </a:rPr>
+                <a:t>S101-F010-L01-S101F010L01</a:t>
+              </a:r>
+              <a:endParaRPr lang="en-US" sz="2800" dirty="0">
+                <a:latin typeface="Courier New" panose="02070309020205020404" pitchFamily="49" charset="0"/>
+                <a:cs typeface="Courier New" panose="02070309020205020404" pitchFamily="49" charset="0"/>
+              </a:endParaRPr>
+            </a:p>
+          </p:txBody>
+        </p:sp>
+        <p:sp>
+          <p:nvSpPr>
+            <p:cNvPr id="6" name="TextBox 5">
+              <a:extLst>
+                <a:ext uri="{FF2B5EF4-FFF2-40B4-BE49-F238E27FC236}">
+                  <a16:creationId xmlns:a16="http://schemas.microsoft.com/office/drawing/2014/main" id="{63507C3F-24E5-4440-969C-F7B214B9CF75}"/>
+                </a:ext>
+              </a:extLst>
+            </p:cNvPr>
+            <p:cNvSpPr txBox="1"/>
+            <p:nvPr/>
+          </p:nvSpPr>
+          <p:spPr>
+            <a:xfrm>
+              <a:off x="2736856" y="1347856"/>
+              <a:ext cx="1207382" cy="276999"/>
+            </a:xfrm>
+            <a:prstGeom prst="rect">
+              <a:avLst/>
+            </a:prstGeom>
+            <a:noFill/>
+          </p:spPr>
+          <p:txBody>
+            <a:bodyPr wrap="none" rtlCol="0">
+              <a:spAutoFit/>
+            </a:bodyPr>
+            <a:lstStyle/>
+            <a:p>
+              <a:r>
+                <a:rPr lang="en-US" sz="1200" dirty="0">
+                  <a:latin typeface="Courier New" panose="02070309020205020404" pitchFamily="49" charset="0"/>
+                  <a:cs typeface="Courier New" panose="02070309020205020404" pitchFamily="49" charset="0"/>
+                </a:rPr>
+                <a:t>Sample name</a:t>
+              </a:r>
+            </a:p>
+          </p:txBody>
+        </p:sp>
+        <p:sp>
+          <p:nvSpPr>
+            <p:cNvPr id="7" name="TextBox 6">
+              <a:extLst>
+                <a:ext uri="{FF2B5EF4-FFF2-40B4-BE49-F238E27FC236}">
+                  <a16:creationId xmlns:a16="http://schemas.microsoft.com/office/drawing/2014/main" id="{46620E80-4B82-E143-BC61-9EEDA8468D93}"/>
+                </a:ext>
+              </a:extLst>
+            </p:cNvPr>
+            <p:cNvSpPr txBox="1"/>
+            <p:nvPr/>
+          </p:nvSpPr>
+          <p:spPr>
+            <a:xfrm>
+              <a:off x="3854565" y="2320832"/>
+              <a:ext cx="1207382" cy="276999"/>
+            </a:xfrm>
+            <a:prstGeom prst="rect">
+              <a:avLst/>
+            </a:prstGeom>
+            <a:noFill/>
+          </p:spPr>
+          <p:txBody>
+            <a:bodyPr wrap="none" rtlCol="0">
+              <a:spAutoFit/>
+            </a:bodyPr>
+            <a:lstStyle/>
+            <a:p>
+              <a:r>
+                <a:rPr lang="en-US" sz="1200" dirty="0">
+                  <a:latin typeface="Courier New" panose="02070309020205020404" pitchFamily="49" charset="0"/>
+                  <a:cs typeface="Courier New" panose="02070309020205020404" pitchFamily="49" charset="0"/>
+                </a:rPr>
+                <a:t>Family name</a:t>
+              </a:r>
+            </a:p>
+          </p:txBody>
+        </p:sp>
+        <p:sp>
+          <p:nvSpPr>
+            <p:cNvPr id="8" name="TextBox 7">
+              <a:extLst>
+                <a:ext uri="{FF2B5EF4-FFF2-40B4-BE49-F238E27FC236}">
+                  <a16:creationId xmlns:a16="http://schemas.microsoft.com/office/drawing/2014/main" id="{78363EA6-E0D6-F742-A526-EE170D27698F}"/>
+                </a:ext>
+              </a:extLst>
+            </p:cNvPr>
+            <p:cNvSpPr txBox="1"/>
+            <p:nvPr/>
+          </p:nvSpPr>
+          <p:spPr>
+            <a:xfrm>
+              <a:off x="4852942" y="1347856"/>
+              <a:ext cx="1207382" cy="276999"/>
+            </a:xfrm>
+            <a:prstGeom prst="rect">
+              <a:avLst/>
+            </a:prstGeom>
+            <a:noFill/>
+          </p:spPr>
+          <p:txBody>
+            <a:bodyPr wrap="none" rtlCol="0">
+              <a:spAutoFit/>
+            </a:bodyPr>
+            <a:lstStyle/>
+            <a:p>
+              <a:r>
+                <a:rPr lang="en-US" sz="1200" dirty="0">
+                  <a:latin typeface="Courier New" panose="02070309020205020404" pitchFamily="49" charset="0"/>
+                  <a:cs typeface="Courier New" panose="02070309020205020404" pitchFamily="49" charset="0"/>
+                </a:rPr>
+                <a:t>Lane number</a:t>
+              </a:r>
+            </a:p>
+          </p:txBody>
+        </p:sp>
+        <p:sp>
+          <p:nvSpPr>
+            <p:cNvPr id="9" name="TextBox 8">
+              <a:extLst>
+                <a:ext uri="{FF2B5EF4-FFF2-40B4-BE49-F238E27FC236}">
+                  <a16:creationId xmlns:a16="http://schemas.microsoft.com/office/drawing/2014/main" id="{B2EF4D4E-B2DB-714F-9324-C437C9672396}"/>
+                </a:ext>
+              </a:extLst>
+            </p:cNvPr>
+            <p:cNvSpPr txBox="1"/>
+            <p:nvPr/>
+          </p:nvSpPr>
+          <p:spPr>
+            <a:xfrm>
+              <a:off x="5780325" y="2320831"/>
+              <a:ext cx="1021433" cy="276999"/>
+            </a:xfrm>
+            <a:prstGeom prst="rect">
+              <a:avLst/>
+            </a:prstGeom>
+            <a:noFill/>
+          </p:spPr>
+          <p:txBody>
+            <a:bodyPr wrap="none" rtlCol="0">
+              <a:spAutoFit/>
+            </a:bodyPr>
+            <a:lstStyle/>
+            <a:p>
+              <a:r>
+                <a:rPr lang="en-US" sz="1200" dirty="0">
+                  <a:latin typeface="Courier New" panose="02070309020205020404" pitchFamily="49" charset="0"/>
+                  <a:cs typeface="Courier New" panose="02070309020205020404" pitchFamily="49" charset="0"/>
+                </a:rPr>
+                <a:t>Unique ID</a:t>
+              </a:r>
+            </a:p>
+          </p:txBody>
+        </p:sp>
+        <p:cxnSp>
+          <p:nvCxnSpPr>
+            <p:cNvPr id="11" name="Straight Connector 10">
+              <a:extLst>
+                <a:ext uri="{FF2B5EF4-FFF2-40B4-BE49-F238E27FC236}">
+                  <a16:creationId xmlns:a16="http://schemas.microsoft.com/office/drawing/2014/main" id="{178F16FC-2091-6342-B5E6-41155FF733B7}"/>
+                </a:ext>
+              </a:extLst>
+            </p:cNvPr>
+            <p:cNvCxnSpPr/>
+            <p:nvPr/>
+          </p:nvCxnSpPr>
+          <p:spPr>
+            <a:xfrm>
+              <a:off x="3340547" y="1584959"/>
+              <a:ext cx="0" cy="130628"/>
+            </a:xfrm>
+            <a:prstGeom prst="line">
+              <a:avLst/>
+            </a:prstGeom>
+            <a:ln w="19050"/>
+          </p:spPr>
+          <p:style>
+            <a:lnRef idx="1">
+              <a:schemeClr val="dk1"/>
+            </a:lnRef>
+            <a:fillRef idx="0">
+              <a:schemeClr val="dk1"/>
+            </a:fillRef>
+            <a:effectRef idx="0">
+              <a:schemeClr val="dk1"/>
+            </a:effectRef>
+            <a:fontRef idx="minor">
+              <a:schemeClr val="tx1"/>
+            </a:fontRef>
+          </p:style>
+        </p:cxnSp>
+        <p:cxnSp>
+          <p:nvCxnSpPr>
+            <p:cNvPr id="12" name="Straight Connector 11">
+              <a:extLst>
+                <a:ext uri="{FF2B5EF4-FFF2-40B4-BE49-F238E27FC236}">
+                  <a16:creationId xmlns:a16="http://schemas.microsoft.com/office/drawing/2014/main" id="{2842F2FD-7BCA-F345-A1B6-A0EABFA0E19E}"/>
+                </a:ext>
+              </a:extLst>
+            </p:cNvPr>
+            <p:cNvCxnSpPr/>
+            <p:nvPr/>
+          </p:nvCxnSpPr>
+          <p:spPr>
+            <a:xfrm>
+              <a:off x="5426256" y="1606727"/>
+              <a:ext cx="0" cy="130628"/>
+            </a:xfrm>
+            <a:prstGeom prst="line">
+              <a:avLst/>
+            </a:prstGeom>
+            <a:ln w="19050"/>
+          </p:spPr>
+          <p:style>
+            <a:lnRef idx="1">
+              <a:schemeClr val="dk1"/>
+            </a:lnRef>
+            <a:fillRef idx="0">
+              <a:schemeClr val="dk1"/>
+            </a:fillRef>
+            <a:effectRef idx="0">
+              <a:schemeClr val="dk1"/>
+            </a:effectRef>
+            <a:fontRef idx="minor">
+              <a:schemeClr val="tx1"/>
+            </a:fontRef>
+          </p:style>
+        </p:cxnSp>
+        <p:cxnSp>
+          <p:nvCxnSpPr>
+            <p:cNvPr id="13" name="Straight Connector 12">
+              <a:extLst>
+                <a:ext uri="{FF2B5EF4-FFF2-40B4-BE49-F238E27FC236}">
+                  <a16:creationId xmlns:a16="http://schemas.microsoft.com/office/drawing/2014/main" id="{601F114C-E919-1842-95A8-4CAC7955B269}"/>
+                </a:ext>
+              </a:extLst>
+            </p:cNvPr>
+            <p:cNvCxnSpPr/>
+            <p:nvPr/>
+          </p:nvCxnSpPr>
+          <p:spPr>
+            <a:xfrm>
+              <a:off x="4458256" y="2129951"/>
+              <a:ext cx="0" cy="130628"/>
+            </a:xfrm>
+            <a:prstGeom prst="line">
+              <a:avLst/>
+            </a:prstGeom>
+            <a:ln w="19050"/>
+          </p:spPr>
+          <p:style>
+            <a:lnRef idx="1">
+              <a:schemeClr val="dk1"/>
+            </a:lnRef>
+            <a:fillRef idx="0">
+              <a:schemeClr val="dk1"/>
+            </a:fillRef>
+            <a:effectRef idx="0">
+              <a:schemeClr val="dk1"/>
+            </a:effectRef>
+            <a:fontRef idx="minor">
+              <a:schemeClr val="tx1"/>
+            </a:fontRef>
+          </p:style>
+        </p:cxnSp>
+        <p:cxnSp>
+          <p:nvCxnSpPr>
+            <p:cNvPr id="15" name="Straight Connector 14">
+              <a:extLst>
+                <a:ext uri="{FF2B5EF4-FFF2-40B4-BE49-F238E27FC236}">
+                  <a16:creationId xmlns:a16="http://schemas.microsoft.com/office/drawing/2014/main" id="{41F0D961-6B5E-D54A-A186-2DF3CEA672CC}"/>
+                </a:ext>
+              </a:extLst>
+            </p:cNvPr>
+            <p:cNvCxnSpPr/>
+            <p:nvPr/>
+          </p:nvCxnSpPr>
+          <p:spPr>
+            <a:xfrm>
+              <a:off x="6303572" y="2129951"/>
+              <a:ext cx="0" cy="130628"/>
+            </a:xfrm>
+            <a:prstGeom prst="line">
+              <a:avLst/>
+            </a:prstGeom>
+            <a:ln w="19050"/>
+          </p:spPr>
+          <p:style>
+            <a:lnRef idx="1">
+              <a:schemeClr val="dk1"/>
+            </a:lnRef>
+            <a:fillRef idx="0">
+              <a:schemeClr val="dk1"/>
+            </a:fillRef>
+            <a:effectRef idx="0">
+              <a:schemeClr val="dk1"/>
+            </a:effectRef>
+            <a:fontRef idx="minor">
+              <a:schemeClr val="tx1"/>
+            </a:fontRef>
+          </p:style>
+        </p:cxnSp>
+        <p:sp>
+          <p:nvSpPr>
+            <p:cNvPr id="16" name="TextBox 15">
+              <a:extLst>
+                <a:ext uri="{FF2B5EF4-FFF2-40B4-BE49-F238E27FC236}">
+                  <a16:creationId xmlns:a16="http://schemas.microsoft.com/office/drawing/2014/main" id="{7E37A67E-1024-C04B-9C43-4E7D98744C6D}"/>
+                </a:ext>
+              </a:extLst>
+            </p:cNvPr>
+            <p:cNvSpPr txBox="1"/>
+            <p:nvPr/>
+          </p:nvSpPr>
+          <p:spPr>
+            <a:xfrm>
+              <a:off x="2724791" y="2721251"/>
+              <a:ext cx="524503" cy="261610"/>
+            </a:xfrm>
+            <a:prstGeom prst="rect">
+              <a:avLst/>
+            </a:prstGeom>
+            <a:noFill/>
+          </p:spPr>
+          <p:txBody>
+            <a:bodyPr wrap="none" rtlCol="0">
+              <a:spAutoFit/>
+            </a:bodyPr>
+            <a:lstStyle/>
+            <a:p>
+              <a:r>
+                <a:rPr lang="en-US" sz="1050" dirty="0">
+                  <a:latin typeface="Courier New" panose="02070309020205020404" pitchFamily="49" charset="0"/>
+                  <a:cs typeface="Courier New" panose="02070309020205020404" pitchFamily="49" charset="0"/>
+                </a:rPr>
+                <a:t>E.g.</a:t>
+              </a:r>
+              <a:endParaRPr lang="en-US" sz="1200" dirty="0">
+                <a:latin typeface="Courier New" panose="02070309020205020404" pitchFamily="49" charset="0"/>
+                <a:cs typeface="Courier New" panose="02070309020205020404" pitchFamily="49" charset="0"/>
+              </a:endParaRPr>
+            </a:p>
+          </p:txBody>
+        </p:sp>
+        <p:sp>
+          <p:nvSpPr>
+            <p:cNvPr id="17" name="Rectangle 16">
+              <a:extLst>
+                <a:ext uri="{FF2B5EF4-FFF2-40B4-BE49-F238E27FC236}">
+                  <a16:creationId xmlns:a16="http://schemas.microsoft.com/office/drawing/2014/main" id="{1CF8B634-7FCC-6B46-AA18-B7C14B09165F}"/>
+                </a:ext>
+              </a:extLst>
+            </p:cNvPr>
+            <p:cNvSpPr/>
+            <p:nvPr/>
+          </p:nvSpPr>
+          <p:spPr>
+            <a:xfrm>
+              <a:off x="2534194" y="1219200"/>
+              <a:ext cx="4441372" cy="2264229"/>
+            </a:xfrm>
+            <a:prstGeom prst="rect">
+              <a:avLst/>
+            </a:prstGeom>
+            <a:noFill/>
+            <a:ln>
+              <a:solidFill>
+                <a:schemeClr val="tx1"/>
+              </a:solidFill>
+            </a:ln>
+          </p:spPr>
+          <p:style>
+            <a:lnRef idx="2">
+              <a:schemeClr val="accent1">
+                <a:shade val="50000"/>
+              </a:schemeClr>
+            </a:lnRef>
+            <a:fillRef idx="1">
+              <a:schemeClr val="accent1"/>
+            </a:fillRef>
+            <a:effectRef idx="0">
+              <a:schemeClr val="accent1"/>
+            </a:effectRef>
+            <a:fontRef idx="minor">
+              <a:schemeClr val="lt1"/>
+            </a:fontRef>
+          </p:style>
+          <p:txBody>
+            <a:bodyPr rtlCol="0" anchor="ctr"/>
+            <a:lstStyle/>
+            <a:p>
+              <a:pPr algn="ctr"/>
+              <a:endParaRPr lang="en-US"/>
+            </a:p>
+          </p:txBody>
+        </p:sp>
+        <p:sp>
+          <p:nvSpPr>
+            <p:cNvPr id="18" name="Rectangle 17">
+              <a:extLst>
+                <a:ext uri="{FF2B5EF4-FFF2-40B4-BE49-F238E27FC236}">
+                  <a16:creationId xmlns:a16="http://schemas.microsoft.com/office/drawing/2014/main" id="{B85F4ADD-82A9-6448-83A2-00C75EE7F25D}"/>
+                </a:ext>
+              </a:extLst>
+            </p:cNvPr>
+            <p:cNvSpPr/>
+            <p:nvPr/>
+          </p:nvSpPr>
+          <p:spPr>
+            <a:xfrm>
+              <a:off x="2177143" y="998653"/>
+              <a:ext cx="5146634" cy="2696609"/>
+            </a:xfrm>
+            <a:prstGeom prst="rect">
+              <a:avLst/>
+            </a:prstGeom>
+            <a:noFill/>
+            <a:ln>
+              <a:noFill/>
+            </a:ln>
+          </p:spPr>
+          <p:style>
+            <a:lnRef idx="2">
+              <a:schemeClr val="accent1">
+                <a:shade val="50000"/>
+              </a:schemeClr>
+            </a:lnRef>
+            <a:fillRef idx="1">
+              <a:schemeClr val="accent1"/>
+            </a:fillRef>
+            <a:effectRef idx="0">
+              <a:schemeClr val="accent1"/>
+            </a:effectRef>
+            <a:fontRef idx="minor">
+              <a:schemeClr val="lt1"/>
+            </a:fontRef>
+          </p:style>
+          <p:txBody>
+            <a:bodyPr rtlCol="0" anchor="ctr"/>
+            <a:lstStyle/>
+            <a:p>
+              <a:pPr algn="ctr"/>
+              <a:endParaRPr lang="en-US"/>
+            </a:p>
+          </p:txBody>
+        </p:sp>
+        <p:cxnSp>
+          <p:nvCxnSpPr>
+            <p:cNvPr id="20" name="Straight Connector 19">
+              <a:extLst>
+                <a:ext uri="{FF2B5EF4-FFF2-40B4-BE49-F238E27FC236}">
+                  <a16:creationId xmlns:a16="http://schemas.microsoft.com/office/drawing/2014/main" id="{2DDA1433-6647-7840-895F-BEE0E677B0BE}"/>
+                </a:ext>
+              </a:extLst>
+            </p:cNvPr>
+            <p:cNvCxnSpPr>
+              <a:cxnSpLocks/>
+            </p:cNvCxnSpPr>
+            <p:nvPr/>
+          </p:nvCxnSpPr>
+          <p:spPr>
+            <a:xfrm>
+              <a:off x="2534194" y="2673534"/>
+              <a:ext cx="4441372" cy="0"/>
+            </a:xfrm>
+            <a:prstGeom prst="line">
+              <a:avLst/>
+            </a:prstGeom>
+          </p:spPr>
+          <p:style>
+            <a:lnRef idx="1">
+              <a:schemeClr val="dk1"/>
+            </a:lnRef>
+            <a:fillRef idx="0">
+              <a:schemeClr val="dk1"/>
+            </a:fillRef>
+            <a:effectRef idx="0">
+              <a:schemeClr val="dk1"/>
+            </a:effectRef>
+            <a:fontRef idx="minor">
+              <a:schemeClr val="tx1"/>
+            </a:fontRef>
+          </p:style>
+        </p:cxnSp>
+      </p:grpSp>
+    </p:spTree>
+    <p:extLst>
+      <p:ext uri="{BB962C8B-B14F-4D97-AF65-F5344CB8AC3E}">
+        <p14:creationId xmlns:p14="http://schemas.microsoft.com/office/powerpoint/2010/main" val="3612328154"/>
+      </p:ext>
+    </p:extLst>
+  </p:cSld>
+  <p:clrMapOvr>
+    <a:masterClrMapping/>
+  </p:clrMapOvr>
+</p:sld>
+</file>
+
 <file path=ppt/theme/theme1.xml><?xml version="1.0" encoding="utf-8"?>
 <a:theme xmlns:a="http://schemas.openxmlformats.org/drawingml/2006/main" name="Office Theme">
   <a:themeElements>

--- a/misc/logos_for_README.pptx
+++ b/misc/logos_for_README.pptx
@@ -7445,10 +7445,10 @@
         </p:nvGrpSpPr>
         <p:grpSpPr>
           <a:xfrm>
-            <a:off x="2177143" y="998653"/>
-            <a:ext cx="5146634" cy="2696609"/>
-            <a:chOff x="2177143" y="998653"/>
-            <a:chExt cx="5146634" cy="2696609"/>
+            <a:off x="1010194" y="731519"/>
+            <a:ext cx="7463246" cy="3317967"/>
+            <a:chOff x="1010194" y="731519"/>
+            <a:chExt cx="7463246" cy="3317967"/>
           </a:xfrm>
         </p:grpSpPr>
         <p:sp>
@@ -7939,8 +7939,8 @@
           </p:nvSpPr>
           <p:spPr>
             <a:xfrm>
-              <a:off x="2177143" y="998653"/>
-              <a:ext cx="5146634" cy="2696609"/>
+              <a:off x="1010194" y="731519"/>
+              <a:ext cx="7463246" cy="3317967"/>
             </a:xfrm>
             <a:prstGeom prst="rect">
               <a:avLst/>
@@ -7971,7 +7971,7 @@
             <a:lstStyle/>
             <a:p>
               <a:pPr algn="ctr"/>
-              <a:endParaRPr lang="en-US"/>
+              <a:endParaRPr lang="en-US" dirty="0"/>
             </a:p>
           </p:txBody>
         </p:sp>

--- a/misc/logos_for_README.pptx
+++ b/misc/logos_for_README.pptx
@@ -7503,8 +7503,8 @@
           </p:nvSpPr>
           <p:spPr>
             <a:xfrm>
-              <a:off x="2705286" y="2895601"/>
-              <a:ext cx="4031873" cy="400110"/>
+              <a:off x="2522400" y="2947855"/>
+              <a:ext cx="4458272" cy="369332"/>
             </a:xfrm>
             <a:prstGeom prst="rect">
               <a:avLst/>
@@ -7518,13 +7518,13 @@
             <a:lstStyle/>
             <a:p>
               <a:r>
-                <a:rPr lang="en-US" sz="2000" dirty="0">
+                <a:rPr lang="en-US" dirty="0">
                   <a:latin typeface="Courier New" panose="02070309020205020404" pitchFamily="49" charset="0"/>
                   <a:cs typeface="Courier New" panose="02070309020205020404" pitchFamily="49" charset="0"/>
                 </a:rPr>
-                <a:t>S101-F010-L01-S101F010L01</a:t>
+                <a:t>S101-F010-L01-S101F010L01.fq.gz</a:t>
               </a:r>
-              <a:endParaRPr lang="en-US" sz="2800" dirty="0">
+              <a:endParaRPr lang="en-US" sz="2400" dirty="0">
                 <a:latin typeface="Courier New" panose="02070309020205020404" pitchFamily="49" charset="0"/>
                 <a:cs typeface="Courier New" panose="02070309020205020404" pitchFamily="49" charset="0"/>
               </a:endParaRPr>

--- a/misc/logos_for_README.pptx
+++ b/misc/logos_for_README.pptx
@@ -262,7 +262,7 @@
           <a:p>
             <a:fld id="{007BE7B7-3F63-4B47-9009-6AAB15A2BEBB}" type="datetimeFigureOut">
               <a:rPr lang="en-US" smtClean="0"/>
-              <a:t>7/6/20</a:t>
+              <a:t>7/9/20</a:t>
             </a:fld>
             <a:endParaRPr lang="en-US"/>
           </a:p>
@@ -460,7 +460,7 @@
           <a:p>
             <a:fld id="{007BE7B7-3F63-4B47-9009-6AAB15A2BEBB}" type="datetimeFigureOut">
               <a:rPr lang="en-US" smtClean="0"/>
-              <a:t>7/6/20</a:t>
+              <a:t>7/9/20</a:t>
             </a:fld>
             <a:endParaRPr lang="en-US"/>
           </a:p>
@@ -668,7 +668,7 @@
           <a:p>
             <a:fld id="{007BE7B7-3F63-4B47-9009-6AAB15A2BEBB}" type="datetimeFigureOut">
               <a:rPr lang="en-US" smtClean="0"/>
-              <a:t>7/6/20</a:t>
+              <a:t>7/9/20</a:t>
             </a:fld>
             <a:endParaRPr lang="en-US"/>
           </a:p>
@@ -866,7 +866,7 @@
           <a:p>
             <a:fld id="{007BE7B7-3F63-4B47-9009-6AAB15A2BEBB}" type="datetimeFigureOut">
               <a:rPr lang="en-US" smtClean="0"/>
-              <a:t>7/6/20</a:t>
+              <a:t>7/9/20</a:t>
             </a:fld>
             <a:endParaRPr lang="en-US"/>
           </a:p>
@@ -1141,7 +1141,7 @@
           <a:p>
             <a:fld id="{007BE7B7-3F63-4B47-9009-6AAB15A2BEBB}" type="datetimeFigureOut">
               <a:rPr lang="en-US" smtClean="0"/>
-              <a:t>7/6/20</a:t>
+              <a:t>7/9/20</a:t>
             </a:fld>
             <a:endParaRPr lang="en-US"/>
           </a:p>
@@ -1406,7 +1406,7 @@
           <a:p>
             <a:fld id="{007BE7B7-3F63-4B47-9009-6AAB15A2BEBB}" type="datetimeFigureOut">
               <a:rPr lang="en-US" smtClean="0"/>
-              <a:t>7/6/20</a:t>
+              <a:t>7/9/20</a:t>
             </a:fld>
             <a:endParaRPr lang="en-US"/>
           </a:p>
@@ -1818,7 +1818,7 @@
           <a:p>
             <a:fld id="{007BE7B7-3F63-4B47-9009-6AAB15A2BEBB}" type="datetimeFigureOut">
               <a:rPr lang="en-US" smtClean="0"/>
-              <a:t>7/6/20</a:t>
+              <a:t>7/9/20</a:t>
             </a:fld>
             <a:endParaRPr lang="en-US"/>
           </a:p>
@@ -1959,7 +1959,7 @@
           <a:p>
             <a:fld id="{007BE7B7-3F63-4B47-9009-6AAB15A2BEBB}" type="datetimeFigureOut">
               <a:rPr lang="en-US" smtClean="0"/>
-              <a:t>7/6/20</a:t>
+              <a:t>7/9/20</a:t>
             </a:fld>
             <a:endParaRPr lang="en-US"/>
           </a:p>
@@ -2072,7 +2072,7 @@
           <a:p>
             <a:fld id="{007BE7B7-3F63-4B47-9009-6AAB15A2BEBB}" type="datetimeFigureOut">
               <a:rPr lang="en-US" smtClean="0"/>
-              <a:t>7/6/20</a:t>
+              <a:t>7/9/20</a:t>
             </a:fld>
             <a:endParaRPr lang="en-US"/>
           </a:p>
@@ -2383,7 +2383,7 @@
           <a:p>
             <a:fld id="{007BE7B7-3F63-4B47-9009-6AAB15A2BEBB}" type="datetimeFigureOut">
               <a:rPr lang="en-US" smtClean="0"/>
-              <a:t>7/6/20</a:t>
+              <a:t>7/9/20</a:t>
             </a:fld>
             <a:endParaRPr lang="en-US"/>
           </a:p>
@@ -2671,7 +2671,7 @@
           <a:p>
             <a:fld id="{007BE7B7-3F63-4B47-9009-6AAB15A2BEBB}" type="datetimeFigureOut">
               <a:rPr lang="en-US" smtClean="0"/>
-              <a:t>7/6/20</a:t>
+              <a:t>7/9/20</a:t>
             </a:fld>
             <a:endParaRPr lang="en-US"/>
           </a:p>
@@ -2912,7 +2912,7 @@
           <a:p>
             <a:fld id="{007BE7B7-3F63-4B47-9009-6AAB15A2BEBB}" type="datetimeFigureOut">
               <a:rPr lang="en-US" smtClean="0"/>
-              <a:t>7/6/20</a:t>
+              <a:t>7/9/20</a:t>
             </a:fld>
             <a:endParaRPr lang="en-US"/>
           </a:p>
@@ -7583,8 +7583,8 @@
           </p:nvSpPr>
           <p:spPr>
             <a:xfrm>
-              <a:off x="3854565" y="2320832"/>
-              <a:ext cx="1207382" cy="276999"/>
+              <a:off x="3656965" y="2256819"/>
+              <a:ext cx="1672253" cy="461665"/>
             </a:xfrm>
             <a:prstGeom prst="rect">
               <a:avLst/>
@@ -7597,12 +7597,29 @@
             </a:bodyPr>
             <a:lstStyle/>
             <a:p>
+              <a:pPr algn="ctr"/>
               <a:r>
                 <a:rPr lang="en-US" sz="1200" dirty="0">
                   <a:latin typeface="Courier New" panose="02070309020205020404" pitchFamily="49" charset="0"/>
                   <a:cs typeface="Courier New" panose="02070309020205020404" pitchFamily="49" charset="0"/>
                 </a:rPr>
-                <a:t>Family name</a:t>
+                <a:t>Family ID /</a:t>
+              </a:r>
+            </a:p>
+            <a:p>
+              <a:r>
+                <a:rPr lang="en-US" sz="1200" dirty="0" err="1">
+                  <a:latin typeface="Courier New" panose="02070309020205020404" pitchFamily="49" charset="0"/>
+                  <a:cs typeface="Courier New" panose="02070309020205020404" pitchFamily="49" charset="0"/>
+                </a:rPr>
+                <a:t>Tumour</a:t>
+              </a:r>
+              <a:r>
+                <a:rPr lang="en-US" sz="1200" dirty="0">
+                  <a:latin typeface="Courier New" panose="02070309020205020404" pitchFamily="49" charset="0"/>
+                  <a:cs typeface="Courier New" panose="02070309020205020404" pitchFamily="49" charset="0"/>
+                </a:rPr>
+                <a:t> or Normal</a:t>
               </a:r>
             </a:p>
           </p:txBody>

--- a/misc/logos_for_README.pptx
+++ b/misc/logos_for_README.pptx
@@ -9,6 +9,10 @@
     <p:sldId id="256" r:id="rId3"/>
     <p:sldId id="258" r:id="rId4"/>
     <p:sldId id="259" r:id="rId5"/>
+    <p:sldId id="260" r:id="rId6"/>
+    <p:sldId id="261" r:id="rId7"/>
+    <p:sldId id="262" r:id="rId8"/>
+    <p:sldId id="263" r:id="rId9"/>
   </p:sldIdLst>
   <p:sldSz cx="12192000" cy="6858000"/>
   <p:notesSz cx="6858000" cy="9144000"/>
@@ -262,7 +266,7 @@
           <a:p>
             <a:fld id="{007BE7B7-3F63-4B47-9009-6AAB15A2BEBB}" type="datetimeFigureOut">
               <a:rPr lang="en-US" smtClean="0"/>
-              <a:t>7/9/20</a:t>
+              <a:t>8/4/20</a:t>
             </a:fld>
             <a:endParaRPr lang="en-US"/>
           </a:p>
@@ -460,7 +464,7 @@
           <a:p>
             <a:fld id="{007BE7B7-3F63-4B47-9009-6AAB15A2BEBB}" type="datetimeFigureOut">
               <a:rPr lang="en-US" smtClean="0"/>
-              <a:t>7/9/20</a:t>
+              <a:t>8/4/20</a:t>
             </a:fld>
             <a:endParaRPr lang="en-US"/>
           </a:p>
@@ -668,7 +672,7 @@
           <a:p>
             <a:fld id="{007BE7B7-3F63-4B47-9009-6AAB15A2BEBB}" type="datetimeFigureOut">
               <a:rPr lang="en-US" smtClean="0"/>
-              <a:t>7/9/20</a:t>
+              <a:t>8/4/20</a:t>
             </a:fld>
             <a:endParaRPr lang="en-US"/>
           </a:p>
@@ -866,7 +870,7 @@
           <a:p>
             <a:fld id="{007BE7B7-3F63-4B47-9009-6AAB15A2BEBB}" type="datetimeFigureOut">
               <a:rPr lang="en-US" smtClean="0"/>
-              <a:t>7/9/20</a:t>
+              <a:t>8/4/20</a:t>
             </a:fld>
             <a:endParaRPr lang="en-US"/>
           </a:p>
@@ -1141,7 +1145,7 @@
           <a:p>
             <a:fld id="{007BE7B7-3F63-4B47-9009-6AAB15A2BEBB}" type="datetimeFigureOut">
               <a:rPr lang="en-US" smtClean="0"/>
-              <a:t>7/9/20</a:t>
+              <a:t>8/4/20</a:t>
             </a:fld>
             <a:endParaRPr lang="en-US"/>
           </a:p>
@@ -1406,7 +1410,7 @@
           <a:p>
             <a:fld id="{007BE7B7-3F63-4B47-9009-6AAB15A2BEBB}" type="datetimeFigureOut">
               <a:rPr lang="en-US" smtClean="0"/>
-              <a:t>7/9/20</a:t>
+              <a:t>8/4/20</a:t>
             </a:fld>
             <a:endParaRPr lang="en-US"/>
           </a:p>
@@ -1818,7 +1822,7 @@
           <a:p>
             <a:fld id="{007BE7B7-3F63-4B47-9009-6AAB15A2BEBB}" type="datetimeFigureOut">
               <a:rPr lang="en-US" smtClean="0"/>
-              <a:t>7/9/20</a:t>
+              <a:t>8/4/20</a:t>
             </a:fld>
             <a:endParaRPr lang="en-US"/>
           </a:p>
@@ -1959,7 +1963,7 @@
           <a:p>
             <a:fld id="{007BE7B7-3F63-4B47-9009-6AAB15A2BEBB}" type="datetimeFigureOut">
               <a:rPr lang="en-US" smtClean="0"/>
-              <a:t>7/9/20</a:t>
+              <a:t>8/4/20</a:t>
             </a:fld>
             <a:endParaRPr lang="en-US"/>
           </a:p>
@@ -2072,7 +2076,7 @@
           <a:p>
             <a:fld id="{007BE7B7-3F63-4B47-9009-6AAB15A2BEBB}" type="datetimeFigureOut">
               <a:rPr lang="en-US" smtClean="0"/>
-              <a:t>7/9/20</a:t>
+              <a:t>8/4/20</a:t>
             </a:fld>
             <a:endParaRPr lang="en-US"/>
           </a:p>
@@ -2383,7 +2387,7 @@
           <a:p>
             <a:fld id="{007BE7B7-3F63-4B47-9009-6AAB15A2BEBB}" type="datetimeFigureOut">
               <a:rPr lang="en-US" smtClean="0"/>
-              <a:t>7/9/20</a:t>
+              <a:t>8/4/20</a:t>
             </a:fld>
             <a:endParaRPr lang="en-US"/>
           </a:p>
@@ -2671,7 +2675,7 @@
           <a:p>
             <a:fld id="{007BE7B7-3F63-4B47-9009-6AAB15A2BEBB}" type="datetimeFigureOut">
               <a:rPr lang="en-US" smtClean="0"/>
-              <a:t>7/9/20</a:t>
+              <a:t>8/4/20</a:t>
             </a:fld>
             <a:endParaRPr lang="en-US"/>
           </a:p>
@@ -2912,7 +2916,7 @@
           <a:p>
             <a:fld id="{007BE7B7-3F63-4B47-9009-6AAB15A2BEBB}" type="datetimeFigureOut">
               <a:rPr lang="en-US" smtClean="0"/>
-              <a:t>7/9/20</a:t>
+              <a:t>8/4/20</a:t>
             </a:fld>
             <a:endParaRPr lang="en-US"/>
           </a:p>
@@ -3433,7 +3437,7 @@
                     <a:ea typeface="Apple Color Emoji" pitchFamily="2" charset="0"/>
                     <a:cs typeface="Angsana New" panose="02020603050405020304" pitchFamily="18" charset="-34"/>
                   </a:rPr>
-                  <a:t>BCRE Genomics \</a:t>
+                  <a:t>MED Genomics \</a:t>
                 </a:r>
               </a:p>
               <a:p>
@@ -5328,6 +5332,1802 @@
             </a:p>
           </p:txBody>
         </p:sp>
+      </p:grpSp>
+      <p:grpSp>
+        <p:nvGrpSpPr>
+          <p:cNvPr id="54" name="Group 53">
+            <a:extLst>
+              <a:ext uri="{FF2B5EF4-FFF2-40B4-BE49-F238E27FC236}">
+                <a16:creationId xmlns:a16="http://schemas.microsoft.com/office/drawing/2014/main" id="{471629F9-8252-CA49-9B3B-85081422E710}"/>
+              </a:ext>
+            </a:extLst>
+          </p:cNvPr>
+          <p:cNvGrpSpPr/>
+          <p:nvPr/>
+        </p:nvGrpSpPr>
+        <p:grpSpPr>
+          <a:xfrm>
+            <a:off x="1832486" y="3685583"/>
+            <a:ext cx="1157367" cy="1525899"/>
+            <a:chOff x="3429366" y="932579"/>
+            <a:chExt cx="2316631" cy="3058554"/>
+          </a:xfrm>
+        </p:grpSpPr>
+        <p:cxnSp>
+          <p:nvCxnSpPr>
+            <p:cNvPr id="55" name="Straight Connector 54">
+              <a:extLst>
+                <a:ext uri="{FF2B5EF4-FFF2-40B4-BE49-F238E27FC236}">
+                  <a16:creationId xmlns:a16="http://schemas.microsoft.com/office/drawing/2014/main" id="{DE0AA273-B8C3-E04D-9D0C-1BE323D624F0}"/>
+                </a:ext>
+              </a:extLst>
+            </p:cNvPr>
+            <p:cNvCxnSpPr/>
+            <p:nvPr/>
+          </p:nvCxnSpPr>
+          <p:spPr>
+            <a:xfrm>
+              <a:off x="4113910" y="3093628"/>
+              <a:ext cx="575014" cy="0"/>
+            </a:xfrm>
+            <a:prstGeom prst="line">
+              <a:avLst/>
+            </a:prstGeom>
+            <a:ln w="38100">
+              <a:solidFill>
+                <a:schemeClr val="bg1">
+                  <a:lumMod val="50000"/>
+                </a:schemeClr>
+              </a:solidFill>
+            </a:ln>
+          </p:spPr>
+          <p:style>
+            <a:lnRef idx="1">
+              <a:schemeClr val="accent1"/>
+            </a:lnRef>
+            <a:fillRef idx="0">
+              <a:schemeClr val="accent1"/>
+            </a:fillRef>
+            <a:effectRef idx="0">
+              <a:schemeClr val="accent1"/>
+            </a:effectRef>
+            <a:fontRef idx="minor">
+              <a:schemeClr val="tx1"/>
+            </a:fontRef>
+          </p:style>
+        </p:cxnSp>
+        <p:cxnSp>
+          <p:nvCxnSpPr>
+            <p:cNvPr id="56" name="Straight Connector 55">
+              <a:extLst>
+                <a:ext uri="{FF2B5EF4-FFF2-40B4-BE49-F238E27FC236}">
+                  <a16:creationId xmlns:a16="http://schemas.microsoft.com/office/drawing/2014/main" id="{98434427-0DB3-AD48-AED5-5C6674E59E82}"/>
+                </a:ext>
+              </a:extLst>
+            </p:cNvPr>
+            <p:cNvCxnSpPr/>
+            <p:nvPr/>
+          </p:nvCxnSpPr>
+          <p:spPr>
+            <a:xfrm>
+              <a:off x="3867534" y="3868150"/>
+              <a:ext cx="1120544" cy="0"/>
+            </a:xfrm>
+            <a:prstGeom prst="line">
+              <a:avLst/>
+            </a:prstGeom>
+            <a:ln w="38100">
+              <a:solidFill>
+                <a:schemeClr val="bg1">
+                  <a:lumMod val="50000"/>
+                </a:schemeClr>
+              </a:solidFill>
+            </a:ln>
+          </p:spPr>
+          <p:style>
+            <a:lnRef idx="1">
+              <a:schemeClr val="accent1"/>
+            </a:lnRef>
+            <a:fillRef idx="0">
+              <a:schemeClr val="accent1"/>
+            </a:fillRef>
+            <a:effectRef idx="0">
+              <a:schemeClr val="accent1"/>
+            </a:effectRef>
+            <a:fontRef idx="minor">
+              <a:schemeClr val="tx1"/>
+            </a:fontRef>
+          </p:style>
+        </p:cxnSp>
+        <p:cxnSp>
+          <p:nvCxnSpPr>
+            <p:cNvPr id="57" name="Straight Connector 56">
+              <a:extLst>
+                <a:ext uri="{FF2B5EF4-FFF2-40B4-BE49-F238E27FC236}">
+                  <a16:creationId xmlns:a16="http://schemas.microsoft.com/office/drawing/2014/main" id="{4D5659A5-A9F4-E94A-8996-E4C3F61A2E18}"/>
+                </a:ext>
+              </a:extLst>
+            </p:cNvPr>
+            <p:cNvCxnSpPr/>
+            <p:nvPr/>
+          </p:nvCxnSpPr>
+          <p:spPr>
+            <a:xfrm>
+              <a:off x="4260517" y="3629194"/>
+              <a:ext cx="575015" cy="0"/>
+            </a:xfrm>
+            <a:prstGeom prst="line">
+              <a:avLst/>
+            </a:prstGeom>
+            <a:ln w="38100">
+              <a:solidFill>
+                <a:schemeClr val="bg1">
+                  <a:lumMod val="50000"/>
+                </a:schemeClr>
+              </a:solidFill>
+            </a:ln>
+          </p:spPr>
+          <p:style>
+            <a:lnRef idx="1">
+              <a:schemeClr val="accent1"/>
+            </a:lnRef>
+            <a:fillRef idx="0">
+              <a:schemeClr val="accent1"/>
+            </a:fillRef>
+            <a:effectRef idx="0">
+              <a:schemeClr val="accent1"/>
+            </a:effectRef>
+            <a:fontRef idx="minor">
+              <a:schemeClr val="tx1"/>
+            </a:fontRef>
+          </p:style>
+        </p:cxnSp>
+        <p:cxnSp>
+          <p:nvCxnSpPr>
+            <p:cNvPr id="58" name="Straight Connector 57">
+              <a:extLst>
+                <a:ext uri="{FF2B5EF4-FFF2-40B4-BE49-F238E27FC236}">
+                  <a16:creationId xmlns:a16="http://schemas.microsoft.com/office/drawing/2014/main" id="{F2233BB4-E3C7-4A4C-A3B7-0690A6FE9CE4}"/>
+                </a:ext>
+              </a:extLst>
+            </p:cNvPr>
+            <p:cNvCxnSpPr/>
+            <p:nvPr/>
+          </p:nvCxnSpPr>
+          <p:spPr>
+            <a:xfrm>
+              <a:off x="4012269" y="2796850"/>
+              <a:ext cx="1018676" cy="0"/>
+            </a:xfrm>
+            <a:prstGeom prst="line">
+              <a:avLst/>
+            </a:prstGeom>
+            <a:ln w="38100">
+              <a:solidFill>
+                <a:schemeClr val="bg1">
+                  <a:lumMod val="50000"/>
+                </a:schemeClr>
+              </a:solidFill>
+            </a:ln>
+          </p:spPr>
+          <p:style>
+            <a:lnRef idx="1">
+              <a:schemeClr val="accent1"/>
+            </a:lnRef>
+            <a:fillRef idx="0">
+              <a:schemeClr val="accent1"/>
+            </a:fillRef>
+            <a:effectRef idx="0">
+              <a:schemeClr val="accent1"/>
+            </a:effectRef>
+            <a:fontRef idx="minor">
+              <a:schemeClr val="tx1"/>
+            </a:fontRef>
+          </p:style>
+        </p:cxnSp>
+        <p:cxnSp>
+          <p:nvCxnSpPr>
+            <p:cNvPr id="59" name="Straight Connector 58">
+              <a:extLst>
+                <a:ext uri="{FF2B5EF4-FFF2-40B4-BE49-F238E27FC236}">
+                  <a16:creationId xmlns:a16="http://schemas.microsoft.com/office/drawing/2014/main" id="{DF7ECB05-3315-D74C-8EE6-B030AA305842}"/>
+                </a:ext>
+              </a:extLst>
+            </p:cNvPr>
+            <p:cNvCxnSpPr/>
+            <p:nvPr/>
+          </p:nvCxnSpPr>
+          <p:spPr>
+            <a:xfrm>
+              <a:off x="3911593" y="2443608"/>
+              <a:ext cx="1018676" cy="0"/>
+            </a:xfrm>
+            <a:prstGeom prst="line">
+              <a:avLst/>
+            </a:prstGeom>
+            <a:ln w="38100">
+              <a:solidFill>
+                <a:schemeClr val="bg1">
+                  <a:lumMod val="50000"/>
+                </a:schemeClr>
+              </a:solidFill>
+            </a:ln>
+          </p:spPr>
+          <p:style>
+            <a:lnRef idx="1">
+              <a:schemeClr val="accent1"/>
+            </a:lnRef>
+            <a:fillRef idx="0">
+              <a:schemeClr val="accent1"/>
+            </a:fillRef>
+            <a:effectRef idx="0">
+              <a:schemeClr val="accent1"/>
+            </a:effectRef>
+            <a:fontRef idx="minor">
+              <a:schemeClr val="tx1"/>
+            </a:fontRef>
+          </p:style>
+        </p:cxnSp>
+        <p:cxnSp>
+          <p:nvCxnSpPr>
+            <p:cNvPr id="60" name="Straight Connector 59">
+              <a:extLst>
+                <a:ext uri="{FF2B5EF4-FFF2-40B4-BE49-F238E27FC236}">
+                  <a16:creationId xmlns:a16="http://schemas.microsoft.com/office/drawing/2014/main" id="{0B3E3463-0675-F741-8B8D-DE43F0C7A0F4}"/>
+                </a:ext>
+              </a:extLst>
+            </p:cNvPr>
+            <p:cNvCxnSpPr/>
+            <p:nvPr/>
+          </p:nvCxnSpPr>
+          <p:spPr>
+            <a:xfrm>
+              <a:off x="3627568" y="3868151"/>
+              <a:ext cx="194534" cy="0"/>
+            </a:xfrm>
+            <a:prstGeom prst="line">
+              <a:avLst/>
+            </a:prstGeom>
+            <a:ln w="38100">
+              <a:solidFill>
+                <a:schemeClr val="tx1"/>
+              </a:solidFill>
+            </a:ln>
+          </p:spPr>
+          <p:style>
+            <a:lnRef idx="1">
+              <a:schemeClr val="accent1"/>
+            </a:lnRef>
+            <a:fillRef idx="0">
+              <a:schemeClr val="accent1"/>
+            </a:fillRef>
+            <a:effectRef idx="0">
+              <a:schemeClr val="accent1"/>
+            </a:effectRef>
+            <a:fontRef idx="minor">
+              <a:schemeClr val="tx1"/>
+            </a:fontRef>
+          </p:style>
+        </p:cxnSp>
+        <p:sp>
+          <p:nvSpPr>
+            <p:cNvPr id="61" name="Oval 60">
+              <a:extLst>
+                <a:ext uri="{FF2B5EF4-FFF2-40B4-BE49-F238E27FC236}">
+                  <a16:creationId xmlns:a16="http://schemas.microsoft.com/office/drawing/2014/main" id="{F872844D-AFB2-BC47-BFC3-ACCA141A16F3}"/>
+                </a:ext>
+              </a:extLst>
+            </p:cNvPr>
+            <p:cNvSpPr/>
+            <p:nvPr/>
+          </p:nvSpPr>
+          <p:spPr>
+            <a:xfrm>
+              <a:off x="3724835" y="968188"/>
+              <a:ext cx="201706" cy="215153"/>
+            </a:xfrm>
+            <a:prstGeom prst="ellipse">
+              <a:avLst/>
+            </a:prstGeom>
+            <a:solidFill>
+              <a:schemeClr val="tx1"/>
+            </a:solidFill>
+          </p:spPr>
+          <p:style>
+            <a:lnRef idx="2">
+              <a:schemeClr val="dk1">
+                <a:shade val="50000"/>
+              </a:schemeClr>
+            </a:lnRef>
+            <a:fillRef idx="1">
+              <a:schemeClr val="dk1"/>
+            </a:fillRef>
+            <a:effectRef idx="0">
+              <a:schemeClr val="dk1"/>
+            </a:effectRef>
+            <a:fontRef idx="minor">
+              <a:schemeClr val="lt1"/>
+            </a:fontRef>
+          </p:style>
+          <p:txBody>
+            <a:bodyPr rtlCol="0" anchor="ctr"/>
+            <a:lstStyle/>
+            <a:p>
+              <a:pPr algn="ctr"/>
+              <a:endParaRPr lang="en-US"/>
+            </a:p>
+          </p:txBody>
+        </p:sp>
+        <p:sp>
+          <p:nvSpPr>
+            <p:cNvPr id="62" name="Oval 61">
+              <a:extLst>
+                <a:ext uri="{FF2B5EF4-FFF2-40B4-BE49-F238E27FC236}">
+                  <a16:creationId xmlns:a16="http://schemas.microsoft.com/office/drawing/2014/main" id="{E0D6DDBC-E7BF-CF42-8EF3-1E52CD8A5A21}"/>
+                </a:ext>
+              </a:extLst>
+            </p:cNvPr>
+            <p:cNvSpPr/>
+            <p:nvPr/>
+          </p:nvSpPr>
+          <p:spPr>
+            <a:xfrm>
+              <a:off x="5100918" y="968187"/>
+              <a:ext cx="201706" cy="215153"/>
+            </a:xfrm>
+            <a:prstGeom prst="ellipse">
+              <a:avLst/>
+            </a:prstGeom>
+            <a:solidFill>
+              <a:schemeClr val="tx1"/>
+            </a:solidFill>
+            <a:ln>
+              <a:solidFill>
+                <a:schemeClr val="tx1"/>
+              </a:solidFill>
+            </a:ln>
+          </p:spPr>
+          <p:style>
+            <a:lnRef idx="2">
+              <a:schemeClr val="dk1">
+                <a:shade val="50000"/>
+              </a:schemeClr>
+            </a:lnRef>
+            <a:fillRef idx="1">
+              <a:schemeClr val="dk1"/>
+            </a:fillRef>
+            <a:effectRef idx="0">
+              <a:schemeClr val="dk1"/>
+            </a:effectRef>
+            <a:fontRef idx="minor">
+              <a:schemeClr val="lt1"/>
+            </a:fontRef>
+          </p:style>
+          <p:txBody>
+            <a:bodyPr rtlCol="0" anchor="ctr"/>
+            <a:lstStyle/>
+            <a:p>
+              <a:pPr algn="ctr"/>
+              <a:endParaRPr lang="en-US"/>
+            </a:p>
+          </p:txBody>
+        </p:sp>
+        <p:sp>
+          <p:nvSpPr>
+            <p:cNvPr id="63" name="Oval 62">
+              <a:extLst>
+                <a:ext uri="{FF2B5EF4-FFF2-40B4-BE49-F238E27FC236}">
+                  <a16:creationId xmlns:a16="http://schemas.microsoft.com/office/drawing/2014/main" id="{23D3262A-EAC4-7C42-85B9-B7299C15CA35}"/>
+                </a:ext>
+              </a:extLst>
+            </p:cNvPr>
+            <p:cNvSpPr/>
+            <p:nvPr/>
+          </p:nvSpPr>
+          <p:spPr>
+            <a:xfrm>
+              <a:off x="3719027" y="2304035"/>
+              <a:ext cx="271794" cy="266723"/>
+            </a:xfrm>
+            <a:prstGeom prst="ellipse">
+              <a:avLst/>
+            </a:prstGeom>
+            <a:solidFill>
+              <a:schemeClr val="tx1"/>
+            </a:solidFill>
+          </p:spPr>
+          <p:style>
+            <a:lnRef idx="2">
+              <a:schemeClr val="dk1">
+                <a:shade val="50000"/>
+              </a:schemeClr>
+            </a:lnRef>
+            <a:fillRef idx="1">
+              <a:schemeClr val="dk1"/>
+            </a:fillRef>
+            <a:effectRef idx="0">
+              <a:schemeClr val="dk1"/>
+            </a:effectRef>
+            <a:fontRef idx="minor">
+              <a:schemeClr val="lt1"/>
+            </a:fontRef>
+          </p:style>
+          <p:txBody>
+            <a:bodyPr rtlCol="0" anchor="ctr"/>
+            <a:lstStyle/>
+            <a:p>
+              <a:pPr algn="ctr"/>
+              <a:endParaRPr lang="en-US"/>
+            </a:p>
+          </p:txBody>
+        </p:sp>
+        <p:sp>
+          <p:nvSpPr>
+            <p:cNvPr id="64" name="Oval 63">
+              <a:extLst>
+                <a:ext uri="{FF2B5EF4-FFF2-40B4-BE49-F238E27FC236}">
+                  <a16:creationId xmlns:a16="http://schemas.microsoft.com/office/drawing/2014/main" id="{228E86E6-F3CA-5B44-BC65-C73852835540}"/>
+                </a:ext>
+              </a:extLst>
+            </p:cNvPr>
+            <p:cNvSpPr/>
+            <p:nvPr/>
+          </p:nvSpPr>
+          <p:spPr>
+            <a:xfrm>
+              <a:off x="5015427" y="2309526"/>
+              <a:ext cx="201706" cy="215153"/>
+            </a:xfrm>
+            <a:prstGeom prst="ellipse">
+              <a:avLst/>
+            </a:prstGeom>
+            <a:solidFill>
+              <a:schemeClr val="tx1"/>
+            </a:solidFill>
+          </p:spPr>
+          <p:style>
+            <a:lnRef idx="2">
+              <a:schemeClr val="dk1">
+                <a:shade val="50000"/>
+              </a:schemeClr>
+            </a:lnRef>
+            <a:fillRef idx="1">
+              <a:schemeClr val="dk1"/>
+            </a:fillRef>
+            <a:effectRef idx="0">
+              <a:schemeClr val="dk1"/>
+            </a:effectRef>
+            <a:fontRef idx="minor">
+              <a:schemeClr val="lt1"/>
+            </a:fontRef>
+          </p:style>
+          <p:txBody>
+            <a:bodyPr rtlCol="0" anchor="ctr"/>
+            <a:lstStyle/>
+            <a:p>
+              <a:pPr algn="ctr"/>
+              <a:endParaRPr lang="en-US"/>
+            </a:p>
+          </p:txBody>
+        </p:sp>
+        <p:sp>
+          <p:nvSpPr>
+            <p:cNvPr id="65" name="Oval 64">
+              <a:extLst>
+                <a:ext uri="{FF2B5EF4-FFF2-40B4-BE49-F238E27FC236}">
+                  <a16:creationId xmlns:a16="http://schemas.microsoft.com/office/drawing/2014/main" id="{078CC0C9-2157-F04D-A668-0FB86AA9D151}"/>
+                </a:ext>
+              </a:extLst>
+            </p:cNvPr>
+            <p:cNvSpPr/>
+            <p:nvPr/>
+          </p:nvSpPr>
+          <p:spPr>
+            <a:xfrm>
+              <a:off x="5079738" y="3704764"/>
+              <a:ext cx="244066" cy="286369"/>
+            </a:xfrm>
+            <a:prstGeom prst="ellipse">
+              <a:avLst/>
+            </a:prstGeom>
+            <a:solidFill>
+              <a:schemeClr val="tx1"/>
+            </a:solidFill>
+          </p:spPr>
+          <p:style>
+            <a:lnRef idx="2">
+              <a:schemeClr val="dk1">
+                <a:shade val="50000"/>
+              </a:schemeClr>
+            </a:lnRef>
+            <a:fillRef idx="1">
+              <a:schemeClr val="dk1"/>
+            </a:fillRef>
+            <a:effectRef idx="0">
+              <a:schemeClr val="dk1"/>
+            </a:effectRef>
+            <a:fontRef idx="minor">
+              <a:schemeClr val="lt1"/>
+            </a:fontRef>
+          </p:style>
+          <p:txBody>
+            <a:bodyPr rtlCol="0" anchor="ctr"/>
+            <a:lstStyle/>
+            <a:p>
+              <a:pPr algn="ctr"/>
+              <a:endParaRPr lang="en-US"/>
+            </a:p>
+          </p:txBody>
+        </p:sp>
+        <p:sp>
+          <p:nvSpPr>
+            <p:cNvPr id="66" name="Oval 65">
+              <a:extLst>
+                <a:ext uri="{FF2B5EF4-FFF2-40B4-BE49-F238E27FC236}">
+                  <a16:creationId xmlns:a16="http://schemas.microsoft.com/office/drawing/2014/main" id="{F13B3291-E214-A543-B760-1DE64F87AF4B}"/>
+                </a:ext>
+              </a:extLst>
+            </p:cNvPr>
+            <p:cNvSpPr/>
+            <p:nvPr/>
+          </p:nvSpPr>
+          <p:spPr>
+            <a:xfrm>
+              <a:off x="3724835" y="3747246"/>
+              <a:ext cx="201706" cy="215153"/>
+            </a:xfrm>
+            <a:prstGeom prst="ellipse">
+              <a:avLst/>
+            </a:prstGeom>
+            <a:solidFill>
+              <a:schemeClr val="tx1"/>
+            </a:solidFill>
+          </p:spPr>
+          <p:style>
+            <a:lnRef idx="2">
+              <a:schemeClr val="dk1">
+                <a:shade val="50000"/>
+              </a:schemeClr>
+            </a:lnRef>
+            <a:fillRef idx="1">
+              <a:schemeClr val="dk1"/>
+            </a:fillRef>
+            <a:effectRef idx="0">
+              <a:schemeClr val="dk1"/>
+            </a:effectRef>
+            <a:fontRef idx="minor">
+              <a:schemeClr val="lt1"/>
+            </a:fontRef>
+          </p:style>
+          <p:txBody>
+            <a:bodyPr rtlCol="0" anchor="ctr"/>
+            <a:lstStyle/>
+            <a:p>
+              <a:pPr algn="ctr"/>
+              <a:endParaRPr lang="en-US"/>
+            </a:p>
+          </p:txBody>
+        </p:sp>
+        <p:sp>
+          <p:nvSpPr>
+            <p:cNvPr id="67" name="Oval 66">
+              <a:extLst>
+                <a:ext uri="{FF2B5EF4-FFF2-40B4-BE49-F238E27FC236}">
+                  <a16:creationId xmlns:a16="http://schemas.microsoft.com/office/drawing/2014/main" id="{3F4E9302-0B4A-6A4F-9110-83DB3C676FCA}"/>
+                </a:ext>
+              </a:extLst>
+            </p:cNvPr>
+            <p:cNvSpPr/>
+            <p:nvPr/>
+          </p:nvSpPr>
+          <p:spPr>
+            <a:xfrm>
+              <a:off x="3837390" y="1334535"/>
+              <a:ext cx="77766" cy="75410"/>
+            </a:xfrm>
+            <a:prstGeom prst="ellipse">
+              <a:avLst/>
+            </a:prstGeom>
+          </p:spPr>
+          <p:style>
+            <a:lnRef idx="2">
+              <a:schemeClr val="dk1">
+                <a:shade val="50000"/>
+              </a:schemeClr>
+            </a:lnRef>
+            <a:fillRef idx="1">
+              <a:schemeClr val="dk1"/>
+            </a:fillRef>
+            <a:effectRef idx="0">
+              <a:schemeClr val="dk1"/>
+            </a:effectRef>
+            <a:fontRef idx="minor">
+              <a:schemeClr val="lt1"/>
+            </a:fontRef>
+          </p:style>
+          <p:txBody>
+            <a:bodyPr rtlCol="0" anchor="ctr"/>
+            <a:lstStyle/>
+            <a:p>
+              <a:pPr algn="ctr"/>
+              <a:endParaRPr lang="en-US"/>
+            </a:p>
+          </p:txBody>
+        </p:sp>
+        <p:sp>
+          <p:nvSpPr>
+            <p:cNvPr id="68" name="Oval 67">
+              <a:extLst>
+                <a:ext uri="{FF2B5EF4-FFF2-40B4-BE49-F238E27FC236}">
+                  <a16:creationId xmlns:a16="http://schemas.microsoft.com/office/drawing/2014/main" id="{4B149553-BB59-C546-9C4F-0049D52DE2C5}"/>
+                </a:ext>
+              </a:extLst>
+            </p:cNvPr>
+            <p:cNvSpPr/>
+            <p:nvPr/>
+          </p:nvSpPr>
+          <p:spPr>
+            <a:xfrm>
+              <a:off x="4058541" y="1636750"/>
+              <a:ext cx="77766" cy="75410"/>
+            </a:xfrm>
+            <a:prstGeom prst="ellipse">
+              <a:avLst/>
+            </a:prstGeom>
+          </p:spPr>
+          <p:style>
+            <a:lnRef idx="2">
+              <a:schemeClr val="dk1">
+                <a:shade val="50000"/>
+              </a:schemeClr>
+            </a:lnRef>
+            <a:fillRef idx="1">
+              <a:schemeClr val="dk1"/>
+            </a:fillRef>
+            <a:effectRef idx="0">
+              <a:schemeClr val="dk1"/>
+            </a:effectRef>
+            <a:fontRef idx="minor">
+              <a:schemeClr val="lt1"/>
+            </a:fontRef>
+          </p:style>
+          <p:txBody>
+            <a:bodyPr rtlCol="0" anchor="ctr"/>
+            <a:lstStyle/>
+            <a:p>
+              <a:pPr algn="ctr"/>
+              <a:endParaRPr lang="en-US"/>
+            </a:p>
+          </p:txBody>
+        </p:sp>
+        <p:sp>
+          <p:nvSpPr>
+            <p:cNvPr id="69" name="Oval 68">
+              <a:extLst>
+                <a:ext uri="{FF2B5EF4-FFF2-40B4-BE49-F238E27FC236}">
+                  <a16:creationId xmlns:a16="http://schemas.microsoft.com/office/drawing/2014/main" id="{DDA0BF9B-29AE-EA4C-9C65-B1EC9F121C5C}"/>
+                </a:ext>
+              </a:extLst>
+            </p:cNvPr>
+            <p:cNvSpPr/>
+            <p:nvPr/>
+          </p:nvSpPr>
+          <p:spPr>
+            <a:xfrm>
+              <a:off x="4424072" y="1893715"/>
+              <a:ext cx="77766" cy="75410"/>
+            </a:xfrm>
+            <a:prstGeom prst="ellipse">
+              <a:avLst/>
+            </a:prstGeom>
+          </p:spPr>
+          <p:style>
+            <a:lnRef idx="2">
+              <a:schemeClr val="dk1">
+                <a:shade val="50000"/>
+              </a:schemeClr>
+            </a:lnRef>
+            <a:fillRef idx="1">
+              <a:schemeClr val="dk1"/>
+            </a:fillRef>
+            <a:effectRef idx="0">
+              <a:schemeClr val="dk1"/>
+            </a:effectRef>
+            <a:fontRef idx="minor">
+              <a:schemeClr val="lt1"/>
+            </a:fontRef>
+          </p:style>
+          <p:txBody>
+            <a:bodyPr rtlCol="0" anchor="ctr"/>
+            <a:lstStyle/>
+            <a:p>
+              <a:pPr algn="ctr"/>
+              <a:endParaRPr lang="en-US"/>
+            </a:p>
+          </p:txBody>
+        </p:sp>
+        <p:sp>
+          <p:nvSpPr>
+            <p:cNvPr id="70" name="Oval 69">
+              <a:extLst>
+                <a:ext uri="{FF2B5EF4-FFF2-40B4-BE49-F238E27FC236}">
+                  <a16:creationId xmlns:a16="http://schemas.microsoft.com/office/drawing/2014/main" id="{D2BC4FBB-1F6F-D241-9AC4-95A76DEE52D3}"/>
+                </a:ext>
+              </a:extLst>
+            </p:cNvPr>
+            <p:cNvSpPr/>
+            <p:nvPr/>
+          </p:nvSpPr>
+          <p:spPr>
+            <a:xfrm>
+              <a:off x="5011298" y="1324862"/>
+              <a:ext cx="77766" cy="75410"/>
+            </a:xfrm>
+            <a:prstGeom prst="ellipse">
+              <a:avLst/>
+            </a:prstGeom>
+          </p:spPr>
+          <p:style>
+            <a:lnRef idx="2">
+              <a:schemeClr val="dk1">
+                <a:shade val="50000"/>
+              </a:schemeClr>
+            </a:lnRef>
+            <a:fillRef idx="1">
+              <a:schemeClr val="dk1"/>
+            </a:fillRef>
+            <a:effectRef idx="0">
+              <a:schemeClr val="dk1"/>
+            </a:effectRef>
+            <a:fontRef idx="minor">
+              <a:schemeClr val="lt1"/>
+            </a:fontRef>
+          </p:style>
+          <p:txBody>
+            <a:bodyPr rtlCol="0" anchor="ctr"/>
+            <a:lstStyle/>
+            <a:p>
+              <a:pPr algn="ctr"/>
+              <a:endParaRPr lang="en-US"/>
+            </a:p>
+          </p:txBody>
+        </p:sp>
+        <p:sp>
+          <p:nvSpPr>
+            <p:cNvPr id="71" name="Oval 70">
+              <a:extLst>
+                <a:ext uri="{FF2B5EF4-FFF2-40B4-BE49-F238E27FC236}">
+                  <a16:creationId xmlns:a16="http://schemas.microsoft.com/office/drawing/2014/main" id="{2C2EDC5C-6518-E04D-9402-BCA4108212AD}"/>
+                </a:ext>
+              </a:extLst>
+            </p:cNvPr>
+            <p:cNvSpPr/>
+            <p:nvPr/>
+          </p:nvSpPr>
+          <p:spPr>
+            <a:xfrm>
+              <a:off x="4795049" y="1636750"/>
+              <a:ext cx="77766" cy="75410"/>
+            </a:xfrm>
+            <a:prstGeom prst="ellipse">
+              <a:avLst/>
+            </a:prstGeom>
+          </p:spPr>
+          <p:style>
+            <a:lnRef idx="2">
+              <a:schemeClr val="dk1">
+                <a:shade val="50000"/>
+              </a:schemeClr>
+            </a:lnRef>
+            <a:fillRef idx="1">
+              <a:schemeClr val="dk1"/>
+            </a:fillRef>
+            <a:effectRef idx="0">
+              <a:schemeClr val="dk1"/>
+            </a:effectRef>
+            <a:fontRef idx="minor">
+              <a:schemeClr val="lt1"/>
+            </a:fontRef>
+          </p:style>
+          <p:txBody>
+            <a:bodyPr rtlCol="0" anchor="ctr"/>
+            <a:lstStyle/>
+            <a:p>
+              <a:pPr algn="ctr"/>
+              <a:endParaRPr lang="en-US"/>
+            </a:p>
+          </p:txBody>
+        </p:sp>
+        <p:sp>
+          <p:nvSpPr>
+            <p:cNvPr id="72" name="Oval 71">
+              <a:extLst>
+                <a:ext uri="{FF2B5EF4-FFF2-40B4-BE49-F238E27FC236}">
+                  <a16:creationId xmlns:a16="http://schemas.microsoft.com/office/drawing/2014/main" id="{E1E44D11-0A19-E04E-A7E7-0AC432982214}"/>
+                </a:ext>
+              </a:extLst>
+            </p:cNvPr>
+            <p:cNvSpPr/>
+            <p:nvPr/>
+          </p:nvSpPr>
+          <p:spPr>
+            <a:xfrm>
+              <a:off x="4097424" y="2121524"/>
+              <a:ext cx="77766" cy="75410"/>
+            </a:xfrm>
+            <a:prstGeom prst="ellipse">
+              <a:avLst/>
+            </a:prstGeom>
+          </p:spPr>
+          <p:style>
+            <a:lnRef idx="2">
+              <a:schemeClr val="dk1">
+                <a:shade val="50000"/>
+              </a:schemeClr>
+            </a:lnRef>
+            <a:fillRef idx="1">
+              <a:schemeClr val="dk1"/>
+            </a:fillRef>
+            <a:effectRef idx="0">
+              <a:schemeClr val="dk1"/>
+            </a:effectRef>
+            <a:fontRef idx="minor">
+              <a:schemeClr val="lt1"/>
+            </a:fontRef>
+          </p:style>
+          <p:txBody>
+            <a:bodyPr rtlCol="0" anchor="ctr"/>
+            <a:lstStyle/>
+            <a:p>
+              <a:pPr algn="ctr"/>
+              <a:endParaRPr lang="en-US"/>
+            </a:p>
+          </p:txBody>
+        </p:sp>
+        <p:sp>
+          <p:nvSpPr>
+            <p:cNvPr id="73" name="Oval 72">
+              <a:extLst>
+                <a:ext uri="{FF2B5EF4-FFF2-40B4-BE49-F238E27FC236}">
+                  <a16:creationId xmlns:a16="http://schemas.microsoft.com/office/drawing/2014/main" id="{D5971455-14C5-9340-84A7-3024EB71466B}"/>
+                </a:ext>
+              </a:extLst>
+            </p:cNvPr>
+            <p:cNvSpPr/>
+            <p:nvPr/>
+          </p:nvSpPr>
+          <p:spPr>
+            <a:xfrm>
+              <a:off x="4756841" y="2121524"/>
+              <a:ext cx="77766" cy="75410"/>
+            </a:xfrm>
+            <a:prstGeom prst="ellipse">
+              <a:avLst/>
+            </a:prstGeom>
+          </p:spPr>
+          <p:style>
+            <a:lnRef idx="2">
+              <a:schemeClr val="dk1">
+                <a:shade val="50000"/>
+              </a:schemeClr>
+            </a:lnRef>
+            <a:fillRef idx="1">
+              <a:schemeClr val="dk1"/>
+            </a:fillRef>
+            <a:effectRef idx="0">
+              <a:schemeClr val="dk1"/>
+            </a:effectRef>
+            <a:fontRef idx="minor">
+              <a:schemeClr val="lt1"/>
+            </a:fontRef>
+          </p:style>
+          <p:txBody>
+            <a:bodyPr rtlCol="0" anchor="ctr"/>
+            <a:lstStyle/>
+            <a:p>
+              <a:pPr algn="ctr"/>
+              <a:endParaRPr lang="en-US"/>
+            </a:p>
+          </p:txBody>
+        </p:sp>
+        <p:sp>
+          <p:nvSpPr>
+            <p:cNvPr id="74" name="Oval 73">
+              <a:extLst>
+                <a:ext uri="{FF2B5EF4-FFF2-40B4-BE49-F238E27FC236}">
+                  <a16:creationId xmlns:a16="http://schemas.microsoft.com/office/drawing/2014/main" id="{65667685-027B-3949-A0F2-3956018B68D7}"/>
+                </a:ext>
+              </a:extLst>
+            </p:cNvPr>
+            <p:cNvSpPr/>
+            <p:nvPr/>
+          </p:nvSpPr>
+          <p:spPr>
+            <a:xfrm>
+              <a:off x="3837390" y="2751386"/>
+              <a:ext cx="77766" cy="75410"/>
+            </a:xfrm>
+            <a:prstGeom prst="ellipse">
+              <a:avLst/>
+            </a:prstGeom>
+          </p:spPr>
+          <p:style>
+            <a:lnRef idx="2">
+              <a:schemeClr val="dk1">
+                <a:shade val="50000"/>
+              </a:schemeClr>
+            </a:lnRef>
+            <a:fillRef idx="1">
+              <a:schemeClr val="dk1"/>
+            </a:fillRef>
+            <a:effectRef idx="0">
+              <a:schemeClr val="dk1"/>
+            </a:effectRef>
+            <a:fontRef idx="minor">
+              <a:schemeClr val="lt1"/>
+            </a:fontRef>
+          </p:style>
+          <p:txBody>
+            <a:bodyPr rtlCol="0" anchor="ctr"/>
+            <a:lstStyle/>
+            <a:p>
+              <a:pPr algn="ctr"/>
+              <a:endParaRPr lang="en-US"/>
+            </a:p>
+          </p:txBody>
+        </p:sp>
+        <p:sp>
+          <p:nvSpPr>
+            <p:cNvPr id="75" name="Oval 74">
+              <a:extLst>
+                <a:ext uri="{FF2B5EF4-FFF2-40B4-BE49-F238E27FC236}">
+                  <a16:creationId xmlns:a16="http://schemas.microsoft.com/office/drawing/2014/main" id="{B68D53A6-4412-9241-A777-F87A53522CFC}"/>
+                </a:ext>
+              </a:extLst>
+            </p:cNvPr>
+            <p:cNvSpPr/>
+            <p:nvPr/>
+          </p:nvSpPr>
+          <p:spPr>
+            <a:xfrm>
+              <a:off x="4058541" y="3048165"/>
+              <a:ext cx="77766" cy="75410"/>
+            </a:xfrm>
+            <a:prstGeom prst="ellipse">
+              <a:avLst/>
+            </a:prstGeom>
+          </p:spPr>
+          <p:style>
+            <a:lnRef idx="2">
+              <a:schemeClr val="dk1">
+                <a:shade val="50000"/>
+              </a:schemeClr>
+            </a:lnRef>
+            <a:fillRef idx="1">
+              <a:schemeClr val="dk1"/>
+            </a:fillRef>
+            <a:effectRef idx="0">
+              <a:schemeClr val="dk1"/>
+            </a:effectRef>
+            <a:fontRef idx="minor">
+              <a:schemeClr val="lt1"/>
+            </a:fontRef>
+          </p:style>
+          <p:txBody>
+            <a:bodyPr rtlCol="0" anchor="ctr"/>
+            <a:lstStyle/>
+            <a:p>
+              <a:pPr algn="ctr"/>
+              <a:endParaRPr lang="en-US"/>
+            </a:p>
+          </p:txBody>
+        </p:sp>
+        <p:sp>
+          <p:nvSpPr>
+            <p:cNvPr id="76" name="Oval 75">
+              <a:extLst>
+                <a:ext uri="{FF2B5EF4-FFF2-40B4-BE49-F238E27FC236}">
+                  <a16:creationId xmlns:a16="http://schemas.microsoft.com/office/drawing/2014/main" id="{D1699205-137C-0841-AF6A-9885E582FF28}"/>
+                </a:ext>
+              </a:extLst>
+            </p:cNvPr>
+            <p:cNvSpPr/>
+            <p:nvPr/>
+          </p:nvSpPr>
+          <p:spPr>
+            <a:xfrm>
+              <a:off x="5011298" y="2751386"/>
+              <a:ext cx="77766" cy="75410"/>
+            </a:xfrm>
+            <a:prstGeom prst="ellipse">
+              <a:avLst/>
+            </a:prstGeom>
+          </p:spPr>
+          <p:style>
+            <a:lnRef idx="2">
+              <a:schemeClr val="dk1">
+                <a:shade val="50000"/>
+              </a:schemeClr>
+            </a:lnRef>
+            <a:fillRef idx="1">
+              <a:schemeClr val="dk1"/>
+            </a:fillRef>
+            <a:effectRef idx="0">
+              <a:schemeClr val="dk1"/>
+            </a:effectRef>
+            <a:fontRef idx="minor">
+              <a:schemeClr val="lt1"/>
+            </a:fontRef>
+          </p:style>
+          <p:txBody>
+            <a:bodyPr rtlCol="0" anchor="ctr"/>
+            <a:lstStyle/>
+            <a:p>
+              <a:pPr algn="ctr"/>
+              <a:endParaRPr lang="en-US"/>
+            </a:p>
+          </p:txBody>
+        </p:sp>
+        <p:sp>
+          <p:nvSpPr>
+            <p:cNvPr id="77" name="Oval 76">
+              <a:extLst>
+                <a:ext uri="{FF2B5EF4-FFF2-40B4-BE49-F238E27FC236}">
+                  <a16:creationId xmlns:a16="http://schemas.microsoft.com/office/drawing/2014/main" id="{5278CDBF-3810-CC4A-9E6A-9E9CEE63893C}"/>
+                </a:ext>
+              </a:extLst>
+            </p:cNvPr>
+            <p:cNvSpPr/>
+            <p:nvPr/>
+          </p:nvSpPr>
+          <p:spPr>
+            <a:xfrm>
+              <a:off x="4795049" y="3048165"/>
+              <a:ext cx="77766" cy="75410"/>
+            </a:xfrm>
+            <a:prstGeom prst="ellipse">
+              <a:avLst/>
+            </a:prstGeom>
+          </p:spPr>
+          <p:style>
+            <a:lnRef idx="2">
+              <a:schemeClr val="dk1">
+                <a:shade val="50000"/>
+              </a:schemeClr>
+            </a:lnRef>
+            <a:fillRef idx="1">
+              <a:schemeClr val="dk1"/>
+            </a:fillRef>
+            <a:effectRef idx="0">
+              <a:schemeClr val="dk1"/>
+            </a:effectRef>
+            <a:fontRef idx="minor">
+              <a:schemeClr val="lt1"/>
+            </a:fontRef>
+          </p:style>
+          <p:txBody>
+            <a:bodyPr rtlCol="0" anchor="ctr"/>
+            <a:lstStyle/>
+            <a:p>
+              <a:pPr algn="ctr"/>
+              <a:endParaRPr lang="en-US"/>
+            </a:p>
+          </p:txBody>
+        </p:sp>
+        <p:sp>
+          <p:nvSpPr>
+            <p:cNvPr id="78" name="Oval 77">
+              <a:extLst>
+                <a:ext uri="{FF2B5EF4-FFF2-40B4-BE49-F238E27FC236}">
+                  <a16:creationId xmlns:a16="http://schemas.microsoft.com/office/drawing/2014/main" id="{5746489D-0BD0-8942-8F1A-6411B290D86F}"/>
+                </a:ext>
+              </a:extLst>
+            </p:cNvPr>
+            <p:cNvSpPr/>
+            <p:nvPr/>
+          </p:nvSpPr>
+          <p:spPr>
+            <a:xfrm>
+              <a:off x="4424072" y="3289943"/>
+              <a:ext cx="77766" cy="75410"/>
+            </a:xfrm>
+            <a:prstGeom prst="ellipse">
+              <a:avLst/>
+            </a:prstGeom>
+          </p:spPr>
+          <p:style>
+            <a:lnRef idx="2">
+              <a:schemeClr val="dk1">
+                <a:shade val="50000"/>
+              </a:schemeClr>
+            </a:lnRef>
+            <a:fillRef idx="1">
+              <a:schemeClr val="dk1"/>
+            </a:fillRef>
+            <a:effectRef idx="0">
+              <a:schemeClr val="dk1"/>
+            </a:effectRef>
+            <a:fontRef idx="minor">
+              <a:schemeClr val="lt1"/>
+            </a:fontRef>
+          </p:style>
+          <p:txBody>
+            <a:bodyPr rtlCol="0" anchor="ctr"/>
+            <a:lstStyle/>
+            <a:p>
+              <a:pPr algn="ctr"/>
+              <a:endParaRPr lang="en-US"/>
+            </a:p>
+          </p:txBody>
+        </p:sp>
+        <p:sp>
+          <p:nvSpPr>
+            <p:cNvPr id="79" name="Oval 78">
+              <a:extLst>
+                <a:ext uri="{FF2B5EF4-FFF2-40B4-BE49-F238E27FC236}">
+                  <a16:creationId xmlns:a16="http://schemas.microsoft.com/office/drawing/2014/main" id="{76C7B186-6E2B-CB4D-A005-D84A07E4DDA4}"/>
+                </a:ext>
+              </a:extLst>
+            </p:cNvPr>
+            <p:cNvSpPr/>
+            <p:nvPr/>
+          </p:nvSpPr>
+          <p:spPr>
+            <a:xfrm>
+              <a:off x="4097424" y="3586722"/>
+              <a:ext cx="77766" cy="75410"/>
+            </a:xfrm>
+            <a:prstGeom prst="ellipse">
+              <a:avLst/>
+            </a:prstGeom>
+          </p:spPr>
+          <p:style>
+            <a:lnRef idx="2">
+              <a:schemeClr val="dk1">
+                <a:shade val="50000"/>
+              </a:schemeClr>
+            </a:lnRef>
+            <a:fillRef idx="1">
+              <a:schemeClr val="dk1"/>
+            </a:fillRef>
+            <a:effectRef idx="0">
+              <a:schemeClr val="dk1"/>
+            </a:effectRef>
+            <a:fontRef idx="minor">
+              <a:schemeClr val="lt1"/>
+            </a:fontRef>
+          </p:style>
+          <p:txBody>
+            <a:bodyPr rtlCol="0" anchor="ctr"/>
+            <a:lstStyle/>
+            <a:p>
+              <a:pPr algn="ctr"/>
+              <a:endParaRPr lang="en-US"/>
+            </a:p>
+          </p:txBody>
+        </p:sp>
+        <p:sp>
+          <p:nvSpPr>
+            <p:cNvPr id="80" name="Oval 79">
+              <a:extLst>
+                <a:ext uri="{FF2B5EF4-FFF2-40B4-BE49-F238E27FC236}">
+                  <a16:creationId xmlns:a16="http://schemas.microsoft.com/office/drawing/2014/main" id="{D1EE9A78-B7B0-A646-959E-AE644CDF0F17}"/>
+                </a:ext>
+              </a:extLst>
+            </p:cNvPr>
+            <p:cNvSpPr/>
+            <p:nvPr/>
+          </p:nvSpPr>
+          <p:spPr>
+            <a:xfrm>
+              <a:off x="4826884" y="3586722"/>
+              <a:ext cx="77766" cy="75410"/>
+            </a:xfrm>
+            <a:prstGeom prst="ellipse">
+              <a:avLst/>
+            </a:prstGeom>
+          </p:spPr>
+          <p:style>
+            <a:lnRef idx="2">
+              <a:schemeClr val="dk1">
+                <a:shade val="50000"/>
+              </a:schemeClr>
+            </a:lnRef>
+            <a:fillRef idx="1">
+              <a:schemeClr val="dk1"/>
+            </a:fillRef>
+            <a:effectRef idx="0">
+              <a:schemeClr val="dk1"/>
+            </a:effectRef>
+            <a:fontRef idx="minor">
+              <a:schemeClr val="lt1"/>
+            </a:fontRef>
+          </p:style>
+          <p:txBody>
+            <a:bodyPr rtlCol="0" anchor="ctr"/>
+            <a:lstStyle/>
+            <a:p>
+              <a:pPr algn="ctr"/>
+              <a:endParaRPr lang="en-US"/>
+            </a:p>
+          </p:txBody>
+        </p:sp>
+        <p:sp>
+          <p:nvSpPr>
+            <p:cNvPr id="81" name="Oval 80">
+              <a:extLst>
+                <a:ext uri="{FF2B5EF4-FFF2-40B4-BE49-F238E27FC236}">
+                  <a16:creationId xmlns:a16="http://schemas.microsoft.com/office/drawing/2014/main" id="{01A2E4BC-1111-6349-BE13-11218E4339E3}"/>
+                </a:ext>
+              </a:extLst>
+            </p:cNvPr>
+            <p:cNvSpPr/>
+            <p:nvPr/>
+          </p:nvSpPr>
+          <p:spPr>
+            <a:xfrm>
+              <a:off x="5477525" y="932579"/>
+              <a:ext cx="268472" cy="286369"/>
+            </a:xfrm>
+            <a:prstGeom prst="ellipse">
+              <a:avLst/>
+            </a:prstGeom>
+            <a:solidFill>
+              <a:schemeClr val="tx1"/>
+            </a:solidFill>
+          </p:spPr>
+          <p:style>
+            <a:lnRef idx="2">
+              <a:schemeClr val="dk1">
+                <a:shade val="50000"/>
+              </a:schemeClr>
+            </a:lnRef>
+            <a:fillRef idx="1">
+              <a:schemeClr val="dk1"/>
+            </a:fillRef>
+            <a:effectRef idx="0">
+              <a:schemeClr val="dk1"/>
+            </a:effectRef>
+            <a:fontRef idx="minor">
+              <a:schemeClr val="lt1"/>
+            </a:fontRef>
+          </p:style>
+          <p:txBody>
+            <a:bodyPr rtlCol="0" anchor="ctr"/>
+            <a:lstStyle/>
+            <a:p>
+              <a:pPr algn="ctr"/>
+              <a:endParaRPr lang="en-US"/>
+            </a:p>
+          </p:txBody>
+        </p:sp>
+        <p:sp>
+          <p:nvSpPr>
+            <p:cNvPr id="82" name="Oval 81">
+              <a:extLst>
+                <a:ext uri="{FF2B5EF4-FFF2-40B4-BE49-F238E27FC236}">
+                  <a16:creationId xmlns:a16="http://schemas.microsoft.com/office/drawing/2014/main" id="{9FDA285D-7129-8441-8742-C570003601B5}"/>
+                </a:ext>
+              </a:extLst>
+            </p:cNvPr>
+            <p:cNvSpPr/>
+            <p:nvPr/>
+          </p:nvSpPr>
+          <p:spPr>
+            <a:xfrm>
+              <a:off x="3429366" y="3760574"/>
+              <a:ext cx="201706" cy="215153"/>
+            </a:xfrm>
+            <a:prstGeom prst="ellipse">
+              <a:avLst/>
+            </a:prstGeom>
+            <a:solidFill>
+              <a:schemeClr val="tx1"/>
+            </a:solidFill>
+          </p:spPr>
+          <p:style>
+            <a:lnRef idx="2">
+              <a:schemeClr val="dk1">
+                <a:shade val="50000"/>
+              </a:schemeClr>
+            </a:lnRef>
+            <a:fillRef idx="1">
+              <a:schemeClr val="dk1"/>
+            </a:fillRef>
+            <a:effectRef idx="0">
+              <a:schemeClr val="dk1"/>
+            </a:effectRef>
+            <a:fontRef idx="minor">
+              <a:schemeClr val="lt1"/>
+            </a:fontRef>
+          </p:style>
+          <p:txBody>
+            <a:bodyPr rtlCol="0" anchor="ctr"/>
+            <a:lstStyle/>
+            <a:p>
+              <a:pPr algn="ctr"/>
+              <a:endParaRPr lang="en-US"/>
+            </a:p>
+          </p:txBody>
+        </p:sp>
+        <p:cxnSp>
+          <p:nvCxnSpPr>
+            <p:cNvPr id="83" name="Straight Connector 82">
+              <a:extLst>
+                <a:ext uri="{FF2B5EF4-FFF2-40B4-BE49-F238E27FC236}">
+                  <a16:creationId xmlns:a16="http://schemas.microsoft.com/office/drawing/2014/main" id="{9D4154E0-1DA0-1749-81F5-23769F1B84A7}"/>
+                </a:ext>
+              </a:extLst>
+            </p:cNvPr>
+            <p:cNvCxnSpPr>
+              <a:cxnSpLocks/>
+              <a:stCxn id="62" idx="6"/>
+              <a:endCxn id="81" idx="2"/>
+            </p:cNvCxnSpPr>
+            <p:nvPr/>
+          </p:nvCxnSpPr>
+          <p:spPr>
+            <a:xfrm>
+              <a:off x="5302624" y="1075764"/>
+              <a:ext cx="174901" cy="0"/>
+            </a:xfrm>
+            <a:prstGeom prst="line">
+              <a:avLst/>
+            </a:prstGeom>
+            <a:ln w="38100">
+              <a:solidFill>
+                <a:schemeClr val="tx1"/>
+              </a:solidFill>
+            </a:ln>
+          </p:spPr>
+          <p:style>
+            <a:lnRef idx="1">
+              <a:schemeClr val="accent1"/>
+            </a:lnRef>
+            <a:fillRef idx="0">
+              <a:schemeClr val="accent1"/>
+            </a:fillRef>
+            <a:effectRef idx="0">
+              <a:schemeClr val="accent1"/>
+            </a:effectRef>
+            <a:fontRef idx="minor">
+              <a:schemeClr val="tx1"/>
+            </a:fontRef>
+          </p:style>
+        </p:cxnSp>
+        <p:sp>
+          <p:nvSpPr>
+            <p:cNvPr id="84" name="Oval 83">
+              <a:extLst>
+                <a:ext uri="{FF2B5EF4-FFF2-40B4-BE49-F238E27FC236}">
+                  <a16:creationId xmlns:a16="http://schemas.microsoft.com/office/drawing/2014/main" id="{C7E2F376-D45B-4E48-AC61-422DFBFCEBE3}"/>
+                </a:ext>
+              </a:extLst>
+            </p:cNvPr>
+            <p:cNvSpPr/>
+            <p:nvPr/>
+          </p:nvSpPr>
+          <p:spPr>
+            <a:xfrm>
+              <a:off x="5121685" y="988772"/>
+              <a:ext cx="180939" cy="170330"/>
+            </a:xfrm>
+            <a:prstGeom prst="ellipse">
+              <a:avLst/>
+            </a:prstGeom>
+            <a:solidFill>
+              <a:srgbClr val="E42589"/>
+            </a:solidFill>
+          </p:spPr>
+          <p:style>
+            <a:lnRef idx="2">
+              <a:schemeClr val="dk1">
+                <a:shade val="50000"/>
+              </a:schemeClr>
+            </a:lnRef>
+            <a:fillRef idx="1">
+              <a:schemeClr val="dk1"/>
+            </a:fillRef>
+            <a:effectRef idx="0">
+              <a:schemeClr val="dk1"/>
+            </a:effectRef>
+            <a:fontRef idx="minor">
+              <a:schemeClr val="lt1"/>
+            </a:fontRef>
+          </p:style>
+          <p:txBody>
+            <a:bodyPr rtlCol="0" anchor="ctr"/>
+            <a:lstStyle/>
+            <a:p>
+              <a:pPr algn="ctr"/>
+              <a:endParaRPr lang="en-US"/>
+            </a:p>
+          </p:txBody>
+        </p:sp>
+        <p:sp>
+          <p:nvSpPr>
+            <p:cNvPr id="85" name="Oval 84">
+              <a:extLst>
+                <a:ext uri="{FF2B5EF4-FFF2-40B4-BE49-F238E27FC236}">
+                  <a16:creationId xmlns:a16="http://schemas.microsoft.com/office/drawing/2014/main" id="{8DAB92BC-36EB-5E43-AF13-37BE6D5D386F}"/>
+                </a:ext>
+              </a:extLst>
+            </p:cNvPr>
+            <p:cNvSpPr/>
+            <p:nvPr/>
+          </p:nvSpPr>
+          <p:spPr>
+            <a:xfrm>
+              <a:off x="3737026" y="2351780"/>
+              <a:ext cx="243811" cy="211156"/>
+            </a:xfrm>
+            <a:prstGeom prst="ellipse">
+              <a:avLst/>
+            </a:prstGeom>
+            <a:solidFill>
+              <a:srgbClr val="E42589"/>
+            </a:solidFill>
+          </p:spPr>
+          <p:style>
+            <a:lnRef idx="2">
+              <a:schemeClr val="dk1">
+                <a:shade val="50000"/>
+              </a:schemeClr>
+            </a:lnRef>
+            <a:fillRef idx="1">
+              <a:schemeClr val="dk1"/>
+            </a:fillRef>
+            <a:effectRef idx="0">
+              <a:schemeClr val="dk1"/>
+            </a:effectRef>
+            <a:fontRef idx="minor">
+              <a:schemeClr val="lt1"/>
+            </a:fontRef>
+          </p:style>
+          <p:txBody>
+            <a:bodyPr rtlCol="0" anchor="ctr"/>
+            <a:lstStyle/>
+            <a:p>
+              <a:pPr algn="ctr"/>
+              <a:endParaRPr lang="en-US"/>
+            </a:p>
+          </p:txBody>
+        </p:sp>
+        <p:sp>
+          <p:nvSpPr>
+            <p:cNvPr id="86" name="Oval 85">
+              <a:extLst>
+                <a:ext uri="{FF2B5EF4-FFF2-40B4-BE49-F238E27FC236}">
+                  <a16:creationId xmlns:a16="http://schemas.microsoft.com/office/drawing/2014/main" id="{8FF2E9DC-716A-374D-87D5-600907BA295A}"/>
+                </a:ext>
+              </a:extLst>
+            </p:cNvPr>
+            <p:cNvSpPr/>
+            <p:nvPr/>
+          </p:nvSpPr>
+          <p:spPr>
+            <a:xfrm>
+              <a:off x="5092010" y="3722929"/>
+              <a:ext cx="218936" cy="226709"/>
+            </a:xfrm>
+            <a:prstGeom prst="ellipse">
+              <a:avLst/>
+            </a:prstGeom>
+            <a:solidFill>
+              <a:srgbClr val="E42589"/>
+            </a:solidFill>
+          </p:spPr>
+          <p:style>
+            <a:lnRef idx="2">
+              <a:schemeClr val="dk1">
+                <a:shade val="50000"/>
+              </a:schemeClr>
+            </a:lnRef>
+            <a:fillRef idx="1">
+              <a:schemeClr val="dk1"/>
+            </a:fillRef>
+            <a:effectRef idx="0">
+              <a:schemeClr val="dk1"/>
+            </a:effectRef>
+            <a:fontRef idx="minor">
+              <a:schemeClr val="lt1"/>
+            </a:fontRef>
+          </p:style>
+          <p:txBody>
+            <a:bodyPr rtlCol="0" anchor="ctr"/>
+            <a:lstStyle/>
+            <a:p>
+              <a:pPr algn="ctr"/>
+              <a:endParaRPr lang="en-US"/>
+            </a:p>
+          </p:txBody>
+        </p:sp>
+        <p:sp>
+          <p:nvSpPr>
+            <p:cNvPr id="87" name="Oval 86">
+              <a:extLst>
+                <a:ext uri="{FF2B5EF4-FFF2-40B4-BE49-F238E27FC236}">
+                  <a16:creationId xmlns:a16="http://schemas.microsoft.com/office/drawing/2014/main" id="{8118CF44-51A5-9647-86C5-22F717CC6BE4}"/>
+                </a:ext>
+              </a:extLst>
+            </p:cNvPr>
+            <p:cNvSpPr/>
+            <p:nvPr/>
+          </p:nvSpPr>
+          <p:spPr>
+            <a:xfrm>
+              <a:off x="5543328" y="1027626"/>
+              <a:ext cx="102001" cy="148567"/>
+            </a:xfrm>
+            <a:prstGeom prst="ellipse">
+              <a:avLst/>
+            </a:prstGeom>
+            <a:solidFill>
+              <a:schemeClr val="bg1">
+                <a:lumMod val="75000"/>
+              </a:schemeClr>
+            </a:solidFill>
+          </p:spPr>
+          <p:style>
+            <a:lnRef idx="2">
+              <a:schemeClr val="dk1">
+                <a:shade val="50000"/>
+              </a:schemeClr>
+            </a:lnRef>
+            <a:fillRef idx="1">
+              <a:schemeClr val="dk1"/>
+            </a:fillRef>
+            <a:effectRef idx="0">
+              <a:schemeClr val="dk1"/>
+            </a:effectRef>
+            <a:fontRef idx="minor">
+              <a:schemeClr val="lt1"/>
+            </a:fontRef>
+          </p:style>
+          <p:txBody>
+            <a:bodyPr rtlCol="0" anchor="ctr"/>
+            <a:lstStyle/>
+            <a:p>
+              <a:pPr algn="ctr"/>
+              <a:endParaRPr lang="en-US"/>
+            </a:p>
+          </p:txBody>
+        </p:sp>
+        <p:sp>
+          <p:nvSpPr>
+            <p:cNvPr id="88" name="Oval 87">
+              <a:extLst>
+                <a:ext uri="{FF2B5EF4-FFF2-40B4-BE49-F238E27FC236}">
+                  <a16:creationId xmlns:a16="http://schemas.microsoft.com/office/drawing/2014/main" id="{039B9B12-0112-5E48-BEE0-4D915C5C494C}"/>
+                </a:ext>
+              </a:extLst>
+            </p:cNvPr>
+            <p:cNvSpPr/>
+            <p:nvPr/>
+          </p:nvSpPr>
+          <p:spPr>
+            <a:xfrm>
+              <a:off x="3447368" y="3780538"/>
+              <a:ext cx="145834" cy="181861"/>
+            </a:xfrm>
+            <a:prstGeom prst="ellipse">
+              <a:avLst/>
+            </a:prstGeom>
+            <a:solidFill>
+              <a:schemeClr val="bg1">
+                <a:lumMod val="75000"/>
+              </a:schemeClr>
+            </a:solidFill>
+          </p:spPr>
+          <p:style>
+            <a:lnRef idx="2">
+              <a:schemeClr val="dk1">
+                <a:shade val="50000"/>
+              </a:schemeClr>
+            </a:lnRef>
+            <a:fillRef idx="1">
+              <a:schemeClr val="dk1"/>
+            </a:fillRef>
+            <a:effectRef idx="0">
+              <a:schemeClr val="dk1"/>
+            </a:effectRef>
+            <a:fontRef idx="minor">
+              <a:schemeClr val="lt1"/>
+            </a:fontRef>
+          </p:style>
+          <p:txBody>
+            <a:bodyPr rtlCol="0" anchor="ctr"/>
+            <a:lstStyle/>
+            <a:p>
+              <a:pPr algn="ctr"/>
+              <a:endParaRPr lang="en-US"/>
+            </a:p>
+          </p:txBody>
+        </p:sp>
+        <p:sp>
+          <p:nvSpPr>
+            <p:cNvPr id="89" name="Oval 88">
+              <a:extLst>
+                <a:ext uri="{FF2B5EF4-FFF2-40B4-BE49-F238E27FC236}">
+                  <a16:creationId xmlns:a16="http://schemas.microsoft.com/office/drawing/2014/main" id="{A0014286-7FE7-EE45-BAEC-9DEF2E7E17B9}"/>
+                </a:ext>
+              </a:extLst>
+            </p:cNvPr>
+            <p:cNvSpPr/>
+            <p:nvPr/>
+          </p:nvSpPr>
+          <p:spPr>
+            <a:xfrm>
+              <a:off x="5523742" y="958674"/>
+              <a:ext cx="194105" cy="242057"/>
+            </a:xfrm>
+            <a:prstGeom prst="ellipse">
+              <a:avLst/>
+            </a:prstGeom>
+            <a:solidFill>
+              <a:schemeClr val="bg1">
+                <a:lumMod val="75000"/>
+              </a:schemeClr>
+            </a:solidFill>
+          </p:spPr>
+          <p:style>
+            <a:lnRef idx="2">
+              <a:schemeClr val="dk1">
+                <a:shade val="50000"/>
+              </a:schemeClr>
+            </a:lnRef>
+            <a:fillRef idx="1">
+              <a:schemeClr val="dk1"/>
+            </a:fillRef>
+            <a:effectRef idx="0">
+              <a:schemeClr val="dk1"/>
+            </a:effectRef>
+            <a:fontRef idx="minor">
+              <a:schemeClr val="lt1"/>
+            </a:fontRef>
+          </p:style>
+          <p:txBody>
+            <a:bodyPr rtlCol="0" anchor="ctr"/>
+            <a:lstStyle/>
+            <a:p>
+              <a:pPr algn="ctr"/>
+              <a:endParaRPr lang="en-US"/>
+            </a:p>
+          </p:txBody>
+        </p:sp>
+        <p:cxnSp>
+          <p:nvCxnSpPr>
+            <p:cNvPr id="90" name="Straight Connector 89">
+              <a:extLst>
+                <a:ext uri="{FF2B5EF4-FFF2-40B4-BE49-F238E27FC236}">
+                  <a16:creationId xmlns:a16="http://schemas.microsoft.com/office/drawing/2014/main" id="{0BD8807E-9DDE-F846-87D4-9E8611465436}"/>
+                </a:ext>
+              </a:extLst>
+            </p:cNvPr>
+            <p:cNvCxnSpPr>
+              <a:cxnSpLocks/>
+            </p:cNvCxnSpPr>
+            <p:nvPr/>
+          </p:nvCxnSpPr>
+          <p:spPr>
+            <a:xfrm>
+              <a:off x="3926541" y="1073937"/>
+              <a:ext cx="1084757" cy="0"/>
+            </a:xfrm>
+            <a:prstGeom prst="line">
+              <a:avLst/>
+            </a:prstGeom>
+            <a:ln w="38100">
+              <a:solidFill>
+                <a:schemeClr val="bg1">
+                  <a:lumMod val="50000"/>
+                </a:schemeClr>
+              </a:solidFill>
+            </a:ln>
+          </p:spPr>
+          <p:style>
+            <a:lnRef idx="1">
+              <a:schemeClr val="accent1"/>
+            </a:lnRef>
+            <a:fillRef idx="0">
+              <a:schemeClr val="accent1"/>
+            </a:fillRef>
+            <a:effectRef idx="0">
+              <a:schemeClr val="accent1"/>
+            </a:effectRef>
+            <a:fontRef idx="minor">
+              <a:schemeClr val="tx1"/>
+            </a:fontRef>
+          </p:style>
+        </p:cxnSp>
+        <p:cxnSp>
+          <p:nvCxnSpPr>
+            <p:cNvPr id="91" name="Straight Connector 90">
+              <a:extLst>
+                <a:ext uri="{FF2B5EF4-FFF2-40B4-BE49-F238E27FC236}">
+                  <a16:creationId xmlns:a16="http://schemas.microsoft.com/office/drawing/2014/main" id="{C3FA78E3-6F75-1446-B590-7518769B2276}"/>
+                </a:ext>
+              </a:extLst>
+            </p:cNvPr>
+            <p:cNvCxnSpPr>
+              <a:cxnSpLocks/>
+            </p:cNvCxnSpPr>
+            <p:nvPr/>
+          </p:nvCxnSpPr>
+          <p:spPr>
+            <a:xfrm flipH="1">
+              <a:off x="4058541" y="1371002"/>
+              <a:ext cx="952758" cy="0"/>
+            </a:xfrm>
+            <a:prstGeom prst="line">
+              <a:avLst/>
+            </a:prstGeom>
+            <a:ln w="38100">
+              <a:solidFill>
+                <a:schemeClr val="bg1">
+                  <a:lumMod val="50000"/>
+                </a:schemeClr>
+              </a:solidFill>
+            </a:ln>
+          </p:spPr>
+          <p:style>
+            <a:lnRef idx="1">
+              <a:schemeClr val="accent1"/>
+            </a:lnRef>
+            <a:fillRef idx="0">
+              <a:schemeClr val="accent1"/>
+            </a:fillRef>
+            <a:effectRef idx="0">
+              <a:schemeClr val="accent1"/>
+            </a:effectRef>
+            <a:fontRef idx="minor">
+              <a:schemeClr val="tx1"/>
+            </a:fontRef>
+          </p:style>
+        </p:cxnSp>
+        <p:cxnSp>
+          <p:nvCxnSpPr>
+            <p:cNvPr id="93" name="Straight Connector 92">
+              <a:extLst>
+                <a:ext uri="{FF2B5EF4-FFF2-40B4-BE49-F238E27FC236}">
+                  <a16:creationId xmlns:a16="http://schemas.microsoft.com/office/drawing/2014/main" id="{EB1287A9-2101-E24B-9CEE-F7298A016FD4}"/>
+                </a:ext>
+              </a:extLst>
+            </p:cNvPr>
+            <p:cNvCxnSpPr/>
+            <p:nvPr/>
+          </p:nvCxnSpPr>
+          <p:spPr>
+            <a:xfrm>
+              <a:off x="4279127" y="2164159"/>
+              <a:ext cx="475219" cy="0"/>
+            </a:xfrm>
+            <a:prstGeom prst="line">
+              <a:avLst/>
+            </a:prstGeom>
+            <a:ln w="38100">
+              <a:solidFill>
+                <a:schemeClr val="bg1">
+                  <a:lumMod val="50000"/>
+                </a:schemeClr>
+              </a:solidFill>
+            </a:ln>
+          </p:spPr>
+          <p:style>
+            <a:lnRef idx="1">
+              <a:schemeClr val="accent1"/>
+            </a:lnRef>
+            <a:fillRef idx="0">
+              <a:schemeClr val="accent1"/>
+            </a:fillRef>
+            <a:effectRef idx="0">
+              <a:schemeClr val="accent1"/>
+            </a:effectRef>
+            <a:fontRef idx="minor">
+              <a:schemeClr val="tx1"/>
+            </a:fontRef>
+          </p:style>
+        </p:cxnSp>
       </p:grpSp>
     </p:spTree>
     <p:extLst>
@@ -8044,6 +9844,2431 @@
 </p:sld>
 </file>
 
+<file path=ppt/slides/slide5.xml><?xml version="1.0" encoding="utf-8"?>
+<p:sld xmlns:a="http://schemas.openxmlformats.org/drawingml/2006/main" xmlns:r="http://schemas.openxmlformats.org/officeDocument/2006/relationships" xmlns:p="http://schemas.openxmlformats.org/presentationml/2006/main">
+  <p:cSld>
+    <p:spTree>
+      <p:nvGrpSpPr>
+        <p:cNvPr id="1" name=""/>
+        <p:cNvGrpSpPr/>
+        <p:nvPr/>
+      </p:nvGrpSpPr>
+      <p:grpSpPr>
+        <a:xfrm>
+          <a:off x="0" y="0"/>
+          <a:ext cx="0" cy="0"/>
+          <a:chOff x="0" y="0"/>
+          <a:chExt cx="0" cy="0"/>
+        </a:xfrm>
+      </p:grpSpPr>
+      <p:grpSp>
+        <p:nvGrpSpPr>
+          <p:cNvPr id="4" name="Group 3">
+            <a:extLst>
+              <a:ext uri="{FF2B5EF4-FFF2-40B4-BE49-F238E27FC236}">
+                <a16:creationId xmlns:a16="http://schemas.microsoft.com/office/drawing/2014/main" id="{02E263A5-9FD3-FC45-AAF4-1871E88C591E}"/>
+              </a:ext>
+            </a:extLst>
+          </p:cNvPr>
+          <p:cNvGrpSpPr/>
+          <p:nvPr/>
+        </p:nvGrpSpPr>
+        <p:grpSpPr>
+          <a:xfrm>
+            <a:off x="1704851" y="699438"/>
+            <a:ext cx="6861823" cy="4308063"/>
+            <a:chOff x="1459317" y="394638"/>
+            <a:chExt cx="6861823" cy="4308063"/>
+          </a:xfrm>
+        </p:grpSpPr>
+        <p:sp>
+          <p:nvSpPr>
+            <p:cNvPr id="5" name="Oval 4">
+              <a:extLst>
+                <a:ext uri="{FF2B5EF4-FFF2-40B4-BE49-F238E27FC236}">
+                  <a16:creationId xmlns:a16="http://schemas.microsoft.com/office/drawing/2014/main" id="{0ACE8868-1A05-6C46-ADB6-5E54AD0B9099}"/>
+                </a:ext>
+              </a:extLst>
+            </p:cNvPr>
+            <p:cNvSpPr/>
+            <p:nvPr/>
+          </p:nvSpPr>
+          <p:spPr>
+            <a:xfrm>
+              <a:off x="4807991" y="394638"/>
+              <a:ext cx="1788106" cy="523847"/>
+            </a:xfrm>
+            <a:prstGeom prst="ellipse">
+              <a:avLst/>
+            </a:prstGeom>
+          </p:spPr>
+          <p:style>
+            <a:lnRef idx="2">
+              <a:schemeClr val="dk1"/>
+            </a:lnRef>
+            <a:fillRef idx="1">
+              <a:schemeClr val="lt1"/>
+            </a:fillRef>
+            <a:effectRef idx="0">
+              <a:schemeClr val="dk1"/>
+            </a:effectRef>
+            <a:fontRef idx="minor">
+              <a:schemeClr val="dk1"/>
+            </a:fontRef>
+          </p:style>
+          <p:txBody>
+            <a:bodyPr rtlCol="0" anchor="ctr"/>
+            <a:lstStyle/>
+            <a:p>
+              <a:pPr algn="ctr"/>
+              <a:r>
+                <a:rPr lang="en-US" dirty="0"/>
+                <a:t>TrimGalore</a:t>
+              </a:r>
+            </a:p>
+          </p:txBody>
+        </p:sp>
+        <p:sp>
+          <p:nvSpPr>
+            <p:cNvPr id="6" name="Oval 5">
+              <a:extLst>
+                <a:ext uri="{FF2B5EF4-FFF2-40B4-BE49-F238E27FC236}">
+                  <a16:creationId xmlns:a16="http://schemas.microsoft.com/office/drawing/2014/main" id="{F02640FA-0255-1141-9F13-A43A236966A8}"/>
+                </a:ext>
+              </a:extLst>
+            </p:cNvPr>
+            <p:cNvSpPr/>
+            <p:nvPr/>
+          </p:nvSpPr>
+          <p:spPr>
+            <a:xfrm>
+              <a:off x="4807990" y="1344705"/>
+              <a:ext cx="1788106" cy="523847"/>
+            </a:xfrm>
+            <a:prstGeom prst="ellipse">
+              <a:avLst/>
+            </a:prstGeom>
+          </p:spPr>
+          <p:style>
+            <a:lnRef idx="2">
+              <a:schemeClr val="dk1"/>
+            </a:lnRef>
+            <a:fillRef idx="1">
+              <a:schemeClr val="lt1"/>
+            </a:fillRef>
+            <a:effectRef idx="0">
+              <a:schemeClr val="dk1"/>
+            </a:effectRef>
+            <a:fontRef idx="minor">
+              <a:schemeClr val="dk1"/>
+            </a:fontRef>
+          </p:style>
+          <p:txBody>
+            <a:bodyPr rtlCol="0" anchor="ctr"/>
+            <a:lstStyle/>
+            <a:p>
+              <a:pPr algn="ctr"/>
+              <a:r>
+                <a:rPr lang="en-US" dirty="0"/>
+                <a:t>cgpMAP</a:t>
+              </a:r>
+            </a:p>
+          </p:txBody>
+        </p:sp>
+        <p:sp>
+          <p:nvSpPr>
+            <p:cNvPr id="7" name="Oval 6">
+              <a:extLst>
+                <a:ext uri="{FF2B5EF4-FFF2-40B4-BE49-F238E27FC236}">
+                  <a16:creationId xmlns:a16="http://schemas.microsoft.com/office/drawing/2014/main" id="{ED89EA99-3DC9-5D49-8EEF-0E80F7A97AB8}"/>
+                </a:ext>
+              </a:extLst>
+            </p:cNvPr>
+            <p:cNvSpPr/>
+            <p:nvPr/>
+          </p:nvSpPr>
+          <p:spPr>
+            <a:xfrm>
+              <a:off x="4807990" y="2294772"/>
+              <a:ext cx="1788106" cy="523847"/>
+            </a:xfrm>
+            <a:prstGeom prst="ellipse">
+              <a:avLst/>
+            </a:prstGeom>
+          </p:spPr>
+          <p:style>
+            <a:lnRef idx="2">
+              <a:schemeClr val="dk1"/>
+            </a:lnRef>
+            <a:fillRef idx="1">
+              <a:schemeClr val="lt1"/>
+            </a:fillRef>
+            <a:effectRef idx="0">
+              <a:schemeClr val="dk1"/>
+            </a:effectRef>
+            <a:fontRef idx="minor">
+              <a:schemeClr val="dk1"/>
+            </a:fontRef>
+          </p:style>
+          <p:txBody>
+            <a:bodyPr rtlCol="0" anchor="ctr"/>
+            <a:lstStyle/>
+            <a:p>
+              <a:pPr algn="ctr"/>
+              <a:r>
+                <a:rPr lang="en-US" dirty="0"/>
+                <a:t>sort</a:t>
+              </a:r>
+            </a:p>
+          </p:txBody>
+        </p:sp>
+        <p:sp>
+          <p:nvSpPr>
+            <p:cNvPr id="8" name="Oval 7">
+              <a:extLst>
+                <a:ext uri="{FF2B5EF4-FFF2-40B4-BE49-F238E27FC236}">
+                  <a16:creationId xmlns:a16="http://schemas.microsoft.com/office/drawing/2014/main" id="{265F6260-F0D7-C045-A948-BEDD552AE531}"/>
+                </a:ext>
+              </a:extLst>
+            </p:cNvPr>
+            <p:cNvSpPr/>
+            <p:nvPr/>
+          </p:nvSpPr>
+          <p:spPr>
+            <a:xfrm>
+              <a:off x="4807990" y="3291757"/>
+              <a:ext cx="1788106" cy="523847"/>
+            </a:xfrm>
+            <a:prstGeom prst="ellipse">
+              <a:avLst/>
+            </a:prstGeom>
+          </p:spPr>
+          <p:style>
+            <a:lnRef idx="2">
+              <a:schemeClr val="dk1"/>
+            </a:lnRef>
+            <a:fillRef idx="1">
+              <a:schemeClr val="lt1"/>
+            </a:fillRef>
+            <a:effectRef idx="0">
+              <a:schemeClr val="dk1"/>
+            </a:effectRef>
+            <a:fontRef idx="minor">
+              <a:schemeClr val="dk1"/>
+            </a:fontRef>
+          </p:style>
+          <p:txBody>
+            <a:bodyPr rtlCol="0" anchor="ctr"/>
+            <a:lstStyle/>
+            <a:p>
+              <a:pPr algn="ctr"/>
+              <a:r>
+                <a:rPr lang="en-US" sz="1600" dirty="0"/>
+                <a:t>PCR removal</a:t>
+              </a:r>
+            </a:p>
+          </p:txBody>
+        </p:sp>
+        <p:cxnSp>
+          <p:nvCxnSpPr>
+            <p:cNvPr id="9" name="Straight Arrow Connector 8">
+              <a:extLst>
+                <a:ext uri="{FF2B5EF4-FFF2-40B4-BE49-F238E27FC236}">
+                  <a16:creationId xmlns:a16="http://schemas.microsoft.com/office/drawing/2014/main" id="{904A8722-A8C3-1C49-B39A-CB425D669974}"/>
+                </a:ext>
+              </a:extLst>
+            </p:cNvPr>
+            <p:cNvCxnSpPr>
+              <a:cxnSpLocks/>
+            </p:cNvCxnSpPr>
+            <p:nvPr/>
+          </p:nvCxnSpPr>
+          <p:spPr>
+            <a:xfrm>
+              <a:off x="5702043" y="962927"/>
+              <a:ext cx="0" cy="364844"/>
+            </a:xfrm>
+            <a:prstGeom prst="straightConnector1">
+              <a:avLst/>
+            </a:prstGeom>
+            <a:ln w="28575">
+              <a:solidFill>
+                <a:schemeClr val="tx1"/>
+              </a:solidFill>
+              <a:tailEnd type="triangle"/>
+            </a:ln>
+          </p:spPr>
+          <p:style>
+            <a:lnRef idx="1">
+              <a:schemeClr val="accent1"/>
+            </a:lnRef>
+            <a:fillRef idx="0">
+              <a:schemeClr val="accent1"/>
+            </a:fillRef>
+            <a:effectRef idx="0">
+              <a:schemeClr val="accent1"/>
+            </a:effectRef>
+            <a:fontRef idx="minor">
+              <a:schemeClr val="tx1"/>
+            </a:fontRef>
+          </p:style>
+        </p:cxnSp>
+        <p:cxnSp>
+          <p:nvCxnSpPr>
+            <p:cNvPr id="10" name="Straight Arrow Connector 9">
+              <a:extLst>
+                <a:ext uri="{FF2B5EF4-FFF2-40B4-BE49-F238E27FC236}">
+                  <a16:creationId xmlns:a16="http://schemas.microsoft.com/office/drawing/2014/main" id="{881ED42A-C035-5941-8AE3-57DC059BEEC8}"/>
+                </a:ext>
+              </a:extLst>
+            </p:cNvPr>
+            <p:cNvCxnSpPr>
+              <a:cxnSpLocks/>
+            </p:cNvCxnSpPr>
+            <p:nvPr/>
+          </p:nvCxnSpPr>
+          <p:spPr>
+            <a:xfrm>
+              <a:off x="5710510" y="1921461"/>
+              <a:ext cx="0" cy="364844"/>
+            </a:xfrm>
+            <a:prstGeom prst="straightConnector1">
+              <a:avLst/>
+            </a:prstGeom>
+            <a:ln w="28575">
+              <a:solidFill>
+                <a:schemeClr val="tx1"/>
+              </a:solidFill>
+              <a:tailEnd type="triangle"/>
+            </a:ln>
+          </p:spPr>
+          <p:style>
+            <a:lnRef idx="1">
+              <a:schemeClr val="accent1"/>
+            </a:lnRef>
+            <a:fillRef idx="0">
+              <a:schemeClr val="accent1"/>
+            </a:fillRef>
+            <a:effectRef idx="0">
+              <a:schemeClr val="accent1"/>
+            </a:effectRef>
+            <a:fontRef idx="minor">
+              <a:schemeClr val="tx1"/>
+            </a:fontRef>
+          </p:style>
+        </p:cxnSp>
+        <p:cxnSp>
+          <p:nvCxnSpPr>
+            <p:cNvPr id="11" name="Straight Arrow Connector 10">
+              <a:extLst>
+                <a:ext uri="{FF2B5EF4-FFF2-40B4-BE49-F238E27FC236}">
+                  <a16:creationId xmlns:a16="http://schemas.microsoft.com/office/drawing/2014/main" id="{741C03BC-C143-AD48-83FF-79AECDE39632}"/>
+                </a:ext>
+              </a:extLst>
+            </p:cNvPr>
+            <p:cNvCxnSpPr>
+              <a:cxnSpLocks/>
+            </p:cNvCxnSpPr>
+            <p:nvPr/>
+          </p:nvCxnSpPr>
+          <p:spPr>
+            <a:xfrm>
+              <a:off x="5718977" y="2872766"/>
+              <a:ext cx="0" cy="364844"/>
+            </a:xfrm>
+            <a:prstGeom prst="straightConnector1">
+              <a:avLst/>
+            </a:prstGeom>
+            <a:ln w="28575">
+              <a:solidFill>
+                <a:schemeClr val="tx1"/>
+              </a:solidFill>
+              <a:tailEnd type="triangle"/>
+            </a:ln>
+          </p:spPr>
+          <p:style>
+            <a:lnRef idx="1">
+              <a:schemeClr val="accent1"/>
+            </a:lnRef>
+            <a:fillRef idx="0">
+              <a:schemeClr val="accent1"/>
+            </a:fillRef>
+            <a:effectRef idx="0">
+              <a:schemeClr val="accent1"/>
+            </a:effectRef>
+            <a:fontRef idx="minor">
+              <a:schemeClr val="tx1"/>
+            </a:fontRef>
+          </p:style>
+        </p:cxnSp>
+        <p:cxnSp>
+          <p:nvCxnSpPr>
+            <p:cNvPr id="12" name="Straight Arrow Connector 11">
+              <a:extLst>
+                <a:ext uri="{FF2B5EF4-FFF2-40B4-BE49-F238E27FC236}">
+                  <a16:creationId xmlns:a16="http://schemas.microsoft.com/office/drawing/2014/main" id="{AA9F4CC5-C95C-9547-9940-BFEA3CF95230}"/>
+                </a:ext>
+              </a:extLst>
+            </p:cNvPr>
+            <p:cNvCxnSpPr>
+              <a:cxnSpLocks/>
+            </p:cNvCxnSpPr>
+            <p:nvPr/>
+          </p:nvCxnSpPr>
+          <p:spPr>
+            <a:xfrm flipH="1">
+              <a:off x="4690534" y="3815604"/>
+              <a:ext cx="359578" cy="317906"/>
+            </a:xfrm>
+            <a:prstGeom prst="straightConnector1">
+              <a:avLst/>
+            </a:prstGeom>
+            <a:ln w="28575">
+              <a:solidFill>
+                <a:schemeClr val="tx1"/>
+              </a:solidFill>
+              <a:tailEnd type="triangle"/>
+            </a:ln>
+          </p:spPr>
+          <p:style>
+            <a:lnRef idx="1">
+              <a:schemeClr val="accent1"/>
+            </a:lnRef>
+            <a:fillRef idx="0">
+              <a:schemeClr val="accent1"/>
+            </a:fillRef>
+            <a:effectRef idx="0">
+              <a:schemeClr val="accent1"/>
+            </a:effectRef>
+            <a:fontRef idx="minor">
+              <a:schemeClr val="tx1"/>
+            </a:fontRef>
+          </p:style>
+        </p:cxnSp>
+        <p:sp>
+          <p:nvSpPr>
+            <p:cNvPr id="13" name="Oval 12">
+              <a:extLst>
+                <a:ext uri="{FF2B5EF4-FFF2-40B4-BE49-F238E27FC236}">
+                  <a16:creationId xmlns:a16="http://schemas.microsoft.com/office/drawing/2014/main" id="{801684F8-691F-274A-832A-A77071D100B9}"/>
+                </a:ext>
+              </a:extLst>
+            </p:cNvPr>
+            <p:cNvSpPr/>
+            <p:nvPr/>
+          </p:nvSpPr>
+          <p:spPr>
+            <a:xfrm>
+              <a:off x="3262006" y="4133510"/>
+              <a:ext cx="1788106" cy="523847"/>
+            </a:xfrm>
+            <a:prstGeom prst="ellipse">
+              <a:avLst/>
+            </a:prstGeom>
+          </p:spPr>
+          <p:style>
+            <a:lnRef idx="2">
+              <a:schemeClr val="dk1"/>
+            </a:lnRef>
+            <a:fillRef idx="1">
+              <a:schemeClr val="lt1"/>
+            </a:fillRef>
+            <a:effectRef idx="0">
+              <a:schemeClr val="dk1"/>
+            </a:effectRef>
+            <a:fontRef idx="minor">
+              <a:schemeClr val="dk1"/>
+            </a:fontRef>
+          </p:style>
+          <p:txBody>
+            <a:bodyPr rtlCol="0" anchor="ctr"/>
+            <a:lstStyle/>
+            <a:p>
+              <a:pPr algn="ctr"/>
+              <a:r>
+                <a:rPr lang="en-US" sz="1600" dirty="0"/>
+                <a:t>insert size</a:t>
+              </a:r>
+            </a:p>
+          </p:txBody>
+        </p:sp>
+        <p:cxnSp>
+          <p:nvCxnSpPr>
+            <p:cNvPr id="14" name="Straight Arrow Connector 13">
+              <a:extLst>
+                <a:ext uri="{FF2B5EF4-FFF2-40B4-BE49-F238E27FC236}">
+                  <a16:creationId xmlns:a16="http://schemas.microsoft.com/office/drawing/2014/main" id="{30F589CD-BB3A-F144-BDA6-BF46D030823E}"/>
+                </a:ext>
+              </a:extLst>
+            </p:cNvPr>
+            <p:cNvCxnSpPr>
+              <a:cxnSpLocks/>
+            </p:cNvCxnSpPr>
+            <p:nvPr/>
+          </p:nvCxnSpPr>
+          <p:spPr>
+            <a:xfrm>
+              <a:off x="6383269" y="3815603"/>
+              <a:ext cx="362592" cy="317906"/>
+            </a:xfrm>
+            <a:prstGeom prst="straightConnector1">
+              <a:avLst/>
+            </a:prstGeom>
+            <a:ln w="28575">
+              <a:solidFill>
+                <a:schemeClr val="tx1"/>
+              </a:solidFill>
+              <a:tailEnd type="triangle"/>
+            </a:ln>
+          </p:spPr>
+          <p:style>
+            <a:lnRef idx="1">
+              <a:schemeClr val="accent1"/>
+            </a:lnRef>
+            <a:fillRef idx="0">
+              <a:schemeClr val="accent1"/>
+            </a:fillRef>
+            <a:effectRef idx="0">
+              <a:schemeClr val="accent1"/>
+            </a:effectRef>
+            <a:fontRef idx="minor">
+              <a:schemeClr val="tx1"/>
+            </a:fontRef>
+          </p:style>
+        </p:cxnSp>
+        <p:sp>
+          <p:nvSpPr>
+            <p:cNvPr id="15" name="Oval 14">
+              <a:extLst>
+                <a:ext uri="{FF2B5EF4-FFF2-40B4-BE49-F238E27FC236}">
+                  <a16:creationId xmlns:a16="http://schemas.microsoft.com/office/drawing/2014/main" id="{CCC57406-2C5B-2847-BAE0-BD8A10ACFDBA}"/>
+                </a:ext>
+              </a:extLst>
+            </p:cNvPr>
+            <p:cNvSpPr/>
+            <p:nvPr/>
+          </p:nvSpPr>
+          <p:spPr>
+            <a:xfrm>
+              <a:off x="6533034" y="4088164"/>
+              <a:ext cx="1788106" cy="614537"/>
+            </a:xfrm>
+            <a:prstGeom prst="ellipse">
+              <a:avLst/>
+            </a:prstGeom>
+          </p:spPr>
+          <p:style>
+            <a:lnRef idx="2">
+              <a:schemeClr val="dk1"/>
+            </a:lnRef>
+            <a:fillRef idx="1">
+              <a:schemeClr val="lt1"/>
+            </a:fillRef>
+            <a:effectRef idx="0">
+              <a:schemeClr val="dk1"/>
+            </a:effectRef>
+            <a:fontRef idx="minor">
+              <a:schemeClr val="dk1"/>
+            </a:fontRef>
+          </p:style>
+          <p:txBody>
+            <a:bodyPr rtlCol="0" anchor="ctr"/>
+            <a:lstStyle/>
+            <a:p>
+              <a:pPr algn="ctr"/>
+              <a:r>
+                <a:rPr lang="en-US" sz="1600" dirty="0"/>
+                <a:t>alignment stats</a:t>
+              </a:r>
+            </a:p>
+          </p:txBody>
+        </p:sp>
+        <p:grpSp>
+          <p:nvGrpSpPr>
+            <p:cNvPr id="16" name="Group 15">
+              <a:extLst>
+                <a:ext uri="{FF2B5EF4-FFF2-40B4-BE49-F238E27FC236}">
+                  <a16:creationId xmlns:a16="http://schemas.microsoft.com/office/drawing/2014/main" id="{E7A763BA-9902-3E41-8701-DBB39C44BFB7}"/>
+                </a:ext>
+              </a:extLst>
+            </p:cNvPr>
+            <p:cNvGrpSpPr/>
+            <p:nvPr/>
+          </p:nvGrpSpPr>
+          <p:grpSpPr>
+            <a:xfrm>
+              <a:off x="1459317" y="1445359"/>
+              <a:ext cx="2699776" cy="2038000"/>
+              <a:chOff x="1578049" y="1161925"/>
+              <a:chExt cx="2699776" cy="2038000"/>
+            </a:xfrm>
+          </p:grpSpPr>
+          <p:sp>
+            <p:nvSpPr>
+              <p:cNvPr id="26" name="Rounded Rectangle 25">
+                <a:extLst>
+                  <a:ext uri="{FF2B5EF4-FFF2-40B4-BE49-F238E27FC236}">
+                    <a16:creationId xmlns:a16="http://schemas.microsoft.com/office/drawing/2014/main" id="{756DE9EC-0D39-A34D-A962-4A1C8460C52E}"/>
+                  </a:ext>
+                </a:extLst>
+              </p:cNvPr>
+              <p:cNvSpPr/>
+              <p:nvPr/>
+            </p:nvSpPr>
+            <p:spPr>
+              <a:xfrm>
+                <a:off x="2084958" y="1576680"/>
+                <a:ext cx="2192867" cy="1623245"/>
+              </a:xfrm>
+              <a:prstGeom prst="roundRect">
+                <a:avLst/>
+              </a:prstGeom>
+              <a:noFill/>
+            </p:spPr>
+            <p:style>
+              <a:lnRef idx="2">
+                <a:schemeClr val="accent1">
+                  <a:shade val="50000"/>
+                </a:schemeClr>
+              </a:lnRef>
+              <a:fillRef idx="1">
+                <a:schemeClr val="accent1"/>
+              </a:fillRef>
+              <a:effectRef idx="0">
+                <a:schemeClr val="accent1"/>
+              </a:effectRef>
+              <a:fontRef idx="minor">
+                <a:schemeClr val="lt1"/>
+              </a:fontRef>
+            </p:style>
+            <p:txBody>
+              <a:bodyPr rtlCol="0" anchor="ctr"/>
+              <a:lstStyle/>
+              <a:p>
+                <a:pPr algn="ctr"/>
+                <a:endParaRPr lang="en-US" dirty="0"/>
+              </a:p>
+            </p:txBody>
+          </p:sp>
+          <p:sp>
+            <p:nvSpPr>
+              <p:cNvPr id="27" name="TextBox 26">
+                <a:extLst>
+                  <a:ext uri="{FF2B5EF4-FFF2-40B4-BE49-F238E27FC236}">
+                    <a16:creationId xmlns:a16="http://schemas.microsoft.com/office/drawing/2014/main" id="{F8FA755D-6D32-5545-9A78-987BC3974247}"/>
+                  </a:ext>
+                </a:extLst>
+              </p:cNvPr>
+              <p:cNvSpPr txBox="1"/>
+              <p:nvPr/>
+            </p:nvSpPr>
+            <p:spPr>
+              <a:xfrm>
+                <a:off x="2758007" y="1161925"/>
+                <a:ext cx="737061" cy="276999"/>
+              </a:xfrm>
+              <a:prstGeom prst="rect">
+                <a:avLst/>
+              </a:prstGeom>
+              <a:noFill/>
+            </p:spPr>
+            <p:txBody>
+              <a:bodyPr wrap="none" rtlCol="0">
+                <a:spAutoFit/>
+              </a:bodyPr>
+              <a:lstStyle/>
+              <a:p>
+                <a:r>
+                  <a:rPr lang="en-US" sz="1200" b="1" i="1" dirty="0"/>
+                  <a:t>DNA-seq</a:t>
+                </a:r>
+              </a:p>
+            </p:txBody>
+          </p:sp>
+          <p:sp>
+            <p:nvSpPr>
+              <p:cNvPr id="28" name="TextBox 27">
+                <a:extLst>
+                  <a:ext uri="{FF2B5EF4-FFF2-40B4-BE49-F238E27FC236}">
+                    <a16:creationId xmlns:a16="http://schemas.microsoft.com/office/drawing/2014/main" id="{34C1B8FD-D4C4-DB44-8601-8C2567C0EED6}"/>
+                  </a:ext>
+                </a:extLst>
+              </p:cNvPr>
+              <p:cNvSpPr txBox="1"/>
+              <p:nvPr/>
+            </p:nvSpPr>
+            <p:spPr>
+              <a:xfrm>
+                <a:off x="1578049" y="1482425"/>
+                <a:ext cx="566181" cy="261610"/>
+              </a:xfrm>
+              <a:prstGeom prst="rect">
+                <a:avLst/>
+              </a:prstGeom>
+              <a:noFill/>
+            </p:spPr>
+            <p:txBody>
+              <a:bodyPr wrap="none" rtlCol="0">
+                <a:spAutoFit/>
+              </a:bodyPr>
+              <a:lstStyle/>
+              <a:p>
+                <a:r>
+                  <a:rPr lang="en-US" sz="1100" i="1" dirty="0"/>
+                  <a:t>Exome</a:t>
+                </a:r>
+              </a:p>
+            </p:txBody>
+          </p:sp>
+          <p:sp>
+            <p:nvSpPr>
+              <p:cNvPr id="30" name="TextBox 29">
+                <a:extLst>
+                  <a:ext uri="{FF2B5EF4-FFF2-40B4-BE49-F238E27FC236}">
+                    <a16:creationId xmlns:a16="http://schemas.microsoft.com/office/drawing/2014/main" id="{F3AF1484-3E09-534C-8E9B-E3E2BC1BEC02}"/>
+                  </a:ext>
+                </a:extLst>
+              </p:cNvPr>
+              <p:cNvSpPr txBox="1"/>
+              <p:nvPr/>
+            </p:nvSpPr>
+            <p:spPr>
+              <a:xfrm>
+                <a:off x="2331352" y="1681240"/>
+                <a:ext cx="1590372" cy="276999"/>
+              </a:xfrm>
+              <a:prstGeom prst="rect">
+                <a:avLst/>
+              </a:prstGeom>
+              <a:noFill/>
+            </p:spPr>
+            <p:txBody>
+              <a:bodyPr wrap="none" rtlCol="0">
+                <a:spAutoFit/>
+              </a:bodyPr>
+              <a:lstStyle/>
+              <a:p>
+                <a:r>
+                  <a:rPr lang="en-US" sz="1200" dirty="0"/>
+                  <a:t>Hybridisation statistics</a:t>
+                </a:r>
+              </a:p>
+            </p:txBody>
+          </p:sp>
+          <p:sp>
+            <p:nvSpPr>
+              <p:cNvPr id="31" name="TextBox 30">
+                <a:extLst>
+                  <a:ext uri="{FF2B5EF4-FFF2-40B4-BE49-F238E27FC236}">
+                    <a16:creationId xmlns:a16="http://schemas.microsoft.com/office/drawing/2014/main" id="{E95F480F-01DB-5E47-B8C7-56FA5871BE0A}"/>
+                  </a:ext>
+                </a:extLst>
+              </p:cNvPr>
+              <p:cNvSpPr txBox="1"/>
+              <p:nvPr/>
+            </p:nvSpPr>
+            <p:spPr>
+              <a:xfrm>
+                <a:off x="2369949" y="2774375"/>
+                <a:ext cx="1590372" cy="276999"/>
+              </a:xfrm>
+              <a:prstGeom prst="rect">
+                <a:avLst/>
+              </a:prstGeom>
+              <a:noFill/>
+            </p:spPr>
+            <p:txBody>
+              <a:bodyPr wrap="none" rtlCol="0">
+                <a:spAutoFit/>
+              </a:bodyPr>
+              <a:lstStyle/>
+              <a:p>
+                <a:r>
+                  <a:rPr lang="en-US" sz="1200" dirty="0"/>
+                  <a:t>Hybridisation statistics</a:t>
+                </a:r>
+              </a:p>
+            </p:txBody>
+          </p:sp>
+          <p:sp>
+            <p:nvSpPr>
+              <p:cNvPr id="32" name="TextBox 31">
+                <a:extLst>
+                  <a:ext uri="{FF2B5EF4-FFF2-40B4-BE49-F238E27FC236}">
+                    <a16:creationId xmlns:a16="http://schemas.microsoft.com/office/drawing/2014/main" id="{04428343-C9D8-F740-AD8C-0CE499BF54AC}"/>
+                  </a:ext>
+                </a:extLst>
+              </p:cNvPr>
+              <p:cNvSpPr txBox="1"/>
+              <p:nvPr/>
+            </p:nvSpPr>
+            <p:spPr>
+              <a:xfrm>
+                <a:off x="2637306" y="2087255"/>
+                <a:ext cx="969561" cy="276999"/>
+              </a:xfrm>
+              <a:prstGeom prst="rect">
+                <a:avLst/>
+              </a:prstGeom>
+              <a:noFill/>
+            </p:spPr>
+            <p:txBody>
+              <a:bodyPr wrap="none" rtlCol="0">
+                <a:spAutoFit/>
+              </a:bodyPr>
+              <a:lstStyle/>
+              <a:p>
+                <a:r>
+                  <a:rPr lang="en-US" sz="1200" dirty="0"/>
+                  <a:t>verifyBAMID</a:t>
+                </a:r>
+              </a:p>
+            </p:txBody>
+          </p:sp>
+          <p:sp>
+            <p:nvSpPr>
+              <p:cNvPr id="33" name="TextBox 32">
+                <a:extLst>
+                  <a:ext uri="{FF2B5EF4-FFF2-40B4-BE49-F238E27FC236}">
+                    <a16:creationId xmlns:a16="http://schemas.microsoft.com/office/drawing/2014/main" id="{31BA7A43-F892-B540-AC29-B93216F47C14}"/>
+                  </a:ext>
+                </a:extLst>
+              </p:cNvPr>
+              <p:cNvSpPr txBox="1"/>
+              <p:nvPr/>
+            </p:nvSpPr>
+            <p:spPr>
+              <a:xfrm>
+                <a:off x="2082672" y="2405161"/>
+                <a:ext cx="2195153" cy="276999"/>
+              </a:xfrm>
+              <a:prstGeom prst="rect">
+                <a:avLst/>
+              </a:prstGeom>
+              <a:noFill/>
+            </p:spPr>
+            <p:txBody>
+              <a:bodyPr wrap="none" rtlCol="0">
+                <a:spAutoFit/>
+              </a:bodyPr>
+              <a:lstStyle/>
+              <a:p>
+                <a:r>
+                  <a:rPr lang="en-US" sz="1200" dirty="0"/>
+                  <a:t>Somalier ancestry &amp; relatedness</a:t>
+                </a:r>
+              </a:p>
+            </p:txBody>
+          </p:sp>
+        </p:grpSp>
+        <p:cxnSp>
+          <p:nvCxnSpPr>
+            <p:cNvPr id="17" name="Straight Arrow Connector 16">
+              <a:extLst>
+                <a:ext uri="{FF2B5EF4-FFF2-40B4-BE49-F238E27FC236}">
+                  <a16:creationId xmlns:a16="http://schemas.microsoft.com/office/drawing/2014/main" id="{7EAC885B-37ED-674C-A469-BAE46311950D}"/>
+                </a:ext>
+              </a:extLst>
+            </p:cNvPr>
+            <p:cNvCxnSpPr>
+              <a:cxnSpLocks/>
+            </p:cNvCxnSpPr>
+            <p:nvPr/>
+          </p:nvCxnSpPr>
+          <p:spPr>
+            <a:xfrm flipH="1">
+              <a:off x="4273149" y="2515301"/>
+              <a:ext cx="392853" cy="132387"/>
+            </a:xfrm>
+            <a:prstGeom prst="straightConnector1">
+              <a:avLst/>
+            </a:prstGeom>
+            <a:ln w="28575">
+              <a:solidFill>
+                <a:schemeClr val="accent1">
+                  <a:lumMod val="60000"/>
+                  <a:lumOff val="40000"/>
+                </a:schemeClr>
+              </a:solidFill>
+              <a:tailEnd type="triangle"/>
+            </a:ln>
+          </p:spPr>
+          <p:style>
+            <a:lnRef idx="1">
+              <a:schemeClr val="accent1"/>
+            </a:lnRef>
+            <a:fillRef idx="0">
+              <a:schemeClr val="accent1"/>
+            </a:fillRef>
+            <a:effectRef idx="0">
+              <a:schemeClr val="accent1"/>
+            </a:effectRef>
+            <a:fontRef idx="minor">
+              <a:schemeClr val="tx1"/>
+            </a:fontRef>
+          </p:style>
+        </p:cxnSp>
+        <p:cxnSp>
+          <p:nvCxnSpPr>
+            <p:cNvPr id="18" name="Straight Arrow Connector 17">
+              <a:extLst>
+                <a:ext uri="{FF2B5EF4-FFF2-40B4-BE49-F238E27FC236}">
+                  <a16:creationId xmlns:a16="http://schemas.microsoft.com/office/drawing/2014/main" id="{58008B37-BF46-EA4A-9E11-0D47912B1E5B}"/>
+                </a:ext>
+              </a:extLst>
+            </p:cNvPr>
+            <p:cNvCxnSpPr>
+              <a:cxnSpLocks/>
+            </p:cNvCxnSpPr>
+            <p:nvPr/>
+          </p:nvCxnSpPr>
+          <p:spPr>
+            <a:xfrm>
+              <a:off x="4270558" y="3350972"/>
+              <a:ext cx="430200" cy="132387"/>
+            </a:xfrm>
+            <a:prstGeom prst="straightConnector1">
+              <a:avLst/>
+            </a:prstGeom>
+            <a:ln w="28575">
+              <a:solidFill>
+                <a:schemeClr val="accent1">
+                  <a:lumMod val="60000"/>
+                  <a:lumOff val="40000"/>
+                </a:schemeClr>
+              </a:solidFill>
+              <a:tailEnd type="triangle"/>
+            </a:ln>
+          </p:spPr>
+          <p:style>
+            <a:lnRef idx="1">
+              <a:schemeClr val="accent1"/>
+            </a:lnRef>
+            <a:fillRef idx="0">
+              <a:schemeClr val="accent1"/>
+            </a:fillRef>
+            <a:effectRef idx="0">
+              <a:schemeClr val="accent1"/>
+            </a:effectRef>
+            <a:fontRef idx="minor">
+              <a:schemeClr val="tx1"/>
+            </a:fontRef>
+          </p:style>
+        </p:cxnSp>
+      </p:grpSp>
+    </p:spTree>
+    <p:extLst>
+      <p:ext uri="{BB962C8B-B14F-4D97-AF65-F5344CB8AC3E}">
+        <p14:creationId xmlns:p14="http://schemas.microsoft.com/office/powerpoint/2010/main" val="746893362"/>
+      </p:ext>
+    </p:extLst>
+  </p:cSld>
+  <p:clrMapOvr>
+    <a:masterClrMapping/>
+  </p:clrMapOvr>
+</p:sld>
+</file>
+
+<file path=ppt/slides/slide6.xml><?xml version="1.0" encoding="utf-8"?>
+<p:sld xmlns:a="http://schemas.openxmlformats.org/drawingml/2006/main" xmlns:r="http://schemas.openxmlformats.org/officeDocument/2006/relationships" xmlns:p="http://schemas.openxmlformats.org/presentationml/2006/main">
+  <p:cSld>
+    <p:spTree>
+      <p:nvGrpSpPr>
+        <p:cNvPr id="1" name=""/>
+        <p:cNvGrpSpPr/>
+        <p:nvPr/>
+      </p:nvGrpSpPr>
+      <p:grpSpPr>
+        <a:xfrm>
+          <a:off x="0" y="0"/>
+          <a:ext cx="0" cy="0"/>
+          <a:chOff x="0" y="0"/>
+          <a:chExt cx="0" cy="0"/>
+        </a:xfrm>
+      </p:grpSpPr>
+      <p:grpSp>
+        <p:nvGrpSpPr>
+          <p:cNvPr id="17" name="Group 16">
+            <a:extLst>
+              <a:ext uri="{FF2B5EF4-FFF2-40B4-BE49-F238E27FC236}">
+                <a16:creationId xmlns:a16="http://schemas.microsoft.com/office/drawing/2014/main" id="{D6B03ADD-DB34-5543-910F-FA22980D7AC8}"/>
+              </a:ext>
+            </a:extLst>
+          </p:cNvPr>
+          <p:cNvGrpSpPr/>
+          <p:nvPr/>
+        </p:nvGrpSpPr>
+        <p:grpSpPr>
+          <a:xfrm>
+            <a:off x="2387600" y="717550"/>
+            <a:ext cx="5715000" cy="4579937"/>
+            <a:chOff x="2387600" y="717550"/>
+            <a:chExt cx="5715000" cy="4579937"/>
+          </a:xfrm>
+        </p:grpSpPr>
+        <p:pic>
+          <p:nvPicPr>
+            <p:cNvPr id="5" name="Picture 4">
+              <a:extLst>
+                <a:ext uri="{FF2B5EF4-FFF2-40B4-BE49-F238E27FC236}">
+                  <a16:creationId xmlns:a16="http://schemas.microsoft.com/office/drawing/2014/main" id="{5FA1C7ED-BCDD-094B-8BA9-EDFE5B8D32CE}"/>
+                </a:ext>
+              </a:extLst>
+            </p:cNvPr>
+            <p:cNvPicPr>
+              <a:picLocks noChangeAspect="1"/>
+            </p:cNvPicPr>
+            <p:nvPr/>
+          </p:nvPicPr>
+          <p:blipFill rotWithShape="1">
+            <a:blip r:embed="rId2">
+              <a:duotone>
+                <a:schemeClr val="accent3">
+                  <a:shade val="45000"/>
+                  <a:satMod val="135000"/>
+                </a:schemeClr>
+                <a:prstClr val="white"/>
+              </a:duotone>
+            </a:blip>
+            <a:srcRect l="8889" b="1906"/>
+            <a:stretch/>
+          </p:blipFill>
+          <p:spPr>
+            <a:xfrm>
+              <a:off x="2895600" y="717550"/>
+              <a:ext cx="5207000" cy="4248150"/>
+            </a:xfrm>
+            <a:prstGeom prst="rect">
+              <a:avLst/>
+            </a:prstGeom>
+          </p:spPr>
+        </p:pic>
+        <p:sp>
+          <p:nvSpPr>
+            <p:cNvPr id="6" name="Rectangle 5">
+              <a:extLst>
+                <a:ext uri="{FF2B5EF4-FFF2-40B4-BE49-F238E27FC236}">
+                  <a16:creationId xmlns:a16="http://schemas.microsoft.com/office/drawing/2014/main" id="{C4144856-52A0-034D-B0F4-6964B3F2BF5F}"/>
+                </a:ext>
+              </a:extLst>
+            </p:cNvPr>
+            <p:cNvSpPr/>
+            <p:nvPr/>
+          </p:nvSpPr>
+          <p:spPr>
+            <a:xfrm>
+              <a:off x="2387600" y="812800"/>
+              <a:ext cx="508000" cy="381000"/>
+            </a:xfrm>
+            <a:prstGeom prst="rect">
+              <a:avLst/>
+            </a:prstGeom>
+            <a:solidFill>
+              <a:schemeClr val="bg1"/>
+            </a:solidFill>
+            <a:ln>
+              <a:solidFill>
+                <a:schemeClr val="bg1"/>
+              </a:solidFill>
+            </a:ln>
+          </p:spPr>
+          <p:style>
+            <a:lnRef idx="2">
+              <a:schemeClr val="accent1">
+                <a:shade val="50000"/>
+              </a:schemeClr>
+            </a:lnRef>
+            <a:fillRef idx="1">
+              <a:schemeClr val="accent1"/>
+            </a:fillRef>
+            <a:effectRef idx="0">
+              <a:schemeClr val="accent1"/>
+            </a:effectRef>
+            <a:fontRef idx="minor">
+              <a:schemeClr val="lt1"/>
+            </a:fontRef>
+          </p:style>
+          <p:txBody>
+            <a:bodyPr rtlCol="0" anchor="ctr"/>
+            <a:lstStyle/>
+            <a:p>
+              <a:pPr algn="ctr"/>
+              <a:endParaRPr lang="en-US"/>
+            </a:p>
+          </p:txBody>
+        </p:sp>
+        <p:sp>
+          <p:nvSpPr>
+            <p:cNvPr id="7" name="Rectangle 6">
+              <a:extLst>
+                <a:ext uri="{FF2B5EF4-FFF2-40B4-BE49-F238E27FC236}">
+                  <a16:creationId xmlns:a16="http://schemas.microsoft.com/office/drawing/2014/main" id="{F57DF39C-2CAB-AD40-A416-905C8711BE8A}"/>
+                </a:ext>
+              </a:extLst>
+            </p:cNvPr>
+            <p:cNvSpPr/>
+            <p:nvPr/>
+          </p:nvSpPr>
+          <p:spPr>
+            <a:xfrm>
+              <a:off x="3924300" y="844550"/>
+              <a:ext cx="2641600" cy="381000"/>
+            </a:xfrm>
+            <a:prstGeom prst="rect">
+              <a:avLst/>
+            </a:prstGeom>
+            <a:solidFill>
+              <a:schemeClr val="bg1"/>
+            </a:solidFill>
+            <a:ln>
+              <a:solidFill>
+                <a:schemeClr val="bg1"/>
+              </a:solidFill>
+            </a:ln>
+          </p:spPr>
+          <p:style>
+            <a:lnRef idx="2">
+              <a:schemeClr val="accent1">
+                <a:shade val="50000"/>
+              </a:schemeClr>
+            </a:lnRef>
+            <a:fillRef idx="1">
+              <a:schemeClr val="accent1"/>
+            </a:fillRef>
+            <a:effectRef idx="0">
+              <a:schemeClr val="accent1"/>
+            </a:effectRef>
+            <a:fontRef idx="minor">
+              <a:schemeClr val="lt1"/>
+            </a:fontRef>
+          </p:style>
+          <p:txBody>
+            <a:bodyPr rtlCol="0" anchor="ctr"/>
+            <a:lstStyle/>
+            <a:p>
+              <a:pPr algn="ctr"/>
+              <a:endParaRPr lang="en-US"/>
+            </a:p>
+          </p:txBody>
+        </p:sp>
+        <p:sp>
+          <p:nvSpPr>
+            <p:cNvPr id="8" name="Rectangle 7">
+              <a:extLst>
+                <a:ext uri="{FF2B5EF4-FFF2-40B4-BE49-F238E27FC236}">
+                  <a16:creationId xmlns:a16="http://schemas.microsoft.com/office/drawing/2014/main" id="{A684FB4D-816B-5D44-91F1-A334CB109593}"/>
+                </a:ext>
+              </a:extLst>
+            </p:cNvPr>
+            <p:cNvSpPr/>
+            <p:nvPr/>
+          </p:nvSpPr>
+          <p:spPr>
+            <a:xfrm>
+              <a:off x="3733800" y="1889124"/>
+              <a:ext cx="3708400" cy="1450976"/>
+            </a:xfrm>
+            <a:prstGeom prst="rect">
+              <a:avLst/>
+            </a:prstGeom>
+            <a:solidFill>
+              <a:schemeClr val="bg1"/>
+            </a:solidFill>
+            <a:ln>
+              <a:solidFill>
+                <a:schemeClr val="bg1"/>
+              </a:solidFill>
+            </a:ln>
+          </p:spPr>
+          <p:style>
+            <a:lnRef idx="2">
+              <a:schemeClr val="accent1">
+                <a:shade val="50000"/>
+              </a:schemeClr>
+            </a:lnRef>
+            <a:fillRef idx="1">
+              <a:schemeClr val="accent1"/>
+            </a:fillRef>
+            <a:effectRef idx="0">
+              <a:schemeClr val="accent1"/>
+            </a:effectRef>
+            <a:fontRef idx="minor">
+              <a:schemeClr val="lt1"/>
+            </a:fontRef>
+          </p:style>
+          <p:txBody>
+            <a:bodyPr rtlCol="0" anchor="ctr"/>
+            <a:lstStyle/>
+            <a:p>
+              <a:pPr algn="ctr"/>
+              <a:r>
+                <a:rPr lang="en-US" dirty="0">
+                  <a:solidFill>
+                    <a:sysClr val="windowText" lastClr="000000"/>
+                  </a:solidFill>
+                </a:rPr>
+                <a:t>neutral evolution</a:t>
+              </a:r>
+            </a:p>
+          </p:txBody>
+        </p:sp>
+        <p:cxnSp>
+          <p:nvCxnSpPr>
+            <p:cNvPr id="10" name="Straight Arrow Connector 9">
+              <a:extLst>
+                <a:ext uri="{FF2B5EF4-FFF2-40B4-BE49-F238E27FC236}">
+                  <a16:creationId xmlns:a16="http://schemas.microsoft.com/office/drawing/2014/main" id="{BB1DDA18-3A0E-6B40-ADC5-53B9C2C0FB95}"/>
+                </a:ext>
+              </a:extLst>
+            </p:cNvPr>
+            <p:cNvCxnSpPr>
+              <a:cxnSpLocks/>
+            </p:cNvCxnSpPr>
+            <p:nvPr/>
+          </p:nvCxnSpPr>
+          <p:spPr>
+            <a:xfrm flipH="1">
+              <a:off x="3924300" y="2705100"/>
+              <a:ext cx="698500" cy="393700"/>
+            </a:xfrm>
+            <a:prstGeom prst="straightConnector1">
+              <a:avLst/>
+            </a:prstGeom>
+            <a:ln w="28575">
+              <a:tailEnd type="triangle"/>
+            </a:ln>
+          </p:spPr>
+          <p:style>
+            <a:lnRef idx="1">
+              <a:schemeClr val="dk1"/>
+            </a:lnRef>
+            <a:fillRef idx="0">
+              <a:schemeClr val="dk1"/>
+            </a:fillRef>
+            <a:effectRef idx="0">
+              <a:schemeClr val="dk1"/>
+            </a:effectRef>
+            <a:fontRef idx="minor">
+              <a:schemeClr val="tx1"/>
+            </a:fontRef>
+          </p:style>
+        </p:cxnSp>
+        <p:sp>
+          <p:nvSpPr>
+            <p:cNvPr id="12" name="Rectangle 11">
+              <a:extLst>
+                <a:ext uri="{FF2B5EF4-FFF2-40B4-BE49-F238E27FC236}">
+                  <a16:creationId xmlns:a16="http://schemas.microsoft.com/office/drawing/2014/main" id="{8AA3A9BE-5CB8-AE4F-9674-5F1BA86B0D3B}"/>
+                </a:ext>
+              </a:extLst>
+            </p:cNvPr>
+            <p:cNvSpPr/>
+            <p:nvPr/>
+          </p:nvSpPr>
+          <p:spPr>
+            <a:xfrm>
+              <a:off x="5397500" y="3200400"/>
+              <a:ext cx="736600" cy="660400"/>
+            </a:xfrm>
+            <a:prstGeom prst="rect">
+              <a:avLst/>
+            </a:prstGeom>
+            <a:solidFill>
+              <a:schemeClr val="bg1"/>
+            </a:solidFill>
+            <a:ln>
+              <a:solidFill>
+                <a:schemeClr val="bg1"/>
+              </a:solidFill>
+            </a:ln>
+          </p:spPr>
+          <p:style>
+            <a:lnRef idx="2">
+              <a:schemeClr val="accent1">
+                <a:shade val="50000"/>
+              </a:schemeClr>
+            </a:lnRef>
+            <a:fillRef idx="1">
+              <a:schemeClr val="accent1"/>
+            </a:fillRef>
+            <a:effectRef idx="0">
+              <a:schemeClr val="accent1"/>
+            </a:effectRef>
+            <a:fontRef idx="minor">
+              <a:schemeClr val="lt1"/>
+            </a:fontRef>
+          </p:style>
+          <p:txBody>
+            <a:bodyPr rtlCol="0" anchor="ctr"/>
+            <a:lstStyle/>
+            <a:p>
+              <a:pPr algn="ctr"/>
+              <a:endParaRPr lang="en-US"/>
+            </a:p>
+          </p:txBody>
+        </p:sp>
+        <p:cxnSp>
+          <p:nvCxnSpPr>
+            <p:cNvPr id="13" name="Straight Arrow Connector 12">
+              <a:extLst>
+                <a:ext uri="{FF2B5EF4-FFF2-40B4-BE49-F238E27FC236}">
+                  <a16:creationId xmlns:a16="http://schemas.microsoft.com/office/drawing/2014/main" id="{D902B168-9D6D-2443-ADB5-89C0AF1B8858}"/>
+                </a:ext>
+              </a:extLst>
+            </p:cNvPr>
+            <p:cNvCxnSpPr>
+              <a:cxnSpLocks/>
+            </p:cNvCxnSpPr>
+            <p:nvPr/>
+          </p:nvCxnSpPr>
+          <p:spPr>
+            <a:xfrm flipH="1">
+              <a:off x="5613400" y="3530600"/>
+              <a:ext cx="698500" cy="393700"/>
+            </a:xfrm>
+            <a:prstGeom prst="straightConnector1">
+              <a:avLst/>
+            </a:prstGeom>
+            <a:ln w="28575">
+              <a:tailEnd type="triangle"/>
+            </a:ln>
+          </p:spPr>
+          <p:style>
+            <a:lnRef idx="1">
+              <a:schemeClr val="dk1"/>
+            </a:lnRef>
+            <a:fillRef idx="0">
+              <a:schemeClr val="dk1"/>
+            </a:fillRef>
+            <a:effectRef idx="0">
+              <a:schemeClr val="dk1"/>
+            </a:effectRef>
+            <a:fontRef idx="minor">
+              <a:schemeClr val="tx1"/>
+            </a:fontRef>
+          </p:style>
+        </p:cxnSp>
+        <p:sp>
+          <p:nvSpPr>
+            <p:cNvPr id="14" name="Rectangle 13">
+              <a:extLst>
+                <a:ext uri="{FF2B5EF4-FFF2-40B4-BE49-F238E27FC236}">
+                  <a16:creationId xmlns:a16="http://schemas.microsoft.com/office/drawing/2014/main" id="{73EB7199-CBFF-4F4E-92FC-986A590FAAA1}"/>
+                </a:ext>
+              </a:extLst>
+            </p:cNvPr>
+            <p:cNvSpPr/>
+            <p:nvPr/>
+          </p:nvSpPr>
+          <p:spPr>
+            <a:xfrm>
+              <a:off x="5549900" y="3175000"/>
+              <a:ext cx="2197100" cy="355600"/>
+            </a:xfrm>
+            <a:prstGeom prst="rect">
+              <a:avLst/>
+            </a:prstGeom>
+            <a:solidFill>
+              <a:schemeClr val="bg1"/>
+            </a:solidFill>
+            <a:ln>
+              <a:solidFill>
+                <a:schemeClr val="bg1"/>
+              </a:solidFill>
+            </a:ln>
+          </p:spPr>
+          <p:style>
+            <a:lnRef idx="2">
+              <a:schemeClr val="accent1">
+                <a:shade val="50000"/>
+              </a:schemeClr>
+            </a:lnRef>
+            <a:fillRef idx="1">
+              <a:schemeClr val="accent1"/>
+            </a:fillRef>
+            <a:effectRef idx="0">
+              <a:schemeClr val="accent1"/>
+            </a:effectRef>
+            <a:fontRef idx="minor">
+              <a:schemeClr val="lt1"/>
+            </a:fontRef>
+          </p:style>
+          <p:txBody>
+            <a:bodyPr rtlCol="0" anchor="ctr"/>
+            <a:lstStyle/>
+            <a:p>
+              <a:pPr algn="ctr"/>
+              <a:r>
+                <a:rPr lang="en-US" dirty="0">
+                  <a:solidFill>
+                    <a:sysClr val="windowText" lastClr="000000"/>
+                  </a:solidFill>
+                </a:rPr>
+                <a:t>clonal peak</a:t>
+              </a:r>
+            </a:p>
+          </p:txBody>
+        </p:sp>
+        <p:sp>
+          <p:nvSpPr>
+            <p:cNvPr id="15" name="Rectangle 14">
+              <a:extLst>
+                <a:ext uri="{FF2B5EF4-FFF2-40B4-BE49-F238E27FC236}">
+                  <a16:creationId xmlns:a16="http://schemas.microsoft.com/office/drawing/2014/main" id="{30D95FEE-73E2-8948-9E68-AF162144B877}"/>
+                </a:ext>
+              </a:extLst>
+            </p:cNvPr>
+            <p:cNvSpPr/>
+            <p:nvPr/>
+          </p:nvSpPr>
+          <p:spPr>
+            <a:xfrm rot="16200000">
+              <a:off x="1543050" y="2901950"/>
+              <a:ext cx="2197100" cy="355600"/>
+            </a:xfrm>
+            <a:prstGeom prst="rect">
+              <a:avLst/>
+            </a:prstGeom>
+            <a:solidFill>
+              <a:schemeClr val="bg1"/>
+            </a:solidFill>
+            <a:ln>
+              <a:solidFill>
+                <a:schemeClr val="bg1"/>
+              </a:solidFill>
+            </a:ln>
+          </p:spPr>
+          <p:style>
+            <a:lnRef idx="2">
+              <a:schemeClr val="accent1">
+                <a:shade val="50000"/>
+              </a:schemeClr>
+            </a:lnRef>
+            <a:fillRef idx="1">
+              <a:schemeClr val="accent1"/>
+            </a:fillRef>
+            <a:effectRef idx="0">
+              <a:schemeClr val="accent1"/>
+            </a:effectRef>
+            <a:fontRef idx="minor">
+              <a:schemeClr val="lt1"/>
+            </a:fontRef>
+          </p:style>
+          <p:txBody>
+            <a:bodyPr rtlCol="0" anchor="ctr"/>
+            <a:lstStyle/>
+            <a:p>
+              <a:pPr algn="ctr"/>
+              <a:r>
+                <a:rPr lang="en-US" dirty="0">
+                  <a:solidFill>
+                    <a:sysClr val="windowText" lastClr="000000"/>
+                  </a:solidFill>
+                </a:rPr>
+                <a:t>No. of Mutations</a:t>
+              </a:r>
+            </a:p>
+          </p:txBody>
+        </p:sp>
+        <p:sp>
+          <p:nvSpPr>
+            <p:cNvPr id="16" name="Rectangle 15">
+              <a:extLst>
+                <a:ext uri="{FF2B5EF4-FFF2-40B4-BE49-F238E27FC236}">
+                  <a16:creationId xmlns:a16="http://schemas.microsoft.com/office/drawing/2014/main" id="{B7D32D5D-4D2D-5649-9AC6-44D79709B6D3}"/>
+                </a:ext>
+              </a:extLst>
+            </p:cNvPr>
+            <p:cNvSpPr/>
+            <p:nvPr/>
+          </p:nvSpPr>
+          <p:spPr>
+            <a:xfrm>
+              <a:off x="4622800" y="4941887"/>
+              <a:ext cx="2197100" cy="355600"/>
+            </a:xfrm>
+            <a:prstGeom prst="rect">
+              <a:avLst/>
+            </a:prstGeom>
+            <a:solidFill>
+              <a:schemeClr val="bg1"/>
+            </a:solidFill>
+            <a:ln>
+              <a:solidFill>
+                <a:schemeClr val="bg1"/>
+              </a:solidFill>
+            </a:ln>
+          </p:spPr>
+          <p:style>
+            <a:lnRef idx="2">
+              <a:schemeClr val="accent1">
+                <a:shade val="50000"/>
+              </a:schemeClr>
+            </a:lnRef>
+            <a:fillRef idx="1">
+              <a:schemeClr val="accent1"/>
+            </a:fillRef>
+            <a:effectRef idx="0">
+              <a:schemeClr val="accent1"/>
+            </a:effectRef>
+            <a:fontRef idx="minor">
+              <a:schemeClr val="lt1"/>
+            </a:fontRef>
+          </p:style>
+          <p:txBody>
+            <a:bodyPr rtlCol="0" anchor="ctr"/>
+            <a:lstStyle/>
+            <a:p>
+              <a:pPr algn="ctr"/>
+              <a:r>
+                <a:rPr lang="en-US" dirty="0">
+                  <a:solidFill>
+                    <a:sysClr val="windowText" lastClr="000000"/>
+                  </a:solidFill>
+                </a:rPr>
+                <a:t>Allele frequency</a:t>
+              </a:r>
+            </a:p>
+          </p:txBody>
+        </p:sp>
+      </p:grpSp>
+    </p:spTree>
+    <p:extLst>
+      <p:ext uri="{BB962C8B-B14F-4D97-AF65-F5344CB8AC3E}">
+        <p14:creationId xmlns:p14="http://schemas.microsoft.com/office/powerpoint/2010/main" val="241316759"/>
+      </p:ext>
+    </p:extLst>
+  </p:cSld>
+  <p:clrMapOvr>
+    <a:masterClrMapping/>
+  </p:clrMapOvr>
+</p:sld>
+</file>
+
+<file path=ppt/slides/slide7.xml><?xml version="1.0" encoding="utf-8"?>
+<p:sld xmlns:a="http://schemas.openxmlformats.org/drawingml/2006/main" xmlns:r="http://schemas.openxmlformats.org/officeDocument/2006/relationships" xmlns:p="http://schemas.openxmlformats.org/presentationml/2006/main">
+  <p:cSld>
+    <p:spTree>
+      <p:nvGrpSpPr>
+        <p:cNvPr id="1" name=""/>
+        <p:cNvGrpSpPr/>
+        <p:nvPr/>
+      </p:nvGrpSpPr>
+      <p:grpSpPr>
+        <a:xfrm>
+          <a:off x="0" y="0"/>
+          <a:ext cx="0" cy="0"/>
+          <a:chOff x="0" y="0"/>
+          <a:chExt cx="0" cy="0"/>
+        </a:xfrm>
+      </p:grpSpPr>
+      <p:grpSp>
+        <p:nvGrpSpPr>
+          <p:cNvPr id="16" name="Group 15">
+            <a:extLst>
+              <a:ext uri="{FF2B5EF4-FFF2-40B4-BE49-F238E27FC236}">
+                <a16:creationId xmlns:a16="http://schemas.microsoft.com/office/drawing/2014/main" id="{41E85D56-1BB8-EA46-9298-690EEC246348}"/>
+              </a:ext>
+            </a:extLst>
+          </p:cNvPr>
+          <p:cNvGrpSpPr/>
+          <p:nvPr/>
+        </p:nvGrpSpPr>
+        <p:grpSpPr>
+          <a:xfrm>
+            <a:off x="1244600" y="356038"/>
+            <a:ext cx="9261704" cy="6070161"/>
+            <a:chOff x="1244600" y="356038"/>
+            <a:chExt cx="9261704" cy="6070161"/>
+          </a:xfrm>
+        </p:grpSpPr>
+        <p:pic>
+          <p:nvPicPr>
+            <p:cNvPr id="5" name="Picture 4">
+              <a:extLst>
+                <a:ext uri="{FF2B5EF4-FFF2-40B4-BE49-F238E27FC236}">
+                  <a16:creationId xmlns:a16="http://schemas.microsoft.com/office/drawing/2014/main" id="{17AC9846-365C-8F45-ADE5-676921A556AD}"/>
+                </a:ext>
+              </a:extLst>
+            </p:cNvPr>
+            <p:cNvPicPr>
+              <a:picLocks noChangeAspect="1"/>
+            </p:cNvPicPr>
+            <p:nvPr/>
+          </p:nvPicPr>
+          <p:blipFill>
+            <a:blip r:embed="rId2"/>
+            <a:stretch>
+              <a:fillRect/>
+            </a:stretch>
+          </p:blipFill>
+          <p:spPr>
+            <a:xfrm>
+              <a:off x="1244600" y="573526"/>
+              <a:ext cx="9261704" cy="5852673"/>
+            </a:xfrm>
+            <a:prstGeom prst="rect">
+              <a:avLst/>
+            </a:prstGeom>
+          </p:spPr>
+        </p:pic>
+        <p:sp>
+          <p:nvSpPr>
+            <p:cNvPr id="6" name="Rectangle 5">
+              <a:extLst>
+                <a:ext uri="{FF2B5EF4-FFF2-40B4-BE49-F238E27FC236}">
+                  <a16:creationId xmlns:a16="http://schemas.microsoft.com/office/drawing/2014/main" id="{9EC9420B-D6A6-A240-AE6E-CFA0EF1D9320}"/>
+                </a:ext>
+              </a:extLst>
+            </p:cNvPr>
+            <p:cNvSpPr/>
+            <p:nvPr/>
+          </p:nvSpPr>
+          <p:spPr>
+            <a:xfrm>
+              <a:off x="1498600" y="356038"/>
+              <a:ext cx="584200" cy="434976"/>
+            </a:xfrm>
+            <a:prstGeom prst="rect">
+              <a:avLst/>
+            </a:prstGeom>
+            <a:solidFill>
+              <a:schemeClr val="bg1"/>
+            </a:solidFill>
+            <a:ln>
+              <a:solidFill>
+                <a:schemeClr val="bg1"/>
+              </a:solidFill>
+            </a:ln>
+          </p:spPr>
+          <p:style>
+            <a:lnRef idx="2">
+              <a:schemeClr val="accent1">
+                <a:shade val="50000"/>
+              </a:schemeClr>
+            </a:lnRef>
+            <a:fillRef idx="1">
+              <a:schemeClr val="accent1"/>
+            </a:fillRef>
+            <a:effectRef idx="0">
+              <a:schemeClr val="accent1"/>
+            </a:effectRef>
+            <a:fontRef idx="minor">
+              <a:schemeClr val="lt1"/>
+            </a:fontRef>
+          </p:style>
+          <p:txBody>
+            <a:bodyPr rtlCol="0" anchor="ctr"/>
+            <a:lstStyle/>
+            <a:p>
+              <a:pPr algn="ctr"/>
+              <a:endParaRPr lang="en-US" dirty="0">
+                <a:solidFill>
+                  <a:sysClr val="windowText" lastClr="000000"/>
+                </a:solidFill>
+              </a:endParaRPr>
+            </a:p>
+          </p:txBody>
+        </p:sp>
+        <p:sp>
+          <p:nvSpPr>
+            <p:cNvPr id="7" name="Rectangle 6">
+              <a:extLst>
+                <a:ext uri="{FF2B5EF4-FFF2-40B4-BE49-F238E27FC236}">
+                  <a16:creationId xmlns:a16="http://schemas.microsoft.com/office/drawing/2014/main" id="{0F321DB0-B77C-EB48-9982-C197DEC4B053}"/>
+                </a:ext>
+              </a:extLst>
+            </p:cNvPr>
+            <p:cNvSpPr/>
+            <p:nvPr/>
+          </p:nvSpPr>
+          <p:spPr>
+            <a:xfrm>
+              <a:off x="8763000" y="4293038"/>
+              <a:ext cx="1743304" cy="434976"/>
+            </a:xfrm>
+            <a:prstGeom prst="rect">
+              <a:avLst/>
+            </a:prstGeom>
+            <a:solidFill>
+              <a:schemeClr val="bg1"/>
+            </a:solidFill>
+            <a:ln>
+              <a:solidFill>
+                <a:schemeClr val="bg1"/>
+              </a:solidFill>
+            </a:ln>
+          </p:spPr>
+          <p:style>
+            <a:lnRef idx="2">
+              <a:schemeClr val="accent1">
+                <a:shade val="50000"/>
+              </a:schemeClr>
+            </a:lnRef>
+            <a:fillRef idx="1">
+              <a:schemeClr val="accent1"/>
+            </a:fillRef>
+            <a:effectRef idx="0">
+              <a:schemeClr val="accent1"/>
+            </a:effectRef>
+            <a:fontRef idx="minor">
+              <a:schemeClr val="lt1"/>
+            </a:fontRef>
+          </p:style>
+          <p:txBody>
+            <a:bodyPr rtlCol="0" anchor="ctr"/>
+            <a:lstStyle/>
+            <a:p>
+              <a:pPr algn="ctr"/>
+              <a:endParaRPr lang="en-US" dirty="0">
+                <a:solidFill>
+                  <a:sysClr val="windowText" lastClr="000000"/>
+                </a:solidFill>
+              </a:endParaRPr>
+            </a:p>
+          </p:txBody>
+        </p:sp>
+        <p:sp>
+          <p:nvSpPr>
+            <p:cNvPr id="8" name="Rectangle 7">
+              <a:extLst>
+                <a:ext uri="{FF2B5EF4-FFF2-40B4-BE49-F238E27FC236}">
+                  <a16:creationId xmlns:a16="http://schemas.microsoft.com/office/drawing/2014/main" id="{BBD06ECD-A445-B240-8DE0-0ED5C43DE653}"/>
+                </a:ext>
+              </a:extLst>
+            </p:cNvPr>
+            <p:cNvSpPr/>
+            <p:nvPr/>
+          </p:nvSpPr>
+          <p:spPr>
+            <a:xfrm>
+              <a:off x="2057400" y="5985313"/>
+              <a:ext cx="584200" cy="212287"/>
+            </a:xfrm>
+            <a:prstGeom prst="rect">
+              <a:avLst/>
+            </a:prstGeom>
+            <a:solidFill>
+              <a:schemeClr val="bg1"/>
+            </a:solidFill>
+            <a:ln>
+              <a:solidFill>
+                <a:schemeClr val="bg1"/>
+              </a:solidFill>
+            </a:ln>
+          </p:spPr>
+          <p:style>
+            <a:lnRef idx="2">
+              <a:schemeClr val="accent1">
+                <a:shade val="50000"/>
+              </a:schemeClr>
+            </a:lnRef>
+            <a:fillRef idx="1">
+              <a:schemeClr val="accent1"/>
+            </a:fillRef>
+            <a:effectRef idx="0">
+              <a:schemeClr val="accent1"/>
+            </a:effectRef>
+            <a:fontRef idx="minor">
+              <a:schemeClr val="lt1"/>
+            </a:fontRef>
+          </p:style>
+          <p:txBody>
+            <a:bodyPr rtlCol="0" anchor="ctr"/>
+            <a:lstStyle/>
+            <a:p>
+              <a:pPr algn="ctr"/>
+              <a:r>
+                <a:rPr lang="en-US" sz="1100" dirty="0">
+                  <a:solidFill>
+                    <a:sysClr val="windowText" lastClr="000000"/>
+                  </a:solidFill>
+                </a:rPr>
+                <a:t>gene1</a:t>
+              </a:r>
+            </a:p>
+          </p:txBody>
+        </p:sp>
+        <p:sp>
+          <p:nvSpPr>
+            <p:cNvPr id="9" name="Rectangle 8">
+              <a:extLst>
+                <a:ext uri="{FF2B5EF4-FFF2-40B4-BE49-F238E27FC236}">
+                  <a16:creationId xmlns:a16="http://schemas.microsoft.com/office/drawing/2014/main" id="{B3CDB3CC-810B-FF4C-8703-B9B456AB34A0}"/>
+                </a:ext>
+              </a:extLst>
+            </p:cNvPr>
+            <p:cNvSpPr/>
+            <p:nvPr/>
+          </p:nvSpPr>
+          <p:spPr>
+            <a:xfrm>
+              <a:off x="3032760" y="5975153"/>
+              <a:ext cx="584200" cy="212287"/>
+            </a:xfrm>
+            <a:prstGeom prst="rect">
+              <a:avLst/>
+            </a:prstGeom>
+            <a:solidFill>
+              <a:schemeClr val="bg1"/>
+            </a:solidFill>
+            <a:ln>
+              <a:solidFill>
+                <a:schemeClr val="bg1"/>
+              </a:solidFill>
+            </a:ln>
+          </p:spPr>
+          <p:style>
+            <a:lnRef idx="2">
+              <a:schemeClr val="accent1">
+                <a:shade val="50000"/>
+              </a:schemeClr>
+            </a:lnRef>
+            <a:fillRef idx="1">
+              <a:schemeClr val="accent1"/>
+            </a:fillRef>
+            <a:effectRef idx="0">
+              <a:schemeClr val="accent1"/>
+            </a:effectRef>
+            <a:fontRef idx="minor">
+              <a:schemeClr val="lt1"/>
+            </a:fontRef>
+          </p:style>
+          <p:txBody>
+            <a:bodyPr rtlCol="0" anchor="ctr"/>
+            <a:lstStyle/>
+            <a:p>
+              <a:pPr algn="ctr"/>
+              <a:r>
+                <a:rPr lang="en-US" sz="1100" dirty="0">
+                  <a:solidFill>
+                    <a:sysClr val="windowText" lastClr="000000"/>
+                  </a:solidFill>
+                </a:rPr>
+                <a:t>gene2</a:t>
+              </a:r>
+            </a:p>
+          </p:txBody>
+        </p:sp>
+        <p:sp>
+          <p:nvSpPr>
+            <p:cNvPr id="10" name="Rectangle 9">
+              <a:extLst>
+                <a:ext uri="{FF2B5EF4-FFF2-40B4-BE49-F238E27FC236}">
+                  <a16:creationId xmlns:a16="http://schemas.microsoft.com/office/drawing/2014/main" id="{FE526E30-0C9D-3B41-BCB0-D578DBA261B2}"/>
+                </a:ext>
+              </a:extLst>
+            </p:cNvPr>
+            <p:cNvSpPr/>
+            <p:nvPr/>
+          </p:nvSpPr>
+          <p:spPr>
+            <a:xfrm>
+              <a:off x="3983318" y="5964992"/>
+              <a:ext cx="584200" cy="212287"/>
+            </a:xfrm>
+            <a:prstGeom prst="rect">
+              <a:avLst/>
+            </a:prstGeom>
+            <a:solidFill>
+              <a:schemeClr val="bg1"/>
+            </a:solidFill>
+            <a:ln>
+              <a:solidFill>
+                <a:schemeClr val="bg1"/>
+              </a:solidFill>
+            </a:ln>
+          </p:spPr>
+          <p:style>
+            <a:lnRef idx="2">
+              <a:schemeClr val="accent1">
+                <a:shade val="50000"/>
+              </a:schemeClr>
+            </a:lnRef>
+            <a:fillRef idx="1">
+              <a:schemeClr val="accent1"/>
+            </a:fillRef>
+            <a:effectRef idx="0">
+              <a:schemeClr val="accent1"/>
+            </a:effectRef>
+            <a:fontRef idx="minor">
+              <a:schemeClr val="lt1"/>
+            </a:fontRef>
+          </p:style>
+          <p:txBody>
+            <a:bodyPr rtlCol="0" anchor="ctr"/>
+            <a:lstStyle/>
+            <a:p>
+              <a:pPr algn="ctr"/>
+              <a:r>
+                <a:rPr lang="en-US" sz="1100" dirty="0">
+                  <a:solidFill>
+                    <a:sysClr val="windowText" lastClr="000000"/>
+                  </a:solidFill>
+                </a:rPr>
+                <a:t>gene3</a:t>
+              </a:r>
+            </a:p>
+          </p:txBody>
+        </p:sp>
+        <p:sp>
+          <p:nvSpPr>
+            <p:cNvPr id="11" name="Rectangle 10">
+              <a:extLst>
+                <a:ext uri="{FF2B5EF4-FFF2-40B4-BE49-F238E27FC236}">
+                  <a16:creationId xmlns:a16="http://schemas.microsoft.com/office/drawing/2014/main" id="{9DEC17C9-183F-8D41-AB38-14BC27C1C38C}"/>
+                </a:ext>
+              </a:extLst>
+            </p:cNvPr>
+            <p:cNvSpPr/>
+            <p:nvPr/>
+          </p:nvSpPr>
+          <p:spPr>
+            <a:xfrm>
+              <a:off x="4953000" y="5975153"/>
+              <a:ext cx="584200" cy="212287"/>
+            </a:xfrm>
+            <a:prstGeom prst="rect">
+              <a:avLst/>
+            </a:prstGeom>
+            <a:solidFill>
+              <a:schemeClr val="bg1"/>
+            </a:solidFill>
+            <a:ln>
+              <a:solidFill>
+                <a:schemeClr val="bg1"/>
+              </a:solidFill>
+            </a:ln>
+          </p:spPr>
+          <p:style>
+            <a:lnRef idx="2">
+              <a:schemeClr val="accent1">
+                <a:shade val="50000"/>
+              </a:schemeClr>
+            </a:lnRef>
+            <a:fillRef idx="1">
+              <a:schemeClr val="accent1"/>
+            </a:fillRef>
+            <a:effectRef idx="0">
+              <a:schemeClr val="accent1"/>
+            </a:effectRef>
+            <a:fontRef idx="minor">
+              <a:schemeClr val="lt1"/>
+            </a:fontRef>
+          </p:style>
+          <p:txBody>
+            <a:bodyPr rtlCol="0" anchor="ctr"/>
+            <a:lstStyle/>
+            <a:p>
+              <a:pPr algn="ctr"/>
+              <a:r>
+                <a:rPr lang="en-US" sz="1100" dirty="0">
+                  <a:solidFill>
+                    <a:sysClr val="windowText" lastClr="000000"/>
+                  </a:solidFill>
+                </a:rPr>
+                <a:t>gene4</a:t>
+              </a:r>
+            </a:p>
+          </p:txBody>
+        </p:sp>
+        <p:sp>
+          <p:nvSpPr>
+            <p:cNvPr id="12" name="Rectangle 11">
+              <a:extLst>
+                <a:ext uri="{FF2B5EF4-FFF2-40B4-BE49-F238E27FC236}">
+                  <a16:creationId xmlns:a16="http://schemas.microsoft.com/office/drawing/2014/main" id="{D876C02B-8464-0741-ACB2-16E64C4F57CA}"/>
+                </a:ext>
+              </a:extLst>
+            </p:cNvPr>
+            <p:cNvSpPr/>
+            <p:nvPr/>
+          </p:nvSpPr>
+          <p:spPr>
+            <a:xfrm>
+              <a:off x="5989752" y="5975153"/>
+              <a:ext cx="584200" cy="212287"/>
+            </a:xfrm>
+            <a:prstGeom prst="rect">
+              <a:avLst/>
+            </a:prstGeom>
+            <a:solidFill>
+              <a:schemeClr val="bg1"/>
+            </a:solidFill>
+            <a:ln>
+              <a:solidFill>
+                <a:schemeClr val="bg1"/>
+              </a:solidFill>
+            </a:ln>
+          </p:spPr>
+          <p:style>
+            <a:lnRef idx="2">
+              <a:schemeClr val="accent1">
+                <a:shade val="50000"/>
+              </a:schemeClr>
+            </a:lnRef>
+            <a:fillRef idx="1">
+              <a:schemeClr val="accent1"/>
+            </a:fillRef>
+            <a:effectRef idx="0">
+              <a:schemeClr val="accent1"/>
+            </a:effectRef>
+            <a:fontRef idx="minor">
+              <a:schemeClr val="lt1"/>
+            </a:fontRef>
+          </p:style>
+          <p:txBody>
+            <a:bodyPr rtlCol="0" anchor="ctr"/>
+            <a:lstStyle/>
+            <a:p>
+              <a:pPr algn="ctr"/>
+              <a:r>
+                <a:rPr lang="en-US" sz="1100" dirty="0">
+                  <a:solidFill>
+                    <a:sysClr val="windowText" lastClr="000000"/>
+                  </a:solidFill>
+                </a:rPr>
+                <a:t>gene5</a:t>
+              </a:r>
+            </a:p>
+          </p:txBody>
+        </p:sp>
+        <p:sp>
+          <p:nvSpPr>
+            <p:cNvPr id="13" name="Rectangle 12">
+              <a:extLst>
+                <a:ext uri="{FF2B5EF4-FFF2-40B4-BE49-F238E27FC236}">
+                  <a16:creationId xmlns:a16="http://schemas.microsoft.com/office/drawing/2014/main" id="{AF540611-7B09-4F4B-BF93-2662A4EE51CB}"/>
+                </a:ext>
+              </a:extLst>
+            </p:cNvPr>
+            <p:cNvSpPr/>
+            <p:nvPr/>
+          </p:nvSpPr>
+          <p:spPr>
+            <a:xfrm>
+              <a:off x="6873672" y="5975152"/>
+              <a:ext cx="584200" cy="212287"/>
+            </a:xfrm>
+            <a:prstGeom prst="rect">
+              <a:avLst/>
+            </a:prstGeom>
+            <a:solidFill>
+              <a:schemeClr val="bg1"/>
+            </a:solidFill>
+            <a:ln>
+              <a:solidFill>
+                <a:schemeClr val="bg1"/>
+              </a:solidFill>
+            </a:ln>
+          </p:spPr>
+          <p:style>
+            <a:lnRef idx="2">
+              <a:schemeClr val="accent1">
+                <a:shade val="50000"/>
+              </a:schemeClr>
+            </a:lnRef>
+            <a:fillRef idx="1">
+              <a:schemeClr val="accent1"/>
+            </a:fillRef>
+            <a:effectRef idx="0">
+              <a:schemeClr val="accent1"/>
+            </a:effectRef>
+            <a:fontRef idx="minor">
+              <a:schemeClr val="lt1"/>
+            </a:fontRef>
+          </p:style>
+          <p:txBody>
+            <a:bodyPr rtlCol="0" anchor="ctr"/>
+            <a:lstStyle/>
+            <a:p>
+              <a:pPr algn="ctr"/>
+              <a:r>
+                <a:rPr lang="en-US" sz="1100" dirty="0">
+                  <a:solidFill>
+                    <a:sysClr val="windowText" lastClr="000000"/>
+                  </a:solidFill>
+                </a:rPr>
+                <a:t>gene6</a:t>
+              </a:r>
+            </a:p>
+          </p:txBody>
+        </p:sp>
+        <p:sp>
+          <p:nvSpPr>
+            <p:cNvPr id="14" name="Rectangle 13">
+              <a:extLst>
+                <a:ext uri="{FF2B5EF4-FFF2-40B4-BE49-F238E27FC236}">
+                  <a16:creationId xmlns:a16="http://schemas.microsoft.com/office/drawing/2014/main" id="{F83AA998-609E-0047-8B5A-8F56F9C367E9}"/>
+                </a:ext>
+              </a:extLst>
+            </p:cNvPr>
+            <p:cNvSpPr/>
+            <p:nvPr/>
+          </p:nvSpPr>
+          <p:spPr>
+            <a:xfrm>
+              <a:off x="7818552" y="5975152"/>
+              <a:ext cx="584200" cy="212287"/>
+            </a:xfrm>
+            <a:prstGeom prst="rect">
+              <a:avLst/>
+            </a:prstGeom>
+            <a:solidFill>
+              <a:schemeClr val="bg1"/>
+            </a:solidFill>
+            <a:ln>
+              <a:solidFill>
+                <a:schemeClr val="bg1"/>
+              </a:solidFill>
+            </a:ln>
+          </p:spPr>
+          <p:style>
+            <a:lnRef idx="2">
+              <a:schemeClr val="accent1">
+                <a:shade val="50000"/>
+              </a:schemeClr>
+            </a:lnRef>
+            <a:fillRef idx="1">
+              <a:schemeClr val="accent1"/>
+            </a:fillRef>
+            <a:effectRef idx="0">
+              <a:schemeClr val="accent1"/>
+            </a:effectRef>
+            <a:fontRef idx="minor">
+              <a:schemeClr val="lt1"/>
+            </a:fontRef>
+          </p:style>
+          <p:txBody>
+            <a:bodyPr rtlCol="0" anchor="ctr"/>
+            <a:lstStyle/>
+            <a:p>
+              <a:pPr algn="ctr"/>
+              <a:r>
+                <a:rPr lang="en-US" sz="1100" dirty="0">
+                  <a:solidFill>
+                    <a:sysClr val="windowText" lastClr="000000"/>
+                  </a:solidFill>
+                </a:rPr>
+                <a:t>gene7</a:t>
+              </a:r>
+            </a:p>
+          </p:txBody>
+        </p:sp>
+        <p:sp>
+          <p:nvSpPr>
+            <p:cNvPr id="15" name="Rectangle 14">
+              <a:extLst>
+                <a:ext uri="{FF2B5EF4-FFF2-40B4-BE49-F238E27FC236}">
+                  <a16:creationId xmlns:a16="http://schemas.microsoft.com/office/drawing/2014/main" id="{96854D81-AA38-294E-B8F5-0AA9AF2A704E}"/>
+                </a:ext>
+              </a:extLst>
+            </p:cNvPr>
+            <p:cNvSpPr/>
+            <p:nvPr/>
+          </p:nvSpPr>
+          <p:spPr>
+            <a:xfrm>
+              <a:off x="4998936" y="6177279"/>
+              <a:ext cx="584200" cy="212287"/>
+            </a:xfrm>
+            <a:prstGeom prst="rect">
+              <a:avLst/>
+            </a:prstGeom>
+            <a:solidFill>
+              <a:schemeClr val="bg1"/>
+            </a:solidFill>
+            <a:ln>
+              <a:solidFill>
+                <a:schemeClr val="bg1"/>
+              </a:solidFill>
+            </a:ln>
+          </p:spPr>
+          <p:style>
+            <a:lnRef idx="2">
+              <a:schemeClr val="accent1">
+                <a:shade val="50000"/>
+              </a:schemeClr>
+            </a:lnRef>
+            <a:fillRef idx="1">
+              <a:schemeClr val="accent1"/>
+            </a:fillRef>
+            <a:effectRef idx="0">
+              <a:schemeClr val="accent1"/>
+            </a:effectRef>
+            <a:fontRef idx="minor">
+              <a:schemeClr val="lt1"/>
+            </a:fontRef>
+          </p:style>
+          <p:txBody>
+            <a:bodyPr rtlCol="0" anchor="ctr"/>
+            <a:lstStyle/>
+            <a:p>
+              <a:pPr algn="ctr"/>
+              <a:endParaRPr lang="en-US" sz="1100" dirty="0">
+                <a:solidFill>
+                  <a:sysClr val="windowText" lastClr="000000"/>
+                </a:solidFill>
+              </a:endParaRPr>
+            </a:p>
+          </p:txBody>
+        </p:sp>
+      </p:grpSp>
+    </p:spTree>
+    <p:extLst>
+      <p:ext uri="{BB962C8B-B14F-4D97-AF65-F5344CB8AC3E}">
+        <p14:creationId xmlns:p14="http://schemas.microsoft.com/office/powerpoint/2010/main" val="2915387854"/>
+      </p:ext>
+    </p:extLst>
+  </p:cSld>
+  <p:clrMapOvr>
+    <a:masterClrMapping/>
+  </p:clrMapOvr>
+</p:sld>
+</file>
+
+<file path=ppt/slides/slide8.xml><?xml version="1.0" encoding="utf-8"?>
+<p:sld xmlns:a="http://schemas.openxmlformats.org/drawingml/2006/main" xmlns:r="http://schemas.openxmlformats.org/officeDocument/2006/relationships" xmlns:p="http://schemas.openxmlformats.org/presentationml/2006/main">
+  <p:cSld>
+    <p:spTree>
+      <p:nvGrpSpPr>
+        <p:cNvPr id="1" name=""/>
+        <p:cNvGrpSpPr/>
+        <p:nvPr/>
+      </p:nvGrpSpPr>
+      <p:grpSpPr>
+        <a:xfrm>
+          <a:off x="0" y="0"/>
+          <a:ext cx="0" cy="0"/>
+          <a:chOff x="0" y="0"/>
+          <a:chExt cx="0" cy="0"/>
+        </a:xfrm>
+      </p:grpSpPr>
+      <p:grpSp>
+        <p:nvGrpSpPr>
+          <p:cNvPr id="9" name="Group 8">
+            <a:extLst>
+              <a:ext uri="{FF2B5EF4-FFF2-40B4-BE49-F238E27FC236}">
+                <a16:creationId xmlns:a16="http://schemas.microsoft.com/office/drawing/2014/main" id="{4B19E3E1-3B86-E542-AC5B-15BC42EB517E}"/>
+              </a:ext>
+            </a:extLst>
+          </p:cNvPr>
+          <p:cNvGrpSpPr/>
+          <p:nvPr/>
+        </p:nvGrpSpPr>
+        <p:grpSpPr>
+          <a:xfrm>
+            <a:off x="3348316" y="1062317"/>
+            <a:ext cx="3832413" cy="3639387"/>
+            <a:chOff x="3348316" y="1062317"/>
+            <a:chExt cx="3832413" cy="3639387"/>
+          </a:xfrm>
+        </p:grpSpPr>
+        <p:pic>
+          <p:nvPicPr>
+            <p:cNvPr id="5" name="Picture 4">
+              <a:extLst>
+                <a:ext uri="{FF2B5EF4-FFF2-40B4-BE49-F238E27FC236}">
+                  <a16:creationId xmlns:a16="http://schemas.microsoft.com/office/drawing/2014/main" id="{CA97D372-3BBA-C841-BD9F-81F4CDAB810C}"/>
+                </a:ext>
+              </a:extLst>
+            </p:cNvPr>
+            <p:cNvPicPr>
+              <a:picLocks noChangeAspect="1"/>
+            </p:cNvPicPr>
+            <p:nvPr/>
+          </p:nvPicPr>
+          <p:blipFill rotWithShape="1">
+            <a:blip r:embed="rId2"/>
+            <a:srcRect l="7532" t="10098" r="51377" b="32091"/>
+            <a:stretch/>
+          </p:blipFill>
+          <p:spPr>
+            <a:xfrm>
+              <a:off x="3348316" y="1062317"/>
+              <a:ext cx="3738283" cy="3639387"/>
+            </a:xfrm>
+            <a:prstGeom prst="rect">
+              <a:avLst/>
+            </a:prstGeom>
+          </p:spPr>
+        </p:pic>
+        <p:sp>
+          <p:nvSpPr>
+            <p:cNvPr id="6" name="Rectangle 5">
+              <a:extLst>
+                <a:ext uri="{FF2B5EF4-FFF2-40B4-BE49-F238E27FC236}">
+                  <a16:creationId xmlns:a16="http://schemas.microsoft.com/office/drawing/2014/main" id="{8E9FA522-49D6-DE46-B234-4C8672609F4B}"/>
+                </a:ext>
+              </a:extLst>
+            </p:cNvPr>
+            <p:cNvSpPr/>
+            <p:nvPr/>
+          </p:nvSpPr>
+          <p:spPr>
+            <a:xfrm>
+              <a:off x="6790764" y="1734671"/>
+              <a:ext cx="389965" cy="1963270"/>
+            </a:xfrm>
+            <a:prstGeom prst="rect">
+              <a:avLst/>
+            </a:prstGeom>
+            <a:solidFill>
+              <a:schemeClr val="bg1"/>
+            </a:solidFill>
+            <a:ln>
+              <a:solidFill>
+                <a:schemeClr val="bg1"/>
+              </a:solidFill>
+            </a:ln>
+          </p:spPr>
+          <p:style>
+            <a:lnRef idx="2">
+              <a:schemeClr val="accent1">
+                <a:shade val="50000"/>
+              </a:schemeClr>
+            </a:lnRef>
+            <a:fillRef idx="1">
+              <a:schemeClr val="accent1"/>
+            </a:fillRef>
+            <a:effectRef idx="0">
+              <a:schemeClr val="accent1"/>
+            </a:effectRef>
+            <a:fontRef idx="minor">
+              <a:schemeClr val="lt1"/>
+            </a:fontRef>
+          </p:style>
+          <p:txBody>
+            <a:bodyPr rtlCol="0" anchor="ctr"/>
+            <a:lstStyle/>
+            <a:p>
+              <a:pPr algn="ctr"/>
+              <a:endParaRPr lang="en-US"/>
+            </a:p>
+          </p:txBody>
+        </p:sp>
+        <p:sp>
+          <p:nvSpPr>
+            <p:cNvPr id="7" name="Rectangle 6">
+              <a:extLst>
+                <a:ext uri="{FF2B5EF4-FFF2-40B4-BE49-F238E27FC236}">
+                  <a16:creationId xmlns:a16="http://schemas.microsoft.com/office/drawing/2014/main" id="{2BF2B799-CDE1-474C-BD08-D99B636A7EC8}"/>
+                </a:ext>
+              </a:extLst>
+            </p:cNvPr>
+            <p:cNvSpPr/>
+            <p:nvPr/>
+          </p:nvSpPr>
+          <p:spPr>
+            <a:xfrm rot="5400000">
+              <a:off x="4018428" y="1772774"/>
+              <a:ext cx="714937" cy="930088"/>
+            </a:xfrm>
+            <a:prstGeom prst="rect">
+              <a:avLst/>
+            </a:prstGeom>
+            <a:solidFill>
+              <a:schemeClr val="bg1"/>
+            </a:solidFill>
+            <a:ln>
+              <a:solidFill>
+                <a:schemeClr val="bg1"/>
+              </a:solidFill>
+            </a:ln>
+          </p:spPr>
+          <p:style>
+            <a:lnRef idx="2">
+              <a:schemeClr val="accent1">
+                <a:shade val="50000"/>
+              </a:schemeClr>
+            </a:lnRef>
+            <a:fillRef idx="1">
+              <a:schemeClr val="accent1"/>
+            </a:fillRef>
+            <a:effectRef idx="0">
+              <a:schemeClr val="accent1"/>
+            </a:effectRef>
+            <a:fontRef idx="minor">
+              <a:schemeClr val="lt1"/>
+            </a:fontRef>
+          </p:style>
+          <p:txBody>
+            <a:bodyPr rtlCol="0" anchor="ctr"/>
+            <a:lstStyle/>
+            <a:p>
+              <a:pPr algn="ctr"/>
+              <a:endParaRPr lang="en-US"/>
+            </a:p>
+          </p:txBody>
+        </p:sp>
+        <p:sp>
+          <p:nvSpPr>
+            <p:cNvPr id="8" name="Rectangle 7">
+              <a:extLst>
+                <a:ext uri="{FF2B5EF4-FFF2-40B4-BE49-F238E27FC236}">
+                  <a16:creationId xmlns:a16="http://schemas.microsoft.com/office/drawing/2014/main" id="{98C937FE-4DBE-C74E-A851-C417C5D0F9FA}"/>
+                </a:ext>
+              </a:extLst>
+            </p:cNvPr>
+            <p:cNvSpPr/>
+            <p:nvPr/>
+          </p:nvSpPr>
+          <p:spPr>
+            <a:xfrm rot="5400000">
+              <a:off x="5582763" y="1790704"/>
+              <a:ext cx="714937" cy="930088"/>
+            </a:xfrm>
+            <a:prstGeom prst="rect">
+              <a:avLst/>
+            </a:prstGeom>
+            <a:solidFill>
+              <a:schemeClr val="bg1"/>
+            </a:solidFill>
+            <a:ln>
+              <a:solidFill>
+                <a:schemeClr val="bg1"/>
+              </a:solidFill>
+            </a:ln>
+          </p:spPr>
+          <p:style>
+            <a:lnRef idx="2">
+              <a:schemeClr val="accent1">
+                <a:shade val="50000"/>
+              </a:schemeClr>
+            </a:lnRef>
+            <a:fillRef idx="1">
+              <a:schemeClr val="accent1"/>
+            </a:fillRef>
+            <a:effectRef idx="0">
+              <a:schemeClr val="accent1"/>
+            </a:effectRef>
+            <a:fontRef idx="minor">
+              <a:schemeClr val="lt1"/>
+            </a:fontRef>
+          </p:style>
+          <p:txBody>
+            <a:bodyPr rtlCol="0" anchor="ctr"/>
+            <a:lstStyle/>
+            <a:p>
+              <a:pPr algn="ctr"/>
+              <a:endParaRPr lang="en-US"/>
+            </a:p>
+          </p:txBody>
+        </p:sp>
+      </p:grpSp>
+    </p:spTree>
+    <p:extLst>
+      <p:ext uri="{BB962C8B-B14F-4D97-AF65-F5344CB8AC3E}">
+        <p14:creationId xmlns:p14="http://schemas.microsoft.com/office/powerpoint/2010/main" val="1041410416"/>
+      </p:ext>
+    </p:extLst>
+  </p:cSld>
+  <p:clrMapOvr>
+    <a:masterClrMapping/>
+  </p:clrMapOvr>
+</p:sld>
+</file>
+
 <file path=ppt/theme/theme1.xml><?xml version="1.0" encoding="utf-8"?>
 <a:theme xmlns:a="http://schemas.openxmlformats.org/drawingml/2006/main" name="Office Theme">
   <a:themeElements>

--- a/misc/logos_for_README.pptx
+++ b/misc/logos_for_README.pptx
@@ -12,7 +12,8 @@
     <p:sldId id="260" r:id="rId6"/>
     <p:sldId id="261" r:id="rId7"/>
     <p:sldId id="262" r:id="rId8"/>
-    <p:sldId id="263" r:id="rId9"/>
+    <p:sldId id="264" r:id="rId9"/>
+    <p:sldId id="263" r:id="rId10"/>
   </p:sldIdLst>
   <p:sldSz cx="12192000" cy="6858000"/>
   <p:notesSz cx="6858000" cy="9144000"/>
@@ -117,6 +118,330 @@
     </p:ext>
   </p:extLst>
 </p:presentation>
+</file>
+
+<file path=ppt/changesInfos/changesInfo1.xml><?xml version="1.0" encoding="utf-8"?>
+<pc:chgInfo xmlns:a="http://schemas.openxmlformats.org/drawingml/2006/main" xmlns:r="http://schemas.openxmlformats.org/officeDocument/2006/relationships" xmlns:ac="http://schemas.microsoft.com/office/drawing/2013/main/command" xmlns:pc="http://schemas.microsoft.com/office/powerpoint/2013/main/command">
+  <pc:docChgLst>
+    <pc:chgData name="Ryan Cardenas (MED - Staff)" userId="f5f23507-d35f-4da0-890d-1d72ef881c00" providerId="ADAL" clId="{A3537434-B56E-E548-AFE4-1F1ECF02F97F}"/>
+    <pc:docChg chg="undo custSel addSld modSld">
+      <pc:chgData name="Ryan Cardenas (MED - Staff)" userId="f5f23507-d35f-4da0-890d-1d72ef881c00" providerId="ADAL" clId="{A3537434-B56E-E548-AFE4-1F1ECF02F97F}" dt="2020-08-27T14:49:46.173" v="267" actId="14100"/>
+      <pc:docMkLst>
+        <pc:docMk/>
+      </pc:docMkLst>
+      <pc:sldChg chg="addSp modSp">
+        <pc:chgData name="Ryan Cardenas (MED - Staff)" userId="f5f23507-d35f-4da0-890d-1d72ef881c00" providerId="ADAL" clId="{A3537434-B56E-E548-AFE4-1F1ECF02F97F}" dt="2020-08-27T13:55:10.904" v="155" actId="1076"/>
+        <pc:sldMkLst>
+          <pc:docMk/>
+          <pc:sldMk cId="2915387854" sldId="262"/>
+        </pc:sldMkLst>
+        <pc:spChg chg="add mod">
+          <ac:chgData name="Ryan Cardenas (MED - Staff)" userId="f5f23507-d35f-4da0-890d-1d72ef881c00" providerId="ADAL" clId="{A3537434-B56E-E548-AFE4-1F1ECF02F97F}" dt="2020-08-27T13:49:53.977" v="59" actId="1035"/>
+          <ac:spMkLst>
+            <pc:docMk/>
+            <pc:sldMk cId="2915387854" sldId="262"/>
+            <ac:spMk id="2" creationId="{979435A4-3C0F-6B4E-B928-8CF01A4C1087}"/>
+          </ac:spMkLst>
+        </pc:spChg>
+        <pc:spChg chg="add mod">
+          <ac:chgData name="Ryan Cardenas (MED - Staff)" userId="f5f23507-d35f-4da0-890d-1d72ef881c00" providerId="ADAL" clId="{A3537434-B56E-E548-AFE4-1F1ECF02F97F}" dt="2020-08-27T13:49:15.132" v="39" actId="164"/>
+          <ac:spMkLst>
+            <pc:docMk/>
+            <pc:sldMk cId="2915387854" sldId="262"/>
+            <ac:spMk id="3" creationId="{DAC957E3-8DE8-424D-AA26-88CB7F965BAD}"/>
+          </ac:spMkLst>
+        </pc:spChg>
+        <pc:spChg chg="add mod">
+          <ac:chgData name="Ryan Cardenas (MED - Staff)" userId="f5f23507-d35f-4da0-890d-1d72ef881c00" providerId="ADAL" clId="{A3537434-B56E-E548-AFE4-1F1ECF02F97F}" dt="2020-08-27T13:49:15.132" v="39" actId="164"/>
+          <ac:spMkLst>
+            <pc:docMk/>
+            <pc:sldMk cId="2915387854" sldId="262"/>
+            <ac:spMk id="17" creationId="{BB1D60BC-9DAF-324D-8887-CE24022DDA12}"/>
+          </ac:spMkLst>
+        </pc:spChg>
+        <pc:spChg chg="add mod">
+          <ac:chgData name="Ryan Cardenas (MED - Staff)" userId="f5f23507-d35f-4da0-890d-1d72ef881c00" providerId="ADAL" clId="{A3537434-B56E-E548-AFE4-1F1ECF02F97F}" dt="2020-08-27T13:50:18.694" v="83" actId="20577"/>
+          <ac:spMkLst>
+            <pc:docMk/>
+            <pc:sldMk cId="2915387854" sldId="262"/>
+            <ac:spMk id="18" creationId="{C05416AD-A4A6-6C40-B6C6-B90105584E94}"/>
+          </ac:spMkLst>
+        </pc:spChg>
+        <pc:spChg chg="add mod">
+          <ac:chgData name="Ryan Cardenas (MED - Staff)" userId="f5f23507-d35f-4da0-890d-1d72ef881c00" providerId="ADAL" clId="{A3537434-B56E-E548-AFE4-1F1ECF02F97F}" dt="2020-08-27T13:50:28.850" v="106" actId="20577"/>
+          <ac:spMkLst>
+            <pc:docMk/>
+            <pc:sldMk cId="2915387854" sldId="262"/>
+            <ac:spMk id="19" creationId="{720B20EB-3070-D943-8190-23B971D414A0}"/>
+          </ac:spMkLst>
+        </pc:spChg>
+        <pc:spChg chg="add mod">
+          <ac:chgData name="Ryan Cardenas (MED - Staff)" userId="f5f23507-d35f-4da0-890d-1d72ef881c00" providerId="ADAL" clId="{A3537434-B56E-E548-AFE4-1F1ECF02F97F}" dt="2020-08-27T13:50:45.270" v="121" actId="1036"/>
+          <ac:spMkLst>
+            <pc:docMk/>
+            <pc:sldMk cId="2915387854" sldId="262"/>
+            <ac:spMk id="20" creationId="{91DE505A-E41E-E040-8400-40169F47CB48}"/>
+          </ac:spMkLst>
+        </pc:spChg>
+        <pc:spChg chg="add mod">
+          <ac:chgData name="Ryan Cardenas (MED - Staff)" userId="f5f23507-d35f-4da0-890d-1d72ef881c00" providerId="ADAL" clId="{A3537434-B56E-E548-AFE4-1F1ECF02F97F}" dt="2020-08-27T13:51:00.146" v="133" actId="1038"/>
+          <ac:spMkLst>
+            <pc:docMk/>
+            <pc:sldMk cId="2915387854" sldId="262"/>
+            <ac:spMk id="21" creationId="{0E386046-35F7-994E-A5A8-560B4D7662A3}"/>
+          </ac:spMkLst>
+        </pc:spChg>
+        <pc:spChg chg="add mod">
+          <ac:chgData name="Ryan Cardenas (MED - Staff)" userId="f5f23507-d35f-4da0-890d-1d72ef881c00" providerId="ADAL" clId="{A3537434-B56E-E548-AFE4-1F1ECF02F97F}" dt="2020-08-27T13:51:09.522" v="144" actId="1035"/>
+          <ac:spMkLst>
+            <pc:docMk/>
+            <pc:sldMk cId="2915387854" sldId="262"/>
+            <ac:spMk id="22" creationId="{DA9B6394-85C1-F64E-B401-BE1B5E4AEF20}"/>
+          </ac:spMkLst>
+        </pc:spChg>
+        <pc:spChg chg="add mod">
+          <ac:chgData name="Ryan Cardenas (MED - Staff)" userId="f5f23507-d35f-4da0-890d-1d72ef881c00" providerId="ADAL" clId="{A3537434-B56E-E548-AFE4-1F1ECF02F97F}" dt="2020-08-27T13:51:09.522" v="144" actId="1035"/>
+          <ac:spMkLst>
+            <pc:docMk/>
+            <pc:sldMk cId="2915387854" sldId="262"/>
+            <ac:spMk id="23" creationId="{466318ED-22E9-3A42-86BC-842257C1E3CF}"/>
+          </ac:spMkLst>
+        </pc:spChg>
+        <pc:grpChg chg="add mod">
+          <ac:chgData name="Ryan Cardenas (MED - Staff)" userId="f5f23507-d35f-4da0-890d-1d72ef881c00" providerId="ADAL" clId="{A3537434-B56E-E548-AFE4-1F1ECF02F97F}" dt="2020-08-27T13:50:32.485" v="109" actId="1076"/>
+          <ac:grpSpMkLst>
+            <pc:docMk/>
+            <pc:sldMk cId="2915387854" sldId="262"/>
+            <ac:grpSpMk id="4" creationId="{B0A2484A-47C3-824C-A1B3-3D3D9466FC00}"/>
+          </ac:grpSpMkLst>
+        </pc:grpChg>
+        <pc:grpChg chg="mod">
+          <ac:chgData name="Ryan Cardenas (MED - Staff)" userId="f5f23507-d35f-4da0-890d-1d72ef881c00" providerId="ADAL" clId="{A3537434-B56E-E548-AFE4-1F1ECF02F97F}" dt="2020-08-27T13:50:47.846" v="123" actId="1076"/>
+          <ac:grpSpMkLst>
+            <pc:docMk/>
+            <pc:sldMk cId="2915387854" sldId="262"/>
+            <ac:grpSpMk id="16" creationId="{41E85D56-1BB8-EA46-9298-690EEC246348}"/>
+          </ac:grpSpMkLst>
+        </pc:grpChg>
+        <pc:picChg chg="add mod">
+          <ac:chgData name="Ryan Cardenas (MED - Staff)" userId="f5f23507-d35f-4da0-890d-1d72ef881c00" providerId="ADAL" clId="{A3537434-B56E-E548-AFE4-1F1ECF02F97F}" dt="2020-08-27T13:55:10.904" v="155" actId="1076"/>
+          <ac:picMkLst>
+            <pc:docMk/>
+            <pc:sldMk cId="2915387854" sldId="262"/>
+            <ac:picMk id="25" creationId="{E3C92E3D-3C1B-D64B-A823-F361DC5EAC61}"/>
+          </ac:picMkLst>
+        </pc:picChg>
+        <pc:picChg chg="add mod">
+          <ac:chgData name="Ryan Cardenas (MED - Staff)" userId="f5f23507-d35f-4da0-890d-1d72ef881c00" providerId="ADAL" clId="{A3537434-B56E-E548-AFE4-1F1ECF02F97F}" dt="2020-08-27T13:55:08.623" v="154" actId="1076"/>
+          <ac:picMkLst>
+            <pc:docMk/>
+            <pc:sldMk cId="2915387854" sldId="262"/>
+            <ac:picMk id="27" creationId="{5699F106-86D7-5349-AA7A-320915D3BA8F}"/>
+          </ac:picMkLst>
+        </pc:picChg>
+      </pc:sldChg>
+      <pc:sldChg chg="addSp delSp modSp add">
+        <pc:chgData name="Ryan Cardenas (MED - Staff)" userId="f5f23507-d35f-4da0-890d-1d72ef881c00" providerId="ADAL" clId="{A3537434-B56E-E548-AFE4-1F1ECF02F97F}" dt="2020-08-27T14:49:46.173" v="267" actId="14100"/>
+        <pc:sldMkLst>
+          <pc:docMk/>
+          <pc:sldMk cId="161091368" sldId="264"/>
+        </pc:sldMkLst>
+        <pc:spChg chg="del">
+          <ac:chgData name="Ryan Cardenas (MED - Staff)" userId="f5f23507-d35f-4da0-890d-1d72ef881c00" providerId="ADAL" clId="{A3537434-B56E-E548-AFE4-1F1ECF02F97F}" dt="2020-08-27T14:32:15.942" v="157" actId="478"/>
+          <ac:spMkLst>
+            <pc:docMk/>
+            <pc:sldMk cId="161091368" sldId="264"/>
+            <ac:spMk id="2" creationId="{CB21C765-B457-134D-AAEB-ADFE0EABBE01}"/>
+          </ac:spMkLst>
+        </pc:spChg>
+        <pc:spChg chg="del">
+          <ac:chgData name="Ryan Cardenas (MED - Staff)" userId="f5f23507-d35f-4da0-890d-1d72ef881c00" providerId="ADAL" clId="{A3537434-B56E-E548-AFE4-1F1ECF02F97F}" dt="2020-08-27T14:32:15.942" v="157" actId="478"/>
+          <ac:spMkLst>
+            <pc:docMk/>
+            <pc:sldMk cId="161091368" sldId="264"/>
+            <ac:spMk id="3" creationId="{EF76CA2C-A7E0-9E4D-9029-94C444C33BDE}"/>
+          </ac:spMkLst>
+        </pc:spChg>
+        <pc:spChg chg="add mod">
+          <ac:chgData name="Ryan Cardenas (MED - Staff)" userId="f5f23507-d35f-4da0-890d-1d72ef881c00" providerId="ADAL" clId="{A3537434-B56E-E548-AFE4-1F1ECF02F97F}" dt="2020-08-27T14:35:59.769" v="200" actId="2085"/>
+          <ac:spMkLst>
+            <pc:docMk/>
+            <pc:sldMk cId="161091368" sldId="264"/>
+            <ac:spMk id="10" creationId="{A509E652-C981-7541-8653-FDEFC34D0537}"/>
+          </ac:spMkLst>
+        </pc:spChg>
+        <pc:spChg chg="add mod">
+          <ac:chgData name="Ryan Cardenas (MED - Staff)" userId="f5f23507-d35f-4da0-890d-1d72ef881c00" providerId="ADAL" clId="{A3537434-B56E-E548-AFE4-1F1ECF02F97F}" dt="2020-08-27T14:35:59.769" v="200" actId="2085"/>
+          <ac:spMkLst>
+            <pc:docMk/>
+            <pc:sldMk cId="161091368" sldId="264"/>
+            <ac:spMk id="11" creationId="{895A1DA4-EF97-5842-98B6-148E00D2B25B}"/>
+          </ac:spMkLst>
+        </pc:spChg>
+        <pc:spChg chg="add mod">
+          <ac:chgData name="Ryan Cardenas (MED - Staff)" userId="f5f23507-d35f-4da0-890d-1d72ef881c00" providerId="ADAL" clId="{A3537434-B56E-E548-AFE4-1F1ECF02F97F}" dt="2020-08-27T14:35:59.769" v="200" actId="2085"/>
+          <ac:spMkLst>
+            <pc:docMk/>
+            <pc:sldMk cId="161091368" sldId="264"/>
+            <ac:spMk id="12" creationId="{86D404E6-11D3-6A4E-A6E3-87362ADCDC6F}"/>
+          </ac:spMkLst>
+        </pc:spChg>
+        <pc:spChg chg="add mod">
+          <ac:chgData name="Ryan Cardenas (MED - Staff)" userId="f5f23507-d35f-4da0-890d-1d72ef881c00" providerId="ADAL" clId="{A3537434-B56E-E548-AFE4-1F1ECF02F97F}" dt="2020-08-27T14:35:59.769" v="200" actId="2085"/>
+          <ac:spMkLst>
+            <pc:docMk/>
+            <pc:sldMk cId="161091368" sldId="264"/>
+            <ac:spMk id="13" creationId="{D81D24C2-FACD-EF41-9C94-ED37883EB806}"/>
+          </ac:spMkLst>
+        </pc:spChg>
+        <pc:spChg chg="add mod">
+          <ac:chgData name="Ryan Cardenas (MED - Staff)" userId="f5f23507-d35f-4da0-890d-1d72ef881c00" providerId="ADAL" clId="{A3537434-B56E-E548-AFE4-1F1ECF02F97F}" dt="2020-08-27T14:35:59.769" v="200" actId="2085"/>
+          <ac:spMkLst>
+            <pc:docMk/>
+            <pc:sldMk cId="161091368" sldId="264"/>
+            <ac:spMk id="14" creationId="{117F15BF-02C9-0040-97EA-C859B2EA8ED9}"/>
+          </ac:spMkLst>
+        </pc:spChg>
+        <pc:spChg chg="add mod">
+          <ac:chgData name="Ryan Cardenas (MED - Staff)" userId="f5f23507-d35f-4da0-890d-1d72ef881c00" providerId="ADAL" clId="{A3537434-B56E-E548-AFE4-1F1ECF02F97F}" dt="2020-08-27T14:35:59.769" v="200" actId="2085"/>
+          <ac:spMkLst>
+            <pc:docMk/>
+            <pc:sldMk cId="161091368" sldId="264"/>
+            <ac:spMk id="15" creationId="{5235829A-B478-194F-B03A-DF07BA68DF27}"/>
+          </ac:spMkLst>
+        </pc:spChg>
+        <pc:spChg chg="add mod">
+          <ac:chgData name="Ryan Cardenas (MED - Staff)" userId="f5f23507-d35f-4da0-890d-1d72ef881c00" providerId="ADAL" clId="{A3537434-B56E-E548-AFE4-1F1ECF02F97F}" dt="2020-08-27T14:35:59.769" v="200" actId="2085"/>
+          <ac:spMkLst>
+            <pc:docMk/>
+            <pc:sldMk cId="161091368" sldId="264"/>
+            <ac:spMk id="16" creationId="{80C70560-904B-2641-974B-3C960D523D9C}"/>
+          </ac:spMkLst>
+        </pc:spChg>
+        <pc:spChg chg="add mod">
+          <ac:chgData name="Ryan Cardenas (MED - Staff)" userId="f5f23507-d35f-4da0-890d-1d72ef881c00" providerId="ADAL" clId="{A3537434-B56E-E548-AFE4-1F1ECF02F97F}" dt="2020-08-27T14:35:23.229" v="177" actId="164"/>
+          <ac:spMkLst>
+            <pc:docMk/>
+            <pc:sldMk cId="161091368" sldId="264"/>
+            <ac:spMk id="18" creationId="{08069910-73CE-8A4A-B23B-5A857B47A337}"/>
+          </ac:spMkLst>
+        </pc:spChg>
+        <pc:spChg chg="add mod">
+          <ac:chgData name="Ryan Cardenas (MED - Staff)" userId="f5f23507-d35f-4da0-890d-1d72ef881c00" providerId="ADAL" clId="{A3537434-B56E-E548-AFE4-1F1ECF02F97F}" dt="2020-08-27T14:37:01.503" v="226" actId="164"/>
+          <ac:spMkLst>
+            <pc:docMk/>
+            <pc:sldMk cId="161091368" sldId="264"/>
+            <ac:spMk id="20" creationId="{5B069B26-8683-CC46-8442-1B94B4E9AF3B}"/>
+          </ac:spMkLst>
+        </pc:spChg>
+        <pc:spChg chg="add mod">
+          <ac:chgData name="Ryan Cardenas (MED - Staff)" userId="f5f23507-d35f-4da0-890d-1d72ef881c00" providerId="ADAL" clId="{A3537434-B56E-E548-AFE4-1F1ECF02F97F}" dt="2020-08-27T14:45:25.840" v="242" actId="14100"/>
+          <ac:spMkLst>
+            <pc:docMk/>
+            <pc:sldMk cId="161091368" sldId="264"/>
+            <ac:spMk id="21" creationId="{9C0B38E6-CDDA-7847-9491-E9A861B5553E}"/>
+          </ac:spMkLst>
+        </pc:spChg>
+        <pc:grpChg chg="add mod">
+          <ac:chgData name="Ryan Cardenas (MED - Staff)" userId="f5f23507-d35f-4da0-890d-1d72ef881c00" providerId="ADAL" clId="{A3537434-B56E-E548-AFE4-1F1ECF02F97F}" dt="2020-08-27T14:37:01.503" v="226" actId="164"/>
+          <ac:grpSpMkLst>
+            <pc:docMk/>
+            <pc:sldMk cId="161091368" sldId="264"/>
+            <ac:grpSpMk id="17" creationId="{2761696C-36A3-E243-83D0-743E9573064D}"/>
+          </ac:grpSpMkLst>
+        </pc:grpChg>
+        <pc:grpChg chg="add mod">
+          <ac:chgData name="Ryan Cardenas (MED - Staff)" userId="f5f23507-d35f-4da0-890d-1d72ef881c00" providerId="ADAL" clId="{A3537434-B56E-E548-AFE4-1F1ECF02F97F}" dt="2020-08-27T14:37:01.503" v="226" actId="164"/>
+          <ac:grpSpMkLst>
+            <pc:docMk/>
+            <pc:sldMk cId="161091368" sldId="264"/>
+            <ac:grpSpMk id="19" creationId="{0AFC6951-8552-A841-8F17-32AB9C95A879}"/>
+          </ac:grpSpMkLst>
+        </pc:grpChg>
+        <pc:grpChg chg="add mod">
+          <ac:chgData name="Ryan Cardenas (MED - Staff)" userId="f5f23507-d35f-4da0-890d-1d72ef881c00" providerId="ADAL" clId="{A3537434-B56E-E548-AFE4-1F1ECF02F97F}" dt="2020-08-27T14:49:37.985" v="261" actId="14100"/>
+          <ac:grpSpMkLst>
+            <pc:docMk/>
+            <pc:sldMk cId="161091368" sldId="264"/>
+            <ac:grpSpMk id="22" creationId="{F45107EA-4952-654C-9E2E-A250D9695EFB}"/>
+          </ac:grpSpMkLst>
+        </pc:grpChg>
+        <pc:grpChg chg="add del mod">
+          <ac:chgData name="Ryan Cardenas (MED - Staff)" userId="f5f23507-d35f-4da0-890d-1d72ef881c00" providerId="ADAL" clId="{A3537434-B56E-E548-AFE4-1F1ECF02F97F}" dt="2020-08-27T14:45:14.153" v="237" actId="478"/>
+          <ac:grpSpMkLst>
+            <pc:docMk/>
+            <pc:sldMk cId="161091368" sldId="264"/>
+            <ac:grpSpMk id="23" creationId="{65BE41FC-0472-454A-B7BD-A1FCB4855F67}"/>
+          </ac:grpSpMkLst>
+        </pc:grpChg>
+        <pc:grpChg chg="mod">
+          <ac:chgData name="Ryan Cardenas (MED - Staff)" userId="f5f23507-d35f-4da0-890d-1d72ef881c00" providerId="ADAL" clId="{A3537434-B56E-E548-AFE4-1F1ECF02F97F}" dt="2020-08-27T14:44:56.161" v="233"/>
+          <ac:grpSpMkLst>
+            <pc:docMk/>
+            <pc:sldMk cId="161091368" sldId="264"/>
+            <ac:grpSpMk id="24" creationId="{1D8E4845-1DFF-B746-BC36-D839ED171991}"/>
+          </ac:grpSpMkLst>
+        </pc:grpChg>
+        <pc:grpChg chg="mod">
+          <ac:chgData name="Ryan Cardenas (MED - Staff)" userId="f5f23507-d35f-4da0-890d-1d72ef881c00" providerId="ADAL" clId="{A3537434-B56E-E548-AFE4-1F1ECF02F97F}" dt="2020-08-27T14:44:56.161" v="233"/>
+          <ac:grpSpMkLst>
+            <pc:docMk/>
+            <pc:sldMk cId="161091368" sldId="264"/>
+            <ac:grpSpMk id="27" creationId="{BA2456CC-C565-5542-9324-307B358112C9}"/>
+          </ac:grpSpMkLst>
+        </pc:grpChg>
+        <pc:picChg chg="add del mod">
+          <ac:chgData name="Ryan Cardenas (MED - Staff)" userId="f5f23507-d35f-4da0-890d-1d72ef881c00" providerId="ADAL" clId="{A3537434-B56E-E548-AFE4-1F1ECF02F97F}" dt="2020-08-27T14:33:44.429" v="160" actId="478"/>
+          <ac:picMkLst>
+            <pc:docMk/>
+            <pc:sldMk cId="161091368" sldId="264"/>
+            <ac:picMk id="5" creationId="{55C67C66-6D97-C54C-B1A4-6DA99B76DA34}"/>
+          </ac:picMkLst>
+        </pc:picChg>
+        <pc:picChg chg="add mod modCrop">
+          <ac:chgData name="Ryan Cardenas (MED - Staff)" userId="f5f23507-d35f-4da0-890d-1d72ef881c00" providerId="ADAL" clId="{A3537434-B56E-E548-AFE4-1F1ECF02F97F}" dt="2020-08-27T14:35:23.229" v="177" actId="164"/>
+          <ac:picMkLst>
+            <pc:docMk/>
+            <pc:sldMk cId="161091368" sldId="264"/>
+            <ac:picMk id="7" creationId="{984604CD-CB4C-4546-97A8-B44B5DCF2001}"/>
+          </ac:picMkLst>
+        </pc:picChg>
+        <pc:picChg chg="add mod">
+          <ac:chgData name="Ryan Cardenas (MED - Staff)" userId="f5f23507-d35f-4da0-890d-1d72ef881c00" providerId="ADAL" clId="{A3537434-B56E-E548-AFE4-1F1ECF02F97F}" dt="2020-08-27T14:49:46.173" v="267" actId="14100"/>
+          <ac:picMkLst>
+            <pc:docMk/>
+            <pc:sldMk cId="161091368" sldId="264"/>
+            <ac:picMk id="8" creationId="{9461F066-6E46-704A-8C64-5230D1188347}"/>
+          </ac:picMkLst>
+        </pc:picChg>
+        <pc:picChg chg="add mod">
+          <ac:chgData name="Ryan Cardenas (MED - Staff)" userId="f5f23507-d35f-4da0-890d-1d72ef881c00" providerId="ADAL" clId="{A3537434-B56E-E548-AFE4-1F1ECF02F97F}" dt="2020-08-27T14:49:46.173" v="267" actId="14100"/>
+          <ac:picMkLst>
+            <pc:docMk/>
+            <pc:sldMk cId="161091368" sldId="264"/>
+            <ac:picMk id="9" creationId="{C3081609-AD89-804F-A2C3-778F33209788}"/>
+          </ac:picMkLst>
+        </pc:picChg>
+        <pc:picChg chg="mod modCrop">
+          <ac:chgData name="Ryan Cardenas (MED - Staff)" userId="f5f23507-d35f-4da0-890d-1d72ef881c00" providerId="ADAL" clId="{A3537434-B56E-E548-AFE4-1F1ECF02F97F}" dt="2020-08-27T14:45:07.873" v="235" actId="732"/>
+          <ac:picMkLst>
+            <pc:docMk/>
+            <pc:sldMk cId="161091368" sldId="264"/>
+            <ac:picMk id="37" creationId="{C3108B8A-08FB-0C4D-ADEF-393027C06BFD}"/>
+          </ac:picMkLst>
+        </pc:picChg>
+        <pc:picChg chg="add mod modCrop">
+          <ac:chgData name="Ryan Cardenas (MED - Staff)" userId="f5f23507-d35f-4da0-890d-1d72ef881c00" providerId="ADAL" clId="{A3537434-B56E-E548-AFE4-1F1ECF02F97F}" dt="2020-08-27T14:45:39.588" v="246" actId="1036"/>
+          <ac:picMkLst>
+            <pc:docMk/>
+            <pc:sldMk cId="161091368" sldId="264"/>
+            <ac:picMk id="39" creationId="{83BD11CB-AF5C-8749-BD1C-7BF1C9507063}"/>
+          </ac:picMkLst>
+        </pc:picChg>
+      </pc:sldChg>
+    </pc:docChg>
+  </pc:docChgLst>
+</pc:chgInfo>
 </file>
 
 <file path=ppt/slideLayouts/slideLayout1.xml><?xml version="1.0" encoding="utf-8"?>
@@ -266,7 +591,7 @@
           <a:p>
             <a:fld id="{007BE7B7-3F63-4B47-9009-6AAB15A2BEBB}" type="datetimeFigureOut">
               <a:rPr lang="en-US" smtClean="0"/>
-              <a:t>8/4/20</a:t>
+              <a:t>8/26/20</a:t>
             </a:fld>
             <a:endParaRPr lang="en-US"/>
           </a:p>
@@ -464,7 +789,7 @@
           <a:p>
             <a:fld id="{007BE7B7-3F63-4B47-9009-6AAB15A2BEBB}" type="datetimeFigureOut">
               <a:rPr lang="en-US" smtClean="0"/>
-              <a:t>8/4/20</a:t>
+              <a:t>8/26/20</a:t>
             </a:fld>
             <a:endParaRPr lang="en-US"/>
           </a:p>
@@ -672,7 +997,7 @@
           <a:p>
             <a:fld id="{007BE7B7-3F63-4B47-9009-6AAB15A2BEBB}" type="datetimeFigureOut">
               <a:rPr lang="en-US" smtClean="0"/>
-              <a:t>8/4/20</a:t>
+              <a:t>8/26/20</a:t>
             </a:fld>
             <a:endParaRPr lang="en-US"/>
           </a:p>
@@ -870,7 +1195,7 @@
           <a:p>
             <a:fld id="{007BE7B7-3F63-4B47-9009-6AAB15A2BEBB}" type="datetimeFigureOut">
               <a:rPr lang="en-US" smtClean="0"/>
-              <a:t>8/4/20</a:t>
+              <a:t>8/26/20</a:t>
             </a:fld>
             <a:endParaRPr lang="en-US"/>
           </a:p>
@@ -1145,7 +1470,7 @@
           <a:p>
             <a:fld id="{007BE7B7-3F63-4B47-9009-6AAB15A2BEBB}" type="datetimeFigureOut">
               <a:rPr lang="en-US" smtClean="0"/>
-              <a:t>8/4/20</a:t>
+              <a:t>8/26/20</a:t>
             </a:fld>
             <a:endParaRPr lang="en-US"/>
           </a:p>
@@ -1410,7 +1735,7 @@
           <a:p>
             <a:fld id="{007BE7B7-3F63-4B47-9009-6AAB15A2BEBB}" type="datetimeFigureOut">
               <a:rPr lang="en-US" smtClean="0"/>
-              <a:t>8/4/20</a:t>
+              <a:t>8/26/20</a:t>
             </a:fld>
             <a:endParaRPr lang="en-US"/>
           </a:p>
@@ -1822,7 +2147,7 @@
           <a:p>
             <a:fld id="{007BE7B7-3F63-4B47-9009-6AAB15A2BEBB}" type="datetimeFigureOut">
               <a:rPr lang="en-US" smtClean="0"/>
-              <a:t>8/4/20</a:t>
+              <a:t>8/26/20</a:t>
             </a:fld>
             <a:endParaRPr lang="en-US"/>
           </a:p>
@@ -1963,7 +2288,7 @@
           <a:p>
             <a:fld id="{007BE7B7-3F63-4B47-9009-6AAB15A2BEBB}" type="datetimeFigureOut">
               <a:rPr lang="en-US" smtClean="0"/>
-              <a:t>8/4/20</a:t>
+              <a:t>8/26/20</a:t>
             </a:fld>
             <a:endParaRPr lang="en-US"/>
           </a:p>
@@ -2076,7 +2401,7 @@
           <a:p>
             <a:fld id="{007BE7B7-3F63-4B47-9009-6AAB15A2BEBB}" type="datetimeFigureOut">
               <a:rPr lang="en-US" smtClean="0"/>
-              <a:t>8/4/20</a:t>
+              <a:t>8/26/20</a:t>
             </a:fld>
             <a:endParaRPr lang="en-US"/>
           </a:p>
@@ -2387,7 +2712,7 @@
           <a:p>
             <a:fld id="{007BE7B7-3F63-4B47-9009-6AAB15A2BEBB}" type="datetimeFigureOut">
               <a:rPr lang="en-US" smtClean="0"/>
-              <a:t>8/4/20</a:t>
+              <a:t>8/26/20</a:t>
             </a:fld>
             <a:endParaRPr lang="en-US"/>
           </a:p>
@@ -2675,7 +3000,7 @@
           <a:p>
             <a:fld id="{007BE7B7-3F63-4B47-9009-6AAB15A2BEBB}" type="datetimeFigureOut">
               <a:rPr lang="en-US" smtClean="0"/>
-              <a:t>8/4/20</a:t>
+              <a:t>8/26/20</a:t>
             </a:fld>
             <a:endParaRPr lang="en-US"/>
           </a:p>
@@ -2916,7 +3241,7 @@
           <a:p>
             <a:fld id="{007BE7B7-3F63-4B47-9009-6AAB15A2BEBB}" type="datetimeFigureOut">
               <a:rPr lang="en-US" smtClean="0"/>
-              <a:t>8/4/20</a:t>
+              <a:t>8/26/20</a:t>
             </a:fld>
             <a:endParaRPr lang="en-US"/>
           </a:p>
@@ -11376,7 +11701,7 @@
         </p:nvGrpSpPr>
         <p:grpSpPr>
           <a:xfrm>
-            <a:off x="1244600" y="356038"/>
+            <a:off x="1244600" y="368738"/>
             <a:ext cx="9261704" cy="6070161"/>
             <a:chOff x="1244600" y="356038"/>
             <a:chExt cx="9261704" cy="6070161"/>
@@ -12014,6 +12339,471 @@
           </p:txBody>
         </p:sp>
       </p:grpSp>
+      <p:grpSp>
+        <p:nvGrpSpPr>
+          <p:cNvPr id="4" name="Group 3">
+            <a:extLst>
+              <a:ext uri="{FF2B5EF4-FFF2-40B4-BE49-F238E27FC236}">
+                <a16:creationId xmlns:a16="http://schemas.microsoft.com/office/drawing/2014/main" id="{B0A2484A-47C3-824C-A1B3-3D3D9466FC00}"/>
+              </a:ext>
+            </a:extLst>
+          </p:cNvPr>
+          <p:cNvGrpSpPr/>
+          <p:nvPr/>
+        </p:nvGrpSpPr>
+        <p:grpSpPr>
+          <a:xfrm>
+            <a:off x="9152088" y="1527717"/>
+            <a:ext cx="1503556" cy="907114"/>
+            <a:chOff x="9145859" y="1538868"/>
+            <a:chExt cx="1503556" cy="907114"/>
+          </a:xfrm>
+        </p:grpSpPr>
+        <p:sp>
+          <p:nvSpPr>
+            <p:cNvPr id="3" name="Rectangle 2">
+              <a:extLst>
+                <a:ext uri="{FF2B5EF4-FFF2-40B4-BE49-F238E27FC236}">
+                  <a16:creationId xmlns:a16="http://schemas.microsoft.com/office/drawing/2014/main" id="{DAC957E3-8DE8-424D-AA26-88CB7F965BAD}"/>
+                </a:ext>
+              </a:extLst>
+            </p:cNvPr>
+            <p:cNvSpPr/>
+            <p:nvPr/>
+          </p:nvSpPr>
+          <p:spPr>
+            <a:xfrm>
+              <a:off x="9478537" y="1538868"/>
+              <a:ext cx="1170878" cy="907114"/>
+            </a:xfrm>
+            <a:prstGeom prst="rect">
+              <a:avLst/>
+            </a:prstGeom>
+            <a:solidFill>
+              <a:schemeClr val="bg1"/>
+            </a:solidFill>
+            <a:ln>
+              <a:noFill/>
+            </a:ln>
+          </p:spPr>
+          <p:style>
+            <a:lnRef idx="2">
+              <a:schemeClr val="accent1">
+                <a:shade val="50000"/>
+              </a:schemeClr>
+            </a:lnRef>
+            <a:fillRef idx="1">
+              <a:schemeClr val="accent1"/>
+            </a:fillRef>
+            <a:effectRef idx="0">
+              <a:schemeClr val="accent1"/>
+            </a:effectRef>
+            <a:fontRef idx="minor">
+              <a:schemeClr val="lt1"/>
+            </a:fontRef>
+          </p:style>
+          <p:txBody>
+            <a:bodyPr rtlCol="0" anchor="ctr"/>
+            <a:lstStyle/>
+            <a:p>
+              <a:pPr algn="ctr"/>
+              <a:endParaRPr lang="en-US"/>
+            </a:p>
+          </p:txBody>
+        </p:sp>
+        <p:sp>
+          <p:nvSpPr>
+            <p:cNvPr id="17" name="Rectangle 16">
+              <a:extLst>
+                <a:ext uri="{FF2B5EF4-FFF2-40B4-BE49-F238E27FC236}">
+                  <a16:creationId xmlns:a16="http://schemas.microsoft.com/office/drawing/2014/main" id="{BB1D60BC-9DAF-324D-8887-CE24022DDA12}"/>
+                </a:ext>
+              </a:extLst>
+            </p:cNvPr>
+            <p:cNvSpPr/>
+            <p:nvPr/>
+          </p:nvSpPr>
+          <p:spPr>
+            <a:xfrm>
+              <a:off x="9145859" y="1538868"/>
+              <a:ext cx="1170878" cy="171034"/>
+            </a:xfrm>
+            <a:prstGeom prst="rect">
+              <a:avLst/>
+            </a:prstGeom>
+            <a:solidFill>
+              <a:schemeClr val="bg1"/>
+            </a:solidFill>
+            <a:ln>
+              <a:noFill/>
+            </a:ln>
+          </p:spPr>
+          <p:style>
+            <a:lnRef idx="2">
+              <a:schemeClr val="accent1">
+                <a:shade val="50000"/>
+              </a:schemeClr>
+            </a:lnRef>
+            <a:fillRef idx="1">
+              <a:schemeClr val="accent1"/>
+            </a:fillRef>
+            <a:effectRef idx="0">
+              <a:schemeClr val="accent1"/>
+            </a:effectRef>
+            <a:fontRef idx="minor">
+              <a:schemeClr val="lt1"/>
+            </a:fontRef>
+          </p:style>
+          <p:txBody>
+            <a:bodyPr rtlCol="0" anchor="ctr"/>
+            <a:lstStyle/>
+            <a:p>
+              <a:pPr algn="ctr"/>
+              <a:endParaRPr lang="en-US"/>
+            </a:p>
+          </p:txBody>
+        </p:sp>
+      </p:grpSp>
+      <p:sp>
+        <p:nvSpPr>
+          <p:cNvPr id="2" name="TextBox 1">
+            <a:extLst>
+              <a:ext uri="{FF2B5EF4-FFF2-40B4-BE49-F238E27FC236}">
+                <a16:creationId xmlns:a16="http://schemas.microsoft.com/office/drawing/2014/main" id="{979435A4-3C0F-6B4E-B928-8CF01A4C1087}"/>
+              </a:ext>
+            </a:extLst>
+          </p:cNvPr>
+          <p:cNvSpPr txBox="1"/>
+          <p:nvPr/>
+        </p:nvSpPr>
+        <p:spPr>
+          <a:xfrm>
+            <a:off x="9398289" y="1685527"/>
+            <a:ext cx="1301959" cy="246221"/>
+          </a:xfrm>
+          <a:prstGeom prst="rect">
+            <a:avLst/>
+          </a:prstGeom>
+          <a:noFill/>
+        </p:spPr>
+        <p:txBody>
+          <a:bodyPr wrap="none" rtlCol="0">
+            <a:spAutoFit/>
+          </a:bodyPr>
+          <a:lstStyle/>
+          <a:p>
+            <a:r>
+              <a:rPr lang="en-US" sz="1000" dirty="0">
+                <a:latin typeface="Arial" panose="020B0604020202020204" pitchFamily="34" charset="0"/>
+                <a:cs typeface="Arial" panose="020B0604020202020204" pitchFamily="34" charset="0"/>
+              </a:rPr>
+              <a:t>not protein affecting</a:t>
+            </a:r>
+          </a:p>
+        </p:txBody>
+      </p:sp>
+      <p:sp>
+        <p:nvSpPr>
+          <p:cNvPr id="18" name="TextBox 17">
+            <a:extLst>
+              <a:ext uri="{FF2B5EF4-FFF2-40B4-BE49-F238E27FC236}">
+                <a16:creationId xmlns:a16="http://schemas.microsoft.com/office/drawing/2014/main" id="{C05416AD-A4A6-6C40-B6C6-B90105584E94}"/>
+              </a:ext>
+            </a:extLst>
+          </p:cNvPr>
+          <p:cNvSpPr txBox="1"/>
+          <p:nvPr/>
+        </p:nvSpPr>
+        <p:spPr>
+          <a:xfrm>
+            <a:off x="9417093" y="1896144"/>
+            <a:ext cx="779381" cy="246221"/>
+          </a:xfrm>
+          <a:prstGeom prst="rect">
+            <a:avLst/>
+          </a:prstGeom>
+          <a:noFill/>
+        </p:spPr>
+        <p:txBody>
+          <a:bodyPr wrap="none" rtlCol="0">
+            <a:spAutoFit/>
+          </a:bodyPr>
+          <a:lstStyle/>
+          <a:p>
+            <a:r>
+              <a:rPr lang="en-US" sz="1000" dirty="0">
+                <a:latin typeface="Arial" panose="020B0604020202020204" pitchFamily="34" charset="0"/>
+                <a:cs typeface="Arial" panose="020B0604020202020204" pitchFamily="34" charset="0"/>
+              </a:rPr>
+              <a:t>passenger</a:t>
+            </a:r>
+          </a:p>
+        </p:txBody>
+      </p:sp>
+      <p:sp>
+        <p:nvSpPr>
+          <p:cNvPr id="19" name="TextBox 18">
+            <a:extLst>
+              <a:ext uri="{FF2B5EF4-FFF2-40B4-BE49-F238E27FC236}">
+                <a16:creationId xmlns:a16="http://schemas.microsoft.com/office/drawing/2014/main" id="{720B20EB-3070-D943-8190-23B971D414A0}"/>
+              </a:ext>
+            </a:extLst>
+          </p:cNvPr>
+          <p:cNvSpPr txBox="1"/>
+          <p:nvPr/>
+        </p:nvSpPr>
+        <p:spPr>
+          <a:xfrm>
+            <a:off x="9402227" y="2059695"/>
+            <a:ext cx="546945" cy="246221"/>
+          </a:xfrm>
+          <a:prstGeom prst="rect">
+            <a:avLst/>
+          </a:prstGeom>
+          <a:noFill/>
+        </p:spPr>
+        <p:txBody>
+          <a:bodyPr wrap="none" rtlCol="0">
+            <a:spAutoFit/>
+          </a:bodyPr>
+          <a:lstStyle/>
+          <a:p>
+            <a:r>
+              <a:rPr lang="en-US" sz="1000" dirty="0">
+                <a:latin typeface="Arial" panose="020B0604020202020204" pitchFamily="34" charset="0"/>
+                <a:cs typeface="Arial" panose="020B0604020202020204" pitchFamily="34" charset="0"/>
+              </a:rPr>
+              <a:t>TIER1</a:t>
+            </a:r>
+          </a:p>
+        </p:txBody>
+      </p:sp>
+      <p:sp>
+        <p:nvSpPr>
+          <p:cNvPr id="20" name="TextBox 19">
+            <a:extLst>
+              <a:ext uri="{FF2B5EF4-FFF2-40B4-BE49-F238E27FC236}">
+                <a16:creationId xmlns:a16="http://schemas.microsoft.com/office/drawing/2014/main" id="{91DE505A-E41E-E040-8400-40169F47CB48}"/>
+              </a:ext>
+            </a:extLst>
+          </p:cNvPr>
+          <p:cNvSpPr txBox="1"/>
+          <p:nvPr/>
+        </p:nvSpPr>
+        <p:spPr>
+          <a:xfrm>
+            <a:off x="9409387" y="2270195"/>
+            <a:ext cx="546945" cy="246221"/>
+          </a:xfrm>
+          <a:prstGeom prst="rect">
+            <a:avLst/>
+          </a:prstGeom>
+          <a:noFill/>
+        </p:spPr>
+        <p:txBody>
+          <a:bodyPr wrap="none" rtlCol="0">
+            <a:spAutoFit/>
+          </a:bodyPr>
+          <a:lstStyle/>
+          <a:p>
+            <a:r>
+              <a:rPr lang="en-US" sz="1000" dirty="0">
+                <a:latin typeface="Arial" panose="020B0604020202020204" pitchFamily="34" charset="0"/>
+                <a:cs typeface="Arial" panose="020B0604020202020204" pitchFamily="34" charset="0"/>
+              </a:rPr>
+              <a:t>TIER2</a:t>
+            </a:r>
+          </a:p>
+        </p:txBody>
+      </p:sp>
+      <p:sp>
+        <p:nvSpPr>
+          <p:cNvPr id="21" name="Rectangle 20">
+            <a:extLst>
+              <a:ext uri="{FF2B5EF4-FFF2-40B4-BE49-F238E27FC236}">
+                <a16:creationId xmlns:a16="http://schemas.microsoft.com/office/drawing/2014/main" id="{0E386046-35F7-994E-A5A8-560B4D7662A3}"/>
+              </a:ext>
+            </a:extLst>
+          </p:cNvPr>
+          <p:cNvSpPr/>
+          <p:nvPr/>
+        </p:nvSpPr>
+        <p:spPr>
+          <a:xfrm>
+            <a:off x="9046146" y="4669846"/>
+            <a:ext cx="1170878" cy="907114"/>
+          </a:xfrm>
+          <a:prstGeom prst="rect">
+            <a:avLst/>
+          </a:prstGeom>
+          <a:solidFill>
+            <a:schemeClr val="bg1"/>
+          </a:solidFill>
+          <a:ln>
+            <a:noFill/>
+          </a:ln>
+        </p:spPr>
+        <p:style>
+          <a:lnRef idx="2">
+            <a:schemeClr val="accent1">
+              <a:shade val="50000"/>
+            </a:schemeClr>
+          </a:lnRef>
+          <a:fillRef idx="1">
+            <a:schemeClr val="accent1"/>
+          </a:fillRef>
+          <a:effectRef idx="0">
+            <a:schemeClr val="accent1"/>
+          </a:effectRef>
+          <a:fontRef idx="minor">
+            <a:schemeClr val="lt1"/>
+          </a:fontRef>
+        </p:style>
+        <p:txBody>
+          <a:bodyPr rtlCol="0" anchor="ctr"/>
+          <a:lstStyle/>
+          <a:p>
+            <a:pPr algn="ctr"/>
+            <a:endParaRPr lang="en-US"/>
+          </a:p>
+        </p:txBody>
+      </p:sp>
+      <p:sp>
+        <p:nvSpPr>
+          <p:cNvPr id="22" name="TextBox 21">
+            <a:extLst>
+              <a:ext uri="{FF2B5EF4-FFF2-40B4-BE49-F238E27FC236}">
+                <a16:creationId xmlns:a16="http://schemas.microsoft.com/office/drawing/2014/main" id="{DA9B6394-85C1-F64E-B401-BE1B5E4AEF20}"/>
+              </a:ext>
+            </a:extLst>
+          </p:cNvPr>
+          <p:cNvSpPr txBox="1"/>
+          <p:nvPr/>
+        </p:nvSpPr>
+        <p:spPr>
+          <a:xfrm>
+            <a:off x="8964114" y="4742904"/>
+            <a:ext cx="546945" cy="246221"/>
+          </a:xfrm>
+          <a:prstGeom prst="rect">
+            <a:avLst/>
+          </a:prstGeom>
+          <a:noFill/>
+        </p:spPr>
+        <p:txBody>
+          <a:bodyPr wrap="none" rtlCol="0">
+            <a:spAutoFit/>
+          </a:bodyPr>
+          <a:lstStyle/>
+          <a:p>
+            <a:r>
+              <a:rPr lang="en-US" sz="1000" dirty="0">
+                <a:latin typeface="Arial" panose="020B0604020202020204" pitchFamily="34" charset="0"/>
+                <a:cs typeface="Arial" panose="020B0604020202020204" pitchFamily="34" charset="0"/>
+              </a:rPr>
+              <a:t>TIER1</a:t>
+            </a:r>
+          </a:p>
+        </p:txBody>
+      </p:sp>
+      <p:sp>
+        <p:nvSpPr>
+          <p:cNvPr id="23" name="TextBox 22">
+            <a:extLst>
+              <a:ext uri="{FF2B5EF4-FFF2-40B4-BE49-F238E27FC236}">
+                <a16:creationId xmlns:a16="http://schemas.microsoft.com/office/drawing/2014/main" id="{466318ED-22E9-3A42-86BC-842257C1E3CF}"/>
+              </a:ext>
+            </a:extLst>
+          </p:cNvPr>
+          <p:cNvSpPr txBox="1"/>
+          <p:nvPr/>
+        </p:nvSpPr>
+        <p:spPr>
+          <a:xfrm>
+            <a:off x="8971274" y="4953404"/>
+            <a:ext cx="546945" cy="246221"/>
+          </a:xfrm>
+          <a:prstGeom prst="rect">
+            <a:avLst/>
+          </a:prstGeom>
+          <a:noFill/>
+        </p:spPr>
+        <p:txBody>
+          <a:bodyPr wrap="none" rtlCol="0">
+            <a:spAutoFit/>
+          </a:bodyPr>
+          <a:lstStyle/>
+          <a:p>
+            <a:r>
+              <a:rPr lang="en-US" sz="1000" dirty="0">
+                <a:latin typeface="Arial" panose="020B0604020202020204" pitchFamily="34" charset="0"/>
+                <a:cs typeface="Arial" panose="020B0604020202020204" pitchFamily="34" charset="0"/>
+              </a:rPr>
+              <a:t>TIER2</a:t>
+            </a:r>
+          </a:p>
+        </p:txBody>
+      </p:sp>
+      <p:pic>
+        <p:nvPicPr>
+          <p:cNvPr id="25" name="Picture 24">
+            <a:extLst>
+              <a:ext uri="{FF2B5EF4-FFF2-40B4-BE49-F238E27FC236}">
+                <a16:creationId xmlns:a16="http://schemas.microsoft.com/office/drawing/2014/main" id="{E3C92E3D-3C1B-D64B-A823-F361DC5EAC61}"/>
+              </a:ext>
+            </a:extLst>
+          </p:cNvPr>
+          <p:cNvPicPr>
+            <a:picLocks noChangeAspect="1"/>
+          </p:cNvPicPr>
+          <p:nvPr/>
+        </p:nvPicPr>
+        <p:blipFill>
+          <a:blip r:embed="rId3"/>
+          <a:stretch>
+            <a:fillRect/>
+          </a:stretch>
+        </p:blipFill>
+        <p:spPr>
+          <a:xfrm>
+            <a:off x="7559472" y="3512562"/>
+            <a:ext cx="843280" cy="621364"/>
+          </a:xfrm>
+          <a:prstGeom prst="rect">
+            <a:avLst/>
+          </a:prstGeom>
+        </p:spPr>
+      </p:pic>
+      <p:pic>
+        <p:nvPicPr>
+          <p:cNvPr id="27" name="Picture 26">
+            <a:extLst>
+              <a:ext uri="{FF2B5EF4-FFF2-40B4-BE49-F238E27FC236}">
+                <a16:creationId xmlns:a16="http://schemas.microsoft.com/office/drawing/2014/main" id="{5699F106-86D7-5349-AA7A-320915D3BA8F}"/>
+              </a:ext>
+            </a:extLst>
+          </p:cNvPr>
+          <p:cNvPicPr>
+            <a:picLocks noChangeAspect="1"/>
+          </p:cNvPicPr>
+          <p:nvPr/>
+        </p:nvPicPr>
+        <p:blipFill>
+          <a:blip r:embed="rId4"/>
+          <a:stretch>
+            <a:fillRect/>
+          </a:stretch>
+        </p:blipFill>
+        <p:spPr>
+          <a:xfrm>
+            <a:off x="7401555" y="710171"/>
+            <a:ext cx="1359982" cy="841042"/>
+          </a:xfrm>
+          <a:prstGeom prst="rect">
+            <a:avLst/>
+          </a:prstGeom>
+        </p:spPr>
+      </p:pic>
     </p:spTree>
     <p:extLst>
       <p:ext uri="{BB962C8B-B14F-4D97-AF65-F5344CB8AC3E}">
@@ -12028,6 +12818,773 @@
 </file>
 
 <file path=ppt/slides/slide8.xml><?xml version="1.0" encoding="utf-8"?>
+<p:sld xmlns:a="http://schemas.openxmlformats.org/drawingml/2006/main" xmlns:r="http://schemas.openxmlformats.org/officeDocument/2006/relationships" xmlns:p="http://schemas.openxmlformats.org/presentationml/2006/main">
+  <p:cSld>
+    <p:spTree>
+      <p:nvGrpSpPr>
+        <p:cNvPr id="1" name=""/>
+        <p:cNvGrpSpPr/>
+        <p:nvPr/>
+      </p:nvGrpSpPr>
+      <p:grpSpPr>
+        <a:xfrm>
+          <a:off x="0" y="0"/>
+          <a:ext cx="0" cy="0"/>
+          <a:chOff x="0" y="0"/>
+          <a:chExt cx="0" cy="0"/>
+        </a:xfrm>
+      </p:grpSpPr>
+      <p:grpSp>
+        <p:nvGrpSpPr>
+          <p:cNvPr id="22" name="Group 21">
+            <a:extLst>
+              <a:ext uri="{FF2B5EF4-FFF2-40B4-BE49-F238E27FC236}">
+                <a16:creationId xmlns:a16="http://schemas.microsoft.com/office/drawing/2014/main" id="{F45107EA-4952-654C-9E2E-A250D9695EFB}"/>
+              </a:ext>
+            </a:extLst>
+          </p:cNvPr>
+          <p:cNvGrpSpPr/>
+          <p:nvPr/>
+        </p:nvGrpSpPr>
+        <p:grpSpPr>
+          <a:xfrm>
+            <a:off x="1271865" y="294102"/>
+            <a:ext cx="8626114" cy="5192298"/>
+            <a:chOff x="1464371" y="422438"/>
+            <a:chExt cx="8460213" cy="6311978"/>
+          </a:xfrm>
+        </p:grpSpPr>
+        <p:grpSp>
+          <p:nvGrpSpPr>
+            <p:cNvPr id="19" name="Group 18">
+              <a:extLst>
+                <a:ext uri="{FF2B5EF4-FFF2-40B4-BE49-F238E27FC236}">
+                  <a16:creationId xmlns:a16="http://schemas.microsoft.com/office/drawing/2014/main" id="{0AFC6951-8552-A841-8F17-32AB9C95A879}"/>
+                </a:ext>
+              </a:extLst>
+            </p:cNvPr>
+            <p:cNvGrpSpPr/>
+            <p:nvPr/>
+          </p:nvGrpSpPr>
+          <p:grpSpPr>
+            <a:xfrm>
+              <a:off x="1464371" y="422439"/>
+              <a:ext cx="8460213" cy="6311977"/>
+              <a:chOff x="1464371" y="405469"/>
+              <a:chExt cx="8460213" cy="6311977"/>
+            </a:xfrm>
+          </p:grpSpPr>
+          <p:pic>
+            <p:nvPicPr>
+              <p:cNvPr id="7" name="Picture 6">
+                <a:extLst>
+                  <a:ext uri="{FF2B5EF4-FFF2-40B4-BE49-F238E27FC236}">
+                    <a16:creationId xmlns:a16="http://schemas.microsoft.com/office/drawing/2014/main" id="{984604CD-CB4C-4546-97A8-B44B5DCF2001}"/>
+                  </a:ext>
+                </a:extLst>
+              </p:cNvPr>
+              <p:cNvPicPr>
+                <a:picLocks noChangeAspect="1"/>
+              </p:cNvPicPr>
+              <p:nvPr/>
+            </p:nvPicPr>
+            <p:blipFill rotWithShape="1">
+              <a:blip r:embed="rId2"/>
+              <a:srcRect r="17823"/>
+              <a:stretch/>
+            </p:blipFill>
+            <p:spPr>
+              <a:xfrm>
+                <a:off x="1464371" y="405469"/>
+                <a:ext cx="8460213" cy="6311977"/>
+              </a:xfrm>
+              <a:prstGeom prst="rect">
+                <a:avLst/>
+              </a:prstGeom>
+            </p:spPr>
+          </p:pic>
+          <p:sp>
+            <p:nvSpPr>
+              <p:cNvPr id="18" name="Rectangle 17">
+                <a:extLst>
+                  <a:ext uri="{FF2B5EF4-FFF2-40B4-BE49-F238E27FC236}">
+                    <a16:creationId xmlns:a16="http://schemas.microsoft.com/office/drawing/2014/main" id="{08069910-73CE-8A4A-B23B-5A857B47A337}"/>
+                  </a:ext>
+                </a:extLst>
+              </p:cNvPr>
+              <p:cNvSpPr/>
+              <p:nvPr/>
+            </p:nvSpPr>
+            <p:spPr>
+              <a:xfrm>
+                <a:off x="2364059" y="6166624"/>
+                <a:ext cx="7170234" cy="550822"/>
+              </a:xfrm>
+              <a:prstGeom prst="rect">
+                <a:avLst/>
+              </a:prstGeom>
+              <a:solidFill>
+                <a:schemeClr val="bg1"/>
+              </a:solidFill>
+              <a:ln>
+                <a:noFill/>
+              </a:ln>
+            </p:spPr>
+            <p:style>
+              <a:lnRef idx="2">
+                <a:schemeClr val="accent1">
+                  <a:shade val="50000"/>
+                </a:schemeClr>
+              </a:lnRef>
+              <a:fillRef idx="1">
+                <a:schemeClr val="accent1"/>
+              </a:fillRef>
+              <a:effectRef idx="0">
+                <a:schemeClr val="accent1"/>
+              </a:effectRef>
+              <a:fontRef idx="minor">
+                <a:schemeClr val="lt1"/>
+              </a:fontRef>
+            </p:style>
+            <p:txBody>
+              <a:bodyPr rtlCol="0" anchor="ctr"/>
+              <a:lstStyle/>
+              <a:p>
+                <a:pPr algn="ctr"/>
+                <a:endParaRPr lang="en-US"/>
+              </a:p>
+            </p:txBody>
+          </p:sp>
+        </p:grpSp>
+        <p:pic>
+          <p:nvPicPr>
+            <p:cNvPr id="8" name="Picture 7">
+              <a:extLst>
+                <a:ext uri="{FF2B5EF4-FFF2-40B4-BE49-F238E27FC236}">
+                  <a16:creationId xmlns:a16="http://schemas.microsoft.com/office/drawing/2014/main" id="{9461F066-6E46-704A-8C64-5230D1188347}"/>
+                </a:ext>
+              </a:extLst>
+            </p:cNvPr>
+            <p:cNvPicPr>
+              <a:picLocks noChangeAspect="1"/>
+            </p:cNvPicPr>
+            <p:nvPr/>
+          </p:nvPicPr>
+          <p:blipFill>
+            <a:blip r:embed="rId3"/>
+            <a:stretch>
+              <a:fillRect/>
+            </a:stretch>
+          </p:blipFill>
+          <p:spPr>
+            <a:xfrm>
+              <a:off x="7862135" y="3744397"/>
+              <a:ext cx="802317" cy="765051"/>
+            </a:xfrm>
+            <a:prstGeom prst="rect">
+              <a:avLst/>
+            </a:prstGeom>
+          </p:spPr>
+        </p:pic>
+        <p:pic>
+          <p:nvPicPr>
+            <p:cNvPr id="9" name="Picture 8">
+              <a:extLst>
+                <a:ext uri="{FF2B5EF4-FFF2-40B4-BE49-F238E27FC236}">
+                  <a16:creationId xmlns:a16="http://schemas.microsoft.com/office/drawing/2014/main" id="{C3081609-AD89-804F-A2C3-778F33209788}"/>
+                </a:ext>
+              </a:extLst>
+            </p:cNvPr>
+            <p:cNvPicPr>
+              <a:picLocks noChangeAspect="1"/>
+            </p:cNvPicPr>
+            <p:nvPr/>
+          </p:nvPicPr>
+          <p:blipFill>
+            <a:blip r:embed="rId4"/>
+            <a:stretch>
+              <a:fillRect/>
+            </a:stretch>
+          </p:blipFill>
+          <p:spPr>
+            <a:xfrm>
+              <a:off x="7687350" y="422438"/>
+              <a:ext cx="1650386" cy="1320810"/>
+            </a:xfrm>
+            <a:prstGeom prst="rect">
+              <a:avLst/>
+            </a:prstGeom>
+          </p:spPr>
+        </p:pic>
+        <p:grpSp>
+          <p:nvGrpSpPr>
+            <p:cNvPr id="17" name="Group 16">
+              <a:extLst>
+                <a:ext uri="{FF2B5EF4-FFF2-40B4-BE49-F238E27FC236}">
+                  <a16:creationId xmlns:a16="http://schemas.microsoft.com/office/drawing/2014/main" id="{2761696C-36A3-E243-83D0-743E9573064D}"/>
+                </a:ext>
+              </a:extLst>
+            </p:cNvPr>
+            <p:cNvGrpSpPr/>
+            <p:nvPr/>
+          </p:nvGrpSpPr>
+          <p:grpSpPr>
+            <a:xfrm>
+              <a:off x="2430965" y="6062891"/>
+              <a:ext cx="6837526" cy="468352"/>
+              <a:chOff x="2194961" y="3551436"/>
+              <a:chExt cx="6345352" cy="232608"/>
+            </a:xfrm>
+            <a:noFill/>
+          </p:grpSpPr>
+          <p:sp>
+            <p:nvSpPr>
+              <p:cNvPr id="10" name="Rectangle 9">
+                <a:extLst>
+                  <a:ext uri="{FF2B5EF4-FFF2-40B4-BE49-F238E27FC236}">
+                    <a16:creationId xmlns:a16="http://schemas.microsoft.com/office/drawing/2014/main" id="{A509E652-C981-7541-8653-FDEFC34D0537}"/>
+                  </a:ext>
+                </a:extLst>
+              </p:cNvPr>
+              <p:cNvSpPr/>
+              <p:nvPr/>
+            </p:nvSpPr>
+            <p:spPr>
+              <a:xfrm>
+                <a:off x="2194961" y="3571757"/>
+                <a:ext cx="584200" cy="212287"/>
+              </a:xfrm>
+              <a:prstGeom prst="rect">
+                <a:avLst/>
+              </a:prstGeom>
+              <a:grpFill/>
+              <a:ln>
+                <a:noFill/>
+              </a:ln>
+            </p:spPr>
+            <p:style>
+              <a:lnRef idx="2">
+                <a:schemeClr val="accent1">
+                  <a:shade val="50000"/>
+                </a:schemeClr>
+              </a:lnRef>
+              <a:fillRef idx="1">
+                <a:schemeClr val="accent1"/>
+              </a:fillRef>
+              <a:effectRef idx="0">
+                <a:schemeClr val="accent1"/>
+              </a:effectRef>
+              <a:fontRef idx="minor">
+                <a:schemeClr val="lt1"/>
+              </a:fontRef>
+            </p:style>
+            <p:txBody>
+              <a:bodyPr rtlCol="0" anchor="ctr"/>
+              <a:lstStyle/>
+              <a:p>
+                <a:pPr algn="ctr"/>
+                <a:r>
+                  <a:rPr lang="en-US" sz="1400" dirty="0">
+                    <a:solidFill>
+                      <a:sysClr val="windowText" lastClr="000000"/>
+                    </a:solidFill>
+                  </a:rPr>
+                  <a:t>gene1</a:t>
+                </a:r>
+              </a:p>
+            </p:txBody>
+          </p:sp>
+          <p:sp>
+            <p:nvSpPr>
+              <p:cNvPr id="11" name="Rectangle 10">
+                <a:extLst>
+                  <a:ext uri="{FF2B5EF4-FFF2-40B4-BE49-F238E27FC236}">
+                    <a16:creationId xmlns:a16="http://schemas.microsoft.com/office/drawing/2014/main" id="{895A1DA4-EF97-5842-98B6-148E00D2B25B}"/>
+                  </a:ext>
+                </a:extLst>
+              </p:cNvPr>
+              <p:cNvSpPr/>
+              <p:nvPr/>
+            </p:nvSpPr>
+            <p:spPr>
+              <a:xfrm>
+                <a:off x="3170321" y="3561597"/>
+                <a:ext cx="584200" cy="212287"/>
+              </a:xfrm>
+              <a:prstGeom prst="rect">
+                <a:avLst/>
+              </a:prstGeom>
+              <a:grpFill/>
+              <a:ln>
+                <a:noFill/>
+              </a:ln>
+            </p:spPr>
+            <p:style>
+              <a:lnRef idx="2">
+                <a:schemeClr val="accent1">
+                  <a:shade val="50000"/>
+                </a:schemeClr>
+              </a:lnRef>
+              <a:fillRef idx="1">
+                <a:schemeClr val="accent1"/>
+              </a:fillRef>
+              <a:effectRef idx="0">
+                <a:schemeClr val="accent1"/>
+              </a:effectRef>
+              <a:fontRef idx="minor">
+                <a:schemeClr val="lt1"/>
+              </a:fontRef>
+            </p:style>
+            <p:txBody>
+              <a:bodyPr rtlCol="0" anchor="ctr"/>
+              <a:lstStyle/>
+              <a:p>
+                <a:pPr algn="ctr"/>
+                <a:r>
+                  <a:rPr lang="en-US" sz="1400" dirty="0">
+                    <a:solidFill>
+                      <a:sysClr val="windowText" lastClr="000000"/>
+                    </a:solidFill>
+                  </a:rPr>
+                  <a:t>gene2</a:t>
+                </a:r>
+              </a:p>
+            </p:txBody>
+          </p:sp>
+          <p:sp>
+            <p:nvSpPr>
+              <p:cNvPr id="12" name="Rectangle 11">
+                <a:extLst>
+                  <a:ext uri="{FF2B5EF4-FFF2-40B4-BE49-F238E27FC236}">
+                    <a16:creationId xmlns:a16="http://schemas.microsoft.com/office/drawing/2014/main" id="{86D404E6-11D3-6A4E-A6E3-87362ADCDC6F}"/>
+                  </a:ext>
+                </a:extLst>
+              </p:cNvPr>
+              <p:cNvSpPr/>
+              <p:nvPr/>
+            </p:nvSpPr>
+            <p:spPr>
+              <a:xfrm>
+                <a:off x="4120879" y="3551436"/>
+                <a:ext cx="584200" cy="212287"/>
+              </a:xfrm>
+              <a:prstGeom prst="rect">
+                <a:avLst/>
+              </a:prstGeom>
+              <a:grpFill/>
+              <a:ln>
+                <a:noFill/>
+              </a:ln>
+            </p:spPr>
+            <p:style>
+              <a:lnRef idx="2">
+                <a:schemeClr val="accent1">
+                  <a:shade val="50000"/>
+                </a:schemeClr>
+              </a:lnRef>
+              <a:fillRef idx="1">
+                <a:schemeClr val="accent1"/>
+              </a:fillRef>
+              <a:effectRef idx="0">
+                <a:schemeClr val="accent1"/>
+              </a:effectRef>
+              <a:fontRef idx="minor">
+                <a:schemeClr val="lt1"/>
+              </a:fontRef>
+            </p:style>
+            <p:txBody>
+              <a:bodyPr rtlCol="0" anchor="ctr"/>
+              <a:lstStyle/>
+              <a:p>
+                <a:pPr algn="ctr"/>
+                <a:r>
+                  <a:rPr lang="en-US" sz="1400" dirty="0">
+                    <a:solidFill>
+                      <a:sysClr val="windowText" lastClr="000000"/>
+                    </a:solidFill>
+                  </a:rPr>
+                  <a:t>gene3</a:t>
+                </a:r>
+              </a:p>
+            </p:txBody>
+          </p:sp>
+          <p:sp>
+            <p:nvSpPr>
+              <p:cNvPr id="13" name="Rectangle 12">
+                <a:extLst>
+                  <a:ext uri="{FF2B5EF4-FFF2-40B4-BE49-F238E27FC236}">
+                    <a16:creationId xmlns:a16="http://schemas.microsoft.com/office/drawing/2014/main" id="{D81D24C2-FACD-EF41-9C94-ED37883EB806}"/>
+                  </a:ext>
+                </a:extLst>
+              </p:cNvPr>
+              <p:cNvSpPr/>
+              <p:nvPr/>
+            </p:nvSpPr>
+            <p:spPr>
+              <a:xfrm>
+                <a:off x="5090561" y="3561597"/>
+                <a:ext cx="584200" cy="212287"/>
+              </a:xfrm>
+              <a:prstGeom prst="rect">
+                <a:avLst/>
+              </a:prstGeom>
+              <a:grpFill/>
+              <a:ln>
+                <a:noFill/>
+              </a:ln>
+            </p:spPr>
+            <p:style>
+              <a:lnRef idx="2">
+                <a:schemeClr val="accent1">
+                  <a:shade val="50000"/>
+                </a:schemeClr>
+              </a:lnRef>
+              <a:fillRef idx="1">
+                <a:schemeClr val="accent1"/>
+              </a:fillRef>
+              <a:effectRef idx="0">
+                <a:schemeClr val="accent1"/>
+              </a:effectRef>
+              <a:fontRef idx="minor">
+                <a:schemeClr val="lt1"/>
+              </a:fontRef>
+            </p:style>
+            <p:txBody>
+              <a:bodyPr rtlCol="0" anchor="ctr"/>
+              <a:lstStyle/>
+              <a:p>
+                <a:pPr algn="ctr"/>
+                <a:r>
+                  <a:rPr lang="en-US" sz="1400" dirty="0">
+                    <a:solidFill>
+                      <a:sysClr val="windowText" lastClr="000000"/>
+                    </a:solidFill>
+                  </a:rPr>
+                  <a:t>gene4</a:t>
+                </a:r>
+              </a:p>
+            </p:txBody>
+          </p:sp>
+          <p:sp>
+            <p:nvSpPr>
+              <p:cNvPr id="14" name="Rectangle 13">
+                <a:extLst>
+                  <a:ext uri="{FF2B5EF4-FFF2-40B4-BE49-F238E27FC236}">
+                    <a16:creationId xmlns:a16="http://schemas.microsoft.com/office/drawing/2014/main" id="{117F15BF-02C9-0040-97EA-C859B2EA8ED9}"/>
+                  </a:ext>
+                </a:extLst>
+              </p:cNvPr>
+              <p:cNvSpPr/>
+              <p:nvPr/>
+            </p:nvSpPr>
+            <p:spPr>
+              <a:xfrm>
+                <a:off x="6127313" y="3561597"/>
+                <a:ext cx="584200" cy="212287"/>
+              </a:xfrm>
+              <a:prstGeom prst="rect">
+                <a:avLst/>
+              </a:prstGeom>
+              <a:grpFill/>
+              <a:ln>
+                <a:noFill/>
+              </a:ln>
+            </p:spPr>
+            <p:style>
+              <a:lnRef idx="2">
+                <a:schemeClr val="accent1">
+                  <a:shade val="50000"/>
+                </a:schemeClr>
+              </a:lnRef>
+              <a:fillRef idx="1">
+                <a:schemeClr val="accent1"/>
+              </a:fillRef>
+              <a:effectRef idx="0">
+                <a:schemeClr val="accent1"/>
+              </a:effectRef>
+              <a:fontRef idx="minor">
+                <a:schemeClr val="lt1"/>
+              </a:fontRef>
+            </p:style>
+            <p:txBody>
+              <a:bodyPr rtlCol="0" anchor="ctr"/>
+              <a:lstStyle/>
+              <a:p>
+                <a:pPr algn="ctr"/>
+                <a:r>
+                  <a:rPr lang="en-US" sz="1400" dirty="0">
+                    <a:solidFill>
+                      <a:sysClr val="windowText" lastClr="000000"/>
+                    </a:solidFill>
+                  </a:rPr>
+                  <a:t>gene5</a:t>
+                </a:r>
+              </a:p>
+            </p:txBody>
+          </p:sp>
+          <p:sp>
+            <p:nvSpPr>
+              <p:cNvPr id="15" name="Rectangle 14">
+                <a:extLst>
+                  <a:ext uri="{FF2B5EF4-FFF2-40B4-BE49-F238E27FC236}">
+                    <a16:creationId xmlns:a16="http://schemas.microsoft.com/office/drawing/2014/main" id="{5235829A-B478-194F-B03A-DF07BA68DF27}"/>
+                  </a:ext>
+                </a:extLst>
+              </p:cNvPr>
+              <p:cNvSpPr/>
+              <p:nvPr/>
+            </p:nvSpPr>
+            <p:spPr>
+              <a:xfrm>
+                <a:off x="7011233" y="3561596"/>
+                <a:ext cx="584200" cy="212287"/>
+              </a:xfrm>
+              <a:prstGeom prst="rect">
+                <a:avLst/>
+              </a:prstGeom>
+              <a:grpFill/>
+              <a:ln>
+                <a:noFill/>
+              </a:ln>
+            </p:spPr>
+            <p:style>
+              <a:lnRef idx="2">
+                <a:schemeClr val="accent1">
+                  <a:shade val="50000"/>
+                </a:schemeClr>
+              </a:lnRef>
+              <a:fillRef idx="1">
+                <a:schemeClr val="accent1"/>
+              </a:fillRef>
+              <a:effectRef idx="0">
+                <a:schemeClr val="accent1"/>
+              </a:effectRef>
+              <a:fontRef idx="minor">
+                <a:schemeClr val="lt1"/>
+              </a:fontRef>
+            </p:style>
+            <p:txBody>
+              <a:bodyPr rtlCol="0" anchor="ctr"/>
+              <a:lstStyle/>
+              <a:p>
+                <a:pPr algn="ctr"/>
+                <a:r>
+                  <a:rPr lang="en-US" sz="1400" dirty="0">
+                    <a:solidFill>
+                      <a:sysClr val="windowText" lastClr="000000"/>
+                    </a:solidFill>
+                  </a:rPr>
+                  <a:t>gene6</a:t>
+                </a:r>
+              </a:p>
+            </p:txBody>
+          </p:sp>
+          <p:sp>
+            <p:nvSpPr>
+              <p:cNvPr id="16" name="Rectangle 15">
+                <a:extLst>
+                  <a:ext uri="{FF2B5EF4-FFF2-40B4-BE49-F238E27FC236}">
+                    <a16:creationId xmlns:a16="http://schemas.microsoft.com/office/drawing/2014/main" id="{80C70560-904B-2641-974B-3C960D523D9C}"/>
+                  </a:ext>
+                </a:extLst>
+              </p:cNvPr>
+              <p:cNvSpPr/>
+              <p:nvPr/>
+            </p:nvSpPr>
+            <p:spPr>
+              <a:xfrm>
+                <a:off x="7956113" y="3561596"/>
+                <a:ext cx="584200" cy="212287"/>
+              </a:xfrm>
+              <a:prstGeom prst="rect">
+                <a:avLst/>
+              </a:prstGeom>
+              <a:grpFill/>
+              <a:ln>
+                <a:noFill/>
+              </a:ln>
+            </p:spPr>
+            <p:style>
+              <a:lnRef idx="2">
+                <a:schemeClr val="accent1">
+                  <a:shade val="50000"/>
+                </a:schemeClr>
+              </a:lnRef>
+              <a:fillRef idx="1">
+                <a:schemeClr val="accent1"/>
+              </a:fillRef>
+              <a:effectRef idx="0">
+                <a:schemeClr val="accent1"/>
+              </a:effectRef>
+              <a:fontRef idx="minor">
+                <a:schemeClr val="lt1"/>
+              </a:fontRef>
+            </p:style>
+            <p:txBody>
+              <a:bodyPr rtlCol="0" anchor="ctr"/>
+              <a:lstStyle/>
+              <a:p>
+                <a:pPr algn="ctr"/>
+                <a:r>
+                  <a:rPr lang="en-US" sz="1400" dirty="0">
+                    <a:solidFill>
+                      <a:sysClr val="windowText" lastClr="000000"/>
+                    </a:solidFill>
+                  </a:rPr>
+                  <a:t>gene7</a:t>
+                </a:r>
+              </a:p>
+            </p:txBody>
+          </p:sp>
+        </p:grpSp>
+        <p:sp>
+          <p:nvSpPr>
+            <p:cNvPr id="20" name="Rectangle 19">
+              <a:extLst>
+                <a:ext uri="{FF2B5EF4-FFF2-40B4-BE49-F238E27FC236}">
+                  <a16:creationId xmlns:a16="http://schemas.microsoft.com/office/drawing/2014/main" id="{5B069B26-8683-CC46-8442-1B94B4E9AF3B}"/>
+                </a:ext>
+              </a:extLst>
+            </p:cNvPr>
+            <p:cNvSpPr/>
+            <p:nvPr/>
+          </p:nvSpPr>
+          <p:spPr>
+            <a:xfrm>
+              <a:off x="9715483" y="4618705"/>
+              <a:ext cx="209101" cy="800787"/>
+            </a:xfrm>
+            <a:prstGeom prst="rect">
+              <a:avLst/>
+            </a:prstGeom>
+            <a:solidFill>
+              <a:schemeClr val="bg1"/>
+            </a:solidFill>
+            <a:ln>
+              <a:noFill/>
+            </a:ln>
+          </p:spPr>
+          <p:style>
+            <a:lnRef idx="2">
+              <a:schemeClr val="accent1">
+                <a:shade val="50000"/>
+              </a:schemeClr>
+            </a:lnRef>
+            <a:fillRef idx="1">
+              <a:schemeClr val="accent1"/>
+            </a:fillRef>
+            <a:effectRef idx="0">
+              <a:schemeClr val="accent1"/>
+            </a:effectRef>
+            <a:fontRef idx="minor">
+              <a:schemeClr val="lt1"/>
+            </a:fontRef>
+          </p:style>
+          <p:txBody>
+            <a:bodyPr rtlCol="0" anchor="ctr"/>
+            <a:lstStyle/>
+            <a:p>
+              <a:pPr algn="ctr"/>
+              <a:endParaRPr lang="en-US"/>
+            </a:p>
+          </p:txBody>
+        </p:sp>
+        <p:sp>
+          <p:nvSpPr>
+            <p:cNvPr id="21" name="Rectangle 20">
+              <a:extLst>
+                <a:ext uri="{FF2B5EF4-FFF2-40B4-BE49-F238E27FC236}">
+                  <a16:creationId xmlns:a16="http://schemas.microsoft.com/office/drawing/2014/main" id="{9C0B38E6-CDDA-7847-9491-E9A861B5553E}"/>
+                </a:ext>
+              </a:extLst>
+            </p:cNvPr>
+            <p:cNvSpPr/>
+            <p:nvPr/>
+          </p:nvSpPr>
+          <p:spPr>
+            <a:xfrm rot="5400000">
+              <a:off x="3991366" y="-1339073"/>
+              <a:ext cx="427794" cy="3950821"/>
+            </a:xfrm>
+            <a:prstGeom prst="rect">
+              <a:avLst/>
+            </a:prstGeom>
+            <a:solidFill>
+              <a:schemeClr val="bg1"/>
+            </a:solidFill>
+            <a:ln>
+              <a:noFill/>
+            </a:ln>
+          </p:spPr>
+          <p:style>
+            <a:lnRef idx="2">
+              <a:schemeClr val="accent1">
+                <a:shade val="50000"/>
+              </a:schemeClr>
+            </a:lnRef>
+            <a:fillRef idx="1">
+              <a:schemeClr val="accent1"/>
+            </a:fillRef>
+            <a:effectRef idx="0">
+              <a:schemeClr val="accent1"/>
+            </a:effectRef>
+            <a:fontRef idx="minor">
+              <a:schemeClr val="lt1"/>
+            </a:fontRef>
+          </p:style>
+          <p:txBody>
+            <a:bodyPr rtlCol="0" anchor="ctr"/>
+            <a:lstStyle/>
+            <a:p>
+              <a:pPr algn="ctr"/>
+              <a:endParaRPr lang="en-US"/>
+            </a:p>
+          </p:txBody>
+        </p:sp>
+      </p:grpSp>
+      <p:pic>
+        <p:nvPicPr>
+          <p:cNvPr id="39" name="Picture 38">
+            <a:extLst>
+              <a:ext uri="{FF2B5EF4-FFF2-40B4-BE49-F238E27FC236}">
+                <a16:creationId xmlns:a16="http://schemas.microsoft.com/office/drawing/2014/main" id="{83BD11CB-AF5C-8749-BD1C-7BF1C9507063}"/>
+              </a:ext>
+            </a:extLst>
+          </p:cNvPr>
+          <p:cNvPicPr>
+            <a:picLocks noChangeAspect="1"/>
+          </p:cNvPicPr>
+          <p:nvPr/>
+        </p:nvPicPr>
+        <p:blipFill rotWithShape="1">
+          <a:blip r:embed="rId2"/>
+          <a:srcRect l="12578" t="1008" r="55669" b="93737"/>
+          <a:stretch/>
+        </p:blipFill>
+        <p:spPr>
+          <a:xfrm>
+            <a:off x="2089624" y="294101"/>
+            <a:ext cx="3269031" cy="331725"/>
+          </a:xfrm>
+          <a:prstGeom prst="rect">
+            <a:avLst/>
+          </a:prstGeom>
+        </p:spPr>
+      </p:pic>
+    </p:spTree>
+    <p:extLst>
+      <p:ext uri="{BB962C8B-B14F-4D97-AF65-F5344CB8AC3E}">
+        <p14:creationId xmlns:p14="http://schemas.microsoft.com/office/powerpoint/2010/main" val="161091368"/>
+      </p:ext>
+    </p:extLst>
+  </p:cSld>
+  <p:clrMapOvr>
+    <a:masterClrMapping/>
+  </p:clrMapOvr>
+</p:sld>
+</file>
+
+<file path=ppt/slides/slide9.xml><?xml version="1.0" encoding="utf-8"?>
 <p:sld xmlns:a="http://schemas.openxmlformats.org/drawingml/2006/main" xmlns:r="http://schemas.openxmlformats.org/officeDocument/2006/relationships" xmlns:p="http://schemas.openxmlformats.org/presentationml/2006/main">
   <p:cSld>
     <p:spTree>

--- a/misc/logos_for_README.pptx
+++ b/misc/logos_for_README.pptx
@@ -6,14 +6,15 @@
   </p:sldMasterIdLst>
   <p:sldIdLst>
     <p:sldId id="257" r:id="rId2"/>
-    <p:sldId id="256" r:id="rId3"/>
-    <p:sldId id="258" r:id="rId4"/>
-    <p:sldId id="259" r:id="rId5"/>
-    <p:sldId id="260" r:id="rId6"/>
-    <p:sldId id="261" r:id="rId7"/>
-    <p:sldId id="262" r:id="rId8"/>
-    <p:sldId id="264" r:id="rId9"/>
-    <p:sldId id="263" r:id="rId10"/>
+    <p:sldId id="265" r:id="rId3"/>
+    <p:sldId id="256" r:id="rId4"/>
+    <p:sldId id="258" r:id="rId5"/>
+    <p:sldId id="259" r:id="rId6"/>
+    <p:sldId id="260" r:id="rId7"/>
+    <p:sldId id="261" r:id="rId8"/>
+    <p:sldId id="262" r:id="rId9"/>
+    <p:sldId id="264" r:id="rId10"/>
+    <p:sldId id="263" r:id="rId11"/>
   </p:sldIdLst>
   <p:sldSz cx="12192000" cy="6858000"/>
   <p:notesSz cx="6858000" cy="9144000"/>
@@ -591,7 +592,7 @@
           <a:p>
             <a:fld id="{007BE7B7-3F63-4B47-9009-6AAB15A2BEBB}" type="datetimeFigureOut">
               <a:rPr lang="en-US" smtClean="0"/>
-              <a:t>8/26/20</a:t>
+              <a:t>1/13/21</a:t>
             </a:fld>
             <a:endParaRPr lang="en-US"/>
           </a:p>
@@ -789,7 +790,7 @@
           <a:p>
             <a:fld id="{007BE7B7-3F63-4B47-9009-6AAB15A2BEBB}" type="datetimeFigureOut">
               <a:rPr lang="en-US" smtClean="0"/>
-              <a:t>8/26/20</a:t>
+              <a:t>1/13/21</a:t>
             </a:fld>
             <a:endParaRPr lang="en-US"/>
           </a:p>
@@ -997,7 +998,7 @@
           <a:p>
             <a:fld id="{007BE7B7-3F63-4B47-9009-6AAB15A2BEBB}" type="datetimeFigureOut">
               <a:rPr lang="en-US" smtClean="0"/>
-              <a:t>8/26/20</a:t>
+              <a:t>1/13/21</a:t>
             </a:fld>
             <a:endParaRPr lang="en-US"/>
           </a:p>
@@ -1195,7 +1196,7 @@
           <a:p>
             <a:fld id="{007BE7B7-3F63-4B47-9009-6AAB15A2BEBB}" type="datetimeFigureOut">
               <a:rPr lang="en-US" smtClean="0"/>
-              <a:t>8/26/20</a:t>
+              <a:t>1/13/21</a:t>
             </a:fld>
             <a:endParaRPr lang="en-US"/>
           </a:p>
@@ -1470,7 +1471,7 @@
           <a:p>
             <a:fld id="{007BE7B7-3F63-4B47-9009-6AAB15A2BEBB}" type="datetimeFigureOut">
               <a:rPr lang="en-US" smtClean="0"/>
-              <a:t>8/26/20</a:t>
+              <a:t>1/13/21</a:t>
             </a:fld>
             <a:endParaRPr lang="en-US"/>
           </a:p>
@@ -1735,7 +1736,7 @@
           <a:p>
             <a:fld id="{007BE7B7-3F63-4B47-9009-6AAB15A2BEBB}" type="datetimeFigureOut">
               <a:rPr lang="en-US" smtClean="0"/>
-              <a:t>8/26/20</a:t>
+              <a:t>1/13/21</a:t>
             </a:fld>
             <a:endParaRPr lang="en-US"/>
           </a:p>
@@ -2147,7 +2148,7 @@
           <a:p>
             <a:fld id="{007BE7B7-3F63-4B47-9009-6AAB15A2BEBB}" type="datetimeFigureOut">
               <a:rPr lang="en-US" smtClean="0"/>
-              <a:t>8/26/20</a:t>
+              <a:t>1/13/21</a:t>
             </a:fld>
             <a:endParaRPr lang="en-US"/>
           </a:p>
@@ -2288,7 +2289,7 @@
           <a:p>
             <a:fld id="{007BE7B7-3F63-4B47-9009-6AAB15A2BEBB}" type="datetimeFigureOut">
               <a:rPr lang="en-US" smtClean="0"/>
-              <a:t>8/26/20</a:t>
+              <a:t>1/13/21</a:t>
             </a:fld>
             <a:endParaRPr lang="en-US"/>
           </a:p>
@@ -2401,7 +2402,7 @@
           <a:p>
             <a:fld id="{007BE7B7-3F63-4B47-9009-6AAB15A2BEBB}" type="datetimeFigureOut">
               <a:rPr lang="en-US" smtClean="0"/>
-              <a:t>8/26/20</a:t>
+              <a:t>1/13/21</a:t>
             </a:fld>
             <a:endParaRPr lang="en-US"/>
           </a:p>
@@ -2712,7 +2713,7 @@
           <a:p>
             <a:fld id="{007BE7B7-3F63-4B47-9009-6AAB15A2BEBB}" type="datetimeFigureOut">
               <a:rPr lang="en-US" smtClean="0"/>
-              <a:t>8/26/20</a:t>
+              <a:t>1/13/21</a:t>
             </a:fld>
             <a:endParaRPr lang="en-US"/>
           </a:p>
@@ -3000,7 +3001,7 @@
           <a:p>
             <a:fld id="{007BE7B7-3F63-4B47-9009-6AAB15A2BEBB}" type="datetimeFigureOut">
               <a:rPr lang="en-US" smtClean="0"/>
-              <a:t>8/26/20</a:t>
+              <a:t>1/13/21</a:t>
             </a:fld>
             <a:endParaRPr lang="en-US"/>
           </a:p>
@@ -3241,7 +3242,7 @@
           <a:p>
             <a:fld id="{007BE7B7-3F63-4B47-9009-6AAB15A2BEBB}" type="datetimeFigureOut">
               <a:rPr lang="en-US" smtClean="0"/>
-              <a:t>8/26/20</a:t>
+              <a:t>1/13/21</a:t>
             </a:fld>
             <a:endParaRPr lang="en-US"/>
           </a:p>
@@ -7467,7 +7468,3008 @@
 </p:sld>
 </file>
 
+<file path=ppt/slides/slide10.xml><?xml version="1.0" encoding="utf-8"?>
+<p:sld xmlns:a="http://schemas.openxmlformats.org/drawingml/2006/main" xmlns:r="http://schemas.openxmlformats.org/officeDocument/2006/relationships" xmlns:p="http://schemas.openxmlformats.org/presentationml/2006/main">
+  <p:cSld>
+    <p:spTree>
+      <p:nvGrpSpPr>
+        <p:cNvPr id="1" name=""/>
+        <p:cNvGrpSpPr/>
+        <p:nvPr/>
+      </p:nvGrpSpPr>
+      <p:grpSpPr>
+        <a:xfrm>
+          <a:off x="0" y="0"/>
+          <a:ext cx="0" cy="0"/>
+          <a:chOff x="0" y="0"/>
+          <a:chExt cx="0" cy="0"/>
+        </a:xfrm>
+      </p:grpSpPr>
+      <p:grpSp>
+        <p:nvGrpSpPr>
+          <p:cNvPr id="9" name="Group 8">
+            <a:extLst>
+              <a:ext uri="{FF2B5EF4-FFF2-40B4-BE49-F238E27FC236}">
+                <a16:creationId xmlns:a16="http://schemas.microsoft.com/office/drawing/2014/main" id="{4B19E3E1-3B86-E542-AC5B-15BC42EB517E}"/>
+              </a:ext>
+            </a:extLst>
+          </p:cNvPr>
+          <p:cNvGrpSpPr/>
+          <p:nvPr/>
+        </p:nvGrpSpPr>
+        <p:grpSpPr>
+          <a:xfrm>
+            <a:off x="3348316" y="1062317"/>
+            <a:ext cx="3832413" cy="3639387"/>
+            <a:chOff x="3348316" y="1062317"/>
+            <a:chExt cx="3832413" cy="3639387"/>
+          </a:xfrm>
+        </p:grpSpPr>
+        <p:pic>
+          <p:nvPicPr>
+            <p:cNvPr id="5" name="Picture 4">
+              <a:extLst>
+                <a:ext uri="{FF2B5EF4-FFF2-40B4-BE49-F238E27FC236}">
+                  <a16:creationId xmlns:a16="http://schemas.microsoft.com/office/drawing/2014/main" id="{CA97D372-3BBA-C841-BD9F-81F4CDAB810C}"/>
+                </a:ext>
+              </a:extLst>
+            </p:cNvPr>
+            <p:cNvPicPr>
+              <a:picLocks noChangeAspect="1"/>
+            </p:cNvPicPr>
+            <p:nvPr/>
+          </p:nvPicPr>
+          <p:blipFill rotWithShape="1">
+            <a:blip r:embed="rId2"/>
+            <a:srcRect l="7532" t="10098" r="51377" b="32091"/>
+            <a:stretch/>
+          </p:blipFill>
+          <p:spPr>
+            <a:xfrm>
+              <a:off x="3348316" y="1062317"/>
+              <a:ext cx="3738283" cy="3639387"/>
+            </a:xfrm>
+            <a:prstGeom prst="rect">
+              <a:avLst/>
+            </a:prstGeom>
+          </p:spPr>
+        </p:pic>
+        <p:sp>
+          <p:nvSpPr>
+            <p:cNvPr id="6" name="Rectangle 5">
+              <a:extLst>
+                <a:ext uri="{FF2B5EF4-FFF2-40B4-BE49-F238E27FC236}">
+                  <a16:creationId xmlns:a16="http://schemas.microsoft.com/office/drawing/2014/main" id="{8E9FA522-49D6-DE46-B234-4C8672609F4B}"/>
+                </a:ext>
+              </a:extLst>
+            </p:cNvPr>
+            <p:cNvSpPr/>
+            <p:nvPr/>
+          </p:nvSpPr>
+          <p:spPr>
+            <a:xfrm>
+              <a:off x="6790764" y="1734671"/>
+              <a:ext cx="389965" cy="1963270"/>
+            </a:xfrm>
+            <a:prstGeom prst="rect">
+              <a:avLst/>
+            </a:prstGeom>
+            <a:solidFill>
+              <a:schemeClr val="bg1"/>
+            </a:solidFill>
+            <a:ln>
+              <a:solidFill>
+                <a:schemeClr val="bg1"/>
+              </a:solidFill>
+            </a:ln>
+          </p:spPr>
+          <p:style>
+            <a:lnRef idx="2">
+              <a:schemeClr val="accent1">
+                <a:shade val="50000"/>
+              </a:schemeClr>
+            </a:lnRef>
+            <a:fillRef idx="1">
+              <a:schemeClr val="accent1"/>
+            </a:fillRef>
+            <a:effectRef idx="0">
+              <a:schemeClr val="accent1"/>
+            </a:effectRef>
+            <a:fontRef idx="minor">
+              <a:schemeClr val="lt1"/>
+            </a:fontRef>
+          </p:style>
+          <p:txBody>
+            <a:bodyPr rtlCol="0" anchor="ctr"/>
+            <a:lstStyle/>
+            <a:p>
+              <a:pPr algn="ctr"/>
+              <a:endParaRPr lang="en-US"/>
+            </a:p>
+          </p:txBody>
+        </p:sp>
+        <p:sp>
+          <p:nvSpPr>
+            <p:cNvPr id="7" name="Rectangle 6">
+              <a:extLst>
+                <a:ext uri="{FF2B5EF4-FFF2-40B4-BE49-F238E27FC236}">
+                  <a16:creationId xmlns:a16="http://schemas.microsoft.com/office/drawing/2014/main" id="{2BF2B799-CDE1-474C-BD08-D99B636A7EC8}"/>
+                </a:ext>
+              </a:extLst>
+            </p:cNvPr>
+            <p:cNvSpPr/>
+            <p:nvPr/>
+          </p:nvSpPr>
+          <p:spPr>
+            <a:xfrm rot="5400000">
+              <a:off x="4018428" y="1772774"/>
+              <a:ext cx="714937" cy="930088"/>
+            </a:xfrm>
+            <a:prstGeom prst="rect">
+              <a:avLst/>
+            </a:prstGeom>
+            <a:solidFill>
+              <a:schemeClr val="bg1"/>
+            </a:solidFill>
+            <a:ln>
+              <a:solidFill>
+                <a:schemeClr val="bg1"/>
+              </a:solidFill>
+            </a:ln>
+          </p:spPr>
+          <p:style>
+            <a:lnRef idx="2">
+              <a:schemeClr val="accent1">
+                <a:shade val="50000"/>
+              </a:schemeClr>
+            </a:lnRef>
+            <a:fillRef idx="1">
+              <a:schemeClr val="accent1"/>
+            </a:fillRef>
+            <a:effectRef idx="0">
+              <a:schemeClr val="accent1"/>
+            </a:effectRef>
+            <a:fontRef idx="minor">
+              <a:schemeClr val="lt1"/>
+            </a:fontRef>
+          </p:style>
+          <p:txBody>
+            <a:bodyPr rtlCol="0" anchor="ctr"/>
+            <a:lstStyle/>
+            <a:p>
+              <a:pPr algn="ctr"/>
+              <a:endParaRPr lang="en-US"/>
+            </a:p>
+          </p:txBody>
+        </p:sp>
+        <p:sp>
+          <p:nvSpPr>
+            <p:cNvPr id="8" name="Rectangle 7">
+              <a:extLst>
+                <a:ext uri="{FF2B5EF4-FFF2-40B4-BE49-F238E27FC236}">
+                  <a16:creationId xmlns:a16="http://schemas.microsoft.com/office/drawing/2014/main" id="{98C937FE-4DBE-C74E-A851-C417C5D0F9FA}"/>
+                </a:ext>
+              </a:extLst>
+            </p:cNvPr>
+            <p:cNvSpPr/>
+            <p:nvPr/>
+          </p:nvSpPr>
+          <p:spPr>
+            <a:xfrm rot="5400000">
+              <a:off x="5582763" y="1790704"/>
+              <a:ext cx="714937" cy="930088"/>
+            </a:xfrm>
+            <a:prstGeom prst="rect">
+              <a:avLst/>
+            </a:prstGeom>
+            <a:solidFill>
+              <a:schemeClr val="bg1"/>
+            </a:solidFill>
+            <a:ln>
+              <a:solidFill>
+                <a:schemeClr val="bg1"/>
+              </a:solidFill>
+            </a:ln>
+          </p:spPr>
+          <p:style>
+            <a:lnRef idx="2">
+              <a:schemeClr val="accent1">
+                <a:shade val="50000"/>
+              </a:schemeClr>
+            </a:lnRef>
+            <a:fillRef idx="1">
+              <a:schemeClr val="accent1"/>
+            </a:fillRef>
+            <a:effectRef idx="0">
+              <a:schemeClr val="accent1"/>
+            </a:effectRef>
+            <a:fontRef idx="minor">
+              <a:schemeClr val="lt1"/>
+            </a:fontRef>
+          </p:style>
+          <p:txBody>
+            <a:bodyPr rtlCol="0" anchor="ctr"/>
+            <a:lstStyle/>
+            <a:p>
+              <a:pPr algn="ctr"/>
+              <a:endParaRPr lang="en-US"/>
+            </a:p>
+          </p:txBody>
+        </p:sp>
+      </p:grpSp>
+    </p:spTree>
+    <p:extLst>
+      <p:ext uri="{BB962C8B-B14F-4D97-AF65-F5344CB8AC3E}">
+        <p14:creationId xmlns:p14="http://schemas.microsoft.com/office/powerpoint/2010/main" val="1041410416"/>
+      </p:ext>
+    </p:extLst>
+  </p:cSld>
+  <p:clrMapOvr>
+    <a:masterClrMapping/>
+  </p:clrMapOvr>
+</p:sld>
+</file>
+
 <file path=ppt/slides/slide2.xml><?xml version="1.0" encoding="utf-8"?>
+<p:sld xmlns:a="http://schemas.openxmlformats.org/drawingml/2006/main" xmlns:r="http://schemas.openxmlformats.org/officeDocument/2006/relationships" xmlns:p="http://schemas.openxmlformats.org/presentationml/2006/main">
+  <p:cSld>
+    <p:spTree>
+      <p:nvGrpSpPr>
+        <p:cNvPr id="1" name=""/>
+        <p:cNvGrpSpPr/>
+        <p:nvPr/>
+      </p:nvGrpSpPr>
+      <p:grpSpPr>
+        <a:xfrm>
+          <a:off x="0" y="0"/>
+          <a:ext cx="0" cy="0"/>
+          <a:chOff x="0" y="0"/>
+          <a:chExt cx="0" cy="0"/>
+        </a:xfrm>
+      </p:grpSpPr>
+      <p:grpSp>
+        <p:nvGrpSpPr>
+          <p:cNvPr id="3" name="Group 2">
+            <a:extLst>
+              <a:ext uri="{FF2B5EF4-FFF2-40B4-BE49-F238E27FC236}">
+                <a16:creationId xmlns:a16="http://schemas.microsoft.com/office/drawing/2014/main" id="{F1AFB02C-3C10-2945-BCC3-1550181EEDB9}"/>
+              </a:ext>
+            </a:extLst>
+          </p:cNvPr>
+          <p:cNvGrpSpPr/>
+          <p:nvPr/>
+        </p:nvGrpSpPr>
+        <p:grpSpPr>
+          <a:xfrm>
+            <a:off x="881837" y="782060"/>
+            <a:ext cx="7374528" cy="3520396"/>
+            <a:chOff x="881837" y="782060"/>
+            <a:chExt cx="7374528" cy="3520396"/>
+          </a:xfrm>
+        </p:grpSpPr>
+        <p:grpSp>
+          <p:nvGrpSpPr>
+            <p:cNvPr id="2" name="Group 1">
+              <a:extLst>
+                <a:ext uri="{FF2B5EF4-FFF2-40B4-BE49-F238E27FC236}">
+                  <a16:creationId xmlns:a16="http://schemas.microsoft.com/office/drawing/2014/main" id="{1FC4A35A-7631-6344-8C42-0A1494CE12EF}"/>
+                </a:ext>
+              </a:extLst>
+            </p:cNvPr>
+            <p:cNvGrpSpPr/>
+            <p:nvPr/>
+          </p:nvGrpSpPr>
+          <p:grpSpPr>
+            <a:xfrm>
+              <a:off x="881837" y="782060"/>
+              <a:ext cx="7374528" cy="3520396"/>
+              <a:chOff x="2493467" y="210560"/>
+              <a:chExt cx="7374528" cy="3520396"/>
+            </a:xfrm>
+          </p:grpSpPr>
+          <p:sp>
+            <p:nvSpPr>
+              <p:cNvPr id="4" name="Oval 3">
+                <a:extLst>
+                  <a:ext uri="{FF2B5EF4-FFF2-40B4-BE49-F238E27FC236}">
+                    <a16:creationId xmlns:a16="http://schemas.microsoft.com/office/drawing/2014/main" id="{5B2A452B-DE66-0149-8522-F29730FD321E}"/>
+                  </a:ext>
+                </a:extLst>
+              </p:cNvPr>
+              <p:cNvSpPr/>
+              <p:nvPr/>
+            </p:nvSpPr>
+            <p:spPr>
+              <a:xfrm>
+                <a:off x="5058225" y="611743"/>
+                <a:ext cx="1350365" cy="412230"/>
+              </a:xfrm>
+              <a:prstGeom prst="ellipse">
+                <a:avLst/>
+              </a:prstGeom>
+            </p:spPr>
+            <p:style>
+              <a:lnRef idx="2">
+                <a:schemeClr val="dk1">
+                  <a:shade val="50000"/>
+                </a:schemeClr>
+              </a:lnRef>
+              <a:fillRef idx="1">
+                <a:schemeClr val="dk1"/>
+              </a:fillRef>
+              <a:effectRef idx="0">
+                <a:schemeClr val="dk1"/>
+              </a:effectRef>
+              <a:fontRef idx="minor">
+                <a:schemeClr val="lt1"/>
+              </a:fontRef>
+            </p:style>
+            <p:txBody>
+              <a:bodyPr rtlCol="0" anchor="ctr"/>
+              <a:lstStyle/>
+              <a:p>
+                <a:pPr algn="ctr"/>
+                <a:r>
+                  <a:rPr lang="en-US" dirty="0" err="1"/>
+                  <a:t>cgpMAP</a:t>
+                </a:r>
+                <a:endParaRPr lang="en-US" dirty="0"/>
+              </a:p>
+            </p:txBody>
+          </p:sp>
+          <p:sp>
+            <p:nvSpPr>
+              <p:cNvPr id="5" name="TextBox 4">
+                <a:extLst>
+                  <a:ext uri="{FF2B5EF4-FFF2-40B4-BE49-F238E27FC236}">
+                    <a16:creationId xmlns:a16="http://schemas.microsoft.com/office/drawing/2014/main" id="{0ED67492-9109-7943-9DFB-68DC46236A93}"/>
+                  </a:ext>
+                </a:extLst>
+              </p:cNvPr>
+              <p:cNvSpPr txBox="1"/>
+              <p:nvPr/>
+            </p:nvSpPr>
+            <p:spPr>
+              <a:xfrm>
+                <a:off x="4890795" y="210560"/>
+                <a:ext cx="2081019" cy="246221"/>
+              </a:xfrm>
+              <a:prstGeom prst="rect">
+                <a:avLst/>
+              </a:prstGeom>
+              <a:noFill/>
+            </p:spPr>
+            <p:txBody>
+              <a:bodyPr wrap="none" rtlCol="0">
+                <a:spAutoFit/>
+              </a:bodyPr>
+              <a:lstStyle/>
+              <a:p>
+                <a:pPr algn="ctr"/>
+                <a:r>
+                  <a:rPr lang="en-US" sz="1000" b="1" dirty="0">
+                    <a:solidFill>
+                      <a:schemeClr val="accent6">
+                        <a:lumMod val="75000"/>
+                      </a:schemeClr>
+                    </a:solidFill>
+                  </a:rPr>
+                  <a:t>Input</a:t>
+                </a:r>
+                <a:r>
+                  <a:rPr lang="en-US" sz="1000" dirty="0"/>
+                  <a:t>:  “$</a:t>
+                </a:r>
+                <a:r>
+                  <a:rPr lang="en-US" sz="1000" dirty="0" err="1"/>
+                  <a:t>baseDir</a:t>
+                </a:r>
+                <a:r>
+                  <a:rPr lang="en-US" sz="1000" dirty="0"/>
+                  <a:t>/input/*{1,2}.</a:t>
+                </a:r>
+                <a:r>
+                  <a:rPr lang="en-US" sz="1000" dirty="0" err="1"/>
+                  <a:t>fq.gz</a:t>
+                </a:r>
+                <a:r>
+                  <a:rPr lang="en-US" sz="1000" dirty="0"/>
+                  <a:t>”</a:t>
+                </a:r>
+              </a:p>
+            </p:txBody>
+          </p:sp>
+          <p:cxnSp>
+            <p:nvCxnSpPr>
+              <p:cNvPr id="7" name="Straight Arrow Connector 6">
+                <a:extLst>
+                  <a:ext uri="{FF2B5EF4-FFF2-40B4-BE49-F238E27FC236}">
+                    <a16:creationId xmlns:a16="http://schemas.microsoft.com/office/drawing/2014/main" id="{AB2C0530-5E52-3549-AA55-3FF8A333006B}"/>
+                  </a:ext>
+                </a:extLst>
+              </p:cNvPr>
+              <p:cNvCxnSpPr/>
+              <p:nvPr/>
+            </p:nvCxnSpPr>
+            <p:spPr>
+              <a:xfrm>
+                <a:off x="5740607" y="1052835"/>
+                <a:ext cx="0" cy="150350"/>
+              </a:xfrm>
+              <a:prstGeom prst="straightConnector1">
+                <a:avLst/>
+              </a:prstGeom>
+              <a:ln w="28575">
+                <a:solidFill>
+                  <a:srgbClr val="FF0000"/>
+                </a:solidFill>
+                <a:tailEnd type="triangle"/>
+              </a:ln>
+            </p:spPr>
+            <p:style>
+              <a:lnRef idx="1">
+                <a:schemeClr val="accent1"/>
+              </a:lnRef>
+              <a:fillRef idx="0">
+                <a:schemeClr val="accent1"/>
+              </a:fillRef>
+              <a:effectRef idx="0">
+                <a:schemeClr val="accent1"/>
+              </a:effectRef>
+              <a:fontRef idx="minor">
+                <a:schemeClr val="tx1"/>
+              </a:fontRef>
+            </p:style>
+          </p:cxnSp>
+          <p:sp>
+            <p:nvSpPr>
+              <p:cNvPr id="8" name="TextBox 7">
+                <a:extLst>
+                  <a:ext uri="{FF2B5EF4-FFF2-40B4-BE49-F238E27FC236}">
+                    <a16:creationId xmlns:a16="http://schemas.microsoft.com/office/drawing/2014/main" id="{77F434DC-18AD-7745-8B9C-9E1E0E3674E1}"/>
+                  </a:ext>
+                </a:extLst>
+              </p:cNvPr>
+              <p:cNvSpPr txBox="1"/>
+              <p:nvPr/>
+            </p:nvSpPr>
+            <p:spPr>
+              <a:xfrm>
+                <a:off x="4511539" y="1182982"/>
+                <a:ext cx="3315331" cy="246221"/>
+              </a:xfrm>
+              <a:prstGeom prst="rect">
+                <a:avLst/>
+              </a:prstGeom>
+              <a:noFill/>
+            </p:spPr>
+            <p:txBody>
+              <a:bodyPr wrap="none" rtlCol="0">
+                <a:spAutoFit/>
+              </a:bodyPr>
+              <a:lstStyle/>
+              <a:p>
+                <a:r>
+                  <a:rPr lang="en-US" sz="1000" b="1" dirty="0">
+                    <a:solidFill>
+                      <a:srgbClr val="C00000"/>
+                    </a:solidFill>
+                  </a:rPr>
+                  <a:t>Output</a:t>
+                </a:r>
+                <a:r>
+                  <a:rPr lang="en-US" sz="1000" b="1" dirty="0"/>
+                  <a:t>: </a:t>
+                </a:r>
+                <a:r>
+                  <a:rPr lang="en-US" sz="1000" dirty="0"/>
+                  <a:t>"$</a:t>
+                </a:r>
+                <a:r>
+                  <a:rPr lang="en-US" sz="1000" dirty="0" err="1"/>
+                  <a:t>baseDir</a:t>
+                </a:r>
+                <a:r>
+                  <a:rPr lang="en-US" sz="1000" dirty="0"/>
+                  <a:t>/output/BAM/</a:t>
+                </a:r>
+                <a:r>
+                  <a:rPr lang="en-US" sz="1000" dirty="0" err="1"/>
+                  <a:t>merged_lanes</a:t>
+                </a:r>
+                <a:r>
+                  <a:rPr lang="en-US" sz="1000" dirty="0"/>
+                  <a:t>/*.</a:t>
+                </a:r>
+                <a:r>
+                  <a:rPr lang="en-US" sz="1000" dirty="0" err="1"/>
+                  <a:t>rmd.bam</a:t>
+                </a:r>
+                <a:r>
+                  <a:rPr lang="en-US" sz="1000" dirty="0"/>
+                  <a:t>”</a:t>
+                </a:r>
+              </a:p>
+            </p:txBody>
+          </p:sp>
+          <p:sp>
+            <p:nvSpPr>
+              <p:cNvPr id="13" name="Oval 12">
+                <a:extLst>
+                  <a:ext uri="{FF2B5EF4-FFF2-40B4-BE49-F238E27FC236}">
+                    <a16:creationId xmlns:a16="http://schemas.microsoft.com/office/drawing/2014/main" id="{1275E288-CE9D-A040-B0E0-A70128066906}"/>
+                  </a:ext>
+                </a:extLst>
+              </p:cNvPr>
+              <p:cNvSpPr/>
+              <p:nvPr/>
+            </p:nvSpPr>
+            <p:spPr>
+              <a:xfrm>
+                <a:off x="3442554" y="1876230"/>
+                <a:ext cx="1068985" cy="231523"/>
+              </a:xfrm>
+              <a:prstGeom prst="ellipse">
+                <a:avLst/>
+              </a:prstGeom>
+              <a:solidFill>
+                <a:schemeClr val="accent2">
+                  <a:lumMod val="60000"/>
+                  <a:lumOff val="40000"/>
+                </a:schemeClr>
+              </a:solidFill>
+              <a:ln>
+                <a:noFill/>
+              </a:ln>
+            </p:spPr>
+            <p:style>
+              <a:lnRef idx="2">
+                <a:schemeClr val="dk1">
+                  <a:shade val="50000"/>
+                </a:schemeClr>
+              </a:lnRef>
+              <a:fillRef idx="1">
+                <a:schemeClr val="dk1"/>
+              </a:fillRef>
+              <a:effectRef idx="0">
+                <a:schemeClr val="dk1"/>
+              </a:effectRef>
+              <a:fontRef idx="minor">
+                <a:schemeClr val="lt1"/>
+              </a:fontRef>
+            </p:style>
+            <p:txBody>
+              <a:bodyPr rtlCol="0" anchor="ctr"/>
+              <a:lstStyle/>
+              <a:p>
+                <a:pPr algn="ctr"/>
+                <a:r>
+                  <a:rPr lang="en-US" sz="1000" dirty="0" err="1">
+                    <a:solidFill>
+                      <a:sysClr val="windowText" lastClr="000000"/>
+                    </a:solidFill>
+                  </a:rPr>
+                  <a:t>Freebayes</a:t>
+                </a:r>
+                <a:endParaRPr lang="en-US" sz="1000" dirty="0">
+                  <a:solidFill>
+                    <a:sysClr val="windowText" lastClr="000000"/>
+                  </a:solidFill>
+                </a:endParaRPr>
+              </a:p>
+            </p:txBody>
+          </p:sp>
+          <p:sp>
+            <p:nvSpPr>
+              <p:cNvPr id="14" name="Oval 13">
+                <a:extLst>
+                  <a:ext uri="{FF2B5EF4-FFF2-40B4-BE49-F238E27FC236}">
+                    <a16:creationId xmlns:a16="http://schemas.microsoft.com/office/drawing/2014/main" id="{357C897E-39BD-5D4A-917C-54D688D8808C}"/>
+                  </a:ext>
+                </a:extLst>
+              </p:cNvPr>
+              <p:cNvSpPr/>
+              <p:nvPr/>
+            </p:nvSpPr>
+            <p:spPr>
+              <a:xfrm>
+                <a:off x="4605255" y="1870564"/>
+                <a:ext cx="1068985" cy="299000"/>
+              </a:xfrm>
+              <a:prstGeom prst="ellipse">
+                <a:avLst/>
+              </a:prstGeom>
+              <a:solidFill>
+                <a:schemeClr val="accent2">
+                  <a:lumMod val="60000"/>
+                  <a:lumOff val="40000"/>
+                </a:schemeClr>
+              </a:solidFill>
+              <a:ln>
+                <a:noFill/>
+              </a:ln>
+            </p:spPr>
+            <p:style>
+              <a:lnRef idx="2">
+                <a:schemeClr val="dk1">
+                  <a:shade val="50000"/>
+                </a:schemeClr>
+              </a:lnRef>
+              <a:fillRef idx="1">
+                <a:schemeClr val="dk1"/>
+              </a:fillRef>
+              <a:effectRef idx="0">
+                <a:schemeClr val="dk1"/>
+              </a:effectRef>
+              <a:fontRef idx="minor">
+                <a:schemeClr val="lt1"/>
+              </a:fontRef>
+            </p:style>
+            <p:txBody>
+              <a:bodyPr rtlCol="0" anchor="ctr"/>
+              <a:lstStyle/>
+              <a:p>
+                <a:pPr algn="ctr"/>
+                <a:r>
+                  <a:rPr lang="en-US" sz="1000" dirty="0" err="1">
+                    <a:solidFill>
+                      <a:sysClr val="windowText" lastClr="000000"/>
+                    </a:solidFill>
+                  </a:rPr>
+                  <a:t>Haplotypecaller</a:t>
+                </a:r>
+                <a:endParaRPr lang="en-US" sz="1000" dirty="0">
+                  <a:solidFill>
+                    <a:sysClr val="windowText" lastClr="000000"/>
+                  </a:solidFill>
+                </a:endParaRPr>
+              </a:p>
+            </p:txBody>
+          </p:sp>
+          <p:sp>
+            <p:nvSpPr>
+              <p:cNvPr id="20" name="TextBox 19">
+                <a:extLst>
+                  <a:ext uri="{FF2B5EF4-FFF2-40B4-BE49-F238E27FC236}">
+                    <a16:creationId xmlns:a16="http://schemas.microsoft.com/office/drawing/2014/main" id="{F23C57A1-4A14-954B-8E2D-201408710997}"/>
+                  </a:ext>
+                </a:extLst>
+              </p:cNvPr>
+              <p:cNvSpPr txBox="1"/>
+              <p:nvPr/>
+            </p:nvSpPr>
+            <p:spPr>
+              <a:xfrm>
+                <a:off x="3628064" y="2336619"/>
+                <a:ext cx="1882247" cy="215444"/>
+              </a:xfrm>
+              <a:prstGeom prst="rect">
+                <a:avLst/>
+              </a:prstGeom>
+              <a:noFill/>
+            </p:spPr>
+            <p:txBody>
+              <a:bodyPr wrap="none" rtlCol="0">
+                <a:spAutoFit/>
+              </a:bodyPr>
+              <a:lstStyle/>
+              <a:p>
+                <a:r>
+                  <a:rPr lang="en-US" sz="800" b="1" dirty="0">
+                    <a:solidFill>
+                      <a:srgbClr val="C00000"/>
+                    </a:solidFill>
+                  </a:rPr>
+                  <a:t>Output: </a:t>
+                </a:r>
+                <a:r>
+                  <a:rPr lang="en-US" sz="800" dirty="0"/>
+                  <a:t>"$</a:t>
+                </a:r>
+                <a:r>
+                  <a:rPr lang="en-US" sz="800" dirty="0" err="1"/>
+                  <a:t>baseDir</a:t>
+                </a:r>
+                <a:r>
+                  <a:rPr lang="en-US" sz="800" dirty="0"/>
+                  <a:t>/output/</a:t>
+                </a:r>
+                <a:r>
+                  <a:rPr lang="en-US" sz="800" dirty="0" err="1"/>
+                  <a:t>VCF_collect</a:t>
+                </a:r>
+                <a:r>
+                  <a:rPr lang="en-US" sz="800" dirty="0"/>
+                  <a:t>/”</a:t>
+                </a:r>
+              </a:p>
+            </p:txBody>
+          </p:sp>
+          <p:sp>
+            <p:nvSpPr>
+              <p:cNvPr id="22" name="TextBox 21">
+                <a:extLst>
+                  <a:ext uri="{FF2B5EF4-FFF2-40B4-BE49-F238E27FC236}">
+                    <a16:creationId xmlns:a16="http://schemas.microsoft.com/office/drawing/2014/main" id="{58AC515E-04E6-C746-8360-99097962B949}"/>
+                  </a:ext>
+                </a:extLst>
+              </p:cNvPr>
+              <p:cNvSpPr txBox="1"/>
+              <p:nvPr/>
+            </p:nvSpPr>
+            <p:spPr>
+              <a:xfrm>
+                <a:off x="3557700" y="2126960"/>
+                <a:ext cx="838691" cy="200055"/>
+              </a:xfrm>
+              <a:prstGeom prst="rect">
+                <a:avLst/>
+              </a:prstGeom>
+              <a:noFill/>
+            </p:spPr>
+            <p:txBody>
+              <a:bodyPr wrap="none" rtlCol="0">
+                <a:spAutoFit/>
+              </a:bodyPr>
+              <a:lstStyle/>
+              <a:p>
+                <a:r>
+                  <a:rPr lang="en-US" sz="700" dirty="0"/>
+                  <a:t>*.</a:t>
+                </a:r>
+                <a:r>
+                  <a:rPr lang="en-US" sz="700" dirty="0" err="1"/>
+                  <a:t>freebayes.vcf.gz</a:t>
+                </a:r>
+                <a:endParaRPr lang="en-US" sz="700" dirty="0"/>
+              </a:p>
+            </p:txBody>
+          </p:sp>
+          <p:sp>
+            <p:nvSpPr>
+              <p:cNvPr id="23" name="TextBox 22">
+                <a:extLst>
+                  <a:ext uri="{FF2B5EF4-FFF2-40B4-BE49-F238E27FC236}">
+                    <a16:creationId xmlns:a16="http://schemas.microsoft.com/office/drawing/2014/main" id="{1F4811BE-7E02-FD40-8132-4AB3DD955B6A}"/>
+                  </a:ext>
+                </a:extLst>
+              </p:cNvPr>
+              <p:cNvSpPr txBox="1"/>
+              <p:nvPr/>
+            </p:nvSpPr>
+            <p:spPr>
+              <a:xfrm>
+                <a:off x="4765911" y="2125742"/>
+                <a:ext cx="676788" cy="200055"/>
+              </a:xfrm>
+              <a:prstGeom prst="rect">
+                <a:avLst/>
+              </a:prstGeom>
+              <a:noFill/>
+            </p:spPr>
+            <p:txBody>
+              <a:bodyPr wrap="none" rtlCol="0">
+                <a:spAutoFit/>
+              </a:bodyPr>
+              <a:lstStyle/>
+              <a:p>
+                <a:r>
+                  <a:rPr lang="en-US" sz="700" dirty="0"/>
+                  <a:t>*.</a:t>
+                </a:r>
+                <a:r>
+                  <a:rPr lang="en-US" sz="700" dirty="0" err="1"/>
+                  <a:t>GATK.vcf.gz</a:t>
+                </a:r>
+                <a:endParaRPr lang="en-US" sz="700" dirty="0"/>
+              </a:p>
+            </p:txBody>
+          </p:sp>
+          <p:grpSp>
+            <p:nvGrpSpPr>
+              <p:cNvPr id="40" name="Group 39">
+                <a:extLst>
+                  <a:ext uri="{FF2B5EF4-FFF2-40B4-BE49-F238E27FC236}">
+                    <a16:creationId xmlns:a16="http://schemas.microsoft.com/office/drawing/2014/main" id="{0A009048-2654-2244-9ABB-230474FA784D}"/>
+                  </a:ext>
+                </a:extLst>
+              </p:cNvPr>
+              <p:cNvGrpSpPr/>
+              <p:nvPr/>
+            </p:nvGrpSpPr>
+            <p:grpSpPr>
+              <a:xfrm>
+                <a:off x="5079999" y="1450235"/>
+                <a:ext cx="2100" cy="412855"/>
+                <a:chOff x="5079999" y="1450235"/>
+                <a:chExt cx="2100" cy="412855"/>
+              </a:xfrm>
+            </p:grpSpPr>
+            <p:cxnSp>
+              <p:nvCxnSpPr>
+                <p:cNvPr id="27" name="Straight Arrow Connector 26">
+                  <a:extLst>
+                    <a:ext uri="{FF2B5EF4-FFF2-40B4-BE49-F238E27FC236}">
+                      <a16:creationId xmlns:a16="http://schemas.microsoft.com/office/drawing/2014/main" id="{ED81EF54-2506-124B-975A-6E2AD56054AF}"/>
+                    </a:ext>
+                  </a:extLst>
+                </p:cNvPr>
+                <p:cNvCxnSpPr>
+                  <a:cxnSpLocks/>
+                </p:cNvCxnSpPr>
+                <p:nvPr/>
+              </p:nvCxnSpPr>
+              <p:spPr>
+                <a:xfrm flipH="1">
+                  <a:off x="5082098" y="1531439"/>
+                  <a:ext cx="1" cy="331651"/>
+                </a:xfrm>
+                <a:prstGeom prst="straightConnector1">
+                  <a:avLst/>
+                </a:prstGeom>
+                <a:ln w="28575">
+                  <a:solidFill>
+                    <a:srgbClr val="92D050"/>
+                  </a:solidFill>
+                  <a:tailEnd type="triangle"/>
+                </a:ln>
+              </p:spPr>
+              <p:style>
+                <a:lnRef idx="1">
+                  <a:schemeClr val="accent1"/>
+                </a:lnRef>
+                <a:fillRef idx="0">
+                  <a:schemeClr val="accent1"/>
+                </a:fillRef>
+                <a:effectRef idx="0">
+                  <a:schemeClr val="accent1"/>
+                </a:effectRef>
+                <a:fontRef idx="minor">
+                  <a:schemeClr val="tx1"/>
+                </a:fontRef>
+              </p:style>
+            </p:cxnSp>
+            <p:cxnSp>
+              <p:nvCxnSpPr>
+                <p:cNvPr id="11" name="Straight Arrow Connector 10">
+                  <a:extLst>
+                    <a:ext uri="{FF2B5EF4-FFF2-40B4-BE49-F238E27FC236}">
+                      <a16:creationId xmlns:a16="http://schemas.microsoft.com/office/drawing/2014/main" id="{FAAD1DF1-0502-2C46-8112-5A0E17690A43}"/>
+                    </a:ext>
+                  </a:extLst>
+                </p:cNvPr>
+                <p:cNvCxnSpPr>
+                  <a:cxnSpLocks/>
+                </p:cNvCxnSpPr>
+                <p:nvPr/>
+              </p:nvCxnSpPr>
+              <p:spPr>
+                <a:xfrm flipH="1">
+                  <a:off x="5082098" y="1462250"/>
+                  <a:ext cx="1" cy="266383"/>
+                </a:xfrm>
+                <a:prstGeom prst="straightConnector1">
+                  <a:avLst/>
+                </a:prstGeom>
+                <a:ln w="28575">
+                  <a:solidFill>
+                    <a:schemeClr val="bg2">
+                      <a:lumMod val="10000"/>
+                    </a:schemeClr>
+                  </a:solidFill>
+                  <a:headEnd type="none" w="med" len="med"/>
+                  <a:tailEnd type="none" w="med" len="med"/>
+                </a:ln>
+              </p:spPr>
+              <p:style>
+                <a:lnRef idx="1">
+                  <a:schemeClr val="accent1"/>
+                </a:lnRef>
+                <a:fillRef idx="0">
+                  <a:schemeClr val="accent1"/>
+                </a:fillRef>
+                <a:effectRef idx="0">
+                  <a:schemeClr val="accent1"/>
+                </a:effectRef>
+                <a:fontRef idx="minor">
+                  <a:schemeClr val="tx1"/>
+                </a:fontRef>
+              </p:style>
+            </p:cxnSp>
+            <p:cxnSp>
+              <p:nvCxnSpPr>
+                <p:cNvPr id="36" name="Straight Arrow Connector 35">
+                  <a:extLst>
+                    <a:ext uri="{FF2B5EF4-FFF2-40B4-BE49-F238E27FC236}">
+                      <a16:creationId xmlns:a16="http://schemas.microsoft.com/office/drawing/2014/main" id="{DA789A6C-31EF-E44A-89FD-0345A0FFDB48}"/>
+                    </a:ext>
+                  </a:extLst>
+                </p:cNvPr>
+                <p:cNvCxnSpPr>
+                  <a:cxnSpLocks/>
+                </p:cNvCxnSpPr>
+                <p:nvPr/>
+              </p:nvCxnSpPr>
+              <p:spPr>
+                <a:xfrm flipH="1">
+                  <a:off x="5079999" y="1450235"/>
+                  <a:ext cx="2" cy="47911"/>
+                </a:xfrm>
+                <a:prstGeom prst="straightConnector1">
+                  <a:avLst/>
+                </a:prstGeom>
+                <a:ln w="28575">
+                  <a:solidFill>
+                    <a:srgbClr val="C00000"/>
+                  </a:solidFill>
+                  <a:headEnd type="none" w="med" len="med"/>
+                  <a:tailEnd type="none" w="med" len="med"/>
+                </a:ln>
+              </p:spPr>
+              <p:style>
+                <a:lnRef idx="1">
+                  <a:schemeClr val="accent1"/>
+                </a:lnRef>
+                <a:fillRef idx="0">
+                  <a:schemeClr val="accent1"/>
+                </a:fillRef>
+                <a:effectRef idx="0">
+                  <a:schemeClr val="accent1"/>
+                </a:effectRef>
+                <a:fontRef idx="minor">
+                  <a:schemeClr val="tx1"/>
+                </a:fontRef>
+              </p:style>
+            </p:cxnSp>
+          </p:grpSp>
+          <p:sp>
+            <p:nvSpPr>
+              <p:cNvPr id="39" name="Oval 38">
+                <a:extLst>
+                  <a:ext uri="{FF2B5EF4-FFF2-40B4-BE49-F238E27FC236}">
+                    <a16:creationId xmlns:a16="http://schemas.microsoft.com/office/drawing/2014/main" id="{A21170ED-D27A-704F-8C37-099BDA46B9A4}"/>
+                  </a:ext>
+                </a:extLst>
+              </p:cNvPr>
+              <p:cNvSpPr/>
+              <p:nvPr/>
+            </p:nvSpPr>
+            <p:spPr>
+              <a:xfrm>
+                <a:off x="3775433" y="2814138"/>
+                <a:ext cx="1619012" cy="367200"/>
+              </a:xfrm>
+              <a:prstGeom prst="ellipse">
+                <a:avLst/>
+              </a:prstGeom>
+              <a:ln>
+                <a:noFill/>
+              </a:ln>
+            </p:spPr>
+            <p:style>
+              <a:lnRef idx="2">
+                <a:schemeClr val="accent1">
+                  <a:shade val="50000"/>
+                </a:schemeClr>
+              </a:lnRef>
+              <a:fillRef idx="1">
+                <a:schemeClr val="accent1"/>
+              </a:fillRef>
+              <a:effectRef idx="0">
+                <a:schemeClr val="accent1"/>
+              </a:effectRef>
+              <a:fontRef idx="minor">
+                <a:schemeClr val="lt1"/>
+              </a:fontRef>
+            </p:style>
+            <p:txBody>
+              <a:bodyPr rtlCol="0" anchor="ctr"/>
+              <a:lstStyle/>
+              <a:p>
+                <a:pPr algn="ctr"/>
+                <a:r>
+                  <a:rPr lang="en-US" sz="1100" dirty="0">
+                    <a:solidFill>
+                      <a:schemeClr val="tx1"/>
+                    </a:solidFill>
+                  </a:rPr>
+                  <a:t>Germline variant processing</a:t>
+                </a:r>
+              </a:p>
+            </p:txBody>
+          </p:sp>
+          <p:grpSp>
+            <p:nvGrpSpPr>
+              <p:cNvPr id="41" name="Group 40">
+                <a:extLst>
+                  <a:ext uri="{FF2B5EF4-FFF2-40B4-BE49-F238E27FC236}">
+                    <a16:creationId xmlns:a16="http://schemas.microsoft.com/office/drawing/2014/main" id="{E3B4323D-1130-3D4A-9FF9-E5EA8A639FA7}"/>
+                  </a:ext>
+                </a:extLst>
+              </p:cNvPr>
+              <p:cNvGrpSpPr/>
+              <p:nvPr/>
+            </p:nvGrpSpPr>
+            <p:grpSpPr>
+              <a:xfrm>
+                <a:off x="3979144" y="2588329"/>
+                <a:ext cx="5103" cy="192600"/>
+                <a:chOff x="5082098" y="1450235"/>
+                <a:chExt cx="5103" cy="412855"/>
+              </a:xfrm>
+            </p:grpSpPr>
+            <p:cxnSp>
+              <p:nvCxnSpPr>
+                <p:cNvPr id="42" name="Straight Arrow Connector 41">
+                  <a:extLst>
+                    <a:ext uri="{FF2B5EF4-FFF2-40B4-BE49-F238E27FC236}">
+                      <a16:creationId xmlns:a16="http://schemas.microsoft.com/office/drawing/2014/main" id="{ACA79285-6600-6A47-839A-3CE9AE220BF6}"/>
+                    </a:ext>
+                  </a:extLst>
+                </p:cNvPr>
+                <p:cNvCxnSpPr>
+                  <a:cxnSpLocks/>
+                </p:cNvCxnSpPr>
+                <p:nvPr/>
+              </p:nvCxnSpPr>
+              <p:spPr>
+                <a:xfrm flipH="1">
+                  <a:off x="5082098" y="1531439"/>
+                  <a:ext cx="1" cy="331651"/>
+                </a:xfrm>
+                <a:prstGeom prst="straightConnector1">
+                  <a:avLst/>
+                </a:prstGeom>
+                <a:ln w="28575">
+                  <a:solidFill>
+                    <a:srgbClr val="92D050"/>
+                  </a:solidFill>
+                  <a:tailEnd type="triangle"/>
+                </a:ln>
+              </p:spPr>
+              <p:style>
+                <a:lnRef idx="1">
+                  <a:schemeClr val="accent1"/>
+                </a:lnRef>
+                <a:fillRef idx="0">
+                  <a:schemeClr val="accent1"/>
+                </a:fillRef>
+                <a:effectRef idx="0">
+                  <a:schemeClr val="accent1"/>
+                </a:effectRef>
+                <a:fontRef idx="minor">
+                  <a:schemeClr val="tx1"/>
+                </a:fontRef>
+              </p:style>
+            </p:cxnSp>
+            <p:cxnSp>
+              <p:nvCxnSpPr>
+                <p:cNvPr id="43" name="Straight Arrow Connector 42">
+                  <a:extLst>
+                    <a:ext uri="{FF2B5EF4-FFF2-40B4-BE49-F238E27FC236}">
+                      <a16:creationId xmlns:a16="http://schemas.microsoft.com/office/drawing/2014/main" id="{59580E4F-09E9-544F-898F-B26A02E2FED1}"/>
+                    </a:ext>
+                  </a:extLst>
+                </p:cNvPr>
+                <p:cNvCxnSpPr>
+                  <a:cxnSpLocks/>
+                </p:cNvCxnSpPr>
+                <p:nvPr/>
+              </p:nvCxnSpPr>
+              <p:spPr>
+                <a:xfrm flipH="1">
+                  <a:off x="5082098" y="1462250"/>
+                  <a:ext cx="1" cy="266383"/>
+                </a:xfrm>
+                <a:prstGeom prst="straightConnector1">
+                  <a:avLst/>
+                </a:prstGeom>
+                <a:ln w="28575">
+                  <a:solidFill>
+                    <a:schemeClr val="bg2">
+                      <a:lumMod val="10000"/>
+                    </a:schemeClr>
+                  </a:solidFill>
+                  <a:headEnd type="none" w="med" len="med"/>
+                  <a:tailEnd type="none" w="med" len="med"/>
+                </a:ln>
+              </p:spPr>
+              <p:style>
+                <a:lnRef idx="1">
+                  <a:schemeClr val="accent1"/>
+                </a:lnRef>
+                <a:fillRef idx="0">
+                  <a:schemeClr val="accent1"/>
+                </a:fillRef>
+                <a:effectRef idx="0">
+                  <a:schemeClr val="accent1"/>
+                </a:effectRef>
+                <a:fontRef idx="minor">
+                  <a:schemeClr val="tx1"/>
+                </a:fontRef>
+              </p:style>
+            </p:cxnSp>
+            <p:cxnSp>
+              <p:nvCxnSpPr>
+                <p:cNvPr id="44" name="Straight Arrow Connector 43">
+                  <a:extLst>
+                    <a:ext uri="{FF2B5EF4-FFF2-40B4-BE49-F238E27FC236}">
+                      <a16:creationId xmlns:a16="http://schemas.microsoft.com/office/drawing/2014/main" id="{993C0D4B-651C-5B4E-A992-495EFBC96877}"/>
+                    </a:ext>
+                  </a:extLst>
+                </p:cNvPr>
+                <p:cNvCxnSpPr>
+                  <a:cxnSpLocks/>
+                </p:cNvCxnSpPr>
+                <p:nvPr/>
+              </p:nvCxnSpPr>
+              <p:spPr>
+                <a:xfrm flipH="1">
+                  <a:off x="5087199" y="1450235"/>
+                  <a:ext cx="2" cy="47911"/>
+                </a:xfrm>
+                <a:prstGeom prst="straightConnector1">
+                  <a:avLst/>
+                </a:prstGeom>
+                <a:ln w="28575">
+                  <a:solidFill>
+                    <a:srgbClr val="C00000"/>
+                  </a:solidFill>
+                  <a:headEnd type="none" w="med" len="med"/>
+                  <a:tailEnd type="none" w="med" len="med"/>
+                </a:ln>
+              </p:spPr>
+              <p:style>
+                <a:lnRef idx="1">
+                  <a:schemeClr val="accent1"/>
+                </a:lnRef>
+                <a:fillRef idx="0">
+                  <a:schemeClr val="accent1"/>
+                </a:fillRef>
+                <a:effectRef idx="0">
+                  <a:schemeClr val="accent1"/>
+                </a:effectRef>
+                <a:fontRef idx="minor">
+                  <a:schemeClr val="tx1"/>
+                </a:fontRef>
+              </p:style>
+            </p:cxnSp>
+          </p:grpSp>
+          <p:grpSp>
+            <p:nvGrpSpPr>
+              <p:cNvPr id="45" name="Group 44">
+                <a:extLst>
+                  <a:ext uri="{FF2B5EF4-FFF2-40B4-BE49-F238E27FC236}">
+                    <a16:creationId xmlns:a16="http://schemas.microsoft.com/office/drawing/2014/main" id="{FDD19E54-F1B7-4843-AF4F-A11E1C6950E0}"/>
+                  </a:ext>
+                </a:extLst>
+              </p:cNvPr>
+              <p:cNvGrpSpPr/>
+              <p:nvPr/>
+            </p:nvGrpSpPr>
+            <p:grpSpPr>
+              <a:xfrm>
+                <a:off x="5139747" y="2564417"/>
+                <a:ext cx="2100" cy="192600"/>
+                <a:chOff x="5079999" y="1450235"/>
+                <a:chExt cx="2100" cy="412855"/>
+              </a:xfrm>
+            </p:grpSpPr>
+            <p:cxnSp>
+              <p:nvCxnSpPr>
+                <p:cNvPr id="46" name="Straight Arrow Connector 45">
+                  <a:extLst>
+                    <a:ext uri="{FF2B5EF4-FFF2-40B4-BE49-F238E27FC236}">
+                      <a16:creationId xmlns:a16="http://schemas.microsoft.com/office/drawing/2014/main" id="{E2CECA28-988F-CB48-9D79-1CA2ACED1D02}"/>
+                    </a:ext>
+                  </a:extLst>
+                </p:cNvPr>
+                <p:cNvCxnSpPr>
+                  <a:cxnSpLocks/>
+                </p:cNvCxnSpPr>
+                <p:nvPr/>
+              </p:nvCxnSpPr>
+              <p:spPr>
+                <a:xfrm flipH="1">
+                  <a:off x="5082098" y="1531439"/>
+                  <a:ext cx="1" cy="331651"/>
+                </a:xfrm>
+                <a:prstGeom prst="straightConnector1">
+                  <a:avLst/>
+                </a:prstGeom>
+                <a:ln w="28575">
+                  <a:solidFill>
+                    <a:srgbClr val="92D050"/>
+                  </a:solidFill>
+                  <a:tailEnd type="triangle"/>
+                </a:ln>
+              </p:spPr>
+              <p:style>
+                <a:lnRef idx="1">
+                  <a:schemeClr val="accent1"/>
+                </a:lnRef>
+                <a:fillRef idx="0">
+                  <a:schemeClr val="accent1"/>
+                </a:fillRef>
+                <a:effectRef idx="0">
+                  <a:schemeClr val="accent1"/>
+                </a:effectRef>
+                <a:fontRef idx="minor">
+                  <a:schemeClr val="tx1"/>
+                </a:fontRef>
+              </p:style>
+            </p:cxnSp>
+            <p:cxnSp>
+              <p:nvCxnSpPr>
+                <p:cNvPr id="47" name="Straight Arrow Connector 46">
+                  <a:extLst>
+                    <a:ext uri="{FF2B5EF4-FFF2-40B4-BE49-F238E27FC236}">
+                      <a16:creationId xmlns:a16="http://schemas.microsoft.com/office/drawing/2014/main" id="{361EAE19-BC69-A447-9D4D-13C749C9B23E}"/>
+                    </a:ext>
+                  </a:extLst>
+                </p:cNvPr>
+                <p:cNvCxnSpPr>
+                  <a:cxnSpLocks/>
+                </p:cNvCxnSpPr>
+                <p:nvPr/>
+              </p:nvCxnSpPr>
+              <p:spPr>
+                <a:xfrm flipH="1">
+                  <a:off x="5082098" y="1462250"/>
+                  <a:ext cx="1" cy="266383"/>
+                </a:xfrm>
+                <a:prstGeom prst="straightConnector1">
+                  <a:avLst/>
+                </a:prstGeom>
+                <a:ln w="28575">
+                  <a:solidFill>
+                    <a:schemeClr val="bg2">
+                      <a:lumMod val="10000"/>
+                    </a:schemeClr>
+                  </a:solidFill>
+                  <a:headEnd type="none" w="med" len="med"/>
+                  <a:tailEnd type="none" w="med" len="med"/>
+                </a:ln>
+              </p:spPr>
+              <p:style>
+                <a:lnRef idx="1">
+                  <a:schemeClr val="accent1"/>
+                </a:lnRef>
+                <a:fillRef idx="0">
+                  <a:schemeClr val="accent1"/>
+                </a:fillRef>
+                <a:effectRef idx="0">
+                  <a:schemeClr val="accent1"/>
+                </a:effectRef>
+                <a:fontRef idx="minor">
+                  <a:schemeClr val="tx1"/>
+                </a:fontRef>
+              </p:style>
+            </p:cxnSp>
+            <p:cxnSp>
+              <p:nvCxnSpPr>
+                <p:cNvPr id="48" name="Straight Arrow Connector 47">
+                  <a:extLst>
+                    <a:ext uri="{FF2B5EF4-FFF2-40B4-BE49-F238E27FC236}">
+                      <a16:creationId xmlns:a16="http://schemas.microsoft.com/office/drawing/2014/main" id="{56D319F7-DB97-344B-BEE1-60CCBF128542}"/>
+                    </a:ext>
+                  </a:extLst>
+                </p:cNvPr>
+                <p:cNvCxnSpPr>
+                  <a:cxnSpLocks/>
+                </p:cNvCxnSpPr>
+                <p:nvPr/>
+              </p:nvCxnSpPr>
+              <p:spPr>
+                <a:xfrm flipH="1">
+                  <a:off x="5079999" y="1450235"/>
+                  <a:ext cx="2" cy="47911"/>
+                </a:xfrm>
+                <a:prstGeom prst="straightConnector1">
+                  <a:avLst/>
+                </a:prstGeom>
+                <a:ln w="28575">
+                  <a:solidFill>
+                    <a:srgbClr val="C00000"/>
+                  </a:solidFill>
+                  <a:headEnd type="none" w="med" len="med"/>
+                  <a:tailEnd type="none" w="med" len="med"/>
+                </a:ln>
+              </p:spPr>
+              <p:style>
+                <a:lnRef idx="1">
+                  <a:schemeClr val="accent1"/>
+                </a:lnRef>
+                <a:fillRef idx="0">
+                  <a:schemeClr val="accent1"/>
+                </a:fillRef>
+                <a:effectRef idx="0">
+                  <a:schemeClr val="accent1"/>
+                </a:effectRef>
+                <a:fontRef idx="minor">
+                  <a:schemeClr val="tx1"/>
+                </a:fontRef>
+              </p:style>
+            </p:cxnSp>
+          </p:grpSp>
+          <p:sp>
+            <p:nvSpPr>
+              <p:cNvPr id="49" name="TextBox 48">
+                <a:extLst>
+                  <a:ext uri="{FF2B5EF4-FFF2-40B4-BE49-F238E27FC236}">
+                    <a16:creationId xmlns:a16="http://schemas.microsoft.com/office/drawing/2014/main" id="{79D739A3-0CCA-944C-9D42-C766EB9161C4}"/>
+                  </a:ext>
+                </a:extLst>
+              </p:cNvPr>
+              <p:cNvSpPr txBox="1"/>
+              <p:nvPr/>
+            </p:nvSpPr>
+            <p:spPr>
+              <a:xfrm>
+                <a:off x="4308735" y="2631808"/>
+                <a:ext cx="457176" cy="200055"/>
+              </a:xfrm>
+              <a:prstGeom prst="rect">
+                <a:avLst/>
+              </a:prstGeom>
+              <a:noFill/>
+            </p:spPr>
+            <p:txBody>
+              <a:bodyPr wrap="none" rtlCol="0">
+                <a:spAutoFit/>
+              </a:bodyPr>
+              <a:lstStyle/>
+              <a:p>
+                <a:r>
+                  <a:rPr lang="en-US" sz="700" dirty="0">
+                    <a:solidFill>
+                      <a:schemeClr val="accent6">
+                        <a:lumMod val="75000"/>
+                      </a:schemeClr>
+                    </a:solidFill>
+                  </a:rPr>
+                  <a:t>*.</a:t>
+                </a:r>
+                <a:r>
+                  <a:rPr lang="en-US" sz="700" dirty="0" err="1">
+                    <a:solidFill>
+                      <a:schemeClr val="accent6">
+                        <a:lumMod val="75000"/>
+                      </a:schemeClr>
+                    </a:solidFill>
+                  </a:rPr>
+                  <a:t>vcf.gz</a:t>
+                </a:r>
+                <a:endParaRPr lang="en-US" sz="700" dirty="0">
+                  <a:solidFill>
+                    <a:schemeClr val="accent6">
+                      <a:lumMod val="75000"/>
+                    </a:schemeClr>
+                  </a:solidFill>
+                </a:endParaRPr>
+              </a:p>
+            </p:txBody>
+          </p:sp>
+          <p:grpSp>
+            <p:nvGrpSpPr>
+              <p:cNvPr id="50" name="Group 49">
+                <a:extLst>
+                  <a:ext uri="{FF2B5EF4-FFF2-40B4-BE49-F238E27FC236}">
+                    <a16:creationId xmlns:a16="http://schemas.microsoft.com/office/drawing/2014/main" id="{5770F32A-314C-6B4C-B20F-0E6FC08CF8F8}"/>
+                  </a:ext>
+                </a:extLst>
+              </p:cNvPr>
+              <p:cNvGrpSpPr/>
+              <p:nvPr/>
+            </p:nvGrpSpPr>
+            <p:grpSpPr>
+              <a:xfrm rot="2638646">
+                <a:off x="4163591" y="1440996"/>
+                <a:ext cx="2100" cy="412855"/>
+                <a:chOff x="5079999" y="1450235"/>
+                <a:chExt cx="2100" cy="412855"/>
+              </a:xfrm>
+            </p:grpSpPr>
+            <p:cxnSp>
+              <p:nvCxnSpPr>
+                <p:cNvPr id="51" name="Straight Arrow Connector 50">
+                  <a:extLst>
+                    <a:ext uri="{FF2B5EF4-FFF2-40B4-BE49-F238E27FC236}">
+                      <a16:creationId xmlns:a16="http://schemas.microsoft.com/office/drawing/2014/main" id="{DDAA7422-1B6A-EE4A-8CC9-93B7FD490950}"/>
+                    </a:ext>
+                  </a:extLst>
+                </p:cNvPr>
+                <p:cNvCxnSpPr>
+                  <a:cxnSpLocks/>
+                </p:cNvCxnSpPr>
+                <p:nvPr/>
+              </p:nvCxnSpPr>
+              <p:spPr>
+                <a:xfrm flipH="1">
+                  <a:off x="5082098" y="1531439"/>
+                  <a:ext cx="1" cy="331651"/>
+                </a:xfrm>
+                <a:prstGeom prst="straightConnector1">
+                  <a:avLst/>
+                </a:prstGeom>
+                <a:ln w="28575">
+                  <a:solidFill>
+                    <a:srgbClr val="92D050"/>
+                  </a:solidFill>
+                  <a:tailEnd type="triangle"/>
+                </a:ln>
+              </p:spPr>
+              <p:style>
+                <a:lnRef idx="1">
+                  <a:schemeClr val="accent1"/>
+                </a:lnRef>
+                <a:fillRef idx="0">
+                  <a:schemeClr val="accent1"/>
+                </a:fillRef>
+                <a:effectRef idx="0">
+                  <a:schemeClr val="accent1"/>
+                </a:effectRef>
+                <a:fontRef idx="minor">
+                  <a:schemeClr val="tx1"/>
+                </a:fontRef>
+              </p:style>
+            </p:cxnSp>
+            <p:cxnSp>
+              <p:nvCxnSpPr>
+                <p:cNvPr id="52" name="Straight Arrow Connector 51">
+                  <a:extLst>
+                    <a:ext uri="{FF2B5EF4-FFF2-40B4-BE49-F238E27FC236}">
+                      <a16:creationId xmlns:a16="http://schemas.microsoft.com/office/drawing/2014/main" id="{8EE5B423-471E-6D44-8AF8-ADF1890E39E6}"/>
+                    </a:ext>
+                  </a:extLst>
+                </p:cNvPr>
+                <p:cNvCxnSpPr>
+                  <a:cxnSpLocks/>
+                </p:cNvCxnSpPr>
+                <p:nvPr/>
+              </p:nvCxnSpPr>
+              <p:spPr>
+                <a:xfrm flipH="1">
+                  <a:off x="5082098" y="1462250"/>
+                  <a:ext cx="1" cy="266383"/>
+                </a:xfrm>
+                <a:prstGeom prst="straightConnector1">
+                  <a:avLst/>
+                </a:prstGeom>
+                <a:ln w="28575">
+                  <a:solidFill>
+                    <a:schemeClr val="bg2">
+                      <a:lumMod val="10000"/>
+                    </a:schemeClr>
+                  </a:solidFill>
+                  <a:headEnd type="none" w="med" len="med"/>
+                  <a:tailEnd type="none" w="med" len="med"/>
+                </a:ln>
+              </p:spPr>
+              <p:style>
+                <a:lnRef idx="1">
+                  <a:schemeClr val="accent1"/>
+                </a:lnRef>
+                <a:fillRef idx="0">
+                  <a:schemeClr val="accent1"/>
+                </a:fillRef>
+                <a:effectRef idx="0">
+                  <a:schemeClr val="accent1"/>
+                </a:effectRef>
+                <a:fontRef idx="minor">
+                  <a:schemeClr val="tx1"/>
+                </a:fontRef>
+              </p:style>
+            </p:cxnSp>
+            <p:cxnSp>
+              <p:nvCxnSpPr>
+                <p:cNvPr id="53" name="Straight Arrow Connector 52">
+                  <a:extLst>
+                    <a:ext uri="{FF2B5EF4-FFF2-40B4-BE49-F238E27FC236}">
+                      <a16:creationId xmlns:a16="http://schemas.microsoft.com/office/drawing/2014/main" id="{EA381DBA-A641-F642-AC4D-8D600A3C55E9}"/>
+                    </a:ext>
+                  </a:extLst>
+                </p:cNvPr>
+                <p:cNvCxnSpPr>
+                  <a:cxnSpLocks/>
+                </p:cNvCxnSpPr>
+                <p:nvPr/>
+              </p:nvCxnSpPr>
+              <p:spPr>
+                <a:xfrm flipH="1">
+                  <a:off x="5079999" y="1450235"/>
+                  <a:ext cx="2" cy="47911"/>
+                </a:xfrm>
+                <a:prstGeom prst="straightConnector1">
+                  <a:avLst/>
+                </a:prstGeom>
+                <a:ln w="28575">
+                  <a:solidFill>
+                    <a:srgbClr val="C00000"/>
+                  </a:solidFill>
+                  <a:headEnd type="none" w="med" len="med"/>
+                  <a:tailEnd type="none" w="med" len="med"/>
+                </a:ln>
+              </p:spPr>
+              <p:style>
+                <a:lnRef idx="1">
+                  <a:schemeClr val="accent1"/>
+                </a:lnRef>
+                <a:fillRef idx="0">
+                  <a:schemeClr val="accent1"/>
+                </a:fillRef>
+                <a:effectRef idx="0">
+                  <a:schemeClr val="accent1"/>
+                </a:effectRef>
+                <a:fontRef idx="minor">
+                  <a:schemeClr val="tx1"/>
+                </a:fontRef>
+              </p:style>
+            </p:cxnSp>
+          </p:grpSp>
+          <p:cxnSp>
+            <p:nvCxnSpPr>
+              <p:cNvPr id="54" name="Straight Arrow Connector 53">
+                <a:extLst>
+                  <a:ext uri="{FF2B5EF4-FFF2-40B4-BE49-F238E27FC236}">
+                    <a16:creationId xmlns:a16="http://schemas.microsoft.com/office/drawing/2014/main" id="{5E1CA42B-855E-6F4F-816B-03565F9455DF}"/>
+                  </a:ext>
+                </a:extLst>
+              </p:cNvPr>
+              <p:cNvCxnSpPr/>
+              <p:nvPr/>
+            </p:nvCxnSpPr>
+            <p:spPr>
+              <a:xfrm>
+                <a:off x="5729614" y="438464"/>
+                <a:ext cx="0" cy="150350"/>
+              </a:xfrm>
+              <a:prstGeom prst="straightConnector1">
+                <a:avLst/>
+              </a:prstGeom>
+              <a:ln w="28575">
+                <a:solidFill>
+                  <a:srgbClr val="92D050"/>
+                </a:solidFill>
+                <a:tailEnd type="triangle"/>
+              </a:ln>
+            </p:spPr>
+            <p:style>
+              <a:lnRef idx="1">
+                <a:schemeClr val="accent1"/>
+              </a:lnRef>
+              <a:fillRef idx="0">
+                <a:schemeClr val="accent1"/>
+              </a:fillRef>
+              <a:effectRef idx="0">
+                <a:schemeClr val="accent1"/>
+              </a:effectRef>
+              <a:fontRef idx="minor">
+                <a:schemeClr val="tx1"/>
+              </a:fontRef>
+            </p:style>
+          </p:cxnSp>
+          <p:cxnSp>
+            <p:nvCxnSpPr>
+              <p:cNvPr id="55" name="Straight Arrow Connector 54">
+                <a:extLst>
+                  <a:ext uri="{FF2B5EF4-FFF2-40B4-BE49-F238E27FC236}">
+                    <a16:creationId xmlns:a16="http://schemas.microsoft.com/office/drawing/2014/main" id="{59CB4D91-C91C-BC46-AC11-68841CCC6238}"/>
+                  </a:ext>
+                </a:extLst>
+              </p:cNvPr>
+              <p:cNvCxnSpPr/>
+              <p:nvPr/>
+            </p:nvCxnSpPr>
+            <p:spPr>
+              <a:xfrm>
+                <a:off x="4540730" y="3235635"/>
+                <a:ext cx="0" cy="150350"/>
+              </a:xfrm>
+              <a:prstGeom prst="straightConnector1">
+                <a:avLst/>
+              </a:prstGeom>
+              <a:ln w="28575">
+                <a:solidFill>
+                  <a:srgbClr val="FF0000"/>
+                </a:solidFill>
+                <a:tailEnd type="triangle"/>
+              </a:ln>
+            </p:spPr>
+            <p:style>
+              <a:lnRef idx="1">
+                <a:schemeClr val="accent1"/>
+              </a:lnRef>
+              <a:fillRef idx="0">
+                <a:schemeClr val="accent1"/>
+              </a:fillRef>
+              <a:effectRef idx="0">
+                <a:schemeClr val="accent1"/>
+              </a:effectRef>
+              <a:fontRef idx="minor">
+                <a:schemeClr val="tx1"/>
+              </a:fontRef>
+            </p:style>
+          </p:cxnSp>
+          <p:sp>
+            <p:nvSpPr>
+              <p:cNvPr id="56" name="TextBox 55">
+                <a:extLst>
+                  <a:ext uri="{FF2B5EF4-FFF2-40B4-BE49-F238E27FC236}">
+                    <a16:creationId xmlns:a16="http://schemas.microsoft.com/office/drawing/2014/main" id="{E9F81D0C-857F-9A4D-816D-B041965954B7}"/>
+                  </a:ext>
+                </a:extLst>
+              </p:cNvPr>
+              <p:cNvSpPr txBox="1"/>
+              <p:nvPr/>
+            </p:nvSpPr>
+            <p:spPr>
+              <a:xfrm>
+                <a:off x="2632927" y="3340254"/>
+                <a:ext cx="3526928" cy="200055"/>
+              </a:xfrm>
+              <a:prstGeom prst="rect">
+                <a:avLst/>
+              </a:prstGeom>
+              <a:noFill/>
+            </p:spPr>
+            <p:txBody>
+              <a:bodyPr wrap="none" rtlCol="0">
+                <a:spAutoFit/>
+              </a:bodyPr>
+              <a:lstStyle/>
+              <a:p>
+                <a:r>
+                  <a:rPr lang="en-US" sz="700" b="1" dirty="0">
+                    <a:solidFill>
+                      <a:srgbClr val="C00000"/>
+                    </a:solidFill>
+                  </a:rPr>
+                  <a:t>Output: </a:t>
+                </a:r>
+                <a:r>
+                  <a:rPr lang="en-US" sz="700" dirty="0"/>
+                  <a:t>$</a:t>
+                </a:r>
+                <a:r>
+                  <a:rPr lang="en-US" sz="700" dirty="0" err="1"/>
+                  <a:t>baseDir</a:t>
+                </a:r>
+                <a:r>
+                  <a:rPr lang="en-US" sz="700" dirty="0"/>
+                  <a:t>/output/</a:t>
+                </a:r>
+                <a:r>
+                  <a:rPr lang="en-US" sz="700" dirty="0" err="1"/>
+                  <a:t>VCF_collect</a:t>
+                </a:r>
+                <a:r>
+                  <a:rPr lang="en-US" sz="700" dirty="0"/>
+                  <a:t>/</a:t>
+                </a:r>
+                <a:r>
+                  <a:rPr lang="en-US" sz="700" dirty="0" err="1"/>
+                  <a:t>merge_vcf</a:t>
+                </a:r>
+                <a:r>
+                  <a:rPr lang="en-US" sz="700" dirty="0"/>
+                  <a:t>/</a:t>
+                </a:r>
+                <a:r>
+                  <a:rPr lang="en-US" sz="700" dirty="0" err="1"/>
+                  <a:t>snps</a:t>
+                </a:r>
+                <a:r>
+                  <a:rPr lang="en-US" sz="700" dirty="0"/>
+                  <a:t>/family/*.</a:t>
+                </a:r>
+                <a:r>
+                  <a:rPr lang="en-US" sz="700" dirty="0" err="1"/>
+                  <a:t>snps.family.merged.vcf.gz</a:t>
+                </a:r>
+                <a:r>
+                  <a:rPr lang="en-US" sz="700" dirty="0"/>
+                  <a:t>”</a:t>
+                </a:r>
+              </a:p>
+            </p:txBody>
+          </p:sp>
+          <p:sp>
+            <p:nvSpPr>
+              <p:cNvPr id="58" name="TextBox 57">
+                <a:extLst>
+                  <a:ext uri="{FF2B5EF4-FFF2-40B4-BE49-F238E27FC236}">
+                    <a16:creationId xmlns:a16="http://schemas.microsoft.com/office/drawing/2014/main" id="{C9938212-7779-A849-B5AB-788E6C9EFA74}"/>
+                  </a:ext>
+                </a:extLst>
+              </p:cNvPr>
+              <p:cNvSpPr txBox="1"/>
+              <p:nvPr/>
+            </p:nvSpPr>
+            <p:spPr>
+              <a:xfrm>
+                <a:off x="2493467" y="3509301"/>
+                <a:ext cx="3666388" cy="200055"/>
+              </a:xfrm>
+              <a:prstGeom prst="rect">
+                <a:avLst/>
+              </a:prstGeom>
+              <a:noFill/>
+            </p:spPr>
+            <p:txBody>
+              <a:bodyPr wrap="none" rtlCol="0">
+                <a:spAutoFit/>
+              </a:bodyPr>
+              <a:lstStyle/>
+              <a:p>
+                <a:r>
+                  <a:rPr lang="en-US" sz="700" b="1" dirty="0">
+                    <a:solidFill>
+                      <a:srgbClr val="C00000"/>
+                    </a:solidFill>
+                  </a:rPr>
+                  <a:t>Output: </a:t>
+                </a:r>
+                <a:r>
+                  <a:rPr lang="en-US" sz="700" dirty="0"/>
+                  <a:t>“$</a:t>
+                </a:r>
+                <a:r>
+                  <a:rPr lang="en-US" sz="700" dirty="0" err="1"/>
+                  <a:t>baseDir</a:t>
+                </a:r>
+                <a:r>
+                  <a:rPr lang="en-US" sz="700" dirty="0"/>
+                  <a:t>/output/</a:t>
+                </a:r>
+                <a:r>
+                  <a:rPr lang="en-US" sz="700" dirty="0" err="1"/>
+                  <a:t>VCF_collect</a:t>
+                </a:r>
+                <a:r>
+                  <a:rPr lang="en-US" sz="700" dirty="0"/>
+                  <a:t>/</a:t>
+                </a:r>
+                <a:r>
+                  <a:rPr lang="en-US" sz="700" dirty="0" err="1"/>
+                  <a:t>merge_vcf</a:t>
+                </a:r>
+                <a:r>
+                  <a:rPr lang="en-US" sz="700" dirty="0"/>
+                  <a:t>/indels/family/*.</a:t>
+                </a:r>
+                <a:r>
+                  <a:rPr lang="en-US" sz="700" dirty="0" err="1"/>
+                  <a:t>indels.family.merged.vcf.gz</a:t>
+                </a:r>
+                <a:r>
+                  <a:rPr lang="en-US" sz="700" dirty="0"/>
+                  <a:t>”</a:t>
+                </a:r>
+              </a:p>
+            </p:txBody>
+          </p:sp>
+          <p:sp>
+            <p:nvSpPr>
+              <p:cNvPr id="59" name="Oval 58">
+                <a:extLst>
+                  <a:ext uri="{FF2B5EF4-FFF2-40B4-BE49-F238E27FC236}">
+                    <a16:creationId xmlns:a16="http://schemas.microsoft.com/office/drawing/2014/main" id="{8A29715D-654E-6845-A911-356DE4C3BF20}"/>
+                  </a:ext>
+                </a:extLst>
+              </p:cNvPr>
+              <p:cNvSpPr/>
+              <p:nvPr/>
+            </p:nvSpPr>
+            <p:spPr>
+              <a:xfrm>
+                <a:off x="5912294" y="1876230"/>
+                <a:ext cx="1068985" cy="231523"/>
+              </a:xfrm>
+              <a:prstGeom prst="ellipse">
+                <a:avLst/>
+              </a:prstGeom>
+              <a:solidFill>
+                <a:schemeClr val="accent3">
+                  <a:lumMod val="60000"/>
+                  <a:lumOff val="40000"/>
+                </a:schemeClr>
+              </a:solidFill>
+              <a:ln>
+                <a:noFill/>
+              </a:ln>
+            </p:spPr>
+            <p:style>
+              <a:lnRef idx="2">
+                <a:schemeClr val="dk1">
+                  <a:shade val="50000"/>
+                </a:schemeClr>
+              </a:lnRef>
+              <a:fillRef idx="1">
+                <a:schemeClr val="dk1"/>
+              </a:fillRef>
+              <a:effectRef idx="0">
+                <a:schemeClr val="dk1"/>
+              </a:effectRef>
+              <a:fontRef idx="minor">
+                <a:schemeClr val="lt1"/>
+              </a:fontRef>
+            </p:style>
+            <p:txBody>
+              <a:bodyPr rtlCol="0" anchor="ctr"/>
+              <a:lstStyle/>
+              <a:p>
+                <a:pPr algn="ctr"/>
+                <a:r>
+                  <a:rPr lang="en-US" sz="1000" dirty="0">
+                    <a:solidFill>
+                      <a:sysClr val="windowText" lastClr="000000"/>
+                    </a:solidFill>
+                  </a:rPr>
+                  <a:t>Mutect2</a:t>
+                </a:r>
+              </a:p>
+            </p:txBody>
+          </p:sp>
+          <p:sp>
+            <p:nvSpPr>
+              <p:cNvPr id="60" name="Oval 59">
+                <a:extLst>
+                  <a:ext uri="{FF2B5EF4-FFF2-40B4-BE49-F238E27FC236}">
+                    <a16:creationId xmlns:a16="http://schemas.microsoft.com/office/drawing/2014/main" id="{4D577E74-57A7-9D48-8574-E8A45FE9049A}"/>
+                  </a:ext>
+                </a:extLst>
+              </p:cNvPr>
+              <p:cNvSpPr/>
+              <p:nvPr/>
+            </p:nvSpPr>
+            <p:spPr>
+              <a:xfrm>
+                <a:off x="7074995" y="1870564"/>
+                <a:ext cx="1068985" cy="299000"/>
+              </a:xfrm>
+              <a:prstGeom prst="ellipse">
+                <a:avLst/>
+              </a:prstGeom>
+              <a:solidFill>
+                <a:schemeClr val="accent3">
+                  <a:lumMod val="60000"/>
+                  <a:lumOff val="40000"/>
+                </a:schemeClr>
+              </a:solidFill>
+              <a:ln>
+                <a:noFill/>
+              </a:ln>
+            </p:spPr>
+            <p:style>
+              <a:lnRef idx="2">
+                <a:schemeClr val="dk1">
+                  <a:shade val="50000"/>
+                </a:schemeClr>
+              </a:lnRef>
+              <a:fillRef idx="1">
+                <a:schemeClr val="dk1"/>
+              </a:fillRef>
+              <a:effectRef idx="0">
+                <a:schemeClr val="dk1"/>
+              </a:effectRef>
+              <a:fontRef idx="minor">
+                <a:schemeClr val="lt1"/>
+              </a:fontRef>
+            </p:style>
+            <p:txBody>
+              <a:bodyPr rtlCol="0" anchor="ctr"/>
+              <a:lstStyle/>
+              <a:p>
+                <a:pPr algn="ctr"/>
+                <a:r>
+                  <a:rPr lang="en-US" sz="1000" dirty="0" err="1">
+                    <a:solidFill>
+                      <a:sysClr val="windowText" lastClr="000000"/>
+                    </a:solidFill>
+                  </a:rPr>
+                  <a:t>cgpWXS</a:t>
+                </a:r>
+                <a:endParaRPr lang="en-US" sz="1000" dirty="0">
+                  <a:solidFill>
+                    <a:sysClr val="windowText" lastClr="000000"/>
+                  </a:solidFill>
+                </a:endParaRPr>
+              </a:p>
+            </p:txBody>
+          </p:sp>
+          <p:sp>
+            <p:nvSpPr>
+              <p:cNvPr id="61" name="TextBox 60">
+                <a:extLst>
+                  <a:ext uri="{FF2B5EF4-FFF2-40B4-BE49-F238E27FC236}">
+                    <a16:creationId xmlns:a16="http://schemas.microsoft.com/office/drawing/2014/main" id="{2BE95777-1D35-5046-8AE3-156E12C3BAE9}"/>
+                  </a:ext>
+                </a:extLst>
+              </p:cNvPr>
+              <p:cNvSpPr txBox="1"/>
+              <p:nvPr/>
+            </p:nvSpPr>
+            <p:spPr>
+              <a:xfrm>
+                <a:off x="6097804" y="2336619"/>
+                <a:ext cx="1882247" cy="215444"/>
+              </a:xfrm>
+              <a:prstGeom prst="rect">
+                <a:avLst/>
+              </a:prstGeom>
+              <a:noFill/>
+            </p:spPr>
+            <p:txBody>
+              <a:bodyPr wrap="none" rtlCol="0">
+                <a:spAutoFit/>
+              </a:bodyPr>
+              <a:lstStyle/>
+              <a:p>
+                <a:r>
+                  <a:rPr lang="en-US" sz="800" b="1" dirty="0">
+                    <a:solidFill>
+                      <a:srgbClr val="C00000"/>
+                    </a:solidFill>
+                  </a:rPr>
+                  <a:t>Output: </a:t>
+                </a:r>
+                <a:r>
+                  <a:rPr lang="en-US" sz="800" dirty="0"/>
+                  <a:t>"$</a:t>
+                </a:r>
+                <a:r>
+                  <a:rPr lang="en-US" sz="800" dirty="0" err="1"/>
+                  <a:t>baseDir</a:t>
+                </a:r>
+                <a:r>
+                  <a:rPr lang="en-US" sz="800" dirty="0"/>
+                  <a:t>/output/</a:t>
+                </a:r>
+                <a:r>
+                  <a:rPr lang="en-US" sz="800" dirty="0" err="1"/>
+                  <a:t>VCF_collect</a:t>
+                </a:r>
+                <a:r>
+                  <a:rPr lang="en-US" sz="800" dirty="0"/>
+                  <a:t>/”</a:t>
+                </a:r>
+              </a:p>
+            </p:txBody>
+          </p:sp>
+          <p:sp>
+            <p:nvSpPr>
+              <p:cNvPr id="62" name="TextBox 61">
+                <a:extLst>
+                  <a:ext uri="{FF2B5EF4-FFF2-40B4-BE49-F238E27FC236}">
+                    <a16:creationId xmlns:a16="http://schemas.microsoft.com/office/drawing/2014/main" id="{943B36DC-00DE-CB4A-9D09-85C536F84AF1}"/>
+                  </a:ext>
+                </a:extLst>
+              </p:cNvPr>
+              <p:cNvSpPr txBox="1"/>
+              <p:nvPr/>
+            </p:nvSpPr>
+            <p:spPr>
+              <a:xfrm>
+                <a:off x="6027440" y="2098160"/>
+                <a:ext cx="764953" cy="200055"/>
+              </a:xfrm>
+              <a:prstGeom prst="rect">
+                <a:avLst/>
+              </a:prstGeom>
+              <a:noFill/>
+            </p:spPr>
+            <p:txBody>
+              <a:bodyPr wrap="none" rtlCol="0">
+                <a:spAutoFit/>
+              </a:bodyPr>
+              <a:lstStyle/>
+              <a:p>
+                <a:r>
+                  <a:rPr lang="en-US" sz="700" dirty="0"/>
+                  <a:t>*mutect2.vcf.gz</a:t>
+                </a:r>
+              </a:p>
+            </p:txBody>
+          </p:sp>
+          <p:grpSp>
+            <p:nvGrpSpPr>
+              <p:cNvPr id="64" name="Group 63">
+                <a:extLst>
+                  <a:ext uri="{FF2B5EF4-FFF2-40B4-BE49-F238E27FC236}">
+                    <a16:creationId xmlns:a16="http://schemas.microsoft.com/office/drawing/2014/main" id="{F489B27B-24DE-DD41-BD1E-5A7F7A01D3DF}"/>
+                  </a:ext>
+                </a:extLst>
+              </p:cNvPr>
+              <p:cNvGrpSpPr/>
+              <p:nvPr/>
+            </p:nvGrpSpPr>
+            <p:grpSpPr>
+              <a:xfrm>
+                <a:off x="7549739" y="1450235"/>
+                <a:ext cx="2100" cy="412855"/>
+                <a:chOff x="5079999" y="1450235"/>
+                <a:chExt cx="2100" cy="412855"/>
+              </a:xfrm>
+            </p:grpSpPr>
+            <p:cxnSp>
+              <p:nvCxnSpPr>
+                <p:cNvPr id="65" name="Straight Arrow Connector 64">
+                  <a:extLst>
+                    <a:ext uri="{FF2B5EF4-FFF2-40B4-BE49-F238E27FC236}">
+                      <a16:creationId xmlns:a16="http://schemas.microsoft.com/office/drawing/2014/main" id="{4FFAB653-28A5-CE46-8F7B-A2AAEA5E39E9}"/>
+                    </a:ext>
+                  </a:extLst>
+                </p:cNvPr>
+                <p:cNvCxnSpPr>
+                  <a:cxnSpLocks/>
+                </p:cNvCxnSpPr>
+                <p:nvPr/>
+              </p:nvCxnSpPr>
+              <p:spPr>
+                <a:xfrm flipH="1">
+                  <a:off x="5082098" y="1531439"/>
+                  <a:ext cx="1" cy="331651"/>
+                </a:xfrm>
+                <a:prstGeom prst="straightConnector1">
+                  <a:avLst/>
+                </a:prstGeom>
+                <a:ln w="28575">
+                  <a:solidFill>
+                    <a:srgbClr val="92D050"/>
+                  </a:solidFill>
+                  <a:tailEnd type="triangle"/>
+                </a:ln>
+              </p:spPr>
+              <p:style>
+                <a:lnRef idx="1">
+                  <a:schemeClr val="accent1"/>
+                </a:lnRef>
+                <a:fillRef idx="0">
+                  <a:schemeClr val="accent1"/>
+                </a:fillRef>
+                <a:effectRef idx="0">
+                  <a:schemeClr val="accent1"/>
+                </a:effectRef>
+                <a:fontRef idx="minor">
+                  <a:schemeClr val="tx1"/>
+                </a:fontRef>
+              </p:style>
+            </p:cxnSp>
+            <p:cxnSp>
+              <p:nvCxnSpPr>
+                <p:cNvPr id="66" name="Straight Arrow Connector 65">
+                  <a:extLst>
+                    <a:ext uri="{FF2B5EF4-FFF2-40B4-BE49-F238E27FC236}">
+                      <a16:creationId xmlns:a16="http://schemas.microsoft.com/office/drawing/2014/main" id="{A2A648CC-A9C7-A642-B9DC-1CF8DCD94F55}"/>
+                    </a:ext>
+                  </a:extLst>
+                </p:cNvPr>
+                <p:cNvCxnSpPr>
+                  <a:cxnSpLocks/>
+                </p:cNvCxnSpPr>
+                <p:nvPr/>
+              </p:nvCxnSpPr>
+              <p:spPr>
+                <a:xfrm flipH="1">
+                  <a:off x="5082098" y="1462250"/>
+                  <a:ext cx="1" cy="266383"/>
+                </a:xfrm>
+                <a:prstGeom prst="straightConnector1">
+                  <a:avLst/>
+                </a:prstGeom>
+                <a:ln w="28575">
+                  <a:solidFill>
+                    <a:schemeClr val="bg2">
+                      <a:lumMod val="10000"/>
+                    </a:schemeClr>
+                  </a:solidFill>
+                  <a:headEnd type="none" w="med" len="med"/>
+                  <a:tailEnd type="none" w="med" len="med"/>
+                </a:ln>
+              </p:spPr>
+              <p:style>
+                <a:lnRef idx="1">
+                  <a:schemeClr val="accent1"/>
+                </a:lnRef>
+                <a:fillRef idx="0">
+                  <a:schemeClr val="accent1"/>
+                </a:fillRef>
+                <a:effectRef idx="0">
+                  <a:schemeClr val="accent1"/>
+                </a:effectRef>
+                <a:fontRef idx="minor">
+                  <a:schemeClr val="tx1"/>
+                </a:fontRef>
+              </p:style>
+            </p:cxnSp>
+            <p:cxnSp>
+              <p:nvCxnSpPr>
+                <p:cNvPr id="67" name="Straight Arrow Connector 66">
+                  <a:extLst>
+                    <a:ext uri="{FF2B5EF4-FFF2-40B4-BE49-F238E27FC236}">
+                      <a16:creationId xmlns:a16="http://schemas.microsoft.com/office/drawing/2014/main" id="{5FADA40B-21C3-7F49-BB34-9C4222B75A2B}"/>
+                    </a:ext>
+                  </a:extLst>
+                </p:cNvPr>
+                <p:cNvCxnSpPr>
+                  <a:cxnSpLocks/>
+                </p:cNvCxnSpPr>
+                <p:nvPr/>
+              </p:nvCxnSpPr>
+              <p:spPr>
+                <a:xfrm flipH="1">
+                  <a:off x="5079999" y="1450235"/>
+                  <a:ext cx="2" cy="47911"/>
+                </a:xfrm>
+                <a:prstGeom prst="straightConnector1">
+                  <a:avLst/>
+                </a:prstGeom>
+                <a:ln w="28575">
+                  <a:solidFill>
+                    <a:srgbClr val="C00000"/>
+                  </a:solidFill>
+                  <a:headEnd type="none" w="med" len="med"/>
+                  <a:tailEnd type="none" w="med" len="med"/>
+                </a:ln>
+              </p:spPr>
+              <p:style>
+                <a:lnRef idx="1">
+                  <a:schemeClr val="accent1"/>
+                </a:lnRef>
+                <a:fillRef idx="0">
+                  <a:schemeClr val="accent1"/>
+                </a:fillRef>
+                <a:effectRef idx="0">
+                  <a:schemeClr val="accent1"/>
+                </a:effectRef>
+                <a:fontRef idx="minor">
+                  <a:schemeClr val="tx1"/>
+                </a:fontRef>
+              </p:style>
+            </p:cxnSp>
+          </p:grpSp>
+          <p:sp>
+            <p:nvSpPr>
+              <p:cNvPr id="68" name="Oval 67">
+                <a:extLst>
+                  <a:ext uri="{FF2B5EF4-FFF2-40B4-BE49-F238E27FC236}">
+                    <a16:creationId xmlns:a16="http://schemas.microsoft.com/office/drawing/2014/main" id="{BDF7CB65-EE83-4547-8D9B-C1BDF0E78D6A}"/>
+                  </a:ext>
+                </a:extLst>
+              </p:cNvPr>
+              <p:cNvSpPr/>
+              <p:nvPr/>
+            </p:nvSpPr>
+            <p:spPr>
+              <a:xfrm>
+                <a:off x="6245173" y="2814138"/>
+                <a:ext cx="1619012" cy="367200"/>
+              </a:xfrm>
+              <a:prstGeom prst="ellipse">
+                <a:avLst/>
+              </a:prstGeom>
+              <a:ln>
+                <a:noFill/>
+              </a:ln>
+            </p:spPr>
+            <p:style>
+              <a:lnRef idx="2">
+                <a:schemeClr val="accent1">
+                  <a:shade val="50000"/>
+                </a:schemeClr>
+              </a:lnRef>
+              <a:fillRef idx="1">
+                <a:schemeClr val="accent1"/>
+              </a:fillRef>
+              <a:effectRef idx="0">
+                <a:schemeClr val="accent1"/>
+              </a:effectRef>
+              <a:fontRef idx="minor">
+                <a:schemeClr val="lt1"/>
+              </a:fontRef>
+            </p:style>
+            <p:txBody>
+              <a:bodyPr rtlCol="0" anchor="ctr"/>
+              <a:lstStyle/>
+              <a:p>
+                <a:pPr algn="ctr"/>
+                <a:r>
+                  <a:rPr lang="en-US" sz="1100" dirty="0">
+                    <a:solidFill>
+                      <a:schemeClr val="tx1"/>
+                    </a:solidFill>
+                  </a:rPr>
+                  <a:t>Somatic variant processing</a:t>
+                </a:r>
+              </a:p>
+            </p:txBody>
+          </p:sp>
+          <p:grpSp>
+            <p:nvGrpSpPr>
+              <p:cNvPr id="69" name="Group 68">
+                <a:extLst>
+                  <a:ext uri="{FF2B5EF4-FFF2-40B4-BE49-F238E27FC236}">
+                    <a16:creationId xmlns:a16="http://schemas.microsoft.com/office/drawing/2014/main" id="{A32F3541-5900-4443-BFEC-302C7CE62047}"/>
+                  </a:ext>
+                </a:extLst>
+              </p:cNvPr>
+              <p:cNvGrpSpPr/>
+              <p:nvPr/>
+            </p:nvGrpSpPr>
+            <p:grpSpPr>
+              <a:xfrm>
+                <a:off x="6448884" y="2588329"/>
+                <a:ext cx="5103" cy="192600"/>
+                <a:chOff x="5082098" y="1450235"/>
+                <a:chExt cx="5103" cy="412855"/>
+              </a:xfrm>
+            </p:grpSpPr>
+            <p:cxnSp>
+              <p:nvCxnSpPr>
+                <p:cNvPr id="70" name="Straight Arrow Connector 69">
+                  <a:extLst>
+                    <a:ext uri="{FF2B5EF4-FFF2-40B4-BE49-F238E27FC236}">
+                      <a16:creationId xmlns:a16="http://schemas.microsoft.com/office/drawing/2014/main" id="{BA690A27-77E9-FA49-A88A-716799E05E72}"/>
+                    </a:ext>
+                  </a:extLst>
+                </p:cNvPr>
+                <p:cNvCxnSpPr>
+                  <a:cxnSpLocks/>
+                </p:cNvCxnSpPr>
+                <p:nvPr/>
+              </p:nvCxnSpPr>
+              <p:spPr>
+                <a:xfrm flipH="1">
+                  <a:off x="5082098" y="1531439"/>
+                  <a:ext cx="1" cy="331651"/>
+                </a:xfrm>
+                <a:prstGeom prst="straightConnector1">
+                  <a:avLst/>
+                </a:prstGeom>
+                <a:ln w="28575">
+                  <a:solidFill>
+                    <a:srgbClr val="92D050"/>
+                  </a:solidFill>
+                  <a:tailEnd type="triangle"/>
+                </a:ln>
+              </p:spPr>
+              <p:style>
+                <a:lnRef idx="1">
+                  <a:schemeClr val="accent1"/>
+                </a:lnRef>
+                <a:fillRef idx="0">
+                  <a:schemeClr val="accent1"/>
+                </a:fillRef>
+                <a:effectRef idx="0">
+                  <a:schemeClr val="accent1"/>
+                </a:effectRef>
+                <a:fontRef idx="minor">
+                  <a:schemeClr val="tx1"/>
+                </a:fontRef>
+              </p:style>
+            </p:cxnSp>
+            <p:cxnSp>
+              <p:nvCxnSpPr>
+                <p:cNvPr id="71" name="Straight Arrow Connector 70">
+                  <a:extLst>
+                    <a:ext uri="{FF2B5EF4-FFF2-40B4-BE49-F238E27FC236}">
+                      <a16:creationId xmlns:a16="http://schemas.microsoft.com/office/drawing/2014/main" id="{87F738C5-BA7E-7743-BE9C-C947EF94DEEE}"/>
+                    </a:ext>
+                  </a:extLst>
+                </p:cNvPr>
+                <p:cNvCxnSpPr>
+                  <a:cxnSpLocks/>
+                </p:cNvCxnSpPr>
+                <p:nvPr/>
+              </p:nvCxnSpPr>
+              <p:spPr>
+                <a:xfrm flipH="1">
+                  <a:off x="5082098" y="1462250"/>
+                  <a:ext cx="1" cy="266383"/>
+                </a:xfrm>
+                <a:prstGeom prst="straightConnector1">
+                  <a:avLst/>
+                </a:prstGeom>
+                <a:ln w="28575">
+                  <a:solidFill>
+                    <a:schemeClr val="bg2">
+                      <a:lumMod val="10000"/>
+                    </a:schemeClr>
+                  </a:solidFill>
+                  <a:headEnd type="none" w="med" len="med"/>
+                  <a:tailEnd type="none" w="med" len="med"/>
+                </a:ln>
+              </p:spPr>
+              <p:style>
+                <a:lnRef idx="1">
+                  <a:schemeClr val="accent1"/>
+                </a:lnRef>
+                <a:fillRef idx="0">
+                  <a:schemeClr val="accent1"/>
+                </a:fillRef>
+                <a:effectRef idx="0">
+                  <a:schemeClr val="accent1"/>
+                </a:effectRef>
+                <a:fontRef idx="minor">
+                  <a:schemeClr val="tx1"/>
+                </a:fontRef>
+              </p:style>
+            </p:cxnSp>
+            <p:cxnSp>
+              <p:nvCxnSpPr>
+                <p:cNvPr id="72" name="Straight Arrow Connector 71">
+                  <a:extLst>
+                    <a:ext uri="{FF2B5EF4-FFF2-40B4-BE49-F238E27FC236}">
+                      <a16:creationId xmlns:a16="http://schemas.microsoft.com/office/drawing/2014/main" id="{2ABEB606-E0AD-744F-905D-EE42D17C73FE}"/>
+                    </a:ext>
+                  </a:extLst>
+                </p:cNvPr>
+                <p:cNvCxnSpPr>
+                  <a:cxnSpLocks/>
+                </p:cNvCxnSpPr>
+                <p:nvPr/>
+              </p:nvCxnSpPr>
+              <p:spPr>
+                <a:xfrm flipH="1">
+                  <a:off x="5087199" y="1450235"/>
+                  <a:ext cx="2" cy="47911"/>
+                </a:xfrm>
+                <a:prstGeom prst="straightConnector1">
+                  <a:avLst/>
+                </a:prstGeom>
+                <a:ln w="28575">
+                  <a:solidFill>
+                    <a:srgbClr val="C00000"/>
+                  </a:solidFill>
+                  <a:headEnd type="none" w="med" len="med"/>
+                  <a:tailEnd type="none" w="med" len="med"/>
+                </a:ln>
+              </p:spPr>
+              <p:style>
+                <a:lnRef idx="1">
+                  <a:schemeClr val="accent1"/>
+                </a:lnRef>
+                <a:fillRef idx="0">
+                  <a:schemeClr val="accent1"/>
+                </a:fillRef>
+                <a:effectRef idx="0">
+                  <a:schemeClr val="accent1"/>
+                </a:effectRef>
+                <a:fontRef idx="minor">
+                  <a:schemeClr val="tx1"/>
+                </a:fontRef>
+              </p:style>
+            </p:cxnSp>
+          </p:grpSp>
+          <p:grpSp>
+            <p:nvGrpSpPr>
+              <p:cNvPr id="73" name="Group 72">
+                <a:extLst>
+                  <a:ext uri="{FF2B5EF4-FFF2-40B4-BE49-F238E27FC236}">
+                    <a16:creationId xmlns:a16="http://schemas.microsoft.com/office/drawing/2014/main" id="{83E23A7B-89DC-D340-8F63-B0372C386634}"/>
+                  </a:ext>
+                </a:extLst>
+              </p:cNvPr>
+              <p:cNvGrpSpPr/>
+              <p:nvPr/>
+            </p:nvGrpSpPr>
+            <p:grpSpPr>
+              <a:xfrm>
+                <a:off x="7609487" y="2564417"/>
+                <a:ext cx="2100" cy="192600"/>
+                <a:chOff x="5079999" y="1450235"/>
+                <a:chExt cx="2100" cy="412855"/>
+              </a:xfrm>
+            </p:grpSpPr>
+            <p:cxnSp>
+              <p:nvCxnSpPr>
+                <p:cNvPr id="74" name="Straight Arrow Connector 73">
+                  <a:extLst>
+                    <a:ext uri="{FF2B5EF4-FFF2-40B4-BE49-F238E27FC236}">
+                      <a16:creationId xmlns:a16="http://schemas.microsoft.com/office/drawing/2014/main" id="{BA9B19A1-4B53-7845-957B-A4F2DAE55162}"/>
+                    </a:ext>
+                  </a:extLst>
+                </p:cNvPr>
+                <p:cNvCxnSpPr>
+                  <a:cxnSpLocks/>
+                </p:cNvCxnSpPr>
+                <p:nvPr/>
+              </p:nvCxnSpPr>
+              <p:spPr>
+                <a:xfrm flipH="1">
+                  <a:off x="5082098" y="1531439"/>
+                  <a:ext cx="1" cy="331651"/>
+                </a:xfrm>
+                <a:prstGeom prst="straightConnector1">
+                  <a:avLst/>
+                </a:prstGeom>
+                <a:ln w="28575">
+                  <a:solidFill>
+                    <a:srgbClr val="92D050"/>
+                  </a:solidFill>
+                  <a:tailEnd type="triangle"/>
+                </a:ln>
+              </p:spPr>
+              <p:style>
+                <a:lnRef idx="1">
+                  <a:schemeClr val="accent1"/>
+                </a:lnRef>
+                <a:fillRef idx="0">
+                  <a:schemeClr val="accent1"/>
+                </a:fillRef>
+                <a:effectRef idx="0">
+                  <a:schemeClr val="accent1"/>
+                </a:effectRef>
+                <a:fontRef idx="minor">
+                  <a:schemeClr val="tx1"/>
+                </a:fontRef>
+              </p:style>
+            </p:cxnSp>
+            <p:cxnSp>
+              <p:nvCxnSpPr>
+                <p:cNvPr id="75" name="Straight Arrow Connector 74">
+                  <a:extLst>
+                    <a:ext uri="{FF2B5EF4-FFF2-40B4-BE49-F238E27FC236}">
+                      <a16:creationId xmlns:a16="http://schemas.microsoft.com/office/drawing/2014/main" id="{68801DB1-48C5-CD46-A04E-90392CA78A30}"/>
+                    </a:ext>
+                  </a:extLst>
+                </p:cNvPr>
+                <p:cNvCxnSpPr>
+                  <a:cxnSpLocks/>
+                </p:cNvCxnSpPr>
+                <p:nvPr/>
+              </p:nvCxnSpPr>
+              <p:spPr>
+                <a:xfrm flipH="1">
+                  <a:off x="5082098" y="1462250"/>
+                  <a:ext cx="1" cy="266383"/>
+                </a:xfrm>
+                <a:prstGeom prst="straightConnector1">
+                  <a:avLst/>
+                </a:prstGeom>
+                <a:ln w="28575">
+                  <a:solidFill>
+                    <a:schemeClr val="bg2">
+                      <a:lumMod val="10000"/>
+                    </a:schemeClr>
+                  </a:solidFill>
+                  <a:headEnd type="none" w="med" len="med"/>
+                  <a:tailEnd type="none" w="med" len="med"/>
+                </a:ln>
+              </p:spPr>
+              <p:style>
+                <a:lnRef idx="1">
+                  <a:schemeClr val="accent1"/>
+                </a:lnRef>
+                <a:fillRef idx="0">
+                  <a:schemeClr val="accent1"/>
+                </a:fillRef>
+                <a:effectRef idx="0">
+                  <a:schemeClr val="accent1"/>
+                </a:effectRef>
+                <a:fontRef idx="minor">
+                  <a:schemeClr val="tx1"/>
+                </a:fontRef>
+              </p:style>
+            </p:cxnSp>
+            <p:cxnSp>
+              <p:nvCxnSpPr>
+                <p:cNvPr id="76" name="Straight Arrow Connector 75">
+                  <a:extLst>
+                    <a:ext uri="{FF2B5EF4-FFF2-40B4-BE49-F238E27FC236}">
+                      <a16:creationId xmlns:a16="http://schemas.microsoft.com/office/drawing/2014/main" id="{055E0050-0B28-3B42-9454-3FB271885295}"/>
+                    </a:ext>
+                  </a:extLst>
+                </p:cNvPr>
+                <p:cNvCxnSpPr>
+                  <a:cxnSpLocks/>
+                </p:cNvCxnSpPr>
+                <p:nvPr/>
+              </p:nvCxnSpPr>
+              <p:spPr>
+                <a:xfrm flipH="1">
+                  <a:off x="5079999" y="1450235"/>
+                  <a:ext cx="2" cy="47911"/>
+                </a:xfrm>
+                <a:prstGeom prst="straightConnector1">
+                  <a:avLst/>
+                </a:prstGeom>
+                <a:ln w="28575">
+                  <a:solidFill>
+                    <a:srgbClr val="C00000"/>
+                  </a:solidFill>
+                  <a:headEnd type="none" w="med" len="med"/>
+                  <a:tailEnd type="none" w="med" len="med"/>
+                </a:ln>
+              </p:spPr>
+              <p:style>
+                <a:lnRef idx="1">
+                  <a:schemeClr val="accent1"/>
+                </a:lnRef>
+                <a:fillRef idx="0">
+                  <a:schemeClr val="accent1"/>
+                </a:fillRef>
+                <a:effectRef idx="0">
+                  <a:schemeClr val="accent1"/>
+                </a:effectRef>
+                <a:fontRef idx="minor">
+                  <a:schemeClr val="tx1"/>
+                </a:fontRef>
+              </p:style>
+            </p:cxnSp>
+          </p:grpSp>
+          <p:sp>
+            <p:nvSpPr>
+              <p:cNvPr id="77" name="TextBox 76">
+                <a:extLst>
+                  <a:ext uri="{FF2B5EF4-FFF2-40B4-BE49-F238E27FC236}">
+                    <a16:creationId xmlns:a16="http://schemas.microsoft.com/office/drawing/2014/main" id="{5C0BB567-7ABC-A242-ABD8-3239132E7A77}"/>
+                  </a:ext>
+                </a:extLst>
+              </p:cNvPr>
+              <p:cNvSpPr txBox="1"/>
+              <p:nvPr/>
+            </p:nvSpPr>
+            <p:spPr>
+              <a:xfrm>
+                <a:off x="6778475" y="2631808"/>
+                <a:ext cx="457176" cy="200055"/>
+              </a:xfrm>
+              <a:prstGeom prst="rect">
+                <a:avLst/>
+              </a:prstGeom>
+              <a:noFill/>
+            </p:spPr>
+            <p:txBody>
+              <a:bodyPr wrap="none" rtlCol="0">
+                <a:spAutoFit/>
+              </a:bodyPr>
+              <a:lstStyle/>
+              <a:p>
+                <a:r>
+                  <a:rPr lang="en-US" sz="700" dirty="0">
+                    <a:solidFill>
+                      <a:schemeClr val="accent6">
+                        <a:lumMod val="75000"/>
+                      </a:schemeClr>
+                    </a:solidFill>
+                  </a:rPr>
+                  <a:t>*.</a:t>
+                </a:r>
+                <a:r>
+                  <a:rPr lang="en-US" sz="700" dirty="0" err="1">
+                    <a:solidFill>
+                      <a:schemeClr val="accent6">
+                        <a:lumMod val="75000"/>
+                      </a:schemeClr>
+                    </a:solidFill>
+                  </a:rPr>
+                  <a:t>vcf.gz</a:t>
+                </a:r>
+                <a:endParaRPr lang="en-US" sz="700" dirty="0">
+                  <a:solidFill>
+                    <a:schemeClr val="accent6">
+                      <a:lumMod val="75000"/>
+                    </a:schemeClr>
+                  </a:solidFill>
+                </a:endParaRPr>
+              </a:p>
+            </p:txBody>
+          </p:sp>
+          <p:grpSp>
+            <p:nvGrpSpPr>
+              <p:cNvPr id="78" name="Group 77">
+                <a:extLst>
+                  <a:ext uri="{FF2B5EF4-FFF2-40B4-BE49-F238E27FC236}">
+                    <a16:creationId xmlns:a16="http://schemas.microsoft.com/office/drawing/2014/main" id="{05A47807-4683-1644-B06E-C274658E224F}"/>
+                  </a:ext>
+                </a:extLst>
+              </p:cNvPr>
+              <p:cNvGrpSpPr/>
+              <p:nvPr/>
+            </p:nvGrpSpPr>
+            <p:grpSpPr>
+              <a:xfrm rot="2638646">
+                <a:off x="6633331" y="1440996"/>
+                <a:ext cx="2100" cy="412855"/>
+                <a:chOff x="5079999" y="1450235"/>
+                <a:chExt cx="2100" cy="412855"/>
+              </a:xfrm>
+            </p:grpSpPr>
+            <p:cxnSp>
+              <p:nvCxnSpPr>
+                <p:cNvPr id="79" name="Straight Arrow Connector 78">
+                  <a:extLst>
+                    <a:ext uri="{FF2B5EF4-FFF2-40B4-BE49-F238E27FC236}">
+                      <a16:creationId xmlns:a16="http://schemas.microsoft.com/office/drawing/2014/main" id="{DFBD85FB-C9E0-864F-BD81-76389EF368E9}"/>
+                    </a:ext>
+                  </a:extLst>
+                </p:cNvPr>
+                <p:cNvCxnSpPr>
+                  <a:cxnSpLocks/>
+                </p:cNvCxnSpPr>
+                <p:nvPr/>
+              </p:nvCxnSpPr>
+              <p:spPr>
+                <a:xfrm flipH="1">
+                  <a:off x="5082098" y="1531439"/>
+                  <a:ext cx="1" cy="331651"/>
+                </a:xfrm>
+                <a:prstGeom prst="straightConnector1">
+                  <a:avLst/>
+                </a:prstGeom>
+                <a:ln w="28575">
+                  <a:solidFill>
+                    <a:srgbClr val="92D050"/>
+                  </a:solidFill>
+                  <a:tailEnd type="triangle"/>
+                </a:ln>
+              </p:spPr>
+              <p:style>
+                <a:lnRef idx="1">
+                  <a:schemeClr val="accent1"/>
+                </a:lnRef>
+                <a:fillRef idx="0">
+                  <a:schemeClr val="accent1"/>
+                </a:fillRef>
+                <a:effectRef idx="0">
+                  <a:schemeClr val="accent1"/>
+                </a:effectRef>
+                <a:fontRef idx="minor">
+                  <a:schemeClr val="tx1"/>
+                </a:fontRef>
+              </p:style>
+            </p:cxnSp>
+            <p:cxnSp>
+              <p:nvCxnSpPr>
+                <p:cNvPr id="80" name="Straight Arrow Connector 79">
+                  <a:extLst>
+                    <a:ext uri="{FF2B5EF4-FFF2-40B4-BE49-F238E27FC236}">
+                      <a16:creationId xmlns:a16="http://schemas.microsoft.com/office/drawing/2014/main" id="{C3490FC2-7071-774F-A88F-6412C38196E6}"/>
+                    </a:ext>
+                  </a:extLst>
+                </p:cNvPr>
+                <p:cNvCxnSpPr>
+                  <a:cxnSpLocks/>
+                </p:cNvCxnSpPr>
+                <p:nvPr/>
+              </p:nvCxnSpPr>
+              <p:spPr>
+                <a:xfrm flipH="1">
+                  <a:off x="5082098" y="1462250"/>
+                  <a:ext cx="1" cy="266383"/>
+                </a:xfrm>
+                <a:prstGeom prst="straightConnector1">
+                  <a:avLst/>
+                </a:prstGeom>
+                <a:ln w="28575">
+                  <a:solidFill>
+                    <a:schemeClr val="bg2">
+                      <a:lumMod val="10000"/>
+                    </a:schemeClr>
+                  </a:solidFill>
+                  <a:headEnd type="none" w="med" len="med"/>
+                  <a:tailEnd type="none" w="med" len="med"/>
+                </a:ln>
+              </p:spPr>
+              <p:style>
+                <a:lnRef idx="1">
+                  <a:schemeClr val="accent1"/>
+                </a:lnRef>
+                <a:fillRef idx="0">
+                  <a:schemeClr val="accent1"/>
+                </a:fillRef>
+                <a:effectRef idx="0">
+                  <a:schemeClr val="accent1"/>
+                </a:effectRef>
+                <a:fontRef idx="minor">
+                  <a:schemeClr val="tx1"/>
+                </a:fontRef>
+              </p:style>
+            </p:cxnSp>
+            <p:cxnSp>
+              <p:nvCxnSpPr>
+                <p:cNvPr id="81" name="Straight Arrow Connector 80">
+                  <a:extLst>
+                    <a:ext uri="{FF2B5EF4-FFF2-40B4-BE49-F238E27FC236}">
+                      <a16:creationId xmlns:a16="http://schemas.microsoft.com/office/drawing/2014/main" id="{7DEF3FF7-FE83-7D47-8B3F-F23F63C81721}"/>
+                    </a:ext>
+                  </a:extLst>
+                </p:cNvPr>
+                <p:cNvCxnSpPr>
+                  <a:cxnSpLocks/>
+                </p:cNvCxnSpPr>
+                <p:nvPr/>
+              </p:nvCxnSpPr>
+              <p:spPr>
+                <a:xfrm flipH="1">
+                  <a:off x="5079999" y="1450235"/>
+                  <a:ext cx="2" cy="47911"/>
+                </a:xfrm>
+                <a:prstGeom prst="straightConnector1">
+                  <a:avLst/>
+                </a:prstGeom>
+                <a:ln w="28575">
+                  <a:solidFill>
+                    <a:srgbClr val="C00000"/>
+                  </a:solidFill>
+                  <a:headEnd type="none" w="med" len="med"/>
+                  <a:tailEnd type="none" w="med" len="med"/>
+                </a:ln>
+              </p:spPr>
+              <p:style>
+                <a:lnRef idx="1">
+                  <a:schemeClr val="accent1"/>
+                </a:lnRef>
+                <a:fillRef idx="0">
+                  <a:schemeClr val="accent1"/>
+                </a:fillRef>
+                <a:effectRef idx="0">
+                  <a:schemeClr val="accent1"/>
+                </a:effectRef>
+                <a:fontRef idx="minor">
+                  <a:schemeClr val="tx1"/>
+                </a:fontRef>
+              </p:style>
+            </p:cxnSp>
+          </p:grpSp>
+          <p:cxnSp>
+            <p:nvCxnSpPr>
+              <p:cNvPr id="82" name="Straight Arrow Connector 81">
+                <a:extLst>
+                  <a:ext uri="{FF2B5EF4-FFF2-40B4-BE49-F238E27FC236}">
+                    <a16:creationId xmlns:a16="http://schemas.microsoft.com/office/drawing/2014/main" id="{4A505C56-6F95-9344-81CA-C454FD42C79D}"/>
+                  </a:ext>
+                </a:extLst>
+              </p:cNvPr>
+              <p:cNvCxnSpPr/>
+              <p:nvPr/>
+            </p:nvCxnSpPr>
+            <p:spPr>
+              <a:xfrm>
+                <a:off x="7010470" y="3235635"/>
+                <a:ext cx="0" cy="150350"/>
+              </a:xfrm>
+              <a:prstGeom prst="straightConnector1">
+                <a:avLst/>
+              </a:prstGeom>
+              <a:ln w="28575">
+                <a:solidFill>
+                  <a:srgbClr val="FF0000"/>
+                </a:solidFill>
+                <a:tailEnd type="triangle"/>
+              </a:ln>
+            </p:spPr>
+            <p:style>
+              <a:lnRef idx="1">
+                <a:schemeClr val="accent1"/>
+              </a:lnRef>
+              <a:fillRef idx="0">
+                <a:schemeClr val="accent1"/>
+              </a:fillRef>
+              <a:effectRef idx="0">
+                <a:schemeClr val="accent1"/>
+              </a:effectRef>
+              <a:fontRef idx="minor">
+                <a:schemeClr val="tx1"/>
+              </a:fontRef>
+            </p:style>
+          </p:cxnSp>
+          <p:sp>
+            <p:nvSpPr>
+              <p:cNvPr id="83" name="TextBox 82">
+                <a:extLst>
+                  <a:ext uri="{FF2B5EF4-FFF2-40B4-BE49-F238E27FC236}">
+                    <a16:creationId xmlns:a16="http://schemas.microsoft.com/office/drawing/2014/main" id="{A5B7B0AC-796F-0047-9DD7-F18094F3622F}"/>
+                  </a:ext>
+                </a:extLst>
+              </p:cNvPr>
+              <p:cNvSpPr txBox="1"/>
+              <p:nvPr/>
+            </p:nvSpPr>
+            <p:spPr>
+              <a:xfrm>
+                <a:off x="6341067" y="3361854"/>
+                <a:ext cx="3526928" cy="200055"/>
+              </a:xfrm>
+              <a:prstGeom prst="rect">
+                <a:avLst/>
+              </a:prstGeom>
+              <a:noFill/>
+            </p:spPr>
+            <p:txBody>
+              <a:bodyPr wrap="none" rtlCol="0">
+                <a:spAutoFit/>
+              </a:bodyPr>
+              <a:lstStyle/>
+              <a:p>
+                <a:r>
+                  <a:rPr lang="en-US" sz="700" b="1" dirty="0">
+                    <a:solidFill>
+                      <a:srgbClr val="C00000"/>
+                    </a:solidFill>
+                  </a:rPr>
+                  <a:t>Output: </a:t>
+                </a:r>
+                <a:r>
+                  <a:rPr lang="en-US" sz="700" dirty="0"/>
+                  <a:t>$</a:t>
+                </a:r>
+                <a:r>
+                  <a:rPr lang="en-US" sz="700" dirty="0" err="1"/>
+                  <a:t>baseDir</a:t>
+                </a:r>
+                <a:r>
+                  <a:rPr lang="en-US" sz="700" dirty="0"/>
+                  <a:t>/output/</a:t>
+                </a:r>
+                <a:r>
+                  <a:rPr lang="en-US" sz="700" dirty="0" err="1"/>
+                  <a:t>VCF_collect</a:t>
+                </a:r>
+                <a:r>
+                  <a:rPr lang="en-US" sz="700" dirty="0"/>
+                  <a:t>/</a:t>
+                </a:r>
+                <a:r>
+                  <a:rPr lang="en-US" sz="700" dirty="0" err="1"/>
+                  <a:t>merge_vcf</a:t>
+                </a:r>
+                <a:r>
+                  <a:rPr lang="en-US" sz="700" dirty="0"/>
+                  <a:t>/</a:t>
+                </a:r>
+                <a:r>
+                  <a:rPr lang="en-US" sz="700" dirty="0" err="1"/>
+                  <a:t>snps</a:t>
+                </a:r>
+                <a:r>
+                  <a:rPr lang="en-US" sz="700" dirty="0"/>
+                  <a:t>/family/*.</a:t>
+                </a:r>
+                <a:r>
+                  <a:rPr lang="en-US" sz="700" dirty="0" err="1"/>
+                  <a:t>snps.family.merged.vcf.gz</a:t>
+                </a:r>
+                <a:r>
+                  <a:rPr lang="en-US" sz="700" dirty="0"/>
+                  <a:t>”</a:t>
+                </a:r>
+              </a:p>
+            </p:txBody>
+          </p:sp>
+          <p:sp>
+            <p:nvSpPr>
+              <p:cNvPr id="84" name="TextBox 83">
+                <a:extLst>
+                  <a:ext uri="{FF2B5EF4-FFF2-40B4-BE49-F238E27FC236}">
+                    <a16:creationId xmlns:a16="http://schemas.microsoft.com/office/drawing/2014/main" id="{6F2CCAEF-1F97-E842-9166-6AF179A68000}"/>
+                  </a:ext>
+                </a:extLst>
+              </p:cNvPr>
+              <p:cNvSpPr txBox="1"/>
+              <p:nvPr/>
+            </p:nvSpPr>
+            <p:spPr>
+              <a:xfrm>
+                <a:off x="6201607" y="3530901"/>
+                <a:ext cx="3666388" cy="200055"/>
+              </a:xfrm>
+              <a:prstGeom prst="rect">
+                <a:avLst/>
+              </a:prstGeom>
+              <a:noFill/>
+            </p:spPr>
+            <p:txBody>
+              <a:bodyPr wrap="none" rtlCol="0">
+                <a:spAutoFit/>
+              </a:bodyPr>
+              <a:lstStyle/>
+              <a:p>
+                <a:r>
+                  <a:rPr lang="en-US" sz="700" b="1" dirty="0">
+                    <a:solidFill>
+                      <a:srgbClr val="C00000"/>
+                    </a:solidFill>
+                  </a:rPr>
+                  <a:t>Output: </a:t>
+                </a:r>
+                <a:r>
+                  <a:rPr lang="en-US" sz="700" dirty="0"/>
+                  <a:t>“$</a:t>
+                </a:r>
+                <a:r>
+                  <a:rPr lang="en-US" sz="700" dirty="0" err="1"/>
+                  <a:t>baseDir</a:t>
+                </a:r>
+                <a:r>
+                  <a:rPr lang="en-US" sz="700" dirty="0"/>
+                  <a:t>/output/</a:t>
+                </a:r>
+                <a:r>
+                  <a:rPr lang="en-US" sz="700" dirty="0" err="1"/>
+                  <a:t>VCF_collect</a:t>
+                </a:r>
+                <a:r>
+                  <a:rPr lang="en-US" sz="700" dirty="0"/>
+                  <a:t>/</a:t>
+                </a:r>
+                <a:r>
+                  <a:rPr lang="en-US" sz="700" dirty="0" err="1"/>
+                  <a:t>merge_vcf</a:t>
+                </a:r>
+                <a:r>
+                  <a:rPr lang="en-US" sz="700" dirty="0"/>
+                  <a:t>/indels/family/*.</a:t>
+                </a:r>
+                <a:r>
+                  <a:rPr lang="en-US" sz="700" dirty="0" err="1"/>
+                  <a:t>indels.family.merged.vcf.gz</a:t>
+                </a:r>
+                <a:r>
+                  <a:rPr lang="en-US" sz="700" dirty="0"/>
+                  <a:t>”</a:t>
+                </a:r>
+              </a:p>
+            </p:txBody>
+          </p:sp>
+        </p:grpSp>
+        <p:sp>
+          <p:nvSpPr>
+            <p:cNvPr id="85" name="TextBox 84">
+              <a:extLst>
+                <a:ext uri="{FF2B5EF4-FFF2-40B4-BE49-F238E27FC236}">
+                  <a16:creationId xmlns:a16="http://schemas.microsoft.com/office/drawing/2014/main" id="{614B8A2B-469E-8B4E-BE6B-1892C4FF3E4E}"/>
+                </a:ext>
+              </a:extLst>
+            </p:cNvPr>
+            <p:cNvSpPr txBox="1"/>
+            <p:nvPr/>
+          </p:nvSpPr>
+          <p:spPr>
+            <a:xfrm>
+              <a:off x="5620076" y="2706363"/>
+              <a:ext cx="744114" cy="200055"/>
+            </a:xfrm>
+            <a:prstGeom prst="rect">
+              <a:avLst/>
+            </a:prstGeom>
+            <a:noFill/>
+          </p:spPr>
+          <p:txBody>
+            <a:bodyPr wrap="none" rtlCol="0">
+              <a:spAutoFit/>
+            </a:bodyPr>
+            <a:lstStyle/>
+            <a:p>
+              <a:r>
+                <a:rPr lang="en-US" sz="700" dirty="0"/>
+                <a:t>*.</a:t>
+              </a:r>
+              <a:r>
+                <a:rPr lang="en-US" sz="700" dirty="0" err="1"/>
+                <a:t>cgpwxs.vcf.gz</a:t>
+              </a:r>
+              <a:endParaRPr lang="en-US" sz="700" dirty="0"/>
+            </a:p>
+          </p:txBody>
+        </p:sp>
+      </p:grpSp>
+    </p:spTree>
+    <p:extLst>
+      <p:ext uri="{BB962C8B-B14F-4D97-AF65-F5344CB8AC3E}">
+        <p14:creationId xmlns:p14="http://schemas.microsoft.com/office/powerpoint/2010/main" val="1844003327"/>
+      </p:ext>
+    </p:extLst>
+  </p:cSld>
+  <p:clrMapOvr>
+    <a:masterClrMapping/>
+  </p:clrMapOvr>
+</p:sld>
+</file>
+
+<file path=ppt/slides/slide3.xml><?xml version="1.0" encoding="utf-8"?>
 <p:sld xmlns:a="http://schemas.openxmlformats.org/drawingml/2006/main" xmlns:r="http://schemas.openxmlformats.org/officeDocument/2006/relationships" xmlns:p="http://schemas.openxmlformats.org/presentationml/2006/main">
   <p:cSld>
     <p:spTree>
@@ -8295,7 +11297,7 @@
 </p:sld>
 </file>
 
-<file path=ppt/slides/slide3.xml><?xml version="1.0" encoding="utf-8"?>
+<file path=ppt/slides/slide4.xml><?xml version="1.0" encoding="utf-8"?>
 <p:sld xmlns:a="http://schemas.openxmlformats.org/drawingml/2006/main" xmlns:r="http://schemas.openxmlformats.org/officeDocument/2006/relationships" xmlns:p="http://schemas.openxmlformats.org/presentationml/2006/main">
   <p:cSld>
     <p:spTree>
@@ -9539,7 +12541,7 @@
 </p:sld>
 </file>
 
-<file path=ppt/slides/slide4.xml><?xml version="1.0" encoding="utf-8"?>
+<file path=ppt/slides/slide5.xml><?xml version="1.0" encoding="utf-8"?>
 <p:sld xmlns:a="http://schemas.openxmlformats.org/drawingml/2006/main" xmlns:r="http://schemas.openxmlformats.org/officeDocument/2006/relationships" xmlns:p="http://schemas.openxmlformats.org/presentationml/2006/main">
   <p:cSld>
     <p:spTree>
@@ -10169,7 +13171,7 @@
 </p:sld>
 </file>
 
-<file path=ppt/slides/slide5.xml><?xml version="1.0" encoding="utf-8"?>
+<file path=ppt/slides/slide6.xml><?xml version="1.0" encoding="utf-8"?>
 <p:sld xmlns:a="http://schemas.openxmlformats.org/drawingml/2006/main" xmlns:r="http://schemas.openxmlformats.org/officeDocument/2006/relationships" xmlns:p="http://schemas.openxmlformats.org/presentationml/2006/main">
   <p:cSld>
     <p:spTree>
@@ -11094,7 +14096,7 @@
 </p:sld>
 </file>
 
-<file path=ppt/slides/slide6.xml><?xml version="1.0" encoding="utf-8"?>
+<file path=ppt/slides/slide7.xml><?xml version="1.0" encoding="utf-8"?>
 <p:sld xmlns:a="http://schemas.openxmlformats.org/drawingml/2006/main" xmlns:r="http://schemas.openxmlformats.org/officeDocument/2006/relationships" xmlns:p="http://schemas.openxmlformats.org/presentationml/2006/main">
   <p:cSld>
     <p:spTree>
@@ -11670,7 +14672,7 @@
 </p:sld>
 </file>
 
-<file path=ppt/slides/slide7.xml><?xml version="1.0" encoding="utf-8"?>
+<file path=ppt/slides/slide8.xml><?xml version="1.0" encoding="utf-8"?>
 <p:sld xmlns:a="http://schemas.openxmlformats.org/drawingml/2006/main" xmlns:r="http://schemas.openxmlformats.org/officeDocument/2006/relationships" xmlns:p="http://schemas.openxmlformats.org/presentationml/2006/main">
   <p:cSld>
     <p:spTree>
@@ -12817,7 +15819,7 @@
 </p:sld>
 </file>
 
-<file path=ppt/slides/slide8.xml><?xml version="1.0" encoding="utf-8"?>
+<file path=ppt/slides/slide9.xml><?xml version="1.0" encoding="utf-8"?>
 <p:sld xmlns:a="http://schemas.openxmlformats.org/drawingml/2006/main" xmlns:r="http://schemas.openxmlformats.org/officeDocument/2006/relationships" xmlns:p="http://schemas.openxmlformats.org/presentationml/2006/main">
   <p:cSld>
     <p:spTree>
@@ -13584,248 +16586,6 @@
 </p:sld>
 </file>
 
-<file path=ppt/slides/slide9.xml><?xml version="1.0" encoding="utf-8"?>
-<p:sld xmlns:a="http://schemas.openxmlformats.org/drawingml/2006/main" xmlns:r="http://schemas.openxmlformats.org/officeDocument/2006/relationships" xmlns:p="http://schemas.openxmlformats.org/presentationml/2006/main">
-  <p:cSld>
-    <p:spTree>
-      <p:nvGrpSpPr>
-        <p:cNvPr id="1" name=""/>
-        <p:cNvGrpSpPr/>
-        <p:nvPr/>
-      </p:nvGrpSpPr>
-      <p:grpSpPr>
-        <a:xfrm>
-          <a:off x="0" y="0"/>
-          <a:ext cx="0" cy="0"/>
-          <a:chOff x="0" y="0"/>
-          <a:chExt cx="0" cy="0"/>
-        </a:xfrm>
-      </p:grpSpPr>
-      <p:grpSp>
-        <p:nvGrpSpPr>
-          <p:cNvPr id="9" name="Group 8">
-            <a:extLst>
-              <a:ext uri="{FF2B5EF4-FFF2-40B4-BE49-F238E27FC236}">
-                <a16:creationId xmlns:a16="http://schemas.microsoft.com/office/drawing/2014/main" id="{4B19E3E1-3B86-E542-AC5B-15BC42EB517E}"/>
-              </a:ext>
-            </a:extLst>
-          </p:cNvPr>
-          <p:cNvGrpSpPr/>
-          <p:nvPr/>
-        </p:nvGrpSpPr>
-        <p:grpSpPr>
-          <a:xfrm>
-            <a:off x="3348316" y="1062317"/>
-            <a:ext cx="3832413" cy="3639387"/>
-            <a:chOff x="3348316" y="1062317"/>
-            <a:chExt cx="3832413" cy="3639387"/>
-          </a:xfrm>
-        </p:grpSpPr>
-        <p:pic>
-          <p:nvPicPr>
-            <p:cNvPr id="5" name="Picture 4">
-              <a:extLst>
-                <a:ext uri="{FF2B5EF4-FFF2-40B4-BE49-F238E27FC236}">
-                  <a16:creationId xmlns:a16="http://schemas.microsoft.com/office/drawing/2014/main" id="{CA97D372-3BBA-C841-BD9F-81F4CDAB810C}"/>
-                </a:ext>
-              </a:extLst>
-            </p:cNvPr>
-            <p:cNvPicPr>
-              <a:picLocks noChangeAspect="1"/>
-            </p:cNvPicPr>
-            <p:nvPr/>
-          </p:nvPicPr>
-          <p:blipFill rotWithShape="1">
-            <a:blip r:embed="rId2"/>
-            <a:srcRect l="7532" t="10098" r="51377" b="32091"/>
-            <a:stretch/>
-          </p:blipFill>
-          <p:spPr>
-            <a:xfrm>
-              <a:off x="3348316" y="1062317"/>
-              <a:ext cx="3738283" cy="3639387"/>
-            </a:xfrm>
-            <a:prstGeom prst="rect">
-              <a:avLst/>
-            </a:prstGeom>
-          </p:spPr>
-        </p:pic>
-        <p:sp>
-          <p:nvSpPr>
-            <p:cNvPr id="6" name="Rectangle 5">
-              <a:extLst>
-                <a:ext uri="{FF2B5EF4-FFF2-40B4-BE49-F238E27FC236}">
-                  <a16:creationId xmlns:a16="http://schemas.microsoft.com/office/drawing/2014/main" id="{8E9FA522-49D6-DE46-B234-4C8672609F4B}"/>
-                </a:ext>
-              </a:extLst>
-            </p:cNvPr>
-            <p:cNvSpPr/>
-            <p:nvPr/>
-          </p:nvSpPr>
-          <p:spPr>
-            <a:xfrm>
-              <a:off x="6790764" y="1734671"/>
-              <a:ext cx="389965" cy="1963270"/>
-            </a:xfrm>
-            <a:prstGeom prst="rect">
-              <a:avLst/>
-            </a:prstGeom>
-            <a:solidFill>
-              <a:schemeClr val="bg1"/>
-            </a:solidFill>
-            <a:ln>
-              <a:solidFill>
-                <a:schemeClr val="bg1"/>
-              </a:solidFill>
-            </a:ln>
-          </p:spPr>
-          <p:style>
-            <a:lnRef idx="2">
-              <a:schemeClr val="accent1">
-                <a:shade val="50000"/>
-              </a:schemeClr>
-            </a:lnRef>
-            <a:fillRef idx="1">
-              <a:schemeClr val="accent1"/>
-            </a:fillRef>
-            <a:effectRef idx="0">
-              <a:schemeClr val="accent1"/>
-            </a:effectRef>
-            <a:fontRef idx="minor">
-              <a:schemeClr val="lt1"/>
-            </a:fontRef>
-          </p:style>
-          <p:txBody>
-            <a:bodyPr rtlCol="0" anchor="ctr"/>
-            <a:lstStyle/>
-            <a:p>
-              <a:pPr algn="ctr"/>
-              <a:endParaRPr lang="en-US"/>
-            </a:p>
-          </p:txBody>
-        </p:sp>
-        <p:sp>
-          <p:nvSpPr>
-            <p:cNvPr id="7" name="Rectangle 6">
-              <a:extLst>
-                <a:ext uri="{FF2B5EF4-FFF2-40B4-BE49-F238E27FC236}">
-                  <a16:creationId xmlns:a16="http://schemas.microsoft.com/office/drawing/2014/main" id="{2BF2B799-CDE1-474C-BD08-D99B636A7EC8}"/>
-                </a:ext>
-              </a:extLst>
-            </p:cNvPr>
-            <p:cNvSpPr/>
-            <p:nvPr/>
-          </p:nvSpPr>
-          <p:spPr>
-            <a:xfrm rot="5400000">
-              <a:off x="4018428" y="1772774"/>
-              <a:ext cx="714937" cy="930088"/>
-            </a:xfrm>
-            <a:prstGeom prst="rect">
-              <a:avLst/>
-            </a:prstGeom>
-            <a:solidFill>
-              <a:schemeClr val="bg1"/>
-            </a:solidFill>
-            <a:ln>
-              <a:solidFill>
-                <a:schemeClr val="bg1"/>
-              </a:solidFill>
-            </a:ln>
-          </p:spPr>
-          <p:style>
-            <a:lnRef idx="2">
-              <a:schemeClr val="accent1">
-                <a:shade val="50000"/>
-              </a:schemeClr>
-            </a:lnRef>
-            <a:fillRef idx="1">
-              <a:schemeClr val="accent1"/>
-            </a:fillRef>
-            <a:effectRef idx="0">
-              <a:schemeClr val="accent1"/>
-            </a:effectRef>
-            <a:fontRef idx="minor">
-              <a:schemeClr val="lt1"/>
-            </a:fontRef>
-          </p:style>
-          <p:txBody>
-            <a:bodyPr rtlCol="0" anchor="ctr"/>
-            <a:lstStyle/>
-            <a:p>
-              <a:pPr algn="ctr"/>
-              <a:endParaRPr lang="en-US"/>
-            </a:p>
-          </p:txBody>
-        </p:sp>
-        <p:sp>
-          <p:nvSpPr>
-            <p:cNvPr id="8" name="Rectangle 7">
-              <a:extLst>
-                <a:ext uri="{FF2B5EF4-FFF2-40B4-BE49-F238E27FC236}">
-                  <a16:creationId xmlns:a16="http://schemas.microsoft.com/office/drawing/2014/main" id="{98C937FE-4DBE-C74E-A851-C417C5D0F9FA}"/>
-                </a:ext>
-              </a:extLst>
-            </p:cNvPr>
-            <p:cNvSpPr/>
-            <p:nvPr/>
-          </p:nvSpPr>
-          <p:spPr>
-            <a:xfrm rot="5400000">
-              <a:off x="5582763" y="1790704"/>
-              <a:ext cx="714937" cy="930088"/>
-            </a:xfrm>
-            <a:prstGeom prst="rect">
-              <a:avLst/>
-            </a:prstGeom>
-            <a:solidFill>
-              <a:schemeClr val="bg1"/>
-            </a:solidFill>
-            <a:ln>
-              <a:solidFill>
-                <a:schemeClr val="bg1"/>
-              </a:solidFill>
-            </a:ln>
-          </p:spPr>
-          <p:style>
-            <a:lnRef idx="2">
-              <a:schemeClr val="accent1">
-                <a:shade val="50000"/>
-              </a:schemeClr>
-            </a:lnRef>
-            <a:fillRef idx="1">
-              <a:schemeClr val="accent1"/>
-            </a:fillRef>
-            <a:effectRef idx="0">
-              <a:schemeClr val="accent1"/>
-            </a:effectRef>
-            <a:fontRef idx="minor">
-              <a:schemeClr val="lt1"/>
-            </a:fontRef>
-          </p:style>
-          <p:txBody>
-            <a:bodyPr rtlCol="0" anchor="ctr"/>
-            <a:lstStyle/>
-            <a:p>
-              <a:pPr algn="ctr"/>
-              <a:endParaRPr lang="en-US"/>
-            </a:p>
-          </p:txBody>
-        </p:sp>
-      </p:grpSp>
-    </p:spTree>
-    <p:extLst>
-      <p:ext uri="{BB962C8B-B14F-4D97-AF65-F5344CB8AC3E}">
-        <p14:creationId xmlns:p14="http://schemas.microsoft.com/office/powerpoint/2010/main" val="1041410416"/>
-      </p:ext>
-    </p:extLst>
-  </p:cSld>
-  <p:clrMapOvr>
-    <a:masterClrMapping/>
-  </p:clrMapOvr>
-</p:sld>
-</file>
-
 <file path=ppt/theme/theme1.xml><?xml version="1.0" encoding="utf-8"?>
 <a:theme xmlns:a="http://schemas.openxmlformats.org/drawingml/2006/main" name="Office Theme">
   <a:themeElements>
